--- a/01 Classes/Aula 06 - Aplicação Cloud Indústria 40 Python IoT Plataforma Raspberry PI.pptx
+++ b/01 Classes/Aula 06 - Aplicação Cloud Indústria 40 Python IoT Plataforma Raspberry PI.pptx
@@ -5,17 +5,31 @@
     <p:sldMasterId id="2147483648" r:id="rId1"/>
   </p:sldMasterIdLst>
   <p:notesMasterIdLst>
-    <p:notesMasterId r:id="rId10"/>
+    <p:notesMasterId r:id="rId24"/>
   </p:notesMasterIdLst>
   <p:sldIdLst>
-    <p:sldId id="256" r:id="rId2"/>
-    <p:sldId id="291" r:id="rId3"/>
-    <p:sldId id="347" r:id="rId4"/>
-    <p:sldId id="333" r:id="rId5"/>
-    <p:sldId id="323" r:id="rId6"/>
-    <p:sldId id="345" r:id="rId7"/>
-    <p:sldId id="337" r:id="rId8"/>
-    <p:sldId id="309" r:id="rId9"/>
+    <p:sldId id="383" r:id="rId2"/>
+    <p:sldId id="384" r:id="rId3"/>
+    <p:sldId id="369" r:id="rId4"/>
+    <p:sldId id="375" r:id="rId5"/>
+    <p:sldId id="381" r:id="rId6"/>
+    <p:sldId id="379" r:id="rId7"/>
+    <p:sldId id="370" r:id="rId8"/>
+    <p:sldId id="373" r:id="rId9"/>
+    <p:sldId id="382" r:id="rId10"/>
+    <p:sldId id="378" r:id="rId11"/>
+    <p:sldId id="372" r:id="rId12"/>
+    <p:sldId id="380" r:id="rId13"/>
+    <p:sldId id="371" r:id="rId14"/>
+    <p:sldId id="374" r:id="rId15"/>
+    <p:sldId id="364" r:id="rId16"/>
+    <p:sldId id="376" r:id="rId17"/>
+    <p:sldId id="377" r:id="rId18"/>
+    <p:sldId id="333" r:id="rId19"/>
+    <p:sldId id="323" r:id="rId20"/>
+    <p:sldId id="334" r:id="rId21"/>
+    <p:sldId id="337" r:id="rId22"/>
+    <p:sldId id="385" r:id="rId23"/>
   </p:sldIdLst>
   <p:sldSz cx="9144000" cy="5143500" type="screen16x9"/>
   <p:notesSz cx="6858000" cy="9144000"/>
@@ -562,6 +576,666 @@
 </p:notes>
 </file>
 
+<file path=ppt/notesSlides/notesSlide10.xml><?xml version="1.0" encoding="utf-8"?>
+<p:notes xmlns:a="http://schemas.openxmlformats.org/drawingml/2006/main" xmlns:r="http://schemas.openxmlformats.org/officeDocument/2006/relationships" xmlns:p="http://schemas.openxmlformats.org/presentationml/2006/main">
+  <p:cSld>
+    <p:spTree>
+      <p:nvGrpSpPr>
+        <p:cNvPr id="1" name=""/>
+        <p:cNvGrpSpPr/>
+        <p:nvPr/>
+      </p:nvGrpSpPr>
+      <p:grpSpPr>
+        <a:xfrm>
+          <a:off x="0" y="0"/>
+          <a:ext cx="0" cy="0"/>
+          <a:chOff x="0" y="0"/>
+          <a:chExt cx="0" cy="0"/>
+        </a:xfrm>
+      </p:grpSpPr>
+      <p:sp>
+        <p:nvSpPr>
+          <p:cNvPr id="2" name="Espaço Reservado para Imagem de Slide 1"/>
+          <p:cNvSpPr>
+            <a:spLocks noGrp="1" noRot="1" noChangeAspect="1"/>
+          </p:cNvSpPr>
+          <p:nvPr>
+            <p:ph type="sldImg"/>
+          </p:nvPr>
+        </p:nvSpPr>
+        <p:spPr>
+          <a:xfrm>
+            <a:off x="381000" y="685800"/>
+            <a:ext cx="6096000" cy="3429000"/>
+          </a:xfrm>
+        </p:spPr>
+      </p:sp>
+      <p:sp>
+        <p:nvSpPr>
+          <p:cNvPr id="3" name="Espaço Reservado para Anotações 2"/>
+          <p:cNvSpPr>
+            <a:spLocks noGrp="1"/>
+          </p:cNvSpPr>
+          <p:nvPr>
+            <p:ph type="body" idx="1"/>
+          </p:nvPr>
+        </p:nvSpPr>
+        <p:spPr/>
+        <p:txBody>
+          <a:bodyPr/>
+          <a:lstStyle/>
+          <a:p>
+            <a:endParaRPr lang="pt-BR" dirty="0"/>
+          </a:p>
+        </p:txBody>
+      </p:sp>
+    </p:spTree>
+    <p:extLst>
+      <p:ext uri="{BB962C8B-B14F-4D97-AF65-F5344CB8AC3E}">
+        <p14:creationId xmlns:p14="http://schemas.microsoft.com/office/powerpoint/2010/main" val="2954417858"/>
+      </p:ext>
+    </p:extLst>
+  </p:cSld>
+  <p:clrMapOvr>
+    <a:masterClrMapping/>
+  </p:clrMapOvr>
+</p:notes>
+</file>
+
+<file path=ppt/notesSlides/notesSlide11.xml><?xml version="1.0" encoding="utf-8"?>
+<p:notes xmlns:a="http://schemas.openxmlformats.org/drawingml/2006/main" xmlns:r="http://schemas.openxmlformats.org/officeDocument/2006/relationships" xmlns:p="http://schemas.openxmlformats.org/presentationml/2006/main">
+  <p:cSld>
+    <p:spTree>
+      <p:nvGrpSpPr>
+        <p:cNvPr id="1" name=""/>
+        <p:cNvGrpSpPr/>
+        <p:nvPr/>
+      </p:nvGrpSpPr>
+      <p:grpSpPr>
+        <a:xfrm>
+          <a:off x="0" y="0"/>
+          <a:ext cx="0" cy="0"/>
+          <a:chOff x="0" y="0"/>
+          <a:chExt cx="0" cy="0"/>
+        </a:xfrm>
+      </p:grpSpPr>
+      <p:sp>
+        <p:nvSpPr>
+          <p:cNvPr id="2" name="Espaço Reservado para Imagem de Slide 1"/>
+          <p:cNvSpPr>
+            <a:spLocks noGrp="1" noRot="1" noChangeAspect="1"/>
+          </p:cNvSpPr>
+          <p:nvPr>
+            <p:ph type="sldImg"/>
+          </p:nvPr>
+        </p:nvSpPr>
+        <p:spPr>
+          <a:xfrm>
+            <a:off x="381000" y="685800"/>
+            <a:ext cx="6096000" cy="3429000"/>
+          </a:xfrm>
+        </p:spPr>
+      </p:sp>
+      <p:sp>
+        <p:nvSpPr>
+          <p:cNvPr id="3" name="Espaço Reservado para Anotações 2"/>
+          <p:cNvSpPr>
+            <a:spLocks noGrp="1"/>
+          </p:cNvSpPr>
+          <p:nvPr>
+            <p:ph type="body" idx="1"/>
+          </p:nvPr>
+        </p:nvSpPr>
+        <p:spPr/>
+        <p:txBody>
+          <a:bodyPr/>
+          <a:lstStyle/>
+          <a:p>
+            <a:endParaRPr lang="pt-BR" dirty="0"/>
+          </a:p>
+        </p:txBody>
+      </p:sp>
+    </p:spTree>
+    <p:extLst>
+      <p:ext uri="{BB962C8B-B14F-4D97-AF65-F5344CB8AC3E}">
+        <p14:creationId xmlns:p14="http://schemas.microsoft.com/office/powerpoint/2010/main" val="2983832482"/>
+      </p:ext>
+    </p:extLst>
+  </p:cSld>
+  <p:clrMapOvr>
+    <a:masterClrMapping/>
+  </p:clrMapOvr>
+</p:notes>
+</file>
+
+<file path=ppt/notesSlides/notesSlide12.xml><?xml version="1.0" encoding="utf-8"?>
+<p:notes xmlns:a="http://schemas.openxmlformats.org/drawingml/2006/main" xmlns:r="http://schemas.openxmlformats.org/officeDocument/2006/relationships" xmlns:p="http://schemas.openxmlformats.org/presentationml/2006/main">
+  <p:cSld>
+    <p:spTree>
+      <p:nvGrpSpPr>
+        <p:cNvPr id="1" name=""/>
+        <p:cNvGrpSpPr/>
+        <p:nvPr/>
+      </p:nvGrpSpPr>
+      <p:grpSpPr>
+        <a:xfrm>
+          <a:off x="0" y="0"/>
+          <a:ext cx="0" cy="0"/>
+          <a:chOff x="0" y="0"/>
+          <a:chExt cx="0" cy="0"/>
+        </a:xfrm>
+      </p:grpSpPr>
+      <p:sp>
+        <p:nvSpPr>
+          <p:cNvPr id="2" name="Espaço Reservado para Imagem de Slide 1"/>
+          <p:cNvSpPr>
+            <a:spLocks noGrp="1" noRot="1" noChangeAspect="1"/>
+          </p:cNvSpPr>
+          <p:nvPr>
+            <p:ph type="sldImg"/>
+          </p:nvPr>
+        </p:nvSpPr>
+        <p:spPr>
+          <a:xfrm>
+            <a:off x="381000" y="685800"/>
+            <a:ext cx="6096000" cy="3429000"/>
+          </a:xfrm>
+        </p:spPr>
+      </p:sp>
+      <p:sp>
+        <p:nvSpPr>
+          <p:cNvPr id="3" name="Espaço Reservado para Anotações 2"/>
+          <p:cNvSpPr>
+            <a:spLocks noGrp="1"/>
+          </p:cNvSpPr>
+          <p:nvPr>
+            <p:ph type="body" idx="1"/>
+          </p:nvPr>
+        </p:nvSpPr>
+        <p:spPr/>
+        <p:txBody>
+          <a:bodyPr/>
+          <a:lstStyle/>
+          <a:p>
+            <a:endParaRPr lang="pt-BR" dirty="0"/>
+          </a:p>
+        </p:txBody>
+      </p:sp>
+    </p:spTree>
+    <p:extLst>
+      <p:ext uri="{BB962C8B-B14F-4D97-AF65-F5344CB8AC3E}">
+        <p14:creationId xmlns:p14="http://schemas.microsoft.com/office/powerpoint/2010/main" val="3319614827"/>
+      </p:ext>
+    </p:extLst>
+  </p:cSld>
+  <p:clrMapOvr>
+    <a:masterClrMapping/>
+  </p:clrMapOvr>
+</p:notes>
+</file>
+
+<file path=ppt/notesSlides/notesSlide13.xml><?xml version="1.0" encoding="utf-8"?>
+<p:notes xmlns:a="http://schemas.openxmlformats.org/drawingml/2006/main" xmlns:r="http://schemas.openxmlformats.org/officeDocument/2006/relationships" xmlns:p="http://schemas.openxmlformats.org/presentationml/2006/main">
+  <p:cSld>
+    <p:spTree>
+      <p:nvGrpSpPr>
+        <p:cNvPr id="1" name=""/>
+        <p:cNvGrpSpPr/>
+        <p:nvPr/>
+      </p:nvGrpSpPr>
+      <p:grpSpPr>
+        <a:xfrm>
+          <a:off x="0" y="0"/>
+          <a:ext cx="0" cy="0"/>
+          <a:chOff x="0" y="0"/>
+          <a:chExt cx="0" cy="0"/>
+        </a:xfrm>
+      </p:grpSpPr>
+      <p:sp>
+        <p:nvSpPr>
+          <p:cNvPr id="2" name="Espaço Reservado para Imagem de Slide 1"/>
+          <p:cNvSpPr>
+            <a:spLocks noGrp="1" noRot="1" noChangeAspect="1"/>
+          </p:cNvSpPr>
+          <p:nvPr>
+            <p:ph type="sldImg"/>
+          </p:nvPr>
+        </p:nvSpPr>
+        <p:spPr>
+          <a:xfrm>
+            <a:off x="381000" y="685800"/>
+            <a:ext cx="6096000" cy="3429000"/>
+          </a:xfrm>
+        </p:spPr>
+      </p:sp>
+      <p:sp>
+        <p:nvSpPr>
+          <p:cNvPr id="3" name="Espaço Reservado para Anotações 2"/>
+          <p:cNvSpPr>
+            <a:spLocks noGrp="1"/>
+          </p:cNvSpPr>
+          <p:nvPr>
+            <p:ph type="body" idx="1"/>
+          </p:nvPr>
+        </p:nvSpPr>
+        <p:spPr/>
+        <p:txBody>
+          <a:bodyPr/>
+          <a:lstStyle/>
+          <a:p>
+            <a:endParaRPr lang="pt-BR" dirty="0"/>
+          </a:p>
+        </p:txBody>
+      </p:sp>
+    </p:spTree>
+    <p:extLst>
+      <p:ext uri="{BB962C8B-B14F-4D97-AF65-F5344CB8AC3E}">
+        <p14:creationId xmlns:p14="http://schemas.microsoft.com/office/powerpoint/2010/main" val="2342207342"/>
+      </p:ext>
+    </p:extLst>
+  </p:cSld>
+  <p:clrMapOvr>
+    <a:masterClrMapping/>
+  </p:clrMapOvr>
+</p:notes>
+</file>
+
+<file path=ppt/notesSlides/notesSlide14.xml><?xml version="1.0" encoding="utf-8"?>
+<p:notes xmlns:a="http://schemas.openxmlformats.org/drawingml/2006/main" xmlns:r="http://schemas.openxmlformats.org/officeDocument/2006/relationships" xmlns:p="http://schemas.openxmlformats.org/presentationml/2006/main">
+  <p:cSld>
+    <p:spTree>
+      <p:nvGrpSpPr>
+        <p:cNvPr id="1" name=""/>
+        <p:cNvGrpSpPr/>
+        <p:nvPr/>
+      </p:nvGrpSpPr>
+      <p:grpSpPr>
+        <a:xfrm>
+          <a:off x="0" y="0"/>
+          <a:ext cx="0" cy="0"/>
+          <a:chOff x="0" y="0"/>
+          <a:chExt cx="0" cy="0"/>
+        </a:xfrm>
+      </p:grpSpPr>
+      <p:sp>
+        <p:nvSpPr>
+          <p:cNvPr id="2" name="Espaço Reservado para Imagem de Slide 1"/>
+          <p:cNvSpPr>
+            <a:spLocks noGrp="1" noRot="1" noChangeAspect="1"/>
+          </p:cNvSpPr>
+          <p:nvPr>
+            <p:ph type="sldImg"/>
+          </p:nvPr>
+        </p:nvSpPr>
+        <p:spPr>
+          <a:xfrm>
+            <a:off x="381000" y="685800"/>
+            <a:ext cx="6096000" cy="3429000"/>
+          </a:xfrm>
+        </p:spPr>
+      </p:sp>
+      <p:sp>
+        <p:nvSpPr>
+          <p:cNvPr id="3" name="Espaço Reservado para Anotações 2"/>
+          <p:cNvSpPr>
+            <a:spLocks noGrp="1"/>
+          </p:cNvSpPr>
+          <p:nvPr>
+            <p:ph type="body" idx="1"/>
+          </p:nvPr>
+        </p:nvSpPr>
+        <p:spPr/>
+        <p:txBody>
+          <a:bodyPr/>
+          <a:lstStyle/>
+          <a:p>
+            <a:endParaRPr lang="pt-BR" dirty="0"/>
+          </a:p>
+        </p:txBody>
+      </p:sp>
+    </p:spTree>
+    <p:extLst>
+      <p:ext uri="{BB962C8B-B14F-4D97-AF65-F5344CB8AC3E}">
+        <p14:creationId xmlns:p14="http://schemas.microsoft.com/office/powerpoint/2010/main" val="3389750308"/>
+      </p:ext>
+    </p:extLst>
+  </p:cSld>
+  <p:clrMapOvr>
+    <a:masterClrMapping/>
+  </p:clrMapOvr>
+</p:notes>
+</file>
+
+<file path=ppt/notesSlides/notesSlide15.xml><?xml version="1.0" encoding="utf-8"?>
+<p:notes xmlns:a="http://schemas.openxmlformats.org/drawingml/2006/main" xmlns:r="http://schemas.openxmlformats.org/officeDocument/2006/relationships" xmlns:p="http://schemas.openxmlformats.org/presentationml/2006/main">
+  <p:cSld>
+    <p:spTree>
+      <p:nvGrpSpPr>
+        <p:cNvPr id="1" name=""/>
+        <p:cNvGrpSpPr/>
+        <p:nvPr/>
+      </p:nvGrpSpPr>
+      <p:grpSpPr>
+        <a:xfrm>
+          <a:off x="0" y="0"/>
+          <a:ext cx="0" cy="0"/>
+          <a:chOff x="0" y="0"/>
+          <a:chExt cx="0" cy="0"/>
+        </a:xfrm>
+      </p:grpSpPr>
+      <p:sp>
+        <p:nvSpPr>
+          <p:cNvPr id="2" name="Espaço Reservado para Imagem de Slide 1"/>
+          <p:cNvSpPr>
+            <a:spLocks noGrp="1" noRot="1" noChangeAspect="1"/>
+          </p:cNvSpPr>
+          <p:nvPr>
+            <p:ph type="sldImg"/>
+          </p:nvPr>
+        </p:nvSpPr>
+        <p:spPr>
+          <a:xfrm>
+            <a:off x="381000" y="685800"/>
+            <a:ext cx="6096000" cy="3429000"/>
+          </a:xfrm>
+        </p:spPr>
+      </p:sp>
+      <p:sp>
+        <p:nvSpPr>
+          <p:cNvPr id="3" name="Espaço Reservado para Anotações 2"/>
+          <p:cNvSpPr>
+            <a:spLocks noGrp="1"/>
+          </p:cNvSpPr>
+          <p:nvPr>
+            <p:ph type="body" idx="1"/>
+          </p:nvPr>
+        </p:nvSpPr>
+        <p:spPr/>
+        <p:txBody>
+          <a:bodyPr/>
+          <a:lstStyle/>
+          <a:p>
+            <a:endParaRPr lang="pt-BR" dirty="0"/>
+          </a:p>
+        </p:txBody>
+      </p:sp>
+    </p:spTree>
+    <p:extLst>
+      <p:ext uri="{BB962C8B-B14F-4D97-AF65-F5344CB8AC3E}">
+        <p14:creationId xmlns:p14="http://schemas.microsoft.com/office/powerpoint/2010/main" val="2489405221"/>
+      </p:ext>
+    </p:extLst>
+  </p:cSld>
+  <p:clrMapOvr>
+    <a:masterClrMapping/>
+  </p:clrMapOvr>
+</p:notes>
+</file>
+
+<file path=ppt/notesSlides/notesSlide16.xml><?xml version="1.0" encoding="utf-8"?>
+<p:notes xmlns:a="http://schemas.openxmlformats.org/drawingml/2006/main" xmlns:r="http://schemas.openxmlformats.org/officeDocument/2006/relationships" xmlns:p="http://schemas.openxmlformats.org/presentationml/2006/main">
+  <p:cSld>
+    <p:spTree>
+      <p:nvGrpSpPr>
+        <p:cNvPr id="1" name=""/>
+        <p:cNvGrpSpPr/>
+        <p:nvPr/>
+      </p:nvGrpSpPr>
+      <p:grpSpPr>
+        <a:xfrm>
+          <a:off x="0" y="0"/>
+          <a:ext cx="0" cy="0"/>
+          <a:chOff x="0" y="0"/>
+          <a:chExt cx="0" cy="0"/>
+        </a:xfrm>
+      </p:grpSpPr>
+      <p:sp>
+        <p:nvSpPr>
+          <p:cNvPr id="2" name="Espaço Reservado para Imagem de Slide 1"/>
+          <p:cNvSpPr>
+            <a:spLocks noGrp="1" noRot="1" noChangeAspect="1"/>
+          </p:cNvSpPr>
+          <p:nvPr>
+            <p:ph type="sldImg"/>
+          </p:nvPr>
+        </p:nvSpPr>
+        <p:spPr>
+          <a:xfrm>
+            <a:off x="381000" y="685800"/>
+            <a:ext cx="6096000" cy="3429000"/>
+          </a:xfrm>
+        </p:spPr>
+      </p:sp>
+      <p:sp>
+        <p:nvSpPr>
+          <p:cNvPr id="3" name="Espaço Reservado para Anotações 2"/>
+          <p:cNvSpPr>
+            <a:spLocks noGrp="1"/>
+          </p:cNvSpPr>
+          <p:nvPr>
+            <p:ph type="body" idx="1"/>
+          </p:nvPr>
+        </p:nvSpPr>
+        <p:spPr/>
+        <p:txBody>
+          <a:bodyPr/>
+          <a:lstStyle/>
+          <a:p>
+            <a:endParaRPr lang="pt-BR" dirty="0"/>
+          </a:p>
+        </p:txBody>
+      </p:sp>
+    </p:spTree>
+    <p:extLst>
+      <p:ext uri="{BB962C8B-B14F-4D97-AF65-F5344CB8AC3E}">
+        <p14:creationId xmlns:p14="http://schemas.microsoft.com/office/powerpoint/2010/main" val="962072616"/>
+      </p:ext>
+    </p:extLst>
+  </p:cSld>
+  <p:clrMapOvr>
+    <a:masterClrMapping/>
+  </p:clrMapOvr>
+</p:notes>
+</file>
+
+<file path=ppt/notesSlides/notesSlide17.xml><?xml version="1.0" encoding="utf-8"?>
+<p:notes xmlns:a="http://schemas.openxmlformats.org/drawingml/2006/main" xmlns:r="http://schemas.openxmlformats.org/officeDocument/2006/relationships" xmlns:p="http://schemas.openxmlformats.org/presentationml/2006/main">
+  <p:cSld>
+    <p:spTree>
+      <p:nvGrpSpPr>
+        <p:cNvPr id="1" name=""/>
+        <p:cNvGrpSpPr/>
+        <p:nvPr/>
+      </p:nvGrpSpPr>
+      <p:grpSpPr>
+        <a:xfrm>
+          <a:off x="0" y="0"/>
+          <a:ext cx="0" cy="0"/>
+          <a:chOff x="0" y="0"/>
+          <a:chExt cx="0" cy="0"/>
+        </a:xfrm>
+      </p:grpSpPr>
+      <p:sp>
+        <p:nvSpPr>
+          <p:cNvPr id="2" name="Espaço Reservado para Imagem de Slide 1"/>
+          <p:cNvSpPr>
+            <a:spLocks noGrp="1" noRot="1" noChangeAspect="1"/>
+          </p:cNvSpPr>
+          <p:nvPr>
+            <p:ph type="sldImg"/>
+          </p:nvPr>
+        </p:nvSpPr>
+        <p:spPr>
+          <a:xfrm>
+            <a:off x="381000" y="685800"/>
+            <a:ext cx="6096000" cy="3429000"/>
+          </a:xfrm>
+        </p:spPr>
+      </p:sp>
+      <p:sp>
+        <p:nvSpPr>
+          <p:cNvPr id="3" name="Espaço Reservado para Anotações 2"/>
+          <p:cNvSpPr>
+            <a:spLocks noGrp="1"/>
+          </p:cNvSpPr>
+          <p:nvPr>
+            <p:ph type="body" idx="1"/>
+          </p:nvPr>
+        </p:nvSpPr>
+        <p:spPr/>
+        <p:txBody>
+          <a:bodyPr/>
+          <a:lstStyle/>
+          <a:p>
+            <a:endParaRPr lang="pt-BR" dirty="0"/>
+          </a:p>
+        </p:txBody>
+      </p:sp>
+    </p:spTree>
+    <p:extLst>
+      <p:ext uri="{BB962C8B-B14F-4D97-AF65-F5344CB8AC3E}">
+        <p14:creationId xmlns:p14="http://schemas.microsoft.com/office/powerpoint/2010/main" val="585304384"/>
+      </p:ext>
+    </p:extLst>
+  </p:cSld>
+  <p:clrMapOvr>
+    <a:masterClrMapping/>
+  </p:clrMapOvr>
+</p:notes>
+</file>
+
+<file path=ppt/notesSlides/notesSlide18.xml><?xml version="1.0" encoding="utf-8"?>
+<p:notes xmlns:a="http://schemas.openxmlformats.org/drawingml/2006/main" xmlns:r="http://schemas.openxmlformats.org/officeDocument/2006/relationships" xmlns:p="http://schemas.openxmlformats.org/presentationml/2006/main">
+  <p:cSld>
+    <p:spTree>
+      <p:nvGrpSpPr>
+        <p:cNvPr id="1" name=""/>
+        <p:cNvGrpSpPr/>
+        <p:nvPr/>
+      </p:nvGrpSpPr>
+      <p:grpSpPr>
+        <a:xfrm>
+          <a:off x="0" y="0"/>
+          <a:ext cx="0" cy="0"/>
+          <a:chOff x="0" y="0"/>
+          <a:chExt cx="0" cy="0"/>
+        </a:xfrm>
+      </p:grpSpPr>
+      <p:sp>
+        <p:nvSpPr>
+          <p:cNvPr id="2" name="Espaço Reservado para Imagem de Slide 1"/>
+          <p:cNvSpPr>
+            <a:spLocks noGrp="1" noRot="1" noChangeAspect="1"/>
+          </p:cNvSpPr>
+          <p:nvPr>
+            <p:ph type="sldImg"/>
+          </p:nvPr>
+        </p:nvSpPr>
+        <p:spPr>
+          <a:xfrm>
+            <a:off x="381000" y="685800"/>
+            <a:ext cx="6096000" cy="3429000"/>
+          </a:xfrm>
+        </p:spPr>
+      </p:sp>
+      <p:sp>
+        <p:nvSpPr>
+          <p:cNvPr id="3" name="Espaço Reservado para Anotações 2"/>
+          <p:cNvSpPr>
+            <a:spLocks noGrp="1"/>
+          </p:cNvSpPr>
+          <p:nvPr>
+            <p:ph type="body" idx="1"/>
+          </p:nvPr>
+        </p:nvSpPr>
+        <p:spPr/>
+        <p:txBody>
+          <a:bodyPr/>
+          <a:lstStyle/>
+          <a:p>
+            <a:endParaRPr lang="pt-BR" dirty="0"/>
+          </a:p>
+        </p:txBody>
+      </p:sp>
+    </p:spTree>
+    <p:extLst>
+      <p:ext uri="{BB962C8B-B14F-4D97-AF65-F5344CB8AC3E}">
+        <p14:creationId xmlns:p14="http://schemas.microsoft.com/office/powerpoint/2010/main" val="2709569597"/>
+      </p:ext>
+    </p:extLst>
+  </p:cSld>
+  <p:clrMapOvr>
+    <a:masterClrMapping/>
+  </p:clrMapOvr>
+</p:notes>
+</file>
+
+<file path=ppt/notesSlides/notesSlide19.xml><?xml version="1.0" encoding="utf-8"?>
+<p:notes xmlns:a="http://schemas.openxmlformats.org/drawingml/2006/main" xmlns:r="http://schemas.openxmlformats.org/officeDocument/2006/relationships" xmlns:p="http://schemas.openxmlformats.org/presentationml/2006/main">
+  <p:cSld>
+    <p:spTree>
+      <p:nvGrpSpPr>
+        <p:cNvPr id="1" name=""/>
+        <p:cNvGrpSpPr/>
+        <p:nvPr/>
+      </p:nvGrpSpPr>
+      <p:grpSpPr>
+        <a:xfrm>
+          <a:off x="0" y="0"/>
+          <a:ext cx="0" cy="0"/>
+          <a:chOff x="0" y="0"/>
+          <a:chExt cx="0" cy="0"/>
+        </a:xfrm>
+      </p:grpSpPr>
+      <p:sp>
+        <p:nvSpPr>
+          <p:cNvPr id="2" name="Espaço Reservado para Imagem de Slide 1"/>
+          <p:cNvSpPr>
+            <a:spLocks noGrp="1" noRot="1" noChangeAspect="1"/>
+          </p:cNvSpPr>
+          <p:nvPr>
+            <p:ph type="sldImg"/>
+          </p:nvPr>
+        </p:nvSpPr>
+        <p:spPr>
+          <a:xfrm>
+            <a:off x="381000" y="685800"/>
+            <a:ext cx="6096000" cy="3429000"/>
+          </a:xfrm>
+        </p:spPr>
+      </p:sp>
+      <p:sp>
+        <p:nvSpPr>
+          <p:cNvPr id="3" name="Espaço Reservado para Anotações 2"/>
+          <p:cNvSpPr>
+            <a:spLocks noGrp="1"/>
+          </p:cNvSpPr>
+          <p:nvPr>
+            <p:ph type="body" idx="1"/>
+          </p:nvPr>
+        </p:nvSpPr>
+        <p:spPr/>
+        <p:txBody>
+          <a:bodyPr/>
+          <a:lstStyle/>
+          <a:p>
+            <a:endParaRPr lang="pt-BR" dirty="0"/>
+          </a:p>
+        </p:txBody>
+      </p:sp>
+    </p:spTree>
+    <p:extLst>
+      <p:ext uri="{BB962C8B-B14F-4D97-AF65-F5344CB8AC3E}">
+        <p14:creationId xmlns:p14="http://schemas.microsoft.com/office/powerpoint/2010/main" val="2296249050"/>
+      </p:ext>
+    </p:extLst>
+  </p:cSld>
+  <p:clrMapOvr>
+    <a:masterClrMapping/>
+  </p:clrMapOvr>
+</p:notes>
+</file>
+
 <file path=ppt/notesSlides/notesSlide2.xml><?xml version="1.0" encoding="utf-8"?>
 <p:notes xmlns:a="http://schemas.openxmlformats.org/drawingml/2006/main" xmlns:r="http://schemas.openxmlformats.org/officeDocument/2006/relationships" xmlns:p="http://schemas.openxmlformats.org/presentationml/2006/main">
   <p:cSld>
@@ -618,7 +1292,73 @@
     </p:spTree>
     <p:extLst>
       <p:ext uri="{BB962C8B-B14F-4D97-AF65-F5344CB8AC3E}">
-        <p14:creationId xmlns:p14="http://schemas.microsoft.com/office/powerpoint/2010/main" val="1662896905"/>
+        <p14:creationId xmlns:p14="http://schemas.microsoft.com/office/powerpoint/2010/main" val="2069260822"/>
+      </p:ext>
+    </p:extLst>
+  </p:cSld>
+  <p:clrMapOvr>
+    <a:masterClrMapping/>
+  </p:clrMapOvr>
+</p:notes>
+</file>
+
+<file path=ppt/notesSlides/notesSlide20.xml><?xml version="1.0" encoding="utf-8"?>
+<p:notes xmlns:a="http://schemas.openxmlformats.org/drawingml/2006/main" xmlns:r="http://schemas.openxmlformats.org/officeDocument/2006/relationships" xmlns:p="http://schemas.openxmlformats.org/presentationml/2006/main">
+  <p:cSld>
+    <p:spTree>
+      <p:nvGrpSpPr>
+        <p:cNvPr id="1" name=""/>
+        <p:cNvGrpSpPr/>
+        <p:nvPr/>
+      </p:nvGrpSpPr>
+      <p:grpSpPr>
+        <a:xfrm>
+          <a:off x="0" y="0"/>
+          <a:ext cx="0" cy="0"/>
+          <a:chOff x="0" y="0"/>
+          <a:chExt cx="0" cy="0"/>
+        </a:xfrm>
+      </p:grpSpPr>
+      <p:sp>
+        <p:nvSpPr>
+          <p:cNvPr id="2" name="Espaço Reservado para Imagem de Slide 1"/>
+          <p:cNvSpPr>
+            <a:spLocks noGrp="1" noRot="1" noChangeAspect="1"/>
+          </p:cNvSpPr>
+          <p:nvPr>
+            <p:ph type="sldImg"/>
+          </p:nvPr>
+        </p:nvSpPr>
+        <p:spPr>
+          <a:xfrm>
+            <a:off x="381000" y="685800"/>
+            <a:ext cx="6096000" cy="3429000"/>
+          </a:xfrm>
+        </p:spPr>
+      </p:sp>
+      <p:sp>
+        <p:nvSpPr>
+          <p:cNvPr id="3" name="Espaço Reservado para Anotações 2"/>
+          <p:cNvSpPr>
+            <a:spLocks noGrp="1"/>
+          </p:cNvSpPr>
+          <p:nvPr>
+            <p:ph type="body" idx="1"/>
+          </p:nvPr>
+        </p:nvSpPr>
+        <p:spPr/>
+        <p:txBody>
+          <a:bodyPr/>
+          <a:lstStyle/>
+          <a:p>
+            <a:endParaRPr lang="pt-BR" dirty="0"/>
+          </a:p>
+        </p:txBody>
+      </p:sp>
+    </p:spTree>
+    <p:extLst>
+      <p:ext uri="{BB962C8B-B14F-4D97-AF65-F5344CB8AC3E}">
+        <p14:creationId xmlns:p14="http://schemas.microsoft.com/office/powerpoint/2010/main" val="4290351292"/>
       </p:ext>
     </p:extLst>
   </p:cSld>
@@ -684,7 +1424,7 @@
     </p:spTree>
     <p:extLst>
       <p:ext uri="{BB962C8B-B14F-4D97-AF65-F5344CB8AC3E}">
-        <p14:creationId xmlns:p14="http://schemas.microsoft.com/office/powerpoint/2010/main" val="585304384"/>
+        <p14:creationId xmlns:p14="http://schemas.microsoft.com/office/powerpoint/2010/main" val="708854336"/>
       </p:ext>
     </p:extLst>
   </p:cSld>
@@ -750,7 +1490,7 @@
     </p:spTree>
     <p:extLst>
       <p:ext uri="{BB962C8B-B14F-4D97-AF65-F5344CB8AC3E}">
-        <p14:creationId xmlns:p14="http://schemas.microsoft.com/office/powerpoint/2010/main" val="2709569597"/>
+        <p14:creationId xmlns:p14="http://schemas.microsoft.com/office/powerpoint/2010/main" val="3943792933"/>
       </p:ext>
     </p:extLst>
   </p:cSld>
@@ -816,7 +1556,7 @@
     </p:spTree>
     <p:extLst>
       <p:ext uri="{BB962C8B-B14F-4D97-AF65-F5344CB8AC3E}">
-        <p14:creationId xmlns:p14="http://schemas.microsoft.com/office/powerpoint/2010/main" val="3863516043"/>
+        <p14:creationId xmlns:p14="http://schemas.microsoft.com/office/powerpoint/2010/main" val="2519825372"/>
       </p:ext>
     </p:extLst>
   </p:cSld>
@@ -882,7 +1622,205 @@
     </p:spTree>
     <p:extLst>
       <p:ext uri="{BB962C8B-B14F-4D97-AF65-F5344CB8AC3E}">
-        <p14:creationId xmlns:p14="http://schemas.microsoft.com/office/powerpoint/2010/main" val="4290351292"/>
+        <p14:creationId xmlns:p14="http://schemas.microsoft.com/office/powerpoint/2010/main" val="2076218858"/>
+      </p:ext>
+    </p:extLst>
+  </p:cSld>
+  <p:clrMapOvr>
+    <a:masterClrMapping/>
+  </p:clrMapOvr>
+</p:notes>
+</file>
+
+<file path=ppt/notesSlides/notesSlide7.xml><?xml version="1.0" encoding="utf-8"?>
+<p:notes xmlns:a="http://schemas.openxmlformats.org/drawingml/2006/main" xmlns:r="http://schemas.openxmlformats.org/officeDocument/2006/relationships" xmlns:p="http://schemas.openxmlformats.org/presentationml/2006/main">
+  <p:cSld>
+    <p:spTree>
+      <p:nvGrpSpPr>
+        <p:cNvPr id="1" name=""/>
+        <p:cNvGrpSpPr/>
+        <p:nvPr/>
+      </p:nvGrpSpPr>
+      <p:grpSpPr>
+        <a:xfrm>
+          <a:off x="0" y="0"/>
+          <a:ext cx="0" cy="0"/>
+          <a:chOff x="0" y="0"/>
+          <a:chExt cx="0" cy="0"/>
+        </a:xfrm>
+      </p:grpSpPr>
+      <p:sp>
+        <p:nvSpPr>
+          <p:cNvPr id="2" name="Espaço Reservado para Imagem de Slide 1"/>
+          <p:cNvSpPr>
+            <a:spLocks noGrp="1" noRot="1" noChangeAspect="1"/>
+          </p:cNvSpPr>
+          <p:nvPr>
+            <p:ph type="sldImg"/>
+          </p:nvPr>
+        </p:nvSpPr>
+        <p:spPr>
+          <a:xfrm>
+            <a:off x="381000" y="685800"/>
+            <a:ext cx="6096000" cy="3429000"/>
+          </a:xfrm>
+        </p:spPr>
+      </p:sp>
+      <p:sp>
+        <p:nvSpPr>
+          <p:cNvPr id="3" name="Espaço Reservado para Anotações 2"/>
+          <p:cNvSpPr>
+            <a:spLocks noGrp="1"/>
+          </p:cNvSpPr>
+          <p:nvPr>
+            <p:ph type="body" idx="1"/>
+          </p:nvPr>
+        </p:nvSpPr>
+        <p:spPr/>
+        <p:txBody>
+          <a:bodyPr/>
+          <a:lstStyle/>
+          <a:p>
+            <a:endParaRPr lang="pt-BR" dirty="0"/>
+          </a:p>
+        </p:txBody>
+      </p:sp>
+    </p:spTree>
+    <p:extLst>
+      <p:ext uri="{BB962C8B-B14F-4D97-AF65-F5344CB8AC3E}">
+        <p14:creationId xmlns:p14="http://schemas.microsoft.com/office/powerpoint/2010/main" val="3371541415"/>
+      </p:ext>
+    </p:extLst>
+  </p:cSld>
+  <p:clrMapOvr>
+    <a:masterClrMapping/>
+  </p:clrMapOvr>
+</p:notes>
+</file>
+
+<file path=ppt/notesSlides/notesSlide8.xml><?xml version="1.0" encoding="utf-8"?>
+<p:notes xmlns:a="http://schemas.openxmlformats.org/drawingml/2006/main" xmlns:r="http://schemas.openxmlformats.org/officeDocument/2006/relationships" xmlns:p="http://schemas.openxmlformats.org/presentationml/2006/main">
+  <p:cSld>
+    <p:spTree>
+      <p:nvGrpSpPr>
+        <p:cNvPr id="1" name=""/>
+        <p:cNvGrpSpPr/>
+        <p:nvPr/>
+      </p:nvGrpSpPr>
+      <p:grpSpPr>
+        <a:xfrm>
+          <a:off x="0" y="0"/>
+          <a:ext cx="0" cy="0"/>
+          <a:chOff x="0" y="0"/>
+          <a:chExt cx="0" cy="0"/>
+        </a:xfrm>
+      </p:grpSpPr>
+      <p:sp>
+        <p:nvSpPr>
+          <p:cNvPr id="2" name="Espaço Reservado para Imagem de Slide 1"/>
+          <p:cNvSpPr>
+            <a:spLocks noGrp="1" noRot="1" noChangeAspect="1"/>
+          </p:cNvSpPr>
+          <p:nvPr>
+            <p:ph type="sldImg"/>
+          </p:nvPr>
+        </p:nvSpPr>
+        <p:spPr>
+          <a:xfrm>
+            <a:off x="381000" y="685800"/>
+            <a:ext cx="6096000" cy="3429000"/>
+          </a:xfrm>
+        </p:spPr>
+      </p:sp>
+      <p:sp>
+        <p:nvSpPr>
+          <p:cNvPr id="3" name="Espaço Reservado para Anotações 2"/>
+          <p:cNvSpPr>
+            <a:spLocks noGrp="1"/>
+          </p:cNvSpPr>
+          <p:nvPr>
+            <p:ph type="body" idx="1"/>
+          </p:nvPr>
+        </p:nvSpPr>
+        <p:spPr/>
+        <p:txBody>
+          <a:bodyPr/>
+          <a:lstStyle/>
+          <a:p>
+            <a:endParaRPr lang="pt-BR" dirty="0"/>
+          </a:p>
+        </p:txBody>
+      </p:sp>
+    </p:spTree>
+    <p:extLst>
+      <p:ext uri="{BB962C8B-B14F-4D97-AF65-F5344CB8AC3E}">
+        <p14:creationId xmlns:p14="http://schemas.microsoft.com/office/powerpoint/2010/main" val="3519996068"/>
+      </p:ext>
+    </p:extLst>
+  </p:cSld>
+  <p:clrMapOvr>
+    <a:masterClrMapping/>
+  </p:clrMapOvr>
+</p:notes>
+</file>
+
+<file path=ppt/notesSlides/notesSlide9.xml><?xml version="1.0" encoding="utf-8"?>
+<p:notes xmlns:a="http://schemas.openxmlformats.org/drawingml/2006/main" xmlns:r="http://schemas.openxmlformats.org/officeDocument/2006/relationships" xmlns:p="http://schemas.openxmlformats.org/presentationml/2006/main">
+  <p:cSld>
+    <p:spTree>
+      <p:nvGrpSpPr>
+        <p:cNvPr id="1" name=""/>
+        <p:cNvGrpSpPr/>
+        <p:nvPr/>
+      </p:nvGrpSpPr>
+      <p:grpSpPr>
+        <a:xfrm>
+          <a:off x="0" y="0"/>
+          <a:ext cx="0" cy="0"/>
+          <a:chOff x="0" y="0"/>
+          <a:chExt cx="0" cy="0"/>
+        </a:xfrm>
+      </p:grpSpPr>
+      <p:sp>
+        <p:nvSpPr>
+          <p:cNvPr id="2" name="Espaço Reservado para Imagem de Slide 1"/>
+          <p:cNvSpPr>
+            <a:spLocks noGrp="1" noRot="1" noChangeAspect="1"/>
+          </p:cNvSpPr>
+          <p:nvPr>
+            <p:ph type="sldImg"/>
+          </p:nvPr>
+        </p:nvSpPr>
+        <p:spPr>
+          <a:xfrm>
+            <a:off x="381000" y="685800"/>
+            <a:ext cx="6096000" cy="3429000"/>
+          </a:xfrm>
+        </p:spPr>
+      </p:sp>
+      <p:sp>
+        <p:nvSpPr>
+          <p:cNvPr id="3" name="Espaço Reservado para Anotações 2"/>
+          <p:cNvSpPr>
+            <a:spLocks noGrp="1"/>
+          </p:cNvSpPr>
+          <p:nvPr>
+            <p:ph type="body" idx="1"/>
+          </p:nvPr>
+        </p:nvSpPr>
+        <p:spPr/>
+        <p:txBody>
+          <a:bodyPr/>
+          <a:lstStyle/>
+          <a:p>
+            <a:endParaRPr lang="pt-BR" dirty="0"/>
+          </a:p>
+        </p:txBody>
+      </p:sp>
+    </p:spTree>
+    <p:extLst>
+      <p:ext uri="{BB962C8B-B14F-4D97-AF65-F5344CB8AC3E}">
+        <p14:creationId xmlns:p14="http://schemas.microsoft.com/office/powerpoint/2010/main" val="4068865188"/>
       </p:ext>
     </p:extLst>
   </p:cSld>
@@ -3829,6 +4767,3174 @@
 </p:sld>
 </file>
 
+<file path=ppt/slides/slide10.xml><?xml version="1.0" encoding="utf-8"?>
+<p:sld xmlns:a="http://schemas.openxmlformats.org/drawingml/2006/main" xmlns:r="http://schemas.openxmlformats.org/officeDocument/2006/relationships" xmlns:p="http://schemas.openxmlformats.org/presentationml/2006/main">
+  <p:cSld>
+    <p:spTree>
+      <p:nvGrpSpPr>
+        <p:cNvPr id="1" name=""/>
+        <p:cNvGrpSpPr/>
+        <p:nvPr/>
+      </p:nvGrpSpPr>
+      <p:grpSpPr>
+        <a:xfrm>
+          <a:off x="0" y="0"/>
+          <a:ext cx="0" cy="0"/>
+          <a:chOff x="0" y="0"/>
+          <a:chExt cx="0" cy="0"/>
+        </a:xfrm>
+      </p:grpSpPr>
+      <p:sp>
+        <p:nvSpPr>
+          <p:cNvPr id="6" name="Title 1"/>
+          <p:cNvSpPr>
+            <a:spLocks noGrp="1"/>
+          </p:cNvSpPr>
+          <p:nvPr>
+            <p:ph type="title"/>
+          </p:nvPr>
+        </p:nvSpPr>
+        <p:spPr>
+          <a:xfrm>
+            <a:off x="457200" y="205980"/>
+            <a:ext cx="8229600" cy="857251"/>
+          </a:xfrm>
+        </p:spPr>
+        <p:txBody>
+          <a:bodyPr>
+            <a:normAutofit/>
+          </a:bodyPr>
+          <a:lstStyle/>
+          <a:p>
+            <a:r>
+              <a:rPr lang="en-US" b="1" dirty="0" err="1">
+                <a:solidFill>
+                  <a:srgbClr val="0070C0"/>
+                </a:solidFill>
+              </a:rPr>
+              <a:t>Funcionamento</a:t>
+            </a:r>
+            <a:r>
+              <a:rPr lang="en-US" b="1" dirty="0">
+                <a:solidFill>
+                  <a:srgbClr val="0070C0"/>
+                </a:solidFill>
+              </a:rPr>
+              <a:t> Raspberry Pi</a:t>
+            </a:r>
+          </a:p>
+        </p:txBody>
+      </p:sp>
+      <p:sp>
+        <p:nvSpPr>
+          <p:cNvPr id="8" name="Text Placeholder 2"/>
+          <p:cNvSpPr>
+            <a:spLocks noGrp="1"/>
+          </p:cNvSpPr>
+          <p:nvPr>
+            <p:ph type="body" sz="half" idx="1"/>
+          </p:nvPr>
+        </p:nvSpPr>
+        <p:spPr>
+          <a:xfrm>
+            <a:off x="142865" y="968327"/>
+            <a:ext cx="8865056" cy="4054433"/>
+          </a:xfrm>
+        </p:spPr>
+        <p:txBody>
+          <a:bodyPr>
+            <a:noAutofit/>
+          </a:bodyPr>
+          <a:lstStyle/>
+          <a:p>
+            <a:pPr marL="0" indent="0" algn="just">
+              <a:buNone/>
+            </a:pPr>
+            <a:r>
+              <a:rPr lang="pt-BR" sz="2000" dirty="0">
+                <a:solidFill>
+                  <a:schemeClr val="tx1"/>
+                </a:solidFill>
+                <a:latin typeface="Times New Roman" panose="02020603050405020304" pitchFamily="18" charset="0"/>
+                <a:cs typeface="Times New Roman" panose="02020603050405020304" pitchFamily="18" charset="0"/>
+              </a:rPr>
+              <a:t>Converte energia elétrica em informações.</a:t>
+            </a:r>
+          </a:p>
+          <a:p>
+            <a:pPr marL="0" indent="0" algn="just">
+              <a:buNone/>
+            </a:pPr>
+            <a:endParaRPr lang="pt-BR" sz="2000" dirty="0">
+              <a:solidFill>
+                <a:schemeClr val="tx1"/>
+              </a:solidFill>
+              <a:latin typeface="Times New Roman" panose="02020603050405020304" pitchFamily="18" charset="0"/>
+              <a:cs typeface="Times New Roman" panose="02020603050405020304" pitchFamily="18" charset="0"/>
+            </a:endParaRPr>
+          </a:p>
+          <a:p>
+            <a:pPr marL="0" indent="0" algn="just">
+              <a:buNone/>
+            </a:pPr>
+            <a:endParaRPr lang="pt-BR" sz="2000" dirty="0">
+              <a:solidFill>
+                <a:schemeClr val="tx1"/>
+              </a:solidFill>
+              <a:latin typeface="Times New Roman" panose="02020603050405020304" pitchFamily="18" charset="0"/>
+              <a:cs typeface="Times New Roman" panose="02020603050405020304" pitchFamily="18" charset="0"/>
+            </a:endParaRPr>
+          </a:p>
+        </p:txBody>
+      </p:sp>
+      <p:pic>
+        <p:nvPicPr>
+          <p:cNvPr id="3" name="Imagem 2">
+            <a:extLst>
+              <a:ext uri="{FF2B5EF4-FFF2-40B4-BE49-F238E27FC236}">
+                <a16:creationId xmlns:a16="http://schemas.microsoft.com/office/drawing/2014/main" id="{0E36E1C8-6848-1537-599F-1464815BCAA2}"/>
+              </a:ext>
+            </a:extLst>
+          </p:cNvPr>
+          <p:cNvPicPr>
+            <a:picLocks noChangeAspect="1"/>
+          </p:cNvPicPr>
+          <p:nvPr/>
+        </p:nvPicPr>
+        <p:blipFill>
+          <a:blip r:embed="rId3"/>
+          <a:stretch>
+            <a:fillRect/>
+          </a:stretch>
+        </p:blipFill>
+        <p:spPr>
+          <a:xfrm>
+            <a:off x="2402379" y="1345433"/>
+            <a:ext cx="3792357" cy="3710112"/>
+          </a:xfrm>
+          <a:prstGeom prst="rect">
+            <a:avLst/>
+          </a:prstGeom>
+        </p:spPr>
+      </p:pic>
+    </p:spTree>
+    <p:extLst>
+      <p:ext uri="{BB962C8B-B14F-4D97-AF65-F5344CB8AC3E}">
+        <p14:creationId xmlns:p14="http://schemas.microsoft.com/office/powerpoint/2010/main" val="1121919444"/>
+      </p:ext>
+    </p:extLst>
+  </p:cSld>
+  <p:clrMapOvr>
+    <a:masterClrMapping/>
+  </p:clrMapOvr>
+  <p:transition spd="med"/>
+</p:sld>
+</file>
+
+<file path=ppt/slides/slide11.xml><?xml version="1.0" encoding="utf-8"?>
+<p:sld xmlns:a="http://schemas.openxmlformats.org/drawingml/2006/main" xmlns:r="http://schemas.openxmlformats.org/officeDocument/2006/relationships" xmlns:p="http://schemas.openxmlformats.org/presentationml/2006/main">
+  <p:cSld>
+    <p:spTree>
+      <p:nvGrpSpPr>
+        <p:cNvPr id="1" name=""/>
+        <p:cNvGrpSpPr/>
+        <p:nvPr/>
+      </p:nvGrpSpPr>
+      <p:grpSpPr>
+        <a:xfrm>
+          <a:off x="0" y="0"/>
+          <a:ext cx="0" cy="0"/>
+          <a:chOff x="0" y="0"/>
+          <a:chExt cx="0" cy="0"/>
+        </a:xfrm>
+      </p:grpSpPr>
+      <p:sp>
+        <p:nvSpPr>
+          <p:cNvPr id="6" name="Title 1"/>
+          <p:cNvSpPr>
+            <a:spLocks noGrp="1"/>
+          </p:cNvSpPr>
+          <p:nvPr>
+            <p:ph type="title"/>
+          </p:nvPr>
+        </p:nvSpPr>
+        <p:spPr>
+          <a:xfrm>
+            <a:off x="457200" y="205980"/>
+            <a:ext cx="8229600" cy="857251"/>
+          </a:xfrm>
+        </p:spPr>
+        <p:txBody>
+          <a:bodyPr>
+            <a:normAutofit/>
+          </a:bodyPr>
+          <a:lstStyle/>
+          <a:p>
+            <a:r>
+              <a:rPr lang="en-US" b="1" dirty="0">
+                <a:solidFill>
+                  <a:srgbClr val="0070C0"/>
+                </a:solidFill>
+              </a:rPr>
+              <a:t>Tool Noobs Raspberry Pi</a:t>
+            </a:r>
+          </a:p>
+        </p:txBody>
+      </p:sp>
+      <p:sp>
+        <p:nvSpPr>
+          <p:cNvPr id="8" name="Text Placeholder 2"/>
+          <p:cNvSpPr>
+            <a:spLocks noGrp="1"/>
+          </p:cNvSpPr>
+          <p:nvPr>
+            <p:ph type="body" sz="half" idx="1"/>
+          </p:nvPr>
+        </p:nvSpPr>
+        <p:spPr>
+          <a:xfrm>
+            <a:off x="142865" y="968502"/>
+            <a:ext cx="8865056" cy="3969018"/>
+          </a:xfrm>
+        </p:spPr>
+        <p:txBody>
+          <a:bodyPr>
+            <a:noAutofit/>
+          </a:bodyPr>
+          <a:lstStyle/>
+          <a:p>
+            <a:pPr marL="0" indent="0" algn="just">
+              <a:buNone/>
+            </a:pPr>
+            <a:r>
+              <a:rPr lang="en-US" sz="2000" b="1" dirty="0">
+                <a:solidFill>
+                  <a:schemeClr val="tx1"/>
+                </a:solidFill>
+                <a:latin typeface="Times New Roman" panose="02020603050405020304" pitchFamily="18" charset="0"/>
+                <a:cs typeface="Times New Roman" panose="02020603050405020304" pitchFamily="18" charset="0"/>
+              </a:rPr>
+              <a:t>New Out of Box Software </a:t>
+            </a:r>
+            <a:r>
+              <a:rPr lang="pt-BR" sz="2000" dirty="0">
+                <a:solidFill>
+                  <a:schemeClr val="tx1"/>
+                </a:solidFill>
+                <a:latin typeface="Times New Roman" panose="02020603050405020304" pitchFamily="18" charset="0"/>
+                <a:cs typeface="Times New Roman" panose="02020603050405020304" pitchFamily="18" charset="0"/>
+              </a:rPr>
+              <a:t>é um utilitário de sistema operacional para </a:t>
+            </a:r>
+            <a:r>
+              <a:rPr lang="pt-BR" sz="2000" dirty="0" err="1">
+                <a:solidFill>
+                  <a:schemeClr val="tx1"/>
+                </a:solidFill>
+                <a:latin typeface="Times New Roman" panose="02020603050405020304" pitchFamily="18" charset="0"/>
+                <a:cs typeface="Times New Roman" panose="02020603050405020304" pitchFamily="18" charset="0"/>
+              </a:rPr>
+              <a:t>Raspberry</a:t>
+            </a:r>
+            <a:r>
+              <a:rPr lang="pt-BR" sz="2000" dirty="0">
+                <a:solidFill>
+                  <a:schemeClr val="tx1"/>
+                </a:solidFill>
+                <a:latin typeface="Times New Roman" panose="02020603050405020304" pitchFamily="18" charset="0"/>
+                <a:cs typeface="Times New Roman" panose="02020603050405020304" pitchFamily="18" charset="0"/>
+              </a:rPr>
+              <a:t> Pi, contém vários sistemas operacionais, incluindo </a:t>
+            </a:r>
+            <a:r>
+              <a:rPr lang="pt-BR" sz="2000" dirty="0" err="1">
+                <a:solidFill>
+                  <a:schemeClr val="tx1"/>
+                </a:solidFill>
+                <a:latin typeface="Times New Roman" panose="02020603050405020304" pitchFamily="18" charset="0"/>
+                <a:cs typeface="Times New Roman" panose="02020603050405020304" pitchFamily="18" charset="0"/>
+              </a:rPr>
+              <a:t>Raspbian</a:t>
+            </a:r>
+            <a:r>
+              <a:rPr lang="pt-BR" sz="2000" dirty="0">
+                <a:solidFill>
+                  <a:schemeClr val="tx1"/>
+                </a:solidFill>
+                <a:latin typeface="Times New Roman" panose="02020603050405020304" pitchFamily="18" charset="0"/>
+                <a:cs typeface="Times New Roman" panose="02020603050405020304" pitchFamily="18" charset="0"/>
+              </a:rPr>
+              <a:t> e </a:t>
+            </a:r>
+            <a:r>
+              <a:rPr lang="pt-BR" sz="2000" dirty="0" err="1">
+                <a:solidFill>
+                  <a:schemeClr val="tx1"/>
+                </a:solidFill>
+                <a:latin typeface="Times New Roman" panose="02020603050405020304" pitchFamily="18" charset="0"/>
+                <a:cs typeface="Times New Roman" panose="02020603050405020304" pitchFamily="18" charset="0"/>
+              </a:rPr>
+              <a:t>LibrELEC</a:t>
+            </a:r>
+            <a:r>
+              <a:rPr lang="pt-BR" sz="2000" dirty="0">
+                <a:solidFill>
+                  <a:schemeClr val="tx1"/>
+                </a:solidFill>
+                <a:latin typeface="Times New Roman" panose="02020603050405020304" pitchFamily="18" charset="0"/>
+                <a:cs typeface="Times New Roman" panose="02020603050405020304" pitchFamily="18" charset="0"/>
+              </a:rPr>
+              <a:t>.</a:t>
+            </a:r>
+          </a:p>
+          <a:p>
+            <a:pPr marL="0" indent="0" algn="just">
+              <a:buNone/>
+            </a:pPr>
+            <a:endParaRPr lang="pt-BR" sz="2000" dirty="0">
+              <a:solidFill>
+                <a:schemeClr val="tx1"/>
+              </a:solidFill>
+              <a:latin typeface="Times New Roman" panose="02020603050405020304" pitchFamily="18" charset="0"/>
+              <a:cs typeface="Times New Roman" panose="02020603050405020304" pitchFamily="18" charset="0"/>
+            </a:endParaRPr>
+          </a:p>
+          <a:p>
+            <a:pPr marL="0" indent="0" algn="just">
+              <a:buNone/>
+            </a:pPr>
+            <a:r>
+              <a:rPr lang="pt-BR" sz="2000" b="1" dirty="0">
+                <a:solidFill>
+                  <a:srgbClr val="FF0000"/>
+                </a:solidFill>
+                <a:latin typeface="Times New Roman" panose="02020603050405020304" pitchFamily="18" charset="0"/>
+                <a:cs typeface="Times New Roman" panose="02020603050405020304" pitchFamily="18" charset="0"/>
+              </a:rPr>
+              <a:t>Tool </a:t>
+            </a:r>
+            <a:r>
+              <a:rPr lang="pt-BR" sz="2000" b="1" dirty="0" err="1">
+                <a:solidFill>
+                  <a:srgbClr val="FF0000"/>
+                </a:solidFill>
+                <a:latin typeface="Times New Roman" panose="02020603050405020304" pitchFamily="18" charset="0"/>
+                <a:cs typeface="Times New Roman" panose="02020603050405020304" pitchFamily="18" charset="0"/>
+              </a:rPr>
+              <a:t>Noobs</a:t>
+            </a:r>
+            <a:r>
+              <a:rPr lang="pt-BR" sz="2000" dirty="0">
+                <a:solidFill>
+                  <a:schemeClr val="tx1"/>
+                </a:solidFill>
+                <a:latin typeface="Times New Roman" panose="02020603050405020304" pitchFamily="18" charset="0"/>
+                <a:cs typeface="Times New Roman" panose="02020603050405020304" pitchFamily="18" charset="0"/>
+              </a:rPr>
+              <a:t>, baixar o .zip e descompactar num micros.</a:t>
+            </a:r>
+            <a:endParaRPr lang="en-US" sz="2000" dirty="0">
+              <a:solidFill>
+                <a:schemeClr val="tx1"/>
+              </a:solidFill>
+              <a:latin typeface="Times New Roman" panose="02020603050405020304" pitchFamily="18" charset="0"/>
+              <a:cs typeface="Times New Roman" panose="02020603050405020304" pitchFamily="18" charset="0"/>
+            </a:endParaRPr>
+          </a:p>
+          <a:p>
+            <a:pPr marL="0" indent="0" algn="just">
+              <a:buNone/>
+            </a:pPr>
+            <a:r>
+              <a:rPr lang="pt-BR" sz="2400" dirty="0">
+                <a:solidFill>
+                  <a:schemeClr val="tx1"/>
+                </a:solidFill>
+                <a:latin typeface="Times New Roman" panose="02020603050405020304" pitchFamily="18" charset="0"/>
+                <a:cs typeface="Times New Roman" panose="02020603050405020304" pitchFamily="18" charset="0"/>
+              </a:rPr>
+              <a:t>	</a:t>
+            </a:r>
+            <a:r>
+              <a:rPr lang="pt-BR" sz="2400" dirty="0">
+                <a:solidFill>
+                  <a:schemeClr val="tx1"/>
+                </a:solidFill>
+                <a:latin typeface="Times New Roman" panose="02020603050405020304" pitchFamily="18" charset="0"/>
+                <a:cs typeface="Times New Roman" panose="02020603050405020304" pitchFamily="18" charset="0"/>
+                <a:hlinkClick r:id="rId3"/>
+              </a:rPr>
+              <a:t>https://noobs-for-raspberry-pi.softonic.com.br/</a:t>
+            </a:r>
+            <a:endParaRPr lang="pt-BR" sz="2400" dirty="0">
+              <a:solidFill>
+                <a:schemeClr val="tx1"/>
+              </a:solidFill>
+              <a:latin typeface="Times New Roman" panose="02020603050405020304" pitchFamily="18" charset="0"/>
+              <a:cs typeface="Times New Roman" panose="02020603050405020304" pitchFamily="18" charset="0"/>
+            </a:endParaRPr>
+          </a:p>
+          <a:p>
+            <a:pPr marL="0" indent="0" algn="just">
+              <a:buNone/>
+            </a:pPr>
+            <a:endParaRPr lang="pt-BR" sz="2400" dirty="0">
+              <a:solidFill>
+                <a:schemeClr val="tx1"/>
+              </a:solidFill>
+              <a:latin typeface="Times New Roman" panose="02020603050405020304" pitchFamily="18" charset="0"/>
+              <a:cs typeface="Times New Roman" panose="02020603050405020304" pitchFamily="18" charset="0"/>
+            </a:endParaRPr>
+          </a:p>
+          <a:p>
+            <a:pPr marL="0" indent="0" algn="just">
+              <a:buNone/>
+            </a:pPr>
+            <a:r>
+              <a:rPr lang="pt-BR" sz="2400" b="1" dirty="0">
+                <a:solidFill>
+                  <a:schemeClr val="tx1"/>
+                </a:solidFill>
+                <a:latin typeface="Times New Roman" panose="02020603050405020304" pitchFamily="18" charset="0"/>
+                <a:cs typeface="Times New Roman" panose="02020603050405020304" pitchFamily="18" charset="0"/>
+              </a:rPr>
+              <a:t>Imagens SO</a:t>
+            </a:r>
+            <a:r>
+              <a:rPr lang="pt-BR" sz="2400" dirty="0">
+                <a:solidFill>
+                  <a:schemeClr val="tx1"/>
+                </a:solidFill>
+                <a:latin typeface="Times New Roman" panose="02020603050405020304" pitchFamily="18" charset="0"/>
+                <a:cs typeface="Times New Roman" panose="02020603050405020304" pitchFamily="18" charset="0"/>
+              </a:rPr>
+              <a:t>:</a:t>
+            </a:r>
+          </a:p>
+          <a:p>
+            <a:pPr marL="0" indent="0" algn="just">
+              <a:buNone/>
+            </a:pPr>
+            <a:r>
+              <a:rPr lang="pt-BR" sz="2400" dirty="0">
+                <a:solidFill>
+                  <a:schemeClr val="tx1"/>
+                </a:solidFill>
+                <a:latin typeface="Times New Roman" panose="02020603050405020304" pitchFamily="18" charset="0"/>
+                <a:cs typeface="Times New Roman" panose="02020603050405020304" pitchFamily="18" charset="0"/>
+              </a:rPr>
+              <a:t>	</a:t>
+            </a:r>
+            <a:r>
+              <a:rPr lang="pt-BR" sz="2400" dirty="0">
+                <a:solidFill>
+                  <a:schemeClr val="tx1"/>
+                </a:solidFill>
+                <a:latin typeface="Times New Roman" panose="02020603050405020304" pitchFamily="18" charset="0"/>
+                <a:cs typeface="Times New Roman" panose="02020603050405020304" pitchFamily="18" charset="0"/>
+                <a:hlinkClick r:id="rId4"/>
+              </a:rPr>
+              <a:t>https://www.balena.io/etcher</a:t>
+            </a:r>
+            <a:endParaRPr lang="pt-BR" sz="2400" dirty="0">
+              <a:solidFill>
+                <a:schemeClr val="tx1"/>
+              </a:solidFill>
+              <a:latin typeface="Times New Roman" panose="02020603050405020304" pitchFamily="18" charset="0"/>
+              <a:cs typeface="Times New Roman" panose="02020603050405020304" pitchFamily="18" charset="0"/>
+            </a:endParaRPr>
+          </a:p>
+          <a:p>
+            <a:pPr marL="0" indent="0" algn="just">
+              <a:buNone/>
+            </a:pPr>
+            <a:r>
+              <a:rPr lang="pt-BR" sz="2400" dirty="0">
+                <a:solidFill>
+                  <a:schemeClr val="tx1"/>
+                </a:solidFill>
+                <a:latin typeface="Times New Roman" panose="02020603050405020304" pitchFamily="18" charset="0"/>
+                <a:cs typeface="Times New Roman" panose="02020603050405020304" pitchFamily="18" charset="0"/>
+              </a:rPr>
+              <a:t>	</a:t>
+            </a:r>
+            <a:r>
+              <a:rPr lang="pt-BR" sz="2400" dirty="0">
+                <a:solidFill>
+                  <a:schemeClr val="tx1"/>
+                </a:solidFill>
+                <a:latin typeface="Times New Roman" panose="02020603050405020304" pitchFamily="18" charset="0"/>
+                <a:cs typeface="Times New Roman" panose="02020603050405020304" pitchFamily="18" charset="0"/>
+                <a:hlinkClick r:id="rId5"/>
+              </a:rPr>
+              <a:t>https://www.sdcard.org/downloads/formatter/sd-memory-card-formatter-for-windows-download/</a:t>
+            </a:r>
+            <a:endParaRPr lang="pt-BR" sz="2400" dirty="0">
+              <a:solidFill>
+                <a:schemeClr val="tx1"/>
+              </a:solidFill>
+              <a:latin typeface="Times New Roman" panose="02020603050405020304" pitchFamily="18" charset="0"/>
+              <a:cs typeface="Times New Roman" panose="02020603050405020304" pitchFamily="18" charset="0"/>
+            </a:endParaRPr>
+          </a:p>
+          <a:p>
+            <a:pPr marL="0" indent="0" algn="just">
+              <a:buNone/>
+            </a:pPr>
+            <a:endParaRPr lang="pt-BR" sz="2400" dirty="0">
+              <a:solidFill>
+                <a:schemeClr val="tx1"/>
+              </a:solidFill>
+              <a:latin typeface="Times New Roman" panose="02020603050405020304" pitchFamily="18" charset="0"/>
+              <a:cs typeface="Times New Roman" panose="02020603050405020304" pitchFamily="18" charset="0"/>
+            </a:endParaRPr>
+          </a:p>
+        </p:txBody>
+      </p:sp>
+    </p:spTree>
+    <p:extLst>
+      <p:ext uri="{BB962C8B-B14F-4D97-AF65-F5344CB8AC3E}">
+        <p14:creationId xmlns:p14="http://schemas.microsoft.com/office/powerpoint/2010/main" val="2187247058"/>
+      </p:ext>
+    </p:extLst>
+  </p:cSld>
+  <p:clrMapOvr>
+    <a:masterClrMapping/>
+  </p:clrMapOvr>
+  <p:transition spd="med"/>
+</p:sld>
+</file>
+
+<file path=ppt/slides/slide12.xml><?xml version="1.0" encoding="utf-8"?>
+<p:sld xmlns:a="http://schemas.openxmlformats.org/drawingml/2006/main" xmlns:r="http://schemas.openxmlformats.org/officeDocument/2006/relationships" xmlns:p="http://schemas.openxmlformats.org/presentationml/2006/main">
+  <p:cSld>
+    <p:spTree>
+      <p:nvGrpSpPr>
+        <p:cNvPr id="1" name=""/>
+        <p:cNvGrpSpPr/>
+        <p:nvPr/>
+      </p:nvGrpSpPr>
+      <p:grpSpPr>
+        <a:xfrm>
+          <a:off x="0" y="0"/>
+          <a:ext cx="0" cy="0"/>
+          <a:chOff x="0" y="0"/>
+          <a:chExt cx="0" cy="0"/>
+        </a:xfrm>
+      </p:grpSpPr>
+      <p:sp>
+        <p:nvSpPr>
+          <p:cNvPr id="6" name="Title 1"/>
+          <p:cNvSpPr>
+            <a:spLocks noGrp="1"/>
+          </p:cNvSpPr>
+          <p:nvPr>
+            <p:ph type="title"/>
+          </p:nvPr>
+        </p:nvSpPr>
+        <p:spPr>
+          <a:xfrm>
+            <a:off x="457200" y="205980"/>
+            <a:ext cx="8229600" cy="857251"/>
+          </a:xfrm>
+        </p:spPr>
+        <p:txBody>
+          <a:bodyPr>
+            <a:normAutofit/>
+          </a:bodyPr>
+          <a:lstStyle/>
+          <a:p>
+            <a:r>
+              <a:rPr lang="en-US" b="1" dirty="0">
+                <a:solidFill>
+                  <a:srgbClr val="0070C0"/>
+                </a:solidFill>
+              </a:rPr>
+              <a:t>Plataforma Raspberry Pi</a:t>
+            </a:r>
+          </a:p>
+        </p:txBody>
+      </p:sp>
+      <p:sp>
+        <p:nvSpPr>
+          <p:cNvPr id="8" name="Text Placeholder 2"/>
+          <p:cNvSpPr>
+            <a:spLocks noGrp="1"/>
+          </p:cNvSpPr>
+          <p:nvPr>
+            <p:ph type="body" sz="half" idx="1"/>
+          </p:nvPr>
+        </p:nvSpPr>
+        <p:spPr>
+          <a:xfrm>
+            <a:off x="142865" y="968502"/>
+            <a:ext cx="8865056" cy="3969018"/>
+          </a:xfrm>
+        </p:spPr>
+        <p:txBody>
+          <a:bodyPr>
+            <a:noAutofit/>
+          </a:bodyPr>
+          <a:lstStyle/>
+          <a:p>
+            <a:pPr marL="0" indent="0" algn="just">
+              <a:buNone/>
+            </a:pPr>
+            <a:r>
+              <a:rPr lang="pt-BR" sz="2000" dirty="0">
+                <a:solidFill>
+                  <a:schemeClr val="tx1"/>
+                </a:solidFill>
+                <a:latin typeface="Times New Roman" panose="02020603050405020304" pitchFamily="18" charset="0"/>
+                <a:cs typeface="Times New Roman" panose="02020603050405020304" pitchFamily="18" charset="0"/>
+              </a:rPr>
+              <a:t>Hardware de baixo consumo, o </a:t>
+            </a:r>
+            <a:r>
+              <a:rPr lang="pt-BR" sz="2000" b="1" dirty="0" err="1">
+                <a:solidFill>
+                  <a:schemeClr val="tx1"/>
+                </a:solidFill>
+                <a:latin typeface="Times New Roman" panose="02020603050405020304" pitchFamily="18" charset="0"/>
+                <a:cs typeface="Times New Roman" panose="02020603050405020304" pitchFamily="18" charset="0"/>
+              </a:rPr>
+              <a:t>Raspberry</a:t>
+            </a:r>
+            <a:r>
+              <a:rPr lang="pt-BR" sz="2000" b="1" dirty="0">
+                <a:solidFill>
+                  <a:schemeClr val="tx1"/>
+                </a:solidFill>
+                <a:latin typeface="Times New Roman" panose="02020603050405020304" pitchFamily="18" charset="0"/>
+                <a:cs typeface="Times New Roman" panose="02020603050405020304" pitchFamily="18" charset="0"/>
+              </a:rPr>
+              <a:t> Pi</a:t>
+            </a:r>
+            <a:r>
+              <a:rPr lang="pt-BR" sz="2000" dirty="0">
+                <a:solidFill>
+                  <a:schemeClr val="tx1"/>
+                </a:solidFill>
+                <a:latin typeface="Times New Roman" panose="02020603050405020304" pitchFamily="18" charset="0"/>
+                <a:cs typeface="Times New Roman" panose="02020603050405020304" pitchFamily="18" charset="0"/>
+              </a:rPr>
+              <a:t> </a:t>
+            </a:r>
+            <a:r>
+              <a:rPr lang="pt-BR" sz="2000" b="1" dirty="0">
+                <a:solidFill>
+                  <a:srgbClr val="FF0000"/>
+                </a:solidFill>
+                <a:latin typeface="Times New Roman" panose="02020603050405020304" pitchFamily="18" charset="0"/>
+                <a:cs typeface="Times New Roman" panose="02020603050405020304" pitchFamily="18" charset="0"/>
+              </a:rPr>
+              <a:t>não é o computador ideal para games</a:t>
+            </a:r>
+            <a:r>
+              <a:rPr lang="pt-BR" sz="2000" dirty="0">
+                <a:solidFill>
+                  <a:schemeClr val="tx1"/>
+                </a:solidFill>
+                <a:latin typeface="Times New Roman" panose="02020603050405020304" pitchFamily="18" charset="0"/>
+                <a:cs typeface="Times New Roman" panose="02020603050405020304" pitchFamily="18" charset="0"/>
+              </a:rPr>
+              <a:t> e para softwares de edição de vídeo, por exemplo. </a:t>
+            </a:r>
+          </a:p>
+          <a:p>
+            <a:pPr marL="0" indent="0" algn="just">
+              <a:buNone/>
+            </a:pPr>
+            <a:endParaRPr lang="pt-BR" sz="2000" dirty="0">
+              <a:solidFill>
+                <a:schemeClr val="tx1"/>
+              </a:solidFill>
+              <a:latin typeface="Times New Roman" panose="02020603050405020304" pitchFamily="18" charset="0"/>
+              <a:cs typeface="Times New Roman" panose="02020603050405020304" pitchFamily="18" charset="0"/>
+            </a:endParaRPr>
+          </a:p>
+          <a:p>
+            <a:pPr marL="0" indent="0" algn="just">
+              <a:buNone/>
+            </a:pPr>
+            <a:r>
+              <a:rPr lang="pt-BR" sz="2000" dirty="0">
+                <a:solidFill>
+                  <a:schemeClr val="tx1"/>
+                </a:solidFill>
+                <a:latin typeface="Times New Roman" panose="02020603050405020304" pitchFamily="18" charset="0"/>
+                <a:cs typeface="Times New Roman" panose="02020603050405020304" pitchFamily="18" charset="0"/>
+              </a:rPr>
+              <a:t>Seus processadores são construídos a partir dos designs ARM, que são ideais para máquinas genéricas, sistemas de controle e unidades que geram menos calor e gastam menos energia.</a:t>
+            </a:r>
+          </a:p>
+          <a:p>
+            <a:pPr marL="0" indent="0" algn="just">
+              <a:buNone/>
+            </a:pPr>
+            <a:endParaRPr lang="pt-BR" sz="2000" dirty="0">
+              <a:solidFill>
+                <a:schemeClr val="tx1"/>
+              </a:solidFill>
+              <a:latin typeface="Times New Roman" panose="02020603050405020304" pitchFamily="18" charset="0"/>
+              <a:cs typeface="Times New Roman" panose="02020603050405020304" pitchFamily="18" charset="0"/>
+            </a:endParaRPr>
+          </a:p>
+          <a:p>
+            <a:pPr marL="0" indent="0" algn="just">
+              <a:buNone/>
+            </a:pPr>
+            <a:r>
+              <a:rPr lang="pt-BR" sz="2000" dirty="0">
+                <a:solidFill>
+                  <a:schemeClr val="tx1"/>
+                </a:solidFill>
+                <a:latin typeface="Times New Roman" panose="02020603050405020304" pitchFamily="18" charset="0"/>
+                <a:cs typeface="Times New Roman" panose="02020603050405020304" pitchFamily="18" charset="0"/>
+              </a:rPr>
+              <a:t>Apesar da simplicidade, o </a:t>
+            </a:r>
+            <a:r>
+              <a:rPr lang="pt-BR" sz="2000" b="1" dirty="0">
+                <a:solidFill>
+                  <a:schemeClr val="tx1"/>
+                </a:solidFill>
+                <a:latin typeface="Times New Roman" panose="02020603050405020304" pitchFamily="18" charset="0"/>
+                <a:cs typeface="Times New Roman" panose="02020603050405020304" pitchFamily="18" charset="0"/>
+              </a:rPr>
+              <a:t>hardware do </a:t>
+            </a:r>
+            <a:r>
+              <a:rPr lang="pt-BR" sz="2000" b="1" dirty="0" err="1">
+                <a:solidFill>
+                  <a:schemeClr val="tx1"/>
+                </a:solidFill>
+                <a:latin typeface="Times New Roman" panose="02020603050405020304" pitchFamily="18" charset="0"/>
+                <a:cs typeface="Times New Roman" panose="02020603050405020304" pitchFamily="18" charset="0"/>
+              </a:rPr>
+              <a:t>Raspberry</a:t>
+            </a:r>
+            <a:r>
+              <a:rPr lang="pt-BR" sz="2000" b="1" dirty="0">
+                <a:solidFill>
+                  <a:schemeClr val="tx1"/>
+                </a:solidFill>
+                <a:latin typeface="Times New Roman" panose="02020603050405020304" pitchFamily="18" charset="0"/>
+                <a:cs typeface="Times New Roman" panose="02020603050405020304" pitchFamily="18" charset="0"/>
+              </a:rPr>
+              <a:t> Pi</a:t>
+            </a:r>
+            <a:r>
+              <a:rPr lang="pt-BR" sz="2000" dirty="0">
+                <a:solidFill>
+                  <a:schemeClr val="tx1"/>
+                </a:solidFill>
+                <a:latin typeface="Times New Roman" panose="02020603050405020304" pitchFamily="18" charset="0"/>
+                <a:cs typeface="Times New Roman" panose="02020603050405020304" pitchFamily="18" charset="0"/>
+              </a:rPr>
+              <a:t> suporta diversas distribuições Linux e pode reproduzir vídeos de alta definição em uma tela de TV, via saída HDMI. </a:t>
+            </a:r>
+          </a:p>
+          <a:p>
+            <a:pPr marL="0" indent="0" algn="just">
+              <a:buNone/>
+            </a:pPr>
+            <a:endParaRPr lang="pt-BR" sz="2000" dirty="0">
+              <a:solidFill>
+                <a:schemeClr val="tx1"/>
+              </a:solidFill>
+              <a:latin typeface="Times New Roman" panose="02020603050405020304" pitchFamily="18" charset="0"/>
+              <a:cs typeface="Times New Roman" panose="02020603050405020304" pitchFamily="18" charset="0"/>
+            </a:endParaRPr>
+          </a:p>
+          <a:p>
+            <a:pPr marL="0" indent="0" algn="just">
+              <a:buNone/>
+            </a:pPr>
+            <a:r>
+              <a:rPr lang="pt-BR" sz="2000" dirty="0">
+                <a:solidFill>
+                  <a:schemeClr val="tx1"/>
+                </a:solidFill>
+                <a:latin typeface="Times New Roman" panose="02020603050405020304" pitchFamily="18" charset="0"/>
+                <a:cs typeface="Times New Roman" panose="02020603050405020304" pitchFamily="18" charset="0"/>
+              </a:rPr>
+              <a:t>O usuário pode </a:t>
+            </a:r>
+            <a:r>
+              <a:rPr lang="pt-BR" sz="2000" b="1" dirty="0">
+                <a:solidFill>
+                  <a:schemeClr val="tx1"/>
+                </a:solidFill>
+                <a:latin typeface="Times New Roman" panose="02020603050405020304" pitchFamily="18" charset="0"/>
+                <a:cs typeface="Times New Roman" panose="02020603050405020304" pitchFamily="18" charset="0"/>
+              </a:rPr>
+              <a:t>conectar mouse e teclado</a:t>
+            </a:r>
+            <a:r>
+              <a:rPr lang="pt-BR" sz="2000" dirty="0">
+                <a:solidFill>
+                  <a:schemeClr val="tx1"/>
+                </a:solidFill>
+                <a:latin typeface="Times New Roman" panose="02020603050405020304" pitchFamily="18" charset="0"/>
+                <a:cs typeface="Times New Roman" panose="02020603050405020304" pitchFamily="18" charset="0"/>
+              </a:rPr>
+              <a:t> comuns para usar o computador.</a:t>
+            </a:r>
+          </a:p>
+        </p:txBody>
+      </p:sp>
+    </p:spTree>
+    <p:extLst>
+      <p:ext uri="{BB962C8B-B14F-4D97-AF65-F5344CB8AC3E}">
+        <p14:creationId xmlns:p14="http://schemas.microsoft.com/office/powerpoint/2010/main" val="2163997480"/>
+      </p:ext>
+    </p:extLst>
+  </p:cSld>
+  <p:clrMapOvr>
+    <a:masterClrMapping/>
+  </p:clrMapOvr>
+  <p:transition spd="med"/>
+</p:sld>
+</file>
+
+<file path=ppt/slides/slide13.xml><?xml version="1.0" encoding="utf-8"?>
+<p:sld xmlns:a="http://schemas.openxmlformats.org/drawingml/2006/main" xmlns:r="http://schemas.openxmlformats.org/officeDocument/2006/relationships" xmlns:p="http://schemas.openxmlformats.org/presentationml/2006/main">
+  <p:cSld>
+    <p:spTree>
+      <p:nvGrpSpPr>
+        <p:cNvPr id="1" name=""/>
+        <p:cNvGrpSpPr/>
+        <p:nvPr/>
+      </p:nvGrpSpPr>
+      <p:grpSpPr>
+        <a:xfrm>
+          <a:off x="0" y="0"/>
+          <a:ext cx="0" cy="0"/>
+          <a:chOff x="0" y="0"/>
+          <a:chExt cx="0" cy="0"/>
+        </a:xfrm>
+      </p:grpSpPr>
+      <p:sp>
+        <p:nvSpPr>
+          <p:cNvPr id="6" name="Title 1"/>
+          <p:cNvSpPr>
+            <a:spLocks noGrp="1"/>
+          </p:cNvSpPr>
+          <p:nvPr>
+            <p:ph type="title"/>
+          </p:nvPr>
+        </p:nvSpPr>
+        <p:spPr>
+          <a:xfrm>
+            <a:off x="457200" y="205980"/>
+            <a:ext cx="8229600" cy="857251"/>
+          </a:xfrm>
+        </p:spPr>
+        <p:txBody>
+          <a:bodyPr>
+            <a:normAutofit/>
+          </a:bodyPr>
+          <a:lstStyle/>
+          <a:p>
+            <a:r>
+              <a:rPr lang="en-US" b="1" dirty="0">
+                <a:solidFill>
+                  <a:srgbClr val="0070C0"/>
+                </a:solidFill>
+              </a:rPr>
+              <a:t>Raspberry Pi SO</a:t>
+            </a:r>
+          </a:p>
+        </p:txBody>
+      </p:sp>
+      <p:sp>
+        <p:nvSpPr>
+          <p:cNvPr id="8" name="Text Placeholder 2"/>
+          <p:cNvSpPr>
+            <a:spLocks noGrp="1"/>
+          </p:cNvSpPr>
+          <p:nvPr>
+            <p:ph type="body" sz="half" idx="1"/>
+          </p:nvPr>
+        </p:nvSpPr>
+        <p:spPr>
+          <a:xfrm>
+            <a:off x="142865" y="1200150"/>
+            <a:ext cx="8865056" cy="3653296"/>
+          </a:xfrm>
+        </p:spPr>
+        <p:txBody>
+          <a:bodyPr>
+            <a:noAutofit/>
+          </a:bodyPr>
+          <a:lstStyle/>
+          <a:p>
+            <a:pPr marL="0" indent="0" algn="just">
+              <a:buNone/>
+            </a:pPr>
+            <a:r>
+              <a:rPr lang="pt-BR" sz="2000" b="1" dirty="0" err="1">
+                <a:solidFill>
+                  <a:schemeClr val="tx1"/>
+                </a:solidFill>
+                <a:latin typeface="Times New Roman" panose="02020603050405020304" pitchFamily="18" charset="0"/>
+                <a:cs typeface="Times New Roman" panose="02020603050405020304" pitchFamily="18" charset="0"/>
+              </a:rPr>
+              <a:t>Raspbian</a:t>
+            </a:r>
+            <a:r>
+              <a:rPr lang="pt-BR" sz="2000" b="1" dirty="0">
+                <a:solidFill>
+                  <a:schemeClr val="tx1"/>
+                </a:solidFill>
+                <a:latin typeface="Times New Roman" panose="02020603050405020304" pitchFamily="18" charset="0"/>
+                <a:cs typeface="Times New Roman" panose="02020603050405020304" pitchFamily="18" charset="0"/>
+              </a:rPr>
+              <a:t> (</a:t>
+            </a:r>
+            <a:r>
+              <a:rPr lang="pt-BR" sz="2000" b="1" dirty="0">
+                <a:solidFill>
+                  <a:srgbClr val="FF0000"/>
+                </a:solidFill>
+                <a:latin typeface="Times New Roman" panose="02020603050405020304" pitchFamily="18" charset="0"/>
+                <a:cs typeface="Times New Roman" panose="02020603050405020304" pitchFamily="18" charset="0"/>
+              </a:rPr>
+              <a:t>composição </a:t>
+            </a:r>
+            <a:r>
+              <a:rPr lang="pt-BR" sz="2000" b="1" dirty="0" err="1">
+                <a:solidFill>
+                  <a:srgbClr val="FF0000"/>
+                </a:solidFill>
+                <a:latin typeface="Times New Roman" panose="02020603050405020304" pitchFamily="18" charset="0"/>
+                <a:cs typeface="Times New Roman" panose="02020603050405020304" pitchFamily="18" charset="0"/>
+              </a:rPr>
+              <a:t>Raspberry</a:t>
+            </a:r>
+            <a:r>
+              <a:rPr lang="pt-BR" sz="2000" b="1" dirty="0">
+                <a:solidFill>
+                  <a:srgbClr val="FF0000"/>
+                </a:solidFill>
+                <a:latin typeface="Times New Roman" panose="02020603050405020304" pitchFamily="18" charset="0"/>
+                <a:cs typeface="Times New Roman" panose="02020603050405020304" pitchFamily="18" charset="0"/>
+              </a:rPr>
+              <a:t> PI e Debian</a:t>
+            </a:r>
+            <a:r>
+              <a:rPr lang="pt-BR" sz="2000" b="1" dirty="0">
+                <a:solidFill>
+                  <a:schemeClr val="tx1"/>
+                </a:solidFill>
+                <a:latin typeface="Times New Roman" panose="02020603050405020304" pitchFamily="18" charset="0"/>
+                <a:cs typeface="Times New Roman" panose="02020603050405020304" pitchFamily="18" charset="0"/>
+              </a:rPr>
+              <a:t>)</a:t>
+            </a:r>
+            <a:r>
+              <a:rPr lang="pt-BR" sz="2000" dirty="0">
+                <a:solidFill>
+                  <a:schemeClr val="tx1"/>
+                </a:solidFill>
+                <a:latin typeface="Times New Roman" panose="02020603050405020304" pitchFamily="18" charset="0"/>
+                <a:cs typeface="Times New Roman" panose="02020603050405020304" pitchFamily="18" charset="0"/>
+              </a:rPr>
+              <a:t>, tem como base a distribuição Linux Debian baseada no ARM hard-</a:t>
+            </a:r>
+            <a:r>
+              <a:rPr lang="pt-BR" sz="2000" dirty="0" err="1">
+                <a:solidFill>
+                  <a:schemeClr val="tx1"/>
+                </a:solidFill>
+                <a:latin typeface="Times New Roman" panose="02020603050405020304" pitchFamily="18" charset="0"/>
+                <a:cs typeface="Times New Roman" panose="02020603050405020304" pitchFamily="18" charset="0"/>
+              </a:rPr>
+              <a:t>float</a:t>
+            </a:r>
+            <a:r>
+              <a:rPr lang="pt-BR" sz="2000" dirty="0">
+                <a:solidFill>
+                  <a:schemeClr val="tx1"/>
+                </a:solidFill>
+                <a:latin typeface="Times New Roman" panose="02020603050405020304" pitchFamily="18" charset="0"/>
+                <a:cs typeface="Times New Roman" panose="02020603050405020304" pitchFamily="18" charset="0"/>
+              </a:rPr>
+              <a:t>, sendo um porte da arquitetura </a:t>
+            </a:r>
+            <a:r>
+              <a:rPr lang="pt-BR" sz="2000" dirty="0" err="1">
+                <a:solidFill>
+                  <a:schemeClr val="tx1"/>
+                </a:solidFill>
+                <a:latin typeface="Times New Roman" panose="02020603050405020304" pitchFamily="18" charset="0"/>
+                <a:cs typeface="Times New Roman" panose="02020603050405020304" pitchFamily="18" charset="0"/>
+              </a:rPr>
+              <a:t>Wheezy</a:t>
+            </a:r>
+            <a:r>
+              <a:rPr lang="pt-BR" sz="2000" dirty="0">
+                <a:solidFill>
+                  <a:schemeClr val="tx1"/>
+                </a:solidFill>
+                <a:latin typeface="Times New Roman" panose="02020603050405020304" pitchFamily="18" charset="0"/>
+                <a:cs typeface="Times New Roman" panose="02020603050405020304" pitchFamily="18" charset="0"/>
+              </a:rPr>
+              <a:t>, otimizada para o conjunto de instruções ARMv6 do hardware do </a:t>
+            </a:r>
+            <a:r>
+              <a:rPr lang="pt-BR" sz="2000" dirty="0" err="1">
+                <a:solidFill>
+                  <a:schemeClr val="tx1"/>
+                </a:solidFill>
+                <a:latin typeface="Times New Roman" panose="02020603050405020304" pitchFamily="18" charset="0"/>
+                <a:cs typeface="Times New Roman" panose="02020603050405020304" pitchFamily="18" charset="0"/>
+              </a:rPr>
+              <a:t>Raspberry</a:t>
+            </a:r>
+            <a:r>
+              <a:rPr lang="pt-BR" sz="2000" dirty="0">
+                <a:solidFill>
+                  <a:schemeClr val="tx1"/>
+                </a:solidFill>
+                <a:latin typeface="Times New Roman" panose="02020603050405020304" pitchFamily="18" charset="0"/>
+                <a:cs typeface="Times New Roman" panose="02020603050405020304" pitchFamily="18" charset="0"/>
+              </a:rPr>
+              <a:t> Pi. </a:t>
+            </a:r>
+          </a:p>
+          <a:p>
+            <a:pPr marL="0" indent="0" algn="just">
+              <a:buNone/>
+            </a:pPr>
+            <a:endParaRPr lang="pt-BR" sz="2000" dirty="0">
+              <a:solidFill>
+                <a:schemeClr val="tx1"/>
+              </a:solidFill>
+              <a:latin typeface="Times New Roman" panose="02020603050405020304" pitchFamily="18" charset="0"/>
+              <a:cs typeface="Times New Roman" panose="02020603050405020304" pitchFamily="18" charset="0"/>
+            </a:endParaRPr>
+          </a:p>
+          <a:p>
+            <a:pPr marL="0" indent="0" algn="just">
+              <a:buNone/>
+            </a:pPr>
+            <a:r>
+              <a:rPr lang="pt-BR" sz="2000" dirty="0">
+                <a:solidFill>
+                  <a:schemeClr val="tx1"/>
+                </a:solidFill>
+                <a:latin typeface="Times New Roman" panose="02020603050405020304" pitchFamily="18" charset="0"/>
+                <a:cs typeface="Times New Roman" panose="02020603050405020304" pitchFamily="18" charset="0"/>
+              </a:rPr>
+              <a:t>A linha </a:t>
+            </a:r>
+            <a:r>
+              <a:rPr lang="pt-BR" sz="2000" b="1" dirty="0" err="1">
+                <a:solidFill>
+                  <a:schemeClr val="tx1"/>
+                </a:solidFill>
+                <a:latin typeface="Times New Roman" panose="02020603050405020304" pitchFamily="18" charset="0"/>
+                <a:cs typeface="Times New Roman" panose="02020603050405020304" pitchFamily="18" charset="0"/>
+              </a:rPr>
+              <a:t>Raspberry</a:t>
+            </a:r>
+            <a:r>
+              <a:rPr lang="pt-BR" sz="2000" b="1" dirty="0">
+                <a:solidFill>
+                  <a:schemeClr val="tx1"/>
+                </a:solidFill>
+                <a:latin typeface="Times New Roman" panose="02020603050405020304" pitchFamily="18" charset="0"/>
+                <a:cs typeface="Times New Roman" panose="02020603050405020304" pitchFamily="18" charset="0"/>
+              </a:rPr>
+              <a:t> Pi 3</a:t>
+            </a:r>
+            <a:r>
+              <a:rPr lang="pt-BR" sz="2000" dirty="0">
+                <a:solidFill>
+                  <a:schemeClr val="tx1"/>
+                </a:solidFill>
+                <a:latin typeface="Times New Roman" panose="02020603050405020304" pitchFamily="18" charset="0"/>
+                <a:cs typeface="Times New Roman" panose="02020603050405020304" pitchFamily="18" charset="0"/>
+              </a:rPr>
+              <a:t> suportar </a:t>
+            </a:r>
+            <a:r>
+              <a:rPr lang="pt-BR" sz="2000" b="1" dirty="0">
+                <a:solidFill>
+                  <a:srgbClr val="FF0000"/>
+                </a:solidFill>
+                <a:latin typeface="Times New Roman" panose="02020603050405020304" pitchFamily="18" charset="0"/>
+                <a:cs typeface="Times New Roman" panose="02020603050405020304" pitchFamily="18" charset="0"/>
+              </a:rPr>
+              <a:t>arquitetura de 64 bits</a:t>
+            </a:r>
+            <a:r>
+              <a:rPr lang="pt-BR" sz="2000" dirty="0">
+                <a:solidFill>
+                  <a:schemeClr val="tx1"/>
+                </a:solidFill>
+                <a:latin typeface="Times New Roman" panose="02020603050405020304" pitchFamily="18" charset="0"/>
+                <a:cs typeface="Times New Roman" panose="02020603050405020304" pitchFamily="18" charset="0"/>
+              </a:rPr>
+              <a:t> desde 2016, porém o </a:t>
+            </a:r>
+            <a:r>
+              <a:rPr lang="pt-BR" sz="2000" b="1" dirty="0">
+                <a:solidFill>
+                  <a:schemeClr val="tx1"/>
+                </a:solidFill>
+                <a:latin typeface="Times New Roman" panose="02020603050405020304" pitchFamily="18" charset="0"/>
+                <a:cs typeface="Times New Roman" panose="02020603050405020304" pitchFamily="18" charset="0"/>
+              </a:rPr>
+              <a:t>SO</a:t>
+            </a:r>
+            <a:r>
+              <a:rPr lang="pt-BR" sz="2000" dirty="0">
+                <a:solidFill>
+                  <a:schemeClr val="tx1"/>
+                </a:solidFill>
+                <a:latin typeface="Times New Roman" panose="02020603050405020304" pitchFamily="18" charset="0"/>
+                <a:cs typeface="Times New Roman" panose="02020603050405020304" pitchFamily="18" charset="0"/>
+              </a:rPr>
+              <a:t> foi mantido em </a:t>
+            </a:r>
+            <a:r>
+              <a:rPr lang="pt-BR" sz="2000" b="1" dirty="0">
+                <a:solidFill>
+                  <a:schemeClr val="tx1"/>
+                </a:solidFill>
+                <a:latin typeface="Times New Roman" panose="02020603050405020304" pitchFamily="18" charset="0"/>
+                <a:cs typeface="Times New Roman" panose="02020603050405020304" pitchFamily="18" charset="0"/>
+              </a:rPr>
+              <a:t>32 bits</a:t>
+            </a:r>
+            <a:r>
+              <a:rPr lang="pt-BR" sz="2000" dirty="0">
+                <a:solidFill>
+                  <a:schemeClr val="tx1"/>
+                </a:solidFill>
+                <a:latin typeface="Times New Roman" panose="02020603050405020304" pitchFamily="18" charset="0"/>
+                <a:cs typeface="Times New Roman" panose="02020603050405020304" pitchFamily="18" charset="0"/>
+              </a:rPr>
+              <a:t>.</a:t>
+            </a:r>
+          </a:p>
+          <a:p>
+            <a:pPr marL="0" indent="0" algn="just">
+              <a:buNone/>
+            </a:pPr>
+            <a:endParaRPr lang="pt-BR" sz="2000" dirty="0">
+              <a:solidFill>
+                <a:schemeClr val="tx1"/>
+              </a:solidFill>
+              <a:latin typeface="Times New Roman" panose="02020603050405020304" pitchFamily="18" charset="0"/>
+              <a:cs typeface="Times New Roman" panose="02020603050405020304" pitchFamily="18" charset="0"/>
+            </a:endParaRPr>
+          </a:p>
+          <a:p>
+            <a:pPr marL="0" indent="0" algn="just">
+              <a:buNone/>
+            </a:pPr>
+            <a:r>
+              <a:rPr lang="pt-BR" sz="2000" dirty="0">
+                <a:solidFill>
+                  <a:schemeClr val="tx1"/>
+                </a:solidFill>
+                <a:latin typeface="Times New Roman" panose="02020603050405020304" pitchFamily="18" charset="0"/>
+                <a:cs typeface="Times New Roman" panose="02020603050405020304" pitchFamily="18" charset="0"/>
+              </a:rPr>
+              <a:t>Já o </a:t>
+            </a:r>
+            <a:r>
+              <a:rPr lang="pt-BR" sz="2000" b="1" dirty="0" err="1">
+                <a:solidFill>
+                  <a:schemeClr val="tx1"/>
+                </a:solidFill>
+                <a:latin typeface="Times New Roman" panose="02020603050405020304" pitchFamily="18" charset="0"/>
+                <a:cs typeface="Times New Roman" panose="02020603050405020304" pitchFamily="18" charset="0"/>
+              </a:rPr>
+              <a:t>Raspberry</a:t>
+            </a:r>
+            <a:r>
+              <a:rPr lang="pt-BR" sz="2000" b="1" dirty="0">
+                <a:solidFill>
+                  <a:schemeClr val="tx1"/>
+                </a:solidFill>
+                <a:latin typeface="Times New Roman" panose="02020603050405020304" pitchFamily="18" charset="0"/>
+                <a:cs typeface="Times New Roman" panose="02020603050405020304" pitchFamily="18" charset="0"/>
+              </a:rPr>
+              <a:t> Pi OS de 64 bit</a:t>
+            </a:r>
+            <a:r>
+              <a:rPr lang="pt-BR" sz="2000" dirty="0">
+                <a:solidFill>
+                  <a:schemeClr val="tx1"/>
+                </a:solidFill>
+                <a:latin typeface="Times New Roman" panose="02020603050405020304" pitchFamily="18" charset="0"/>
+                <a:cs typeface="Times New Roman" panose="02020603050405020304" pitchFamily="18" charset="0"/>
+              </a:rPr>
+              <a:t>, </a:t>
+            </a:r>
+            <a:r>
+              <a:rPr lang="pt-BR" sz="2000" b="1" dirty="0" err="1">
+                <a:solidFill>
+                  <a:srgbClr val="FF0000"/>
+                </a:solidFill>
+                <a:latin typeface="Times New Roman" panose="02020603050405020304" pitchFamily="18" charset="0"/>
+                <a:cs typeface="Times New Roman" panose="02020603050405020304" pitchFamily="18" charset="0"/>
+              </a:rPr>
+              <a:t>Raspberry</a:t>
+            </a:r>
+            <a:r>
+              <a:rPr lang="pt-BR" sz="2000" b="1" dirty="0">
+                <a:solidFill>
+                  <a:srgbClr val="FF0000"/>
+                </a:solidFill>
+                <a:latin typeface="Times New Roman" panose="02020603050405020304" pitchFamily="18" charset="0"/>
+                <a:cs typeface="Times New Roman" panose="02020603050405020304" pitchFamily="18" charset="0"/>
+              </a:rPr>
+              <a:t> Pi Foundation</a:t>
+            </a:r>
+            <a:r>
+              <a:rPr lang="pt-BR" sz="2000" dirty="0">
+                <a:solidFill>
+                  <a:schemeClr val="tx1"/>
+                </a:solidFill>
+                <a:latin typeface="Times New Roman" panose="02020603050405020304" pitchFamily="18" charset="0"/>
+                <a:cs typeface="Times New Roman" panose="02020603050405020304" pitchFamily="18" charset="0"/>
+              </a:rPr>
+              <a:t>, rodam aplicativos de código fechado que estão disponíveis apenas para a arquitetura arm64, além de ganhar mais desempenho e compatibilidade de software.</a:t>
+            </a:r>
+          </a:p>
+        </p:txBody>
+      </p:sp>
+    </p:spTree>
+    <p:extLst>
+      <p:ext uri="{BB962C8B-B14F-4D97-AF65-F5344CB8AC3E}">
+        <p14:creationId xmlns:p14="http://schemas.microsoft.com/office/powerpoint/2010/main" val="539804872"/>
+      </p:ext>
+    </p:extLst>
+  </p:cSld>
+  <p:clrMapOvr>
+    <a:masterClrMapping/>
+  </p:clrMapOvr>
+  <p:transition spd="med"/>
+</p:sld>
+</file>
+
+<file path=ppt/slides/slide14.xml><?xml version="1.0" encoding="utf-8"?>
+<p:sld xmlns:a="http://schemas.openxmlformats.org/drawingml/2006/main" xmlns:r="http://schemas.openxmlformats.org/officeDocument/2006/relationships" xmlns:p="http://schemas.openxmlformats.org/presentationml/2006/main">
+  <p:cSld>
+    <p:spTree>
+      <p:nvGrpSpPr>
+        <p:cNvPr id="1" name=""/>
+        <p:cNvGrpSpPr/>
+        <p:nvPr/>
+      </p:nvGrpSpPr>
+      <p:grpSpPr>
+        <a:xfrm>
+          <a:off x="0" y="0"/>
+          <a:ext cx="0" cy="0"/>
+          <a:chOff x="0" y="0"/>
+          <a:chExt cx="0" cy="0"/>
+        </a:xfrm>
+      </p:grpSpPr>
+      <p:sp>
+        <p:nvSpPr>
+          <p:cNvPr id="6" name="Title 1"/>
+          <p:cNvSpPr>
+            <a:spLocks noGrp="1"/>
+          </p:cNvSpPr>
+          <p:nvPr>
+            <p:ph type="title"/>
+          </p:nvPr>
+        </p:nvSpPr>
+        <p:spPr>
+          <a:xfrm>
+            <a:off x="457200" y="205980"/>
+            <a:ext cx="8229600" cy="857251"/>
+          </a:xfrm>
+        </p:spPr>
+        <p:txBody>
+          <a:bodyPr>
+            <a:normAutofit/>
+          </a:bodyPr>
+          <a:lstStyle/>
+          <a:p>
+            <a:r>
+              <a:rPr lang="en-US" b="1" dirty="0">
+                <a:solidFill>
+                  <a:srgbClr val="0070C0"/>
+                </a:solidFill>
+              </a:rPr>
+              <a:t>Raspberry Pi SO</a:t>
+            </a:r>
+          </a:p>
+        </p:txBody>
+      </p:sp>
+      <p:sp>
+        <p:nvSpPr>
+          <p:cNvPr id="8" name="Text Placeholder 2"/>
+          <p:cNvSpPr>
+            <a:spLocks noGrp="1"/>
+          </p:cNvSpPr>
+          <p:nvPr>
+            <p:ph type="body" sz="half" idx="1"/>
+          </p:nvPr>
+        </p:nvSpPr>
+        <p:spPr>
+          <a:xfrm>
+            <a:off x="142865" y="968502"/>
+            <a:ext cx="8865056" cy="3969018"/>
+          </a:xfrm>
+        </p:spPr>
+        <p:txBody>
+          <a:bodyPr>
+            <a:noAutofit/>
+          </a:bodyPr>
+          <a:lstStyle/>
+          <a:p>
+            <a:pPr marL="0" indent="0" algn="just">
+              <a:buNone/>
+            </a:pPr>
+            <a:endParaRPr lang="pt-BR" sz="2000" dirty="0">
+              <a:solidFill>
+                <a:schemeClr val="tx1"/>
+              </a:solidFill>
+              <a:latin typeface="Times New Roman" panose="02020603050405020304" pitchFamily="18" charset="0"/>
+              <a:cs typeface="Times New Roman" panose="02020603050405020304" pitchFamily="18" charset="0"/>
+            </a:endParaRPr>
+          </a:p>
+          <a:p>
+            <a:pPr marL="0" indent="0" algn="just">
+              <a:buNone/>
+            </a:pPr>
+            <a:r>
+              <a:rPr lang="pt-BR" sz="2000" dirty="0">
+                <a:solidFill>
+                  <a:schemeClr val="tx1"/>
+                </a:solidFill>
+                <a:latin typeface="Times New Roman" panose="02020603050405020304" pitchFamily="18" charset="0"/>
+                <a:cs typeface="Times New Roman" panose="02020603050405020304" pitchFamily="18" charset="0"/>
+              </a:rPr>
+              <a:t>O </a:t>
+            </a:r>
+            <a:r>
+              <a:rPr lang="pt-BR" sz="2000" b="1" dirty="0">
+                <a:solidFill>
+                  <a:schemeClr val="tx1"/>
+                </a:solidFill>
+                <a:latin typeface="Times New Roman" panose="02020603050405020304" pitchFamily="18" charset="0"/>
+                <a:cs typeface="Times New Roman" panose="02020603050405020304" pitchFamily="18" charset="0"/>
+              </a:rPr>
+              <a:t>sistema operacional</a:t>
+            </a:r>
+            <a:r>
+              <a:rPr lang="pt-BR" sz="2000" dirty="0">
+                <a:solidFill>
+                  <a:schemeClr val="tx1"/>
+                </a:solidFill>
+                <a:latin typeface="Times New Roman" panose="02020603050405020304" pitchFamily="18" charset="0"/>
+                <a:cs typeface="Times New Roman" panose="02020603050405020304" pitchFamily="18" charset="0"/>
+              </a:rPr>
+              <a:t> deverá ser instalado em um </a:t>
+            </a:r>
+            <a:r>
+              <a:rPr lang="pt-BR" sz="2000" b="1" dirty="0">
+                <a:solidFill>
+                  <a:schemeClr val="tx1"/>
+                </a:solidFill>
+                <a:latin typeface="Times New Roman" panose="02020603050405020304" pitchFamily="18" charset="0"/>
+                <a:cs typeface="Times New Roman" panose="02020603050405020304" pitchFamily="18" charset="0"/>
+              </a:rPr>
+              <a:t>cartão de memória SD</a:t>
+            </a:r>
+            <a:r>
+              <a:rPr lang="pt-BR" sz="2000" dirty="0">
+                <a:solidFill>
+                  <a:schemeClr val="tx1"/>
+                </a:solidFill>
+                <a:latin typeface="Times New Roman" panose="02020603050405020304" pitchFamily="18" charset="0"/>
+                <a:cs typeface="Times New Roman" panose="02020603050405020304" pitchFamily="18" charset="0"/>
+              </a:rPr>
+              <a:t>, já que o computador não apresenta disco rígido próprio. </a:t>
+            </a:r>
+          </a:p>
+          <a:p>
+            <a:pPr marL="0" indent="0" algn="just">
+              <a:buNone/>
+            </a:pPr>
+            <a:endParaRPr lang="pt-BR" sz="2000" dirty="0">
+              <a:solidFill>
+                <a:schemeClr val="tx1"/>
+              </a:solidFill>
+              <a:latin typeface="Times New Roman" panose="02020603050405020304" pitchFamily="18" charset="0"/>
+              <a:cs typeface="Times New Roman" panose="02020603050405020304" pitchFamily="18" charset="0"/>
+            </a:endParaRPr>
+          </a:p>
+          <a:p>
+            <a:pPr marL="0" indent="0" algn="just">
+              <a:buNone/>
+            </a:pPr>
+            <a:r>
+              <a:rPr lang="pt-BR" sz="2000" dirty="0">
+                <a:solidFill>
+                  <a:schemeClr val="tx1"/>
+                </a:solidFill>
+                <a:latin typeface="Times New Roman" panose="02020603050405020304" pitchFamily="18" charset="0"/>
+                <a:cs typeface="Times New Roman" panose="02020603050405020304" pitchFamily="18" charset="0"/>
+              </a:rPr>
+              <a:t>Com o sistema operacional, você pode usar o </a:t>
+            </a:r>
+            <a:r>
+              <a:rPr lang="pt-BR" sz="2000" b="1" dirty="0" err="1">
+                <a:solidFill>
+                  <a:schemeClr val="tx1"/>
+                </a:solidFill>
+                <a:latin typeface="Times New Roman" panose="02020603050405020304" pitchFamily="18" charset="0"/>
+                <a:cs typeface="Times New Roman" panose="02020603050405020304" pitchFamily="18" charset="0"/>
+              </a:rPr>
+              <a:t>Raspberry</a:t>
+            </a:r>
+            <a:r>
+              <a:rPr lang="pt-BR" sz="2000" b="1" dirty="0">
+                <a:solidFill>
+                  <a:schemeClr val="tx1"/>
+                </a:solidFill>
+                <a:latin typeface="Times New Roman" panose="02020603050405020304" pitchFamily="18" charset="0"/>
+                <a:cs typeface="Times New Roman" panose="02020603050405020304" pitchFamily="18" charset="0"/>
+              </a:rPr>
+              <a:t> Pi</a:t>
+            </a:r>
+            <a:r>
+              <a:rPr lang="pt-BR" sz="2000" dirty="0">
+                <a:solidFill>
+                  <a:schemeClr val="tx1"/>
+                </a:solidFill>
+                <a:latin typeface="Times New Roman" panose="02020603050405020304" pitchFamily="18" charset="0"/>
+                <a:cs typeface="Times New Roman" panose="02020603050405020304" pitchFamily="18" charset="0"/>
+              </a:rPr>
+              <a:t> para navegar na Internet, escrever textos, ver vídeos, ouvir música, criar planilhas e realizar praticamente qualquer tarefa possível num computador convencional.</a:t>
+            </a:r>
+          </a:p>
+        </p:txBody>
+      </p:sp>
+    </p:spTree>
+    <p:extLst>
+      <p:ext uri="{BB962C8B-B14F-4D97-AF65-F5344CB8AC3E}">
+        <p14:creationId xmlns:p14="http://schemas.microsoft.com/office/powerpoint/2010/main" val="3618798669"/>
+      </p:ext>
+    </p:extLst>
+  </p:cSld>
+  <p:clrMapOvr>
+    <a:masterClrMapping/>
+  </p:clrMapOvr>
+  <p:transition spd="med"/>
+</p:sld>
+</file>
+
+<file path=ppt/slides/slide15.xml><?xml version="1.0" encoding="utf-8"?>
+<p:sld xmlns:a="http://schemas.openxmlformats.org/drawingml/2006/main" xmlns:r="http://schemas.openxmlformats.org/officeDocument/2006/relationships" xmlns:p="http://schemas.openxmlformats.org/presentationml/2006/main">
+  <p:cSld>
+    <p:spTree>
+      <p:nvGrpSpPr>
+        <p:cNvPr id="1" name=""/>
+        <p:cNvGrpSpPr/>
+        <p:nvPr/>
+      </p:nvGrpSpPr>
+      <p:grpSpPr>
+        <a:xfrm>
+          <a:off x="0" y="0"/>
+          <a:ext cx="0" cy="0"/>
+          <a:chOff x="0" y="0"/>
+          <a:chExt cx="0" cy="0"/>
+        </a:xfrm>
+      </p:grpSpPr>
+      <p:sp>
+        <p:nvSpPr>
+          <p:cNvPr id="6" name="Title 1"/>
+          <p:cNvSpPr>
+            <a:spLocks noGrp="1"/>
+          </p:cNvSpPr>
+          <p:nvPr>
+            <p:ph type="title"/>
+          </p:nvPr>
+        </p:nvSpPr>
+        <p:spPr>
+          <a:xfrm>
+            <a:off x="457200" y="205980"/>
+            <a:ext cx="8229600" cy="857251"/>
+          </a:xfrm>
+        </p:spPr>
+        <p:txBody>
+          <a:bodyPr>
+            <a:normAutofit/>
+          </a:bodyPr>
+          <a:lstStyle/>
+          <a:p>
+            <a:r>
+              <a:rPr lang="en-US" b="1" dirty="0" err="1">
+                <a:solidFill>
+                  <a:srgbClr val="0070C0"/>
+                </a:solidFill>
+              </a:rPr>
+              <a:t>Modelos</a:t>
+            </a:r>
+            <a:r>
+              <a:rPr lang="en-US" b="1" dirty="0">
+                <a:solidFill>
+                  <a:srgbClr val="0070C0"/>
+                </a:solidFill>
+              </a:rPr>
+              <a:t> A e B - Raspberry Pi</a:t>
+            </a:r>
+          </a:p>
+        </p:txBody>
+      </p:sp>
+      <p:sp>
+        <p:nvSpPr>
+          <p:cNvPr id="8" name="Text Placeholder 2"/>
+          <p:cNvSpPr>
+            <a:spLocks noGrp="1"/>
+          </p:cNvSpPr>
+          <p:nvPr>
+            <p:ph type="body" sz="half" idx="1"/>
+          </p:nvPr>
+        </p:nvSpPr>
+        <p:spPr>
+          <a:xfrm>
+            <a:off x="142865" y="1395222"/>
+            <a:ext cx="8865056" cy="3384042"/>
+          </a:xfrm>
+        </p:spPr>
+        <p:txBody>
+          <a:bodyPr>
+            <a:noAutofit/>
+          </a:bodyPr>
+          <a:lstStyle/>
+          <a:p>
+            <a:pPr marL="0" indent="0" algn="just">
+              <a:buNone/>
+            </a:pPr>
+            <a:r>
+              <a:rPr lang="pt-BR" sz="2000" dirty="0">
+                <a:solidFill>
+                  <a:schemeClr val="tx1"/>
+                </a:solidFill>
+                <a:latin typeface="Times New Roman" panose="02020603050405020304" pitchFamily="18" charset="0"/>
+                <a:cs typeface="Times New Roman" panose="02020603050405020304" pitchFamily="18" charset="0"/>
+              </a:rPr>
+              <a:t>O </a:t>
+            </a:r>
+            <a:r>
+              <a:rPr lang="pt-BR" sz="2000" b="1" dirty="0">
+                <a:solidFill>
+                  <a:srgbClr val="FF0000"/>
+                </a:solidFill>
+                <a:latin typeface="Times New Roman" panose="02020603050405020304" pitchFamily="18" charset="0"/>
+                <a:cs typeface="Times New Roman" panose="02020603050405020304" pitchFamily="18" charset="0"/>
+              </a:rPr>
+              <a:t>modelo A</a:t>
+            </a:r>
+            <a:r>
+              <a:rPr lang="pt-BR" sz="2000" dirty="0">
+                <a:solidFill>
+                  <a:schemeClr val="tx1"/>
+                </a:solidFill>
+                <a:latin typeface="Times New Roman" panose="02020603050405020304" pitchFamily="18" charset="0"/>
+                <a:cs typeface="Times New Roman" panose="02020603050405020304" pitchFamily="18" charset="0"/>
+              </a:rPr>
+              <a:t> tem um hardware um pouco mais simples e é vendido a preços menores, </a:t>
+            </a:r>
+            <a:r>
+              <a:rPr lang="pt-BR" sz="2000" b="1" dirty="0">
+                <a:solidFill>
+                  <a:schemeClr val="tx1"/>
+                </a:solidFill>
+                <a:latin typeface="Times New Roman" panose="02020603050405020304" pitchFamily="18" charset="0"/>
+                <a:cs typeface="Times New Roman" panose="02020603050405020304" pitchFamily="18" charset="0"/>
+              </a:rPr>
+              <a:t>US$ 20</a:t>
+            </a:r>
+            <a:r>
+              <a:rPr lang="pt-BR" sz="2000" dirty="0">
+                <a:solidFill>
+                  <a:schemeClr val="tx1"/>
+                </a:solidFill>
+                <a:latin typeface="Times New Roman" panose="02020603050405020304" pitchFamily="18" charset="0"/>
+                <a:cs typeface="Times New Roman" panose="02020603050405020304" pitchFamily="18" charset="0"/>
+              </a:rPr>
+              <a:t> (aproximadamente R$ 50 em conversão direta). Ele conta ainda com </a:t>
+            </a:r>
+            <a:r>
+              <a:rPr lang="pt-BR" sz="2000" b="1" dirty="0">
+                <a:solidFill>
+                  <a:schemeClr val="tx1"/>
+                </a:solidFill>
+                <a:latin typeface="Times New Roman" panose="02020603050405020304" pitchFamily="18" charset="0"/>
+                <a:cs typeface="Times New Roman" panose="02020603050405020304" pitchFamily="18" charset="0"/>
+              </a:rPr>
+              <a:t>256 MB de memória RAM</a:t>
+            </a:r>
+            <a:r>
+              <a:rPr lang="pt-BR" sz="2000" dirty="0">
+                <a:solidFill>
+                  <a:schemeClr val="tx1"/>
+                </a:solidFill>
+                <a:latin typeface="Times New Roman" panose="02020603050405020304" pitchFamily="18" charset="0"/>
+                <a:cs typeface="Times New Roman" panose="02020603050405020304" pitchFamily="18" charset="0"/>
+              </a:rPr>
+              <a:t>, </a:t>
+            </a:r>
+            <a:r>
+              <a:rPr lang="pt-BR" sz="2000" b="1" dirty="0">
+                <a:solidFill>
+                  <a:srgbClr val="FF0000"/>
+                </a:solidFill>
+                <a:latin typeface="Times New Roman" panose="02020603050405020304" pitchFamily="18" charset="0"/>
+                <a:cs typeface="Times New Roman" panose="02020603050405020304" pitchFamily="18" charset="0"/>
+              </a:rPr>
+              <a:t>uma porta USB e uma Ethernet</a:t>
+            </a:r>
+            <a:r>
+              <a:rPr lang="pt-BR" sz="2000" dirty="0">
+                <a:solidFill>
+                  <a:schemeClr val="tx1"/>
+                </a:solidFill>
+                <a:latin typeface="Times New Roman" panose="02020603050405020304" pitchFamily="18" charset="0"/>
+                <a:cs typeface="Times New Roman" panose="02020603050405020304" pitchFamily="18" charset="0"/>
+              </a:rPr>
+              <a:t>. </a:t>
+            </a:r>
+          </a:p>
+          <a:p>
+            <a:pPr marL="0" indent="0" algn="just">
+              <a:buNone/>
+            </a:pPr>
+            <a:endParaRPr lang="pt-BR" sz="2000" dirty="0">
+              <a:solidFill>
+                <a:schemeClr val="tx1"/>
+              </a:solidFill>
+              <a:latin typeface="Times New Roman" panose="02020603050405020304" pitchFamily="18" charset="0"/>
+              <a:cs typeface="Times New Roman" panose="02020603050405020304" pitchFamily="18" charset="0"/>
+            </a:endParaRPr>
+          </a:p>
+          <a:p>
+            <a:pPr marL="0" indent="0" algn="just">
+              <a:buNone/>
+            </a:pPr>
+            <a:r>
+              <a:rPr lang="pt-BR" sz="2000" dirty="0">
+                <a:solidFill>
+                  <a:schemeClr val="tx1"/>
+                </a:solidFill>
+                <a:latin typeface="Times New Roman" panose="02020603050405020304" pitchFamily="18" charset="0"/>
+                <a:cs typeface="Times New Roman" panose="02020603050405020304" pitchFamily="18" charset="0"/>
+              </a:rPr>
+              <a:t>Já o </a:t>
+            </a:r>
+            <a:r>
+              <a:rPr lang="pt-BR" sz="2000" b="1" dirty="0">
+                <a:solidFill>
+                  <a:srgbClr val="FF0000"/>
+                </a:solidFill>
+                <a:latin typeface="Times New Roman" panose="02020603050405020304" pitchFamily="18" charset="0"/>
+                <a:cs typeface="Times New Roman" panose="02020603050405020304" pitchFamily="18" charset="0"/>
+              </a:rPr>
+              <a:t>modelo B</a:t>
+            </a:r>
+            <a:r>
+              <a:rPr lang="pt-BR" sz="2000" dirty="0">
+                <a:solidFill>
+                  <a:schemeClr val="tx1"/>
+                </a:solidFill>
+                <a:latin typeface="Times New Roman" panose="02020603050405020304" pitchFamily="18" charset="0"/>
+                <a:cs typeface="Times New Roman" panose="02020603050405020304" pitchFamily="18" charset="0"/>
+              </a:rPr>
+              <a:t> conta com equipamento de maior capacidade, é um pouco maior e pode ser comprado por </a:t>
+            </a:r>
+            <a:r>
+              <a:rPr lang="pt-BR" sz="2000" b="1" dirty="0">
+                <a:solidFill>
+                  <a:schemeClr val="tx1"/>
+                </a:solidFill>
+                <a:latin typeface="Times New Roman" panose="02020603050405020304" pitchFamily="18" charset="0"/>
+                <a:cs typeface="Times New Roman" panose="02020603050405020304" pitchFamily="18" charset="0"/>
+              </a:rPr>
+              <a:t>US$ 35</a:t>
+            </a:r>
+            <a:r>
+              <a:rPr lang="pt-BR" sz="2000" dirty="0">
+                <a:solidFill>
+                  <a:schemeClr val="tx1"/>
+                </a:solidFill>
+                <a:latin typeface="Times New Roman" panose="02020603050405020304" pitchFamily="18" charset="0"/>
+                <a:cs typeface="Times New Roman" panose="02020603050405020304" pitchFamily="18" charset="0"/>
+              </a:rPr>
+              <a:t> (cerca de R$ 88). São </a:t>
+            </a:r>
+            <a:r>
+              <a:rPr lang="pt-BR" sz="2000" b="1" dirty="0">
+                <a:solidFill>
+                  <a:schemeClr val="tx1"/>
+                </a:solidFill>
+                <a:latin typeface="Times New Roman" panose="02020603050405020304" pitchFamily="18" charset="0"/>
+                <a:cs typeface="Times New Roman" panose="02020603050405020304" pitchFamily="18" charset="0"/>
+              </a:rPr>
+              <a:t>512 MB de RAM</a:t>
+            </a:r>
+            <a:r>
+              <a:rPr lang="pt-BR" sz="2000" dirty="0">
+                <a:solidFill>
+                  <a:schemeClr val="tx1"/>
+                </a:solidFill>
+                <a:latin typeface="Times New Roman" panose="02020603050405020304" pitchFamily="18" charset="0"/>
+                <a:cs typeface="Times New Roman" panose="02020603050405020304" pitchFamily="18" charset="0"/>
+              </a:rPr>
+              <a:t> e </a:t>
+            </a:r>
+            <a:r>
+              <a:rPr lang="pt-BR" sz="2000" b="1" dirty="0">
+                <a:solidFill>
+                  <a:srgbClr val="FF0000"/>
+                </a:solidFill>
+                <a:latin typeface="Times New Roman" panose="02020603050405020304" pitchFamily="18" charset="0"/>
+                <a:cs typeface="Times New Roman" panose="02020603050405020304" pitchFamily="18" charset="0"/>
+              </a:rPr>
+              <a:t>duas portas USB</a:t>
+            </a:r>
+            <a:r>
+              <a:rPr lang="pt-BR" sz="2000" dirty="0">
+                <a:solidFill>
+                  <a:schemeClr val="tx1"/>
+                </a:solidFill>
+                <a:latin typeface="Times New Roman" panose="02020603050405020304" pitchFamily="18" charset="0"/>
+                <a:cs typeface="Times New Roman" panose="02020603050405020304" pitchFamily="18" charset="0"/>
+              </a:rPr>
+              <a:t>.</a:t>
+            </a:r>
+          </a:p>
+          <a:p>
+            <a:pPr marL="0" indent="0" algn="just">
+              <a:buNone/>
+            </a:pPr>
+            <a:endParaRPr lang="pt-BR" sz="2000" dirty="0">
+              <a:solidFill>
+                <a:schemeClr val="tx1"/>
+              </a:solidFill>
+              <a:latin typeface="Times New Roman" panose="02020603050405020304" pitchFamily="18" charset="0"/>
+              <a:cs typeface="Times New Roman" panose="02020603050405020304" pitchFamily="18" charset="0"/>
+            </a:endParaRPr>
+          </a:p>
+          <a:p>
+            <a:pPr marL="0" indent="0" algn="just">
+              <a:buNone/>
+            </a:pPr>
+            <a:r>
+              <a:rPr lang="pt-BR" sz="2000" dirty="0">
+                <a:solidFill>
+                  <a:schemeClr val="tx1"/>
+                </a:solidFill>
+                <a:latin typeface="Times New Roman" panose="02020603050405020304" pitchFamily="18" charset="0"/>
+                <a:cs typeface="Times New Roman" panose="02020603050405020304" pitchFamily="18" charset="0"/>
+              </a:rPr>
+              <a:t>De resto, tanto </a:t>
+            </a:r>
+            <a:r>
+              <a:rPr lang="pt-BR" sz="2000" b="1" dirty="0">
+                <a:solidFill>
+                  <a:schemeClr val="tx1"/>
+                </a:solidFill>
+                <a:latin typeface="Times New Roman" panose="02020603050405020304" pitchFamily="18" charset="0"/>
+                <a:cs typeface="Times New Roman" panose="02020603050405020304" pitchFamily="18" charset="0"/>
+              </a:rPr>
+              <a:t>processador</a:t>
+            </a:r>
+            <a:r>
+              <a:rPr lang="pt-BR" sz="2000" dirty="0">
+                <a:solidFill>
+                  <a:schemeClr val="tx1"/>
+                </a:solidFill>
+                <a:latin typeface="Times New Roman" panose="02020603050405020304" pitchFamily="18" charset="0"/>
+                <a:cs typeface="Times New Roman" panose="02020603050405020304" pitchFamily="18" charset="0"/>
+              </a:rPr>
+              <a:t> e demais componentes são </a:t>
+            </a:r>
+            <a:r>
+              <a:rPr lang="pt-BR" sz="2000" b="1" dirty="0">
+                <a:solidFill>
+                  <a:schemeClr val="tx1"/>
+                </a:solidFill>
+                <a:latin typeface="Times New Roman" panose="02020603050405020304" pitchFamily="18" charset="0"/>
+                <a:cs typeface="Times New Roman" panose="02020603050405020304" pitchFamily="18" charset="0"/>
+              </a:rPr>
+              <a:t>iguais</a:t>
+            </a:r>
+            <a:r>
+              <a:rPr lang="pt-BR" sz="2000" dirty="0">
+                <a:solidFill>
+                  <a:schemeClr val="tx1"/>
+                </a:solidFill>
+                <a:latin typeface="Times New Roman" panose="02020603050405020304" pitchFamily="18" charset="0"/>
+                <a:cs typeface="Times New Roman" panose="02020603050405020304" pitchFamily="18" charset="0"/>
+              </a:rPr>
+              <a:t> em </a:t>
+            </a:r>
+            <a:r>
+              <a:rPr lang="pt-BR" sz="2000" b="1" dirty="0">
+                <a:solidFill>
+                  <a:srgbClr val="FF0000"/>
+                </a:solidFill>
+                <a:latin typeface="Times New Roman" panose="02020603050405020304" pitchFamily="18" charset="0"/>
+                <a:cs typeface="Times New Roman" panose="02020603050405020304" pitchFamily="18" charset="0"/>
+              </a:rPr>
+              <a:t>ambos os modelos</a:t>
+            </a:r>
+            <a:r>
+              <a:rPr lang="pt-BR" sz="2000" dirty="0">
+                <a:solidFill>
+                  <a:schemeClr val="tx1"/>
+                </a:solidFill>
+                <a:latin typeface="Times New Roman" panose="02020603050405020304" pitchFamily="18" charset="0"/>
+                <a:cs typeface="Times New Roman" panose="02020603050405020304" pitchFamily="18" charset="0"/>
+              </a:rPr>
+              <a:t>.</a:t>
+            </a:r>
+            <a:endParaRPr lang="pt-BR" sz="2000" b="1" dirty="0">
+              <a:solidFill>
+                <a:srgbClr val="0070C0"/>
+              </a:solidFill>
+              <a:latin typeface="Times New Roman" panose="02020603050405020304" pitchFamily="18" charset="0"/>
+              <a:cs typeface="Times New Roman" panose="02020603050405020304" pitchFamily="18" charset="0"/>
+            </a:endParaRPr>
+          </a:p>
+        </p:txBody>
+      </p:sp>
+    </p:spTree>
+    <p:extLst>
+      <p:ext uri="{BB962C8B-B14F-4D97-AF65-F5344CB8AC3E}">
+        <p14:creationId xmlns:p14="http://schemas.microsoft.com/office/powerpoint/2010/main" val="3395413864"/>
+      </p:ext>
+    </p:extLst>
+  </p:cSld>
+  <p:clrMapOvr>
+    <a:masterClrMapping/>
+  </p:clrMapOvr>
+  <p:transition spd="med"/>
+</p:sld>
+</file>
+
+<file path=ppt/slides/slide16.xml><?xml version="1.0" encoding="utf-8"?>
+<p:sld xmlns:a="http://schemas.openxmlformats.org/drawingml/2006/main" xmlns:r="http://schemas.openxmlformats.org/officeDocument/2006/relationships" xmlns:p="http://schemas.openxmlformats.org/presentationml/2006/main">
+  <p:cSld>
+    <p:spTree>
+      <p:nvGrpSpPr>
+        <p:cNvPr id="1" name=""/>
+        <p:cNvGrpSpPr/>
+        <p:nvPr/>
+      </p:nvGrpSpPr>
+      <p:grpSpPr>
+        <a:xfrm>
+          <a:off x="0" y="0"/>
+          <a:ext cx="0" cy="0"/>
+          <a:chOff x="0" y="0"/>
+          <a:chExt cx="0" cy="0"/>
+        </a:xfrm>
+      </p:grpSpPr>
+      <p:sp>
+        <p:nvSpPr>
+          <p:cNvPr id="6" name="Title 1"/>
+          <p:cNvSpPr>
+            <a:spLocks noGrp="1"/>
+          </p:cNvSpPr>
+          <p:nvPr>
+            <p:ph type="title"/>
+          </p:nvPr>
+        </p:nvSpPr>
+        <p:spPr>
+          <a:xfrm>
+            <a:off x="457200" y="205980"/>
+            <a:ext cx="8229600" cy="857251"/>
+          </a:xfrm>
+        </p:spPr>
+        <p:txBody>
+          <a:bodyPr>
+            <a:normAutofit/>
+          </a:bodyPr>
+          <a:lstStyle/>
+          <a:p>
+            <a:r>
+              <a:rPr lang="en-US" b="1" dirty="0">
+                <a:solidFill>
+                  <a:srgbClr val="0070C0"/>
+                </a:solidFill>
+              </a:rPr>
+              <a:t>Arduino vs Raspberry Pi</a:t>
+            </a:r>
+          </a:p>
+        </p:txBody>
+      </p:sp>
+      <p:sp>
+        <p:nvSpPr>
+          <p:cNvPr id="8" name="Text Placeholder 2"/>
+          <p:cNvSpPr>
+            <a:spLocks noGrp="1"/>
+          </p:cNvSpPr>
+          <p:nvPr>
+            <p:ph type="body" sz="half" idx="1"/>
+          </p:nvPr>
+        </p:nvSpPr>
+        <p:spPr>
+          <a:xfrm>
+            <a:off x="142865" y="1063231"/>
+            <a:ext cx="8865056" cy="3874289"/>
+          </a:xfrm>
+        </p:spPr>
+        <p:txBody>
+          <a:bodyPr>
+            <a:noAutofit/>
+          </a:bodyPr>
+          <a:lstStyle/>
+          <a:p>
+            <a:pPr marL="0" indent="0" algn="just">
+              <a:buNone/>
+            </a:pPr>
+            <a:r>
+              <a:rPr lang="pt-BR" sz="2400" b="1" dirty="0">
+                <a:solidFill>
+                  <a:srgbClr val="FF0000"/>
+                </a:solidFill>
+                <a:latin typeface="Times New Roman" panose="02020603050405020304" pitchFamily="18" charset="0"/>
+                <a:cs typeface="Times New Roman" panose="02020603050405020304" pitchFamily="18" charset="0"/>
+              </a:rPr>
+              <a:t>Arduino </a:t>
+            </a:r>
+            <a:r>
+              <a:rPr lang="pt-BR" sz="2400" b="1" dirty="0" err="1">
+                <a:solidFill>
+                  <a:srgbClr val="FF0000"/>
+                </a:solidFill>
+                <a:latin typeface="Times New Roman" panose="02020603050405020304" pitchFamily="18" charset="0"/>
+                <a:cs typeface="Times New Roman" panose="02020603050405020304" pitchFamily="18" charset="0"/>
+              </a:rPr>
+              <a:t>vs</a:t>
+            </a:r>
+            <a:r>
+              <a:rPr lang="pt-BR" sz="2400" b="1" dirty="0">
+                <a:solidFill>
+                  <a:srgbClr val="FF0000"/>
+                </a:solidFill>
+                <a:latin typeface="Times New Roman" panose="02020603050405020304" pitchFamily="18" charset="0"/>
+                <a:cs typeface="Times New Roman" panose="02020603050405020304" pitchFamily="18" charset="0"/>
+              </a:rPr>
+              <a:t> </a:t>
+            </a:r>
+            <a:r>
+              <a:rPr lang="pt-BR" sz="2400" b="1" dirty="0" err="1">
+                <a:solidFill>
+                  <a:srgbClr val="FF0000"/>
+                </a:solidFill>
+                <a:latin typeface="Times New Roman" panose="02020603050405020304" pitchFamily="18" charset="0"/>
+                <a:cs typeface="Times New Roman" panose="02020603050405020304" pitchFamily="18" charset="0"/>
+              </a:rPr>
+              <a:t>Raspberry</a:t>
+            </a:r>
+            <a:r>
+              <a:rPr lang="pt-BR" sz="2400" b="1" dirty="0">
+                <a:solidFill>
+                  <a:srgbClr val="FF0000"/>
+                </a:solidFill>
+                <a:latin typeface="Times New Roman" panose="02020603050405020304" pitchFamily="18" charset="0"/>
+                <a:cs typeface="Times New Roman" panose="02020603050405020304" pitchFamily="18" charset="0"/>
+              </a:rPr>
+              <a:t> Pi</a:t>
+            </a:r>
+          </a:p>
+          <a:p>
+            <a:pPr marL="0" indent="0" algn="just">
+              <a:buNone/>
+            </a:pPr>
+            <a:r>
+              <a:rPr lang="pt-BR" sz="2400" dirty="0">
+                <a:solidFill>
+                  <a:schemeClr val="tx1"/>
+                </a:solidFill>
+                <a:latin typeface="Times New Roman" panose="02020603050405020304" pitchFamily="18" charset="0"/>
+                <a:cs typeface="Times New Roman" panose="02020603050405020304" pitchFamily="18" charset="0"/>
+                <a:hlinkClick r:id="rId3"/>
+              </a:rPr>
+              <a:t>https://embarcados.com.br/arduino-vs-raspberry-pi/</a:t>
+            </a:r>
+            <a:endParaRPr lang="pt-BR" sz="2400" dirty="0">
+              <a:solidFill>
+                <a:schemeClr val="tx1"/>
+              </a:solidFill>
+              <a:latin typeface="Times New Roman" panose="02020603050405020304" pitchFamily="18" charset="0"/>
+              <a:cs typeface="Times New Roman" panose="02020603050405020304" pitchFamily="18" charset="0"/>
+            </a:endParaRPr>
+          </a:p>
+          <a:p>
+            <a:pPr marL="0" indent="0" algn="just">
+              <a:buNone/>
+            </a:pPr>
+            <a:endParaRPr lang="pt-BR" sz="2400" dirty="0">
+              <a:solidFill>
+                <a:schemeClr val="tx1"/>
+              </a:solidFill>
+              <a:latin typeface="Times New Roman" panose="02020603050405020304" pitchFamily="18" charset="0"/>
+              <a:cs typeface="Times New Roman" panose="02020603050405020304" pitchFamily="18" charset="0"/>
+            </a:endParaRPr>
+          </a:p>
+          <a:p>
+            <a:pPr marL="0" indent="0" algn="just">
+              <a:buNone/>
+            </a:pPr>
+            <a:r>
+              <a:rPr lang="pt-BR" sz="2400" b="1" dirty="0" err="1">
+                <a:solidFill>
+                  <a:schemeClr val="tx1"/>
+                </a:solidFill>
+                <a:latin typeface="Times New Roman" panose="02020603050405020304" pitchFamily="18" charset="0"/>
+                <a:cs typeface="Times New Roman" panose="02020603050405020304" pitchFamily="18" charset="0"/>
+              </a:rPr>
+              <a:t>Raspberry</a:t>
+            </a:r>
+            <a:r>
+              <a:rPr lang="pt-BR" sz="2400" b="1" dirty="0">
+                <a:solidFill>
+                  <a:schemeClr val="tx1"/>
+                </a:solidFill>
+                <a:latin typeface="Times New Roman" panose="02020603050405020304" pitchFamily="18" charset="0"/>
+                <a:cs typeface="Times New Roman" panose="02020603050405020304" pitchFamily="18" charset="0"/>
+              </a:rPr>
+              <a:t> Pi Pico </a:t>
+            </a:r>
+            <a:r>
+              <a:rPr lang="pt-BR" sz="2400" dirty="0">
+                <a:solidFill>
+                  <a:schemeClr val="tx1"/>
+                </a:solidFill>
+                <a:latin typeface="Times New Roman" panose="02020603050405020304" pitchFamily="18" charset="0"/>
+                <a:cs typeface="Times New Roman" panose="02020603050405020304" pitchFamily="18" charset="0"/>
+              </a:rPr>
+              <a:t>é um </a:t>
+            </a:r>
+            <a:r>
+              <a:rPr lang="pt-BR" sz="2400" b="1" dirty="0">
+                <a:solidFill>
+                  <a:srgbClr val="FF0000"/>
+                </a:solidFill>
+                <a:latin typeface="Times New Roman" panose="02020603050405020304" pitchFamily="18" charset="0"/>
+                <a:cs typeface="Times New Roman" panose="02020603050405020304" pitchFamily="18" charset="0"/>
+              </a:rPr>
+              <a:t>microcontrolador</a:t>
+            </a:r>
+            <a:r>
+              <a:rPr lang="pt-BR" sz="2400" dirty="0">
+                <a:solidFill>
+                  <a:schemeClr val="tx1"/>
+                </a:solidFill>
+                <a:latin typeface="Times New Roman" panose="02020603050405020304" pitchFamily="18" charset="0"/>
+                <a:cs typeface="Times New Roman" panose="02020603050405020304" pitchFamily="18" charset="0"/>
+              </a:rPr>
+              <a:t> baseado na </a:t>
+            </a:r>
+            <a:r>
+              <a:rPr lang="pt-BR" sz="2400" b="1" dirty="0">
+                <a:solidFill>
+                  <a:schemeClr val="tx1"/>
+                </a:solidFill>
+                <a:latin typeface="Times New Roman" panose="02020603050405020304" pitchFamily="18" charset="0"/>
+                <a:cs typeface="Times New Roman" panose="02020603050405020304" pitchFamily="18" charset="0"/>
+              </a:rPr>
+              <a:t>arquitetura ARM</a:t>
+            </a:r>
+            <a:r>
+              <a:rPr lang="pt-BR" sz="2400" dirty="0">
+                <a:solidFill>
+                  <a:schemeClr val="tx1"/>
+                </a:solidFill>
+                <a:latin typeface="Times New Roman" panose="02020603050405020304" pitchFamily="18" charset="0"/>
+                <a:cs typeface="Times New Roman" panose="02020603050405020304" pitchFamily="18" charset="0"/>
+              </a:rPr>
+              <a:t>.</a:t>
+            </a:r>
+          </a:p>
+          <a:p>
+            <a:pPr marL="0" indent="0" algn="just">
+              <a:buNone/>
+            </a:pPr>
+            <a:endParaRPr lang="pt-BR" sz="2400" dirty="0">
+              <a:solidFill>
+                <a:schemeClr val="tx1"/>
+              </a:solidFill>
+              <a:latin typeface="Times New Roman" panose="02020603050405020304" pitchFamily="18" charset="0"/>
+              <a:cs typeface="Times New Roman" panose="02020603050405020304" pitchFamily="18" charset="0"/>
+            </a:endParaRPr>
+          </a:p>
+          <a:p>
+            <a:pPr marL="0" indent="0" algn="just">
+              <a:buNone/>
+            </a:pPr>
+            <a:r>
+              <a:rPr lang="pt-BR" sz="2400" dirty="0">
+                <a:solidFill>
+                  <a:schemeClr val="tx1"/>
+                </a:solidFill>
+                <a:latin typeface="Times New Roman" panose="02020603050405020304" pitchFamily="18" charset="0"/>
+                <a:cs typeface="Times New Roman" panose="02020603050405020304" pitchFamily="18" charset="0"/>
+                <a:hlinkClick r:id="rId4"/>
+              </a:rPr>
+              <a:t>https://olhardigital.com.br/2021/01/22/noticias/novo-raspberry-pi-e-um-microcontrolador-de-apenas-r-21/</a:t>
+            </a:r>
+            <a:endParaRPr lang="pt-BR" sz="2400" dirty="0">
+              <a:solidFill>
+                <a:schemeClr val="tx1"/>
+              </a:solidFill>
+              <a:latin typeface="Times New Roman" panose="02020603050405020304" pitchFamily="18" charset="0"/>
+              <a:cs typeface="Times New Roman" panose="02020603050405020304" pitchFamily="18" charset="0"/>
+            </a:endParaRPr>
+          </a:p>
+        </p:txBody>
+      </p:sp>
+    </p:spTree>
+    <p:extLst>
+      <p:ext uri="{BB962C8B-B14F-4D97-AF65-F5344CB8AC3E}">
+        <p14:creationId xmlns:p14="http://schemas.microsoft.com/office/powerpoint/2010/main" val="2194112178"/>
+      </p:ext>
+    </p:extLst>
+  </p:cSld>
+  <p:clrMapOvr>
+    <a:masterClrMapping/>
+  </p:clrMapOvr>
+  <p:transition spd="med"/>
+</p:sld>
+</file>
+
+<file path=ppt/slides/slide17.xml><?xml version="1.0" encoding="utf-8"?>
+<p:sld xmlns:a="http://schemas.openxmlformats.org/drawingml/2006/main" xmlns:r="http://schemas.openxmlformats.org/officeDocument/2006/relationships" xmlns:p="http://schemas.openxmlformats.org/presentationml/2006/main">
+  <p:cSld>
+    <p:spTree>
+      <p:nvGrpSpPr>
+        <p:cNvPr id="1" name=""/>
+        <p:cNvGrpSpPr/>
+        <p:nvPr/>
+      </p:nvGrpSpPr>
+      <p:grpSpPr>
+        <a:xfrm>
+          <a:off x="0" y="0"/>
+          <a:ext cx="0" cy="0"/>
+          <a:chOff x="0" y="0"/>
+          <a:chExt cx="0" cy="0"/>
+        </a:xfrm>
+      </p:grpSpPr>
+      <p:sp>
+        <p:nvSpPr>
+          <p:cNvPr id="6" name="Title 1"/>
+          <p:cNvSpPr>
+            <a:spLocks noGrp="1"/>
+          </p:cNvSpPr>
+          <p:nvPr>
+            <p:ph type="title"/>
+          </p:nvPr>
+        </p:nvSpPr>
+        <p:spPr>
+          <a:xfrm>
+            <a:off x="457200" y="205980"/>
+            <a:ext cx="8229600" cy="857251"/>
+          </a:xfrm>
+        </p:spPr>
+        <p:txBody>
+          <a:bodyPr>
+            <a:normAutofit/>
+          </a:bodyPr>
+          <a:lstStyle/>
+          <a:p>
+            <a:r>
+              <a:rPr lang="en-US" b="1" dirty="0" err="1">
+                <a:solidFill>
+                  <a:srgbClr val="0070C0"/>
+                </a:solidFill>
+              </a:rPr>
+              <a:t>Plataforna</a:t>
+            </a:r>
+            <a:r>
+              <a:rPr lang="en-US" b="1" dirty="0">
+                <a:solidFill>
+                  <a:srgbClr val="0070C0"/>
+                </a:solidFill>
+              </a:rPr>
+              <a:t> </a:t>
+            </a:r>
+            <a:r>
+              <a:rPr lang="en-US" b="1" dirty="0" err="1">
+                <a:solidFill>
+                  <a:srgbClr val="0070C0"/>
+                </a:solidFill>
+              </a:rPr>
+              <a:t>Remota</a:t>
+            </a:r>
+            <a:r>
+              <a:rPr lang="en-US" b="1" dirty="0">
+                <a:solidFill>
+                  <a:srgbClr val="0070C0"/>
+                </a:solidFill>
+              </a:rPr>
+              <a:t> - Raspberry Pi</a:t>
+            </a:r>
+          </a:p>
+        </p:txBody>
+      </p:sp>
+      <p:sp>
+        <p:nvSpPr>
+          <p:cNvPr id="8" name="Text Placeholder 2"/>
+          <p:cNvSpPr>
+            <a:spLocks noGrp="1"/>
+          </p:cNvSpPr>
+          <p:nvPr>
+            <p:ph type="body" sz="half" idx="1"/>
+          </p:nvPr>
+        </p:nvSpPr>
+        <p:spPr>
+          <a:xfrm>
+            <a:off x="142865" y="1017270"/>
+            <a:ext cx="8865056" cy="3920250"/>
+          </a:xfrm>
+        </p:spPr>
+        <p:txBody>
+          <a:bodyPr>
+            <a:noAutofit/>
+          </a:bodyPr>
+          <a:lstStyle/>
+          <a:p>
+            <a:pPr marL="0" indent="0" algn="just">
+              <a:buNone/>
+            </a:pPr>
+            <a:r>
+              <a:rPr lang="pt-BR" sz="2000" dirty="0">
+                <a:solidFill>
+                  <a:schemeClr val="tx1"/>
+                </a:solidFill>
+                <a:latin typeface="Times New Roman" panose="02020603050405020304" pitchFamily="18" charset="0"/>
+                <a:cs typeface="Times New Roman" panose="02020603050405020304" pitchFamily="18" charset="0"/>
+                <a:hlinkClick r:id="rId3"/>
+              </a:rPr>
+              <a:t>https://www.pitunnel.com/</a:t>
+            </a:r>
+            <a:r>
+              <a:rPr lang="pt-BR" sz="2000" dirty="0">
+                <a:solidFill>
+                  <a:schemeClr val="tx1"/>
+                </a:solidFill>
+                <a:latin typeface="Times New Roman" panose="02020603050405020304" pitchFamily="18" charset="0"/>
+                <a:cs typeface="Times New Roman" panose="02020603050405020304" pitchFamily="18" charset="0"/>
+              </a:rPr>
+              <a:t> (</a:t>
+            </a:r>
+            <a:r>
+              <a:rPr lang="pt-BR" sz="2000" b="1" dirty="0">
+                <a:solidFill>
+                  <a:srgbClr val="FF0000"/>
+                </a:solidFill>
+                <a:latin typeface="Times New Roman" panose="02020603050405020304" pitchFamily="18" charset="0"/>
+                <a:cs typeface="Times New Roman" panose="02020603050405020304" pitchFamily="18" charset="0"/>
+              </a:rPr>
+              <a:t>Criar conta</a:t>
+            </a:r>
+            <a:r>
+              <a:rPr lang="pt-BR" sz="2000" dirty="0">
+                <a:solidFill>
+                  <a:schemeClr val="tx1"/>
+                </a:solidFill>
+                <a:latin typeface="Times New Roman" panose="02020603050405020304" pitchFamily="18" charset="0"/>
+                <a:cs typeface="Times New Roman" panose="02020603050405020304" pitchFamily="18" charset="0"/>
+              </a:rPr>
+              <a:t>);</a:t>
+            </a:r>
+          </a:p>
+          <a:p>
+            <a:pPr marL="0" indent="0" algn="just">
+              <a:buNone/>
+            </a:pPr>
+            <a:endParaRPr lang="pt-BR" sz="2000" dirty="0">
+              <a:solidFill>
+                <a:schemeClr val="tx1"/>
+              </a:solidFill>
+              <a:latin typeface="Times New Roman" panose="02020603050405020304" pitchFamily="18" charset="0"/>
+              <a:cs typeface="Times New Roman" panose="02020603050405020304" pitchFamily="18" charset="0"/>
+            </a:endParaRPr>
+          </a:p>
+          <a:p>
+            <a:pPr marL="0" indent="0" algn="just">
+              <a:buNone/>
+            </a:pPr>
+            <a:r>
+              <a:rPr lang="pt-BR" sz="2000" dirty="0">
+                <a:solidFill>
+                  <a:schemeClr val="tx1"/>
+                </a:solidFill>
+                <a:latin typeface="Times New Roman" panose="02020603050405020304" pitchFamily="18" charset="0"/>
+                <a:cs typeface="Times New Roman" panose="02020603050405020304" pitchFamily="18" charset="0"/>
+              </a:rPr>
+              <a:t>Conecte seu Pi, certifique-se de que seu </a:t>
+            </a:r>
+            <a:r>
+              <a:rPr lang="pt-BR" sz="2000" b="1" dirty="0" err="1">
+                <a:solidFill>
+                  <a:schemeClr val="tx1"/>
+                </a:solidFill>
+                <a:latin typeface="Times New Roman" panose="02020603050405020304" pitchFamily="18" charset="0"/>
+                <a:cs typeface="Times New Roman" panose="02020603050405020304" pitchFamily="18" charset="0"/>
+              </a:rPr>
+              <a:t>Raspberry</a:t>
+            </a:r>
+            <a:r>
+              <a:rPr lang="pt-BR" sz="2000" b="1" dirty="0">
+                <a:solidFill>
+                  <a:schemeClr val="tx1"/>
+                </a:solidFill>
+                <a:latin typeface="Times New Roman" panose="02020603050405020304" pitchFamily="18" charset="0"/>
+                <a:cs typeface="Times New Roman" panose="02020603050405020304" pitchFamily="18" charset="0"/>
+              </a:rPr>
+              <a:t> Pi</a:t>
+            </a:r>
+            <a:r>
+              <a:rPr lang="pt-BR" sz="2000" dirty="0">
+                <a:solidFill>
+                  <a:schemeClr val="tx1"/>
+                </a:solidFill>
+                <a:latin typeface="Times New Roman" panose="02020603050405020304" pitchFamily="18" charset="0"/>
+                <a:cs typeface="Times New Roman" panose="02020603050405020304" pitchFamily="18" charset="0"/>
+              </a:rPr>
+              <a:t> esteja conectado à Internet e cole ou digite um dos seguintes comandos em seu terminal e pressione </a:t>
+            </a:r>
+            <a:r>
+              <a:rPr lang="pt-BR" sz="2000" dirty="0" err="1">
+                <a:solidFill>
+                  <a:schemeClr val="tx1"/>
+                </a:solidFill>
+                <a:latin typeface="Times New Roman" panose="02020603050405020304" pitchFamily="18" charset="0"/>
+                <a:cs typeface="Times New Roman" panose="02020603050405020304" pitchFamily="18" charset="0"/>
+              </a:rPr>
+              <a:t>Enter</a:t>
+            </a:r>
+            <a:r>
+              <a:rPr lang="pt-BR" sz="2000" dirty="0">
+                <a:solidFill>
+                  <a:schemeClr val="tx1"/>
+                </a:solidFill>
+                <a:latin typeface="Times New Roman" panose="02020603050405020304" pitchFamily="18" charset="0"/>
+                <a:cs typeface="Times New Roman" panose="02020603050405020304" pitchFamily="18" charset="0"/>
+              </a:rPr>
+              <a:t>:</a:t>
+            </a:r>
+          </a:p>
+          <a:p>
+            <a:pPr marL="0" indent="0" algn="just">
+              <a:buNone/>
+            </a:pPr>
+            <a:endParaRPr lang="pt-BR" sz="2000" dirty="0">
+              <a:solidFill>
+                <a:schemeClr val="tx1"/>
+              </a:solidFill>
+              <a:latin typeface="Times New Roman" panose="02020603050405020304" pitchFamily="18" charset="0"/>
+              <a:cs typeface="Times New Roman" panose="02020603050405020304" pitchFamily="18" charset="0"/>
+            </a:endParaRPr>
+          </a:p>
+          <a:p>
+            <a:pPr marL="0" indent="0" algn="just">
+              <a:buNone/>
+            </a:pPr>
+            <a:r>
+              <a:rPr lang="pt-BR" sz="2000" b="1" dirty="0">
+                <a:solidFill>
+                  <a:schemeClr val="tx1"/>
+                </a:solidFill>
+                <a:latin typeface="Times New Roman" panose="02020603050405020304" pitchFamily="18" charset="0"/>
+                <a:cs typeface="Times New Roman" panose="02020603050405020304" pitchFamily="18" charset="0"/>
+              </a:rPr>
+              <a:t>Para dispositivos executando </a:t>
+            </a:r>
+            <a:r>
+              <a:rPr lang="pt-BR" sz="2000" b="1" dirty="0" err="1">
+                <a:solidFill>
+                  <a:schemeClr val="tx1"/>
+                </a:solidFill>
+                <a:latin typeface="Times New Roman" panose="02020603050405020304" pitchFamily="18" charset="0"/>
+                <a:cs typeface="Times New Roman" panose="02020603050405020304" pitchFamily="18" charset="0"/>
+              </a:rPr>
+              <a:t>Raspberry</a:t>
+            </a:r>
+            <a:r>
+              <a:rPr lang="pt-BR" sz="2000" b="1" dirty="0">
+                <a:solidFill>
+                  <a:schemeClr val="tx1"/>
+                </a:solidFill>
+                <a:latin typeface="Times New Roman" panose="02020603050405020304" pitchFamily="18" charset="0"/>
+                <a:cs typeface="Times New Roman" panose="02020603050405020304" pitchFamily="18" charset="0"/>
+              </a:rPr>
+              <a:t> Pi OS ou Ubuntu Server</a:t>
+            </a:r>
+            <a:r>
+              <a:rPr lang="pt-BR" sz="2000" dirty="0">
+                <a:solidFill>
+                  <a:schemeClr val="tx1"/>
+                </a:solidFill>
+                <a:latin typeface="Times New Roman" panose="02020603050405020304" pitchFamily="18" charset="0"/>
+                <a:cs typeface="Times New Roman" panose="02020603050405020304" pitchFamily="18" charset="0"/>
+              </a:rPr>
+              <a:t>:</a:t>
+            </a:r>
+          </a:p>
+          <a:p>
+            <a:pPr marL="0" indent="0" algn="just">
+              <a:buNone/>
+            </a:pPr>
+            <a:r>
+              <a:rPr lang="pt-BR" sz="2000" dirty="0" err="1">
+                <a:solidFill>
+                  <a:schemeClr val="tx1"/>
+                </a:solidFill>
+                <a:latin typeface="Times New Roman" panose="02020603050405020304" pitchFamily="18" charset="0"/>
+                <a:cs typeface="Times New Roman" panose="02020603050405020304" pitchFamily="18" charset="0"/>
+              </a:rPr>
+              <a:t>curl</a:t>
+            </a:r>
+            <a:r>
+              <a:rPr lang="pt-BR" sz="2000" dirty="0">
+                <a:solidFill>
+                  <a:schemeClr val="tx1"/>
+                </a:solidFill>
+                <a:latin typeface="Times New Roman" panose="02020603050405020304" pitchFamily="18" charset="0"/>
+                <a:cs typeface="Times New Roman" panose="02020603050405020304" pitchFamily="18" charset="0"/>
+              </a:rPr>
+              <a:t> -s https://pitunnel.com/get/ET3tHd8cgf | </a:t>
+            </a:r>
+            <a:r>
+              <a:rPr lang="pt-BR" sz="2000" dirty="0" err="1">
+                <a:solidFill>
+                  <a:schemeClr val="tx1"/>
+                </a:solidFill>
+                <a:latin typeface="Times New Roman" panose="02020603050405020304" pitchFamily="18" charset="0"/>
+                <a:cs typeface="Times New Roman" panose="02020603050405020304" pitchFamily="18" charset="0"/>
+              </a:rPr>
+              <a:t>sudo</a:t>
+            </a:r>
+            <a:r>
+              <a:rPr lang="pt-BR" sz="2000" dirty="0">
+                <a:solidFill>
+                  <a:schemeClr val="tx1"/>
+                </a:solidFill>
+                <a:latin typeface="Times New Roman" panose="02020603050405020304" pitchFamily="18" charset="0"/>
+                <a:cs typeface="Times New Roman" panose="02020603050405020304" pitchFamily="18" charset="0"/>
+              </a:rPr>
+              <a:t> </a:t>
+            </a:r>
+            <a:r>
+              <a:rPr lang="pt-BR" sz="2000" dirty="0" err="1">
+                <a:solidFill>
+                  <a:schemeClr val="tx1"/>
+                </a:solidFill>
+                <a:latin typeface="Times New Roman" panose="02020603050405020304" pitchFamily="18" charset="0"/>
+                <a:cs typeface="Times New Roman" panose="02020603050405020304" pitchFamily="18" charset="0"/>
+              </a:rPr>
+              <a:t>bash</a:t>
+            </a:r>
+            <a:endParaRPr lang="pt-BR" sz="2000" dirty="0">
+              <a:solidFill>
+                <a:schemeClr val="tx1"/>
+              </a:solidFill>
+              <a:latin typeface="Times New Roman" panose="02020603050405020304" pitchFamily="18" charset="0"/>
+              <a:cs typeface="Times New Roman" panose="02020603050405020304" pitchFamily="18" charset="0"/>
+            </a:endParaRPr>
+          </a:p>
+          <a:p>
+            <a:pPr marL="0" indent="0" algn="just">
+              <a:buNone/>
+            </a:pPr>
+            <a:r>
+              <a:rPr lang="pt-BR" sz="2000" dirty="0">
+                <a:solidFill>
+                  <a:schemeClr val="tx1"/>
+                </a:solidFill>
+                <a:latin typeface="Times New Roman" panose="02020603050405020304" pitchFamily="18" charset="0"/>
+                <a:cs typeface="Times New Roman" panose="02020603050405020304" pitchFamily="18" charset="0"/>
+              </a:rPr>
+              <a:t> </a:t>
+            </a:r>
+          </a:p>
+          <a:p>
+            <a:pPr marL="0" indent="0" algn="just">
+              <a:buNone/>
+            </a:pPr>
+            <a:r>
+              <a:rPr lang="pt-BR" sz="2000" b="1" dirty="0">
+                <a:solidFill>
+                  <a:schemeClr val="tx1"/>
+                </a:solidFill>
+                <a:latin typeface="Times New Roman" panose="02020603050405020304" pitchFamily="18" charset="0"/>
+                <a:cs typeface="Times New Roman" panose="02020603050405020304" pitchFamily="18" charset="0"/>
+              </a:rPr>
+              <a:t>Para dispositivos executando o Ubuntu Desktop</a:t>
+            </a:r>
+            <a:r>
+              <a:rPr lang="pt-BR" sz="2000" dirty="0">
+                <a:solidFill>
+                  <a:schemeClr val="tx1"/>
+                </a:solidFill>
+                <a:latin typeface="Times New Roman" panose="02020603050405020304" pitchFamily="18" charset="0"/>
+                <a:cs typeface="Times New Roman" panose="02020603050405020304" pitchFamily="18" charset="0"/>
+              </a:rPr>
+              <a:t>:</a:t>
+            </a:r>
+          </a:p>
+          <a:p>
+            <a:pPr marL="0" indent="0" algn="just">
+              <a:buNone/>
+            </a:pPr>
+            <a:r>
+              <a:rPr lang="pt-BR" sz="2000" dirty="0" err="1">
+                <a:solidFill>
+                  <a:schemeClr val="tx1"/>
+                </a:solidFill>
+                <a:latin typeface="Times New Roman" panose="02020603050405020304" pitchFamily="18" charset="0"/>
+                <a:cs typeface="Times New Roman" panose="02020603050405020304" pitchFamily="18" charset="0"/>
+              </a:rPr>
+              <a:t>wget</a:t>
+            </a:r>
+            <a:r>
+              <a:rPr lang="pt-BR" sz="2000" dirty="0">
+                <a:solidFill>
+                  <a:schemeClr val="tx1"/>
+                </a:solidFill>
+                <a:latin typeface="Times New Roman" panose="02020603050405020304" pitchFamily="18" charset="0"/>
+                <a:cs typeface="Times New Roman" panose="02020603050405020304" pitchFamily="18" charset="0"/>
+              </a:rPr>
+              <a:t> -</a:t>
+            </a:r>
+            <a:r>
+              <a:rPr lang="pt-BR" sz="2000" dirty="0" err="1">
+                <a:solidFill>
+                  <a:schemeClr val="tx1"/>
+                </a:solidFill>
+                <a:latin typeface="Times New Roman" panose="02020603050405020304" pitchFamily="18" charset="0"/>
+                <a:cs typeface="Times New Roman" panose="02020603050405020304" pitchFamily="18" charset="0"/>
+              </a:rPr>
+              <a:t>qO</a:t>
+            </a:r>
+            <a:r>
+              <a:rPr lang="pt-BR" sz="2000" dirty="0">
+                <a:solidFill>
+                  <a:schemeClr val="tx1"/>
+                </a:solidFill>
+                <a:latin typeface="Times New Roman" panose="02020603050405020304" pitchFamily="18" charset="0"/>
+                <a:cs typeface="Times New Roman" panose="02020603050405020304" pitchFamily="18" charset="0"/>
+              </a:rPr>
+              <a:t>- https://pitunnel.com/get/ET3tHd8cgf | </a:t>
+            </a:r>
+            <a:r>
+              <a:rPr lang="pt-BR" sz="2000" dirty="0" err="1">
+                <a:solidFill>
+                  <a:schemeClr val="tx1"/>
+                </a:solidFill>
+                <a:latin typeface="Times New Roman" panose="02020603050405020304" pitchFamily="18" charset="0"/>
+                <a:cs typeface="Times New Roman" panose="02020603050405020304" pitchFamily="18" charset="0"/>
+              </a:rPr>
+              <a:t>sudo</a:t>
+            </a:r>
+            <a:r>
+              <a:rPr lang="pt-BR" sz="2000" dirty="0">
+                <a:solidFill>
+                  <a:schemeClr val="tx1"/>
+                </a:solidFill>
+                <a:latin typeface="Times New Roman" panose="02020603050405020304" pitchFamily="18" charset="0"/>
+                <a:cs typeface="Times New Roman" panose="02020603050405020304" pitchFamily="18" charset="0"/>
+              </a:rPr>
+              <a:t> </a:t>
+            </a:r>
+            <a:r>
+              <a:rPr lang="pt-BR" sz="2000" dirty="0" err="1">
+                <a:solidFill>
+                  <a:schemeClr val="tx1"/>
+                </a:solidFill>
+                <a:latin typeface="Times New Roman" panose="02020603050405020304" pitchFamily="18" charset="0"/>
+                <a:cs typeface="Times New Roman" panose="02020603050405020304" pitchFamily="18" charset="0"/>
+              </a:rPr>
+              <a:t>bash</a:t>
+            </a:r>
+            <a:endParaRPr lang="pt-BR" sz="2000" dirty="0">
+              <a:solidFill>
+                <a:schemeClr val="tx1"/>
+              </a:solidFill>
+              <a:latin typeface="Times New Roman" panose="02020603050405020304" pitchFamily="18" charset="0"/>
+              <a:cs typeface="Times New Roman" panose="02020603050405020304" pitchFamily="18" charset="0"/>
+            </a:endParaRPr>
+          </a:p>
+        </p:txBody>
+      </p:sp>
+    </p:spTree>
+    <p:extLst>
+      <p:ext uri="{BB962C8B-B14F-4D97-AF65-F5344CB8AC3E}">
+        <p14:creationId xmlns:p14="http://schemas.microsoft.com/office/powerpoint/2010/main" val="3177428692"/>
+      </p:ext>
+    </p:extLst>
+  </p:cSld>
+  <p:clrMapOvr>
+    <a:masterClrMapping/>
+  </p:clrMapOvr>
+  <p:transition spd="med"/>
+</p:sld>
+</file>
+
+<file path=ppt/slides/slide18.xml><?xml version="1.0" encoding="utf-8"?>
+<p:sld xmlns:a="http://schemas.openxmlformats.org/drawingml/2006/main" xmlns:r="http://schemas.openxmlformats.org/officeDocument/2006/relationships" xmlns:p="http://schemas.openxmlformats.org/presentationml/2006/main">
+  <p:cSld>
+    <p:spTree>
+      <p:nvGrpSpPr>
+        <p:cNvPr id="1" name=""/>
+        <p:cNvGrpSpPr/>
+        <p:nvPr/>
+      </p:nvGrpSpPr>
+      <p:grpSpPr>
+        <a:xfrm>
+          <a:off x="0" y="0"/>
+          <a:ext cx="0" cy="0"/>
+          <a:chOff x="0" y="0"/>
+          <a:chExt cx="0" cy="0"/>
+        </a:xfrm>
+      </p:grpSpPr>
+      <p:sp>
+        <p:nvSpPr>
+          <p:cNvPr id="6" name="Title 1"/>
+          <p:cNvSpPr>
+            <a:spLocks noGrp="1"/>
+          </p:cNvSpPr>
+          <p:nvPr>
+            <p:ph type="title"/>
+          </p:nvPr>
+        </p:nvSpPr>
+        <p:spPr>
+          <a:xfrm>
+            <a:off x="457200" y="205980"/>
+            <a:ext cx="8229600" cy="857251"/>
+          </a:xfrm>
+        </p:spPr>
+        <p:txBody>
+          <a:bodyPr>
+            <a:normAutofit/>
+          </a:bodyPr>
+          <a:lstStyle/>
+          <a:p>
+            <a:r>
+              <a:rPr lang="en-US" b="1" dirty="0" err="1">
+                <a:solidFill>
+                  <a:srgbClr val="0070C0"/>
+                </a:solidFill>
+              </a:rPr>
+              <a:t>Leitura</a:t>
+            </a:r>
+            <a:r>
+              <a:rPr lang="en-US" b="1" dirty="0">
+                <a:solidFill>
+                  <a:srgbClr val="0070C0"/>
+                </a:solidFill>
+              </a:rPr>
+              <a:t> </a:t>
+            </a:r>
+            <a:r>
+              <a:rPr lang="en-US" b="1" dirty="0" err="1">
+                <a:solidFill>
+                  <a:srgbClr val="0070C0"/>
+                </a:solidFill>
+              </a:rPr>
+              <a:t>Específica</a:t>
+            </a:r>
+            <a:endParaRPr lang="en-US" b="1" dirty="0">
+              <a:solidFill>
+                <a:srgbClr val="0070C0"/>
+              </a:solidFill>
+            </a:endParaRPr>
+          </a:p>
+        </p:txBody>
+      </p:sp>
+      <p:sp>
+        <p:nvSpPr>
+          <p:cNvPr id="8" name="Text Placeholder 2"/>
+          <p:cNvSpPr>
+            <a:spLocks noGrp="1"/>
+          </p:cNvSpPr>
+          <p:nvPr>
+            <p:ph type="body" sz="half" idx="1"/>
+          </p:nvPr>
+        </p:nvSpPr>
+        <p:spPr>
+          <a:xfrm>
+            <a:off x="142865" y="1053846"/>
+            <a:ext cx="8865056" cy="3969258"/>
+          </a:xfrm>
+        </p:spPr>
+        <p:txBody>
+          <a:bodyPr>
+            <a:noAutofit/>
+          </a:bodyPr>
+          <a:lstStyle/>
+          <a:p>
+            <a:pPr marL="0" indent="0" algn="just">
+              <a:buNone/>
+            </a:pPr>
+            <a:r>
+              <a:rPr lang="pt-BR" sz="2000" dirty="0">
+                <a:latin typeface="Times New Roman" panose="02020603050405020304" pitchFamily="18" charset="0"/>
+                <a:cs typeface="Times New Roman" panose="02020603050405020304" pitchFamily="18" charset="0"/>
+              </a:rPr>
+              <a:t>[1] Introdução </a:t>
+            </a:r>
+            <a:r>
+              <a:rPr lang="pt-BR" sz="2000" dirty="0" err="1">
+                <a:latin typeface="Times New Roman" panose="02020603050405020304" pitchFamily="18" charset="0"/>
+                <a:cs typeface="Times New Roman" panose="02020603050405020304" pitchFamily="18" charset="0"/>
+              </a:rPr>
+              <a:t>Raspberry</a:t>
+            </a:r>
+            <a:r>
+              <a:rPr lang="pt-BR" sz="2000" dirty="0">
+                <a:latin typeface="Times New Roman" panose="02020603050405020304" pitchFamily="18" charset="0"/>
+                <a:cs typeface="Times New Roman" panose="02020603050405020304" pitchFamily="18" charset="0"/>
+              </a:rPr>
+              <a:t> Pi.</a:t>
+            </a:r>
+          </a:p>
+          <a:p>
+            <a:pPr marL="0" indent="0" algn="just">
+              <a:buNone/>
+            </a:pPr>
+            <a:r>
+              <a:rPr lang="pt-BR" sz="2000" b="1" dirty="0">
+                <a:solidFill>
+                  <a:srgbClr val="FF0000"/>
+                </a:solidFill>
+                <a:latin typeface="Times New Roman" panose="02020603050405020304" pitchFamily="18" charset="0"/>
+                <a:cs typeface="Times New Roman" panose="02020603050405020304" pitchFamily="18" charset="0"/>
+              </a:rPr>
+              <a:t>Disponível em: </a:t>
+            </a:r>
+            <a:r>
+              <a:rPr lang="pt-BR" sz="2000" dirty="0">
+                <a:latin typeface="Times New Roman" panose="02020603050405020304" pitchFamily="18" charset="0"/>
+                <a:cs typeface="Times New Roman" panose="02020603050405020304" pitchFamily="18" charset="0"/>
+                <a:hlinkClick r:id="rId3"/>
+              </a:rPr>
+              <a:t>https://www.tecnoveste.com.br/raspberry-pi-o-que-e-para-que-serve-e-como-funciona/</a:t>
+            </a:r>
+            <a:endParaRPr lang="pt-BR" sz="2000" dirty="0">
+              <a:latin typeface="Times New Roman" panose="02020603050405020304" pitchFamily="18" charset="0"/>
+              <a:cs typeface="Times New Roman" panose="02020603050405020304" pitchFamily="18" charset="0"/>
+            </a:endParaRPr>
+          </a:p>
+          <a:p>
+            <a:pPr marL="0" indent="0" algn="just">
+              <a:buNone/>
+            </a:pPr>
+            <a:endParaRPr lang="pt-BR" sz="2000" dirty="0">
+              <a:latin typeface="Times New Roman" panose="02020603050405020304" pitchFamily="18" charset="0"/>
+              <a:cs typeface="Times New Roman" panose="02020603050405020304" pitchFamily="18" charset="0"/>
+            </a:endParaRPr>
+          </a:p>
+          <a:p>
+            <a:pPr marL="0" indent="0" algn="just">
+              <a:buNone/>
+            </a:pPr>
+            <a:r>
+              <a:rPr lang="pt-BR" sz="2000" dirty="0">
+                <a:latin typeface="Times New Roman" panose="02020603050405020304" pitchFamily="18" charset="0"/>
+                <a:cs typeface="Times New Roman" panose="02020603050405020304" pitchFamily="18" charset="0"/>
+              </a:rPr>
+              <a:t>[2] Site </a:t>
+            </a:r>
+            <a:r>
+              <a:rPr lang="pt-BR" sz="2000" dirty="0" err="1">
+                <a:latin typeface="Times New Roman" panose="02020603050405020304" pitchFamily="18" charset="0"/>
+                <a:cs typeface="Times New Roman" panose="02020603050405020304" pitchFamily="18" charset="0"/>
+              </a:rPr>
+              <a:t>Raspberry</a:t>
+            </a:r>
+            <a:r>
+              <a:rPr lang="pt-BR" sz="2000" dirty="0">
+                <a:latin typeface="Times New Roman" panose="02020603050405020304" pitchFamily="18" charset="0"/>
+                <a:cs typeface="Times New Roman" panose="02020603050405020304" pitchFamily="18" charset="0"/>
+              </a:rPr>
+              <a:t> Pi. </a:t>
+            </a:r>
+          </a:p>
+          <a:p>
+            <a:pPr marL="0" indent="0" algn="just">
+              <a:buNone/>
+            </a:pPr>
+            <a:r>
+              <a:rPr lang="pt-BR" sz="2000" b="1" dirty="0">
+                <a:solidFill>
+                  <a:srgbClr val="FF0000"/>
+                </a:solidFill>
+                <a:latin typeface="Times New Roman" panose="02020603050405020304" pitchFamily="18" charset="0"/>
+                <a:cs typeface="Times New Roman" panose="02020603050405020304" pitchFamily="18" charset="0"/>
+              </a:rPr>
+              <a:t>Disponível em: </a:t>
+            </a:r>
+            <a:r>
+              <a:rPr lang="pt-BR" sz="2000" dirty="0">
+                <a:latin typeface="Times New Roman" panose="02020603050405020304" pitchFamily="18" charset="0"/>
+                <a:cs typeface="Times New Roman" panose="02020603050405020304" pitchFamily="18" charset="0"/>
+                <a:hlinkClick r:id="rId4"/>
+              </a:rPr>
+              <a:t>https://www.raspberrypi.org/</a:t>
+            </a:r>
+            <a:endParaRPr lang="pt-BR" sz="2000" dirty="0">
+              <a:latin typeface="Times New Roman" panose="02020603050405020304" pitchFamily="18" charset="0"/>
+              <a:cs typeface="Times New Roman" panose="02020603050405020304" pitchFamily="18" charset="0"/>
+            </a:endParaRPr>
+          </a:p>
+          <a:p>
+            <a:pPr marL="0" indent="0" algn="just">
+              <a:buNone/>
+            </a:pPr>
+            <a:endParaRPr lang="pt-BR" sz="2000" dirty="0">
+              <a:latin typeface="Times New Roman" panose="02020603050405020304" pitchFamily="18" charset="0"/>
+              <a:cs typeface="Times New Roman" panose="02020603050405020304" pitchFamily="18" charset="0"/>
+            </a:endParaRPr>
+          </a:p>
+          <a:p>
+            <a:pPr marL="0" indent="0" algn="just">
+              <a:buNone/>
+            </a:pPr>
+            <a:r>
+              <a:rPr lang="pt-BR" sz="2000" dirty="0">
+                <a:latin typeface="Times New Roman" panose="02020603050405020304" pitchFamily="18" charset="0"/>
+                <a:cs typeface="Times New Roman" panose="02020603050405020304" pitchFamily="18" charset="0"/>
+              </a:rPr>
+              <a:t>[3] Livro </a:t>
+            </a:r>
+            <a:r>
+              <a:rPr lang="pt-BR" sz="2000" dirty="0" err="1">
+                <a:latin typeface="Times New Roman" panose="02020603050405020304" pitchFamily="18" charset="0"/>
+                <a:cs typeface="Times New Roman" panose="02020603050405020304" pitchFamily="18" charset="0"/>
+              </a:rPr>
+              <a:t>Raspberry</a:t>
+            </a:r>
+            <a:r>
+              <a:rPr lang="pt-BR" sz="2000" dirty="0">
+                <a:latin typeface="Times New Roman" panose="02020603050405020304" pitchFamily="18" charset="0"/>
+                <a:cs typeface="Times New Roman" panose="02020603050405020304" pitchFamily="18" charset="0"/>
+              </a:rPr>
+              <a:t> Pi. </a:t>
+            </a:r>
+          </a:p>
+          <a:p>
+            <a:pPr marL="0" indent="0" algn="just">
+              <a:buNone/>
+            </a:pPr>
+            <a:r>
+              <a:rPr lang="pt-BR" sz="2000" b="1" dirty="0">
+                <a:solidFill>
+                  <a:srgbClr val="FF0000"/>
+                </a:solidFill>
+                <a:latin typeface="Times New Roman" panose="02020603050405020304" pitchFamily="18" charset="0"/>
+                <a:cs typeface="Times New Roman" panose="02020603050405020304" pitchFamily="18" charset="0"/>
+              </a:rPr>
+              <a:t>Disponível em: </a:t>
+            </a:r>
+          </a:p>
+          <a:p>
+            <a:pPr marL="0" indent="0" algn="just">
+              <a:buNone/>
+            </a:pPr>
+            <a:r>
+              <a:rPr lang="pt-BR" sz="2000" dirty="0">
+                <a:latin typeface="Times New Roman" panose="02020603050405020304" pitchFamily="18" charset="0"/>
+                <a:cs typeface="Times New Roman" panose="02020603050405020304" pitchFamily="18" charset="0"/>
+                <a:hlinkClick r:id="rId5"/>
+              </a:rPr>
+              <a:t>https://books.google.com.br/books?id=pEQpw3-A4wwC&amp;dq=Raspberry+PI&amp;hl=pt-BR&amp;lr=</a:t>
+            </a:r>
+            <a:endParaRPr lang="pt-BR" sz="2000" dirty="0">
+              <a:latin typeface="Times New Roman" panose="02020603050405020304" pitchFamily="18" charset="0"/>
+              <a:cs typeface="Times New Roman" panose="02020603050405020304" pitchFamily="18" charset="0"/>
+            </a:endParaRPr>
+          </a:p>
+        </p:txBody>
+      </p:sp>
+    </p:spTree>
+    <p:extLst>
+      <p:ext uri="{BB962C8B-B14F-4D97-AF65-F5344CB8AC3E}">
+        <p14:creationId xmlns:p14="http://schemas.microsoft.com/office/powerpoint/2010/main" val="3680270425"/>
+      </p:ext>
+    </p:extLst>
+  </p:cSld>
+  <p:clrMapOvr>
+    <a:masterClrMapping/>
+  </p:clrMapOvr>
+  <p:transition spd="med"/>
+</p:sld>
+</file>
+
+<file path=ppt/slides/slide19.xml><?xml version="1.0" encoding="utf-8"?>
+<p:sld xmlns:a="http://schemas.openxmlformats.org/drawingml/2006/main" xmlns:r="http://schemas.openxmlformats.org/officeDocument/2006/relationships" xmlns:p="http://schemas.openxmlformats.org/presentationml/2006/main">
+  <p:cSld>
+    <p:spTree>
+      <p:nvGrpSpPr>
+        <p:cNvPr id="1" name=""/>
+        <p:cNvGrpSpPr/>
+        <p:nvPr/>
+      </p:nvGrpSpPr>
+      <p:grpSpPr>
+        <a:xfrm>
+          <a:off x="0" y="0"/>
+          <a:ext cx="0" cy="0"/>
+          <a:chOff x="0" y="0"/>
+          <a:chExt cx="0" cy="0"/>
+        </a:xfrm>
+      </p:grpSpPr>
+      <p:sp>
+        <p:nvSpPr>
+          <p:cNvPr id="6" name="Title 1"/>
+          <p:cNvSpPr>
+            <a:spLocks noGrp="1"/>
+          </p:cNvSpPr>
+          <p:nvPr>
+            <p:ph type="title"/>
+          </p:nvPr>
+        </p:nvSpPr>
+        <p:spPr>
+          <a:xfrm>
+            <a:off x="457200" y="205980"/>
+            <a:ext cx="8229600" cy="857251"/>
+          </a:xfrm>
+        </p:spPr>
+        <p:txBody>
+          <a:bodyPr>
+            <a:normAutofit/>
+          </a:bodyPr>
+          <a:lstStyle/>
+          <a:p>
+            <a:r>
+              <a:rPr lang="en-US" b="1" dirty="0" err="1">
+                <a:solidFill>
+                  <a:srgbClr val="0070C0"/>
+                </a:solidFill>
+              </a:rPr>
+              <a:t>Aprenda</a:t>
+            </a:r>
+            <a:r>
+              <a:rPr lang="en-US" b="1" dirty="0">
+                <a:solidFill>
+                  <a:srgbClr val="0070C0"/>
+                </a:solidFill>
+              </a:rPr>
+              <a:t>+</a:t>
+            </a:r>
+          </a:p>
+        </p:txBody>
+      </p:sp>
+      <p:sp>
+        <p:nvSpPr>
+          <p:cNvPr id="8" name="Text Placeholder 2"/>
+          <p:cNvSpPr>
+            <a:spLocks noGrp="1"/>
+          </p:cNvSpPr>
+          <p:nvPr>
+            <p:ph type="body" sz="half" idx="1"/>
+          </p:nvPr>
+        </p:nvSpPr>
+        <p:spPr>
+          <a:xfrm>
+            <a:off x="142865" y="1200150"/>
+            <a:ext cx="8865056" cy="3737370"/>
+          </a:xfrm>
+        </p:spPr>
+        <p:txBody>
+          <a:bodyPr>
+            <a:noAutofit/>
+          </a:bodyPr>
+          <a:lstStyle/>
+          <a:p>
+            <a:pPr marL="0" indent="0" algn="just">
+              <a:buNone/>
+            </a:pPr>
+            <a:r>
+              <a:rPr lang="pt-BR" sz="2200" dirty="0">
+                <a:latin typeface="Times New Roman" panose="02020603050405020304" pitchFamily="18" charset="0"/>
+                <a:cs typeface="Times New Roman" panose="02020603050405020304" pitchFamily="18" charset="0"/>
+              </a:rPr>
+              <a:t>[1] Plataforma </a:t>
+            </a:r>
+            <a:r>
+              <a:rPr lang="pt-BR" sz="2200" dirty="0" err="1">
+                <a:latin typeface="Times New Roman" panose="02020603050405020304" pitchFamily="18" charset="0"/>
+                <a:cs typeface="Times New Roman" panose="02020603050405020304" pitchFamily="18" charset="0"/>
+              </a:rPr>
+              <a:t>Raspberry</a:t>
+            </a:r>
+            <a:r>
+              <a:rPr lang="pt-BR" sz="2200" dirty="0">
+                <a:latin typeface="Times New Roman" panose="02020603050405020304" pitchFamily="18" charset="0"/>
+                <a:cs typeface="Times New Roman" panose="02020603050405020304" pitchFamily="18" charset="0"/>
+              </a:rPr>
+              <a:t> Pi – Ambiente </a:t>
+            </a:r>
+            <a:r>
+              <a:rPr lang="pt-BR" sz="2200" dirty="0" err="1">
+                <a:latin typeface="Times New Roman" panose="02020603050405020304" pitchFamily="18" charset="0"/>
+                <a:cs typeface="Times New Roman" panose="02020603050405020304" pitchFamily="18" charset="0"/>
+              </a:rPr>
+              <a:t>Dev</a:t>
+            </a:r>
+            <a:r>
+              <a:rPr lang="pt-BR" sz="2200" dirty="0">
+                <a:latin typeface="Times New Roman" panose="02020603050405020304" pitchFamily="18" charset="0"/>
+                <a:cs typeface="Times New Roman" panose="02020603050405020304" pitchFamily="18" charset="0"/>
+              </a:rPr>
+              <a:t> Python (</a:t>
+            </a:r>
+            <a:r>
+              <a:rPr lang="pt-BR" sz="2200" dirty="0">
+                <a:latin typeface="Times New Roman" panose="02020603050405020304" pitchFamily="18" charset="0"/>
+                <a:cs typeface="Times New Roman" panose="02020603050405020304" pitchFamily="18" charset="0"/>
+                <a:hlinkClick r:id="rId3"/>
+              </a:rPr>
+              <a:t>https://thonny.org/</a:t>
+            </a:r>
+            <a:r>
+              <a:rPr lang="pt-BR" sz="2200" dirty="0">
+                <a:latin typeface="Times New Roman" panose="02020603050405020304" pitchFamily="18" charset="0"/>
+                <a:cs typeface="Times New Roman" panose="02020603050405020304" pitchFamily="18" charset="0"/>
+              </a:rPr>
+              <a:t>)</a:t>
+            </a:r>
+          </a:p>
+          <a:p>
+            <a:pPr marL="0" indent="0" algn="just">
+              <a:buNone/>
+            </a:pPr>
+            <a:r>
+              <a:rPr lang="pt-BR" sz="2200" b="1" dirty="0">
+                <a:solidFill>
+                  <a:srgbClr val="FF0000"/>
+                </a:solidFill>
+                <a:latin typeface="Times New Roman" panose="02020603050405020304" pitchFamily="18" charset="0"/>
+                <a:cs typeface="Times New Roman" panose="02020603050405020304" pitchFamily="18" charset="0"/>
+              </a:rPr>
+              <a:t>Disponível em: </a:t>
+            </a:r>
+            <a:r>
+              <a:rPr lang="pt-BR" sz="2200" dirty="0">
+                <a:latin typeface="Times New Roman" panose="02020603050405020304" pitchFamily="18" charset="0"/>
+                <a:cs typeface="Times New Roman" panose="02020603050405020304" pitchFamily="18" charset="0"/>
+                <a:hlinkClick r:id="rId4"/>
+              </a:rPr>
+              <a:t>https://www.youtube.com/watch?v=VrZ1APrN6uc</a:t>
+            </a:r>
+            <a:endParaRPr lang="pt-BR" sz="2200" dirty="0">
+              <a:latin typeface="Times New Roman" panose="02020603050405020304" pitchFamily="18" charset="0"/>
+              <a:cs typeface="Times New Roman" panose="02020603050405020304" pitchFamily="18" charset="0"/>
+            </a:endParaRPr>
+          </a:p>
+          <a:p>
+            <a:pPr marL="0" indent="0" algn="just">
+              <a:buNone/>
+            </a:pPr>
+            <a:endParaRPr lang="pt-BR" sz="2200" dirty="0">
+              <a:latin typeface="Times New Roman" panose="02020603050405020304" pitchFamily="18" charset="0"/>
+              <a:cs typeface="Times New Roman" panose="02020603050405020304" pitchFamily="18" charset="0"/>
+            </a:endParaRPr>
+          </a:p>
+          <a:p>
+            <a:pPr marL="0" indent="0" algn="just">
+              <a:buNone/>
+            </a:pPr>
+            <a:endParaRPr lang="pt-BR" sz="2200" dirty="0">
+              <a:latin typeface="Times New Roman" panose="02020603050405020304" pitchFamily="18" charset="0"/>
+              <a:cs typeface="Times New Roman" panose="02020603050405020304" pitchFamily="18" charset="0"/>
+            </a:endParaRPr>
+          </a:p>
+          <a:p>
+            <a:pPr marL="0" indent="0" algn="just">
+              <a:buNone/>
+            </a:pPr>
+            <a:r>
+              <a:rPr lang="pt-BR" sz="2200" dirty="0">
+                <a:latin typeface="Times New Roman" panose="02020603050405020304" pitchFamily="18" charset="0"/>
+                <a:cs typeface="Times New Roman" panose="02020603050405020304" pitchFamily="18" charset="0"/>
+              </a:rPr>
+              <a:t>[2] Transformando </a:t>
+            </a:r>
+            <a:r>
+              <a:rPr lang="pt-BR" sz="2200" dirty="0" err="1">
+                <a:latin typeface="Times New Roman" panose="02020603050405020304" pitchFamily="18" charset="0"/>
+                <a:cs typeface="Times New Roman" panose="02020603050405020304" pitchFamily="18" charset="0"/>
+              </a:rPr>
+              <a:t>Raspberry</a:t>
+            </a:r>
+            <a:r>
+              <a:rPr lang="pt-BR" sz="2200" dirty="0">
+                <a:latin typeface="Times New Roman" panose="02020603050405020304" pitchFamily="18" charset="0"/>
+                <a:cs typeface="Times New Roman" panose="02020603050405020304" pitchFamily="18" charset="0"/>
+              </a:rPr>
+              <a:t> Pi em plataforma de ataque USB - P4wnP1</a:t>
+            </a:r>
+          </a:p>
+          <a:p>
+            <a:pPr marL="0" indent="0" algn="just">
+              <a:buNone/>
+            </a:pPr>
+            <a:r>
+              <a:rPr lang="pt-BR" sz="2200" b="1" dirty="0">
+                <a:solidFill>
+                  <a:srgbClr val="FF0000"/>
+                </a:solidFill>
+                <a:latin typeface="Times New Roman" panose="02020603050405020304" pitchFamily="18" charset="0"/>
+                <a:cs typeface="Times New Roman" panose="02020603050405020304" pitchFamily="18" charset="0"/>
+              </a:rPr>
+              <a:t>Disponível em: </a:t>
+            </a:r>
+            <a:r>
+              <a:rPr lang="pt-BR" sz="2200" dirty="0">
+                <a:latin typeface="Times New Roman" panose="02020603050405020304" pitchFamily="18" charset="0"/>
+                <a:cs typeface="Times New Roman" panose="02020603050405020304" pitchFamily="18" charset="0"/>
+                <a:hlinkClick r:id="rId5"/>
+              </a:rPr>
+              <a:t>https://www.youtube.com/watch?v=DKg0EXyTaMA</a:t>
+            </a:r>
+            <a:endParaRPr lang="pt-BR" sz="2200" dirty="0">
+              <a:latin typeface="Times New Roman" panose="02020603050405020304" pitchFamily="18" charset="0"/>
+              <a:cs typeface="Times New Roman" panose="02020603050405020304" pitchFamily="18" charset="0"/>
+            </a:endParaRPr>
+          </a:p>
+          <a:p>
+            <a:pPr marL="0" indent="0" algn="just">
+              <a:buNone/>
+            </a:pPr>
+            <a:endParaRPr lang="pt-BR" sz="2200" dirty="0">
+              <a:latin typeface="Times New Roman" panose="02020603050405020304" pitchFamily="18" charset="0"/>
+              <a:cs typeface="Times New Roman" panose="02020603050405020304" pitchFamily="18" charset="0"/>
+            </a:endParaRPr>
+          </a:p>
+        </p:txBody>
+      </p:sp>
+    </p:spTree>
+    <p:extLst>
+      <p:ext uri="{BB962C8B-B14F-4D97-AF65-F5344CB8AC3E}">
+        <p14:creationId xmlns:p14="http://schemas.microsoft.com/office/powerpoint/2010/main" val="2747596967"/>
+      </p:ext>
+    </p:extLst>
+  </p:cSld>
+  <p:clrMapOvr>
+    <a:masterClrMapping/>
+  </p:clrMapOvr>
+  <p:transition spd="med"/>
+</p:sld>
+</file>
+
 <file path=ppt/slides/slide2.xml><?xml version="1.0" encoding="utf-8"?>
 <p:sld xmlns:a="http://schemas.openxmlformats.org/drawingml/2006/main" xmlns:r="http://schemas.openxmlformats.org/officeDocument/2006/relationships" xmlns:p="http://schemas.openxmlformats.org/presentationml/2006/main">
   <p:cSld>
@@ -3935,7 +8041,7 @@
               </a:rPr>
             </a:br>
             <a:r>
-              <a:rPr lang="pt-BR" b="1">
+              <a:rPr lang="pt-BR" b="1" dirty="0">
                 <a:solidFill>
                   <a:schemeClr val="bg1"/>
                 </a:solidFill>
@@ -3963,7 +8069,23 @@
                   <a:schemeClr val="bg1"/>
                 </a:solidFill>
               </a:rPr>
-              <a:t>Desenvolvimento de Aplicações – Plataforma Middleware para </a:t>
+              <a:t>Desenvolvimento de Aplicações – Plataforma </a:t>
+            </a:r>
+            <a:r>
+              <a:rPr lang="pt-BR" sz="3600" b="1" dirty="0" err="1">
+                <a:solidFill>
+                  <a:schemeClr val="bg1"/>
+                </a:solidFill>
+              </a:rPr>
+              <a:t>Raspberry</a:t>
+            </a:r>
+            <a:r>
+              <a:rPr lang="pt-BR" sz="3600" b="1" dirty="0">
+                <a:solidFill>
+                  <a:schemeClr val="bg1"/>
+                </a:solidFill>
+              </a:rPr>
+              <a:t> Pi para </a:t>
             </a:r>
             <a:r>
               <a:rPr lang="pt-BR" sz="3600" b="1" dirty="0" err="1">
@@ -4331,131 +8453,7 @@
 </p:sld>
 </file>
 
-<file path=ppt/slides/slide3.xml><?xml version="1.0" encoding="utf-8"?>
-<p:sld xmlns:a="http://schemas.openxmlformats.org/drawingml/2006/main" xmlns:r="http://schemas.openxmlformats.org/officeDocument/2006/relationships" xmlns:p="http://schemas.openxmlformats.org/presentationml/2006/main">
-  <p:cSld>
-    <p:spTree>
-      <p:nvGrpSpPr>
-        <p:cNvPr id="1" name=""/>
-        <p:cNvGrpSpPr/>
-        <p:nvPr/>
-      </p:nvGrpSpPr>
-      <p:grpSpPr>
-        <a:xfrm>
-          <a:off x="0" y="0"/>
-          <a:ext cx="0" cy="0"/>
-          <a:chOff x="0" y="0"/>
-          <a:chExt cx="0" cy="0"/>
-        </a:xfrm>
-      </p:grpSpPr>
-      <p:sp>
-        <p:nvSpPr>
-          <p:cNvPr id="6" name="Title 1"/>
-          <p:cNvSpPr>
-            <a:spLocks noGrp="1"/>
-          </p:cNvSpPr>
-          <p:nvPr>
-            <p:ph type="title"/>
-          </p:nvPr>
-        </p:nvSpPr>
-        <p:spPr>
-          <a:xfrm>
-            <a:off x="457200" y="205980"/>
-            <a:ext cx="8229600" cy="857251"/>
-          </a:xfrm>
-        </p:spPr>
-        <p:txBody>
-          <a:bodyPr>
-            <a:normAutofit fontScale="90000"/>
-          </a:bodyPr>
-          <a:lstStyle/>
-          <a:p>
-            <a:r>
-              <a:rPr lang="pt-BR" b="1" dirty="0">
-                <a:solidFill>
-                  <a:srgbClr val="0070C0"/>
-                </a:solidFill>
-              </a:rPr>
-              <a:t>Aplicação na Plataforma </a:t>
-            </a:r>
-            <a:r>
-              <a:rPr lang="pt-BR" b="1" dirty="0" err="1">
-                <a:solidFill>
-                  <a:srgbClr val="0070C0"/>
-                </a:solidFill>
-              </a:rPr>
-              <a:t>Rasperry</a:t>
-            </a:r>
-            <a:r>
-              <a:rPr lang="pt-BR" b="1" dirty="0">
-                <a:solidFill>
-                  <a:srgbClr val="0070C0"/>
-                </a:solidFill>
-              </a:rPr>
-              <a:t> PI</a:t>
-            </a:r>
-            <a:endParaRPr lang="en-US" b="1" dirty="0">
-              <a:solidFill>
-                <a:srgbClr val="0070C0"/>
-              </a:solidFill>
-            </a:endParaRPr>
-          </a:p>
-        </p:txBody>
-      </p:sp>
-      <p:sp>
-        <p:nvSpPr>
-          <p:cNvPr id="8" name="Text Placeholder 2"/>
-          <p:cNvSpPr>
-            <a:spLocks noGrp="1"/>
-          </p:cNvSpPr>
-          <p:nvPr>
-            <p:ph type="body" sz="half" idx="1"/>
-          </p:nvPr>
-        </p:nvSpPr>
-        <p:spPr>
-          <a:xfrm>
-            <a:off x="142865" y="1200150"/>
-            <a:ext cx="8865056" cy="3737370"/>
-          </a:xfrm>
-        </p:spPr>
-        <p:txBody>
-          <a:bodyPr>
-            <a:noAutofit/>
-          </a:bodyPr>
-          <a:lstStyle/>
-          <a:p>
-            <a:pPr marL="0" indent="0" algn="just">
-              <a:buNone/>
-            </a:pPr>
-            <a:r>
-              <a:rPr lang="pt-BR" sz="1400" dirty="0"/>
-              <a:t>ETAPAS</a:t>
-            </a:r>
-            <a:endParaRPr lang="pt-BR" sz="2000" dirty="0">
-              <a:solidFill>
-                <a:schemeClr val="tx1"/>
-              </a:solidFill>
-              <a:latin typeface="Times New Roman" panose="02020603050405020304" pitchFamily="18" charset="0"/>
-              <a:cs typeface="Times New Roman" panose="02020603050405020304" pitchFamily="18" charset="0"/>
-            </a:endParaRPr>
-          </a:p>
-        </p:txBody>
-      </p:sp>
-    </p:spTree>
-    <p:extLst>
-      <p:ext uri="{BB962C8B-B14F-4D97-AF65-F5344CB8AC3E}">
-        <p14:creationId xmlns:p14="http://schemas.microsoft.com/office/powerpoint/2010/main" val="1754424786"/>
-      </p:ext>
-    </p:extLst>
-  </p:cSld>
-  <p:clrMapOvr>
-    <a:masterClrMapping/>
-  </p:clrMapOvr>
-  <p:transition spd="med"/>
-</p:sld>
-</file>
-
-<file path=ppt/slides/slide4.xml><?xml version="1.0" encoding="utf-8"?>
+<file path=ppt/slides/slide20.xml><?xml version="1.0" encoding="utf-8"?>
 <p:sld xmlns:a="http://schemas.openxmlformats.org/drawingml/2006/main" xmlns:r="http://schemas.openxmlformats.org/officeDocument/2006/relationships" xmlns:p="http://schemas.openxmlformats.org/presentationml/2006/main">
   <p:cSld>
     <p:spTree>
@@ -4500,7 +8498,7 @@
                   <a:srgbClr val="0070C0"/>
                 </a:solidFill>
               </a:rPr>
-              <a:t>Leitura</a:t>
+              <a:t>Dinâmica</a:t>
             </a:r>
             <a:r>
               <a:rPr lang="en-US" b="1" dirty="0">
@@ -4508,7 +8506,7 @@
                   <a:srgbClr val="0070C0"/>
                 </a:solidFill>
               </a:rPr>
-              <a:t> </a:t>
+              <a:t>/</a:t>
             </a:r>
             <a:r>
               <a:rPr lang="en-US" b="1" dirty="0" err="1">
@@ -4516,7 +8514,23 @@
                   <a:srgbClr val="0070C0"/>
                 </a:solidFill>
               </a:rPr>
-              <a:t>Específica</a:t>
+              <a:t>Atividades</a:t>
+            </a:r>
+            <a:r>
+              <a:rPr lang="en-US" b="1" dirty="0">
+                <a:solidFill>
+                  <a:srgbClr val="0070C0"/>
+                </a:solidFill>
+              </a:rPr>
+              <a:t> - </a:t>
+            </a:r>
+            <a:r>
+              <a:rPr lang="en-US" b="1" dirty="0" err="1">
+                <a:solidFill>
+                  <a:srgbClr val="0070C0"/>
+                </a:solidFill>
+              </a:rPr>
+              <a:t>Exercícios</a:t>
             </a:r>
             <a:endParaRPr lang="en-US" b="1" dirty="0">
               <a:solidFill>
@@ -4538,8 +8552,8 @@
         </p:nvSpPr>
         <p:spPr>
           <a:xfrm>
-            <a:off x="142865" y="1200151"/>
-            <a:ext cx="8865056" cy="3394472"/>
+            <a:off x="139472" y="1063230"/>
+            <a:ext cx="8865056" cy="3996450"/>
           </a:xfrm>
         </p:spPr>
         <p:txBody>
@@ -4552,32 +8566,160 @@
               <a:buNone/>
             </a:pPr>
             <a:r>
+              <a:rPr lang="pt-BR" sz="2400" b="1" dirty="0">
+                <a:latin typeface="Times New Roman" panose="02020603050405020304" pitchFamily="18" charset="0"/>
+                <a:cs typeface="Times New Roman" panose="02020603050405020304" pitchFamily="18" charset="0"/>
+              </a:rPr>
+              <a:t>Ambiente </a:t>
+            </a:r>
+            <a:r>
+              <a:rPr lang="pt-BR" sz="2400" b="1" dirty="0" err="1">
+                <a:latin typeface="Times New Roman" panose="02020603050405020304" pitchFamily="18" charset="0"/>
+                <a:cs typeface="Times New Roman" panose="02020603050405020304" pitchFamily="18" charset="0"/>
+              </a:rPr>
+              <a:t>Dev</a:t>
+            </a:r>
+            <a:r>
+              <a:rPr lang="pt-BR" sz="2400" b="1" dirty="0">
+                <a:latin typeface="Times New Roman" panose="02020603050405020304" pitchFamily="18" charset="0"/>
+                <a:cs typeface="Times New Roman" panose="02020603050405020304" pitchFamily="18" charset="0"/>
+              </a:rPr>
+              <a:t> Python ou </a:t>
+            </a:r>
+            <a:r>
+              <a:rPr lang="pt-BR" sz="2400" b="1" dirty="0">
+                <a:solidFill>
+                  <a:srgbClr val="FF0000"/>
+                </a:solidFill>
+                <a:latin typeface="Times New Roman" panose="02020603050405020304" pitchFamily="18" charset="0"/>
+                <a:cs typeface="Times New Roman" panose="02020603050405020304" pitchFamily="18" charset="0"/>
+              </a:rPr>
+              <a:t>VM com um simulador </a:t>
+            </a:r>
+            <a:r>
+              <a:rPr lang="pt-BR" sz="2400" b="1" dirty="0" err="1">
+                <a:solidFill>
+                  <a:srgbClr val="FF0000"/>
+                </a:solidFill>
+                <a:latin typeface="Times New Roman" panose="02020603050405020304" pitchFamily="18" charset="0"/>
+                <a:cs typeface="Times New Roman" panose="02020603050405020304" pitchFamily="18" charset="0"/>
+              </a:rPr>
+              <a:t>Raspberry</a:t>
+            </a:r>
+            <a:r>
+              <a:rPr lang="pt-BR" sz="2400" b="1" dirty="0">
+                <a:solidFill>
+                  <a:srgbClr val="FF0000"/>
+                </a:solidFill>
+                <a:latin typeface="Times New Roman" panose="02020603050405020304" pitchFamily="18" charset="0"/>
+                <a:cs typeface="Times New Roman" panose="02020603050405020304" pitchFamily="18" charset="0"/>
+              </a:rPr>
+              <a:t> OS Pi</a:t>
+            </a:r>
+          </a:p>
+          <a:p>
+            <a:pPr marL="514350" indent="-514350" algn="just">
+              <a:buAutoNum type="arabicPeriod"/>
+            </a:pPr>
+            <a:r>
               <a:rPr lang="pt-BR" sz="2400" dirty="0">
                 <a:latin typeface="Times New Roman" panose="02020603050405020304" pitchFamily="18" charset="0"/>
                 <a:cs typeface="Times New Roman" panose="02020603050405020304" pitchFamily="18" charset="0"/>
-              </a:rPr>
-              <a:t>[1] </a:t>
-            </a:r>
-            <a:r>
-              <a:rPr lang="pt-BR" sz="2400" dirty="0" err="1">
-                <a:latin typeface="Times New Roman" panose="02020603050405020304" pitchFamily="18" charset="0"/>
-                <a:cs typeface="Times New Roman" panose="02020603050405020304" pitchFamily="18" charset="0"/>
-              </a:rPr>
-              <a:t>Desenv</a:t>
-            </a:r>
+                <a:hlinkClick r:id="rId3"/>
+              </a:rPr>
+              <a:t>https://thonny.org/</a:t>
+            </a:r>
+            <a:endParaRPr lang="pt-BR" sz="2400" dirty="0">
+              <a:latin typeface="Times New Roman" panose="02020603050405020304" pitchFamily="18" charset="0"/>
+              <a:cs typeface="Times New Roman" panose="02020603050405020304" pitchFamily="18" charset="0"/>
+            </a:endParaRPr>
+          </a:p>
+          <a:p>
+            <a:pPr marL="514350" indent="-514350" algn="just">
+              <a:buAutoNum type="arabicPeriod"/>
+            </a:pPr>
             <a:r>
               <a:rPr lang="pt-BR" sz="2400" dirty="0">
                 <a:latin typeface="Times New Roman" panose="02020603050405020304" pitchFamily="18" charset="0"/>
                 <a:cs typeface="Times New Roman" panose="02020603050405020304" pitchFamily="18" charset="0"/>
-              </a:rPr>
-              <a:t>. App Plataformas de Middleware Para IOT em Python.</a:t>
-            </a:r>
+                <a:hlinkClick r:id="rId4"/>
+              </a:rPr>
+              <a:t>https://www.raspberrypi.com/software/</a:t>
+            </a:r>
+            <a:endParaRPr lang="pt-BR" sz="2400" dirty="0">
+              <a:latin typeface="Times New Roman" panose="02020603050405020304" pitchFamily="18" charset="0"/>
+              <a:cs typeface="Times New Roman" panose="02020603050405020304" pitchFamily="18" charset="0"/>
+            </a:endParaRPr>
+          </a:p>
+          <a:p>
+            <a:pPr marL="514350" indent="-514350" algn="just">
+              <a:buAutoNum type="arabicPeriod"/>
+            </a:pPr>
+            <a:r>
+              <a:rPr lang="pt-BR" sz="2400" dirty="0">
+                <a:latin typeface="Times New Roman" panose="02020603050405020304" pitchFamily="18" charset="0"/>
+                <a:cs typeface="Times New Roman" panose="02020603050405020304" pitchFamily="18" charset="0"/>
+                <a:hlinkClick r:id="rId5"/>
+              </a:rPr>
+              <a:t>https://sourceforge.net/projects/simus/</a:t>
+            </a:r>
+            <a:r>
+              <a:rPr lang="pt-BR" sz="2400" dirty="0">
+                <a:latin typeface="Times New Roman" panose="02020603050405020304" pitchFamily="18" charset="0"/>
+                <a:cs typeface="Times New Roman" panose="02020603050405020304" pitchFamily="18" charset="0"/>
+              </a:rPr>
+              <a:t> </a:t>
+            </a:r>
+            <a:r>
+              <a:rPr lang="pt-BR" sz="2400" b="1" dirty="0">
+                <a:latin typeface="Times New Roman" panose="02020603050405020304" pitchFamily="18" charset="0"/>
+                <a:cs typeface="Times New Roman" panose="02020603050405020304" pitchFamily="18" charset="0"/>
+              </a:rPr>
+              <a:t>(</a:t>
+            </a:r>
+            <a:r>
+              <a:rPr lang="pt-BR" sz="2400" b="1" dirty="0" err="1">
+                <a:latin typeface="Times New Roman" panose="02020603050405020304" pitchFamily="18" charset="0"/>
+                <a:cs typeface="Times New Roman" panose="02020603050405020304" pitchFamily="18" charset="0"/>
+              </a:rPr>
+              <a:t>ObjectPascal</a:t>
+            </a:r>
+            <a:r>
+              <a:rPr lang="pt-BR" sz="2400" b="1" dirty="0">
+                <a:latin typeface="Times New Roman" panose="02020603050405020304" pitchFamily="18" charset="0"/>
+                <a:cs typeface="Times New Roman" panose="02020603050405020304" pitchFamily="18" charset="0"/>
+              </a:rPr>
+              <a:t>)</a:t>
+            </a:r>
+            <a:endParaRPr lang="pt-BR" sz="2400" dirty="0">
+              <a:latin typeface="Times New Roman" panose="02020603050405020304" pitchFamily="18" charset="0"/>
+              <a:cs typeface="Times New Roman" panose="02020603050405020304" pitchFamily="18" charset="0"/>
+            </a:endParaRPr>
           </a:p>
           <a:p>
             <a:pPr marL="0" indent="0" algn="just">
               <a:buNone/>
             </a:pPr>
             <a:r>
+              <a:rPr lang="pt-BR" sz="2400" dirty="0">
+                <a:latin typeface="Times New Roman" panose="02020603050405020304" pitchFamily="18" charset="0"/>
+                <a:cs typeface="Times New Roman" panose="02020603050405020304" pitchFamily="18" charset="0"/>
+              </a:rPr>
+              <a:t>Criar um mapa conceitual:</a:t>
+            </a:r>
+          </a:p>
+          <a:p>
+            <a:pPr marL="0" indent="0" algn="just">
+              <a:buNone/>
+            </a:pPr>
+            <a:r>
+              <a:rPr lang="pt-BR" sz="2400" dirty="0">
+                <a:latin typeface="Times New Roman" panose="02020603050405020304" pitchFamily="18" charset="0"/>
+                <a:cs typeface="Times New Roman" panose="02020603050405020304" pitchFamily="18" charset="0"/>
+              </a:rPr>
+              <a:t> </a:t>
+            </a:r>
+            <a:r>
               <a:rPr lang="pt-BR" sz="2400" b="1" dirty="0">
                 <a:solidFill>
                   <a:srgbClr val="FF0000"/>
@@ -4585,17 +8727,112 @@
                 <a:latin typeface="Times New Roman" panose="02020603050405020304" pitchFamily="18" charset="0"/>
                 <a:cs typeface="Times New Roman" panose="02020603050405020304" pitchFamily="18" charset="0"/>
               </a:rPr>
-              <a:t>Disponível em: </a:t>
-            </a:r>
-            <a:r>
-              <a:rPr lang="pt-BR" sz="2400" dirty="0">
-                <a:latin typeface="Times New Roman" panose="02020603050405020304" pitchFamily="18" charset="0"/>
-                <a:cs typeface="Times New Roman" panose="02020603050405020304" pitchFamily="18" charset="0"/>
-                <a:hlinkClick r:id="rId3"/>
-              </a:rPr>
-              <a:t>https://</a:t>
+              <a:t>Arduino Uno R3 </a:t>
+            </a:r>
+            <a:r>
+              <a:rPr lang="pt-BR" sz="2400" b="1" dirty="0" err="1">
+                <a:solidFill>
+                  <a:srgbClr val="FF0000"/>
+                </a:solidFill>
+                <a:latin typeface="Times New Roman" panose="02020603050405020304" pitchFamily="18" charset="0"/>
+                <a:cs typeface="Times New Roman" panose="02020603050405020304" pitchFamily="18" charset="0"/>
+              </a:rPr>
+              <a:t>vs</a:t>
+            </a:r>
+            <a:r>
+              <a:rPr lang="pt-BR" sz="2400" b="1" dirty="0">
+                <a:solidFill>
+                  <a:srgbClr val="FF0000"/>
+                </a:solidFill>
+                <a:latin typeface="Times New Roman" panose="02020603050405020304" pitchFamily="18" charset="0"/>
+                <a:cs typeface="Times New Roman" panose="02020603050405020304" pitchFamily="18" charset="0"/>
+              </a:rPr>
+              <a:t> </a:t>
+            </a:r>
+            <a:r>
+              <a:rPr lang="pt-BR" sz="2400" b="1" dirty="0" err="1">
+                <a:solidFill>
+                  <a:schemeClr val="tx1"/>
+                </a:solidFill>
+                <a:latin typeface="Times New Roman" panose="02020603050405020304" pitchFamily="18" charset="0"/>
+                <a:cs typeface="Times New Roman" panose="02020603050405020304" pitchFamily="18" charset="0"/>
+              </a:rPr>
+              <a:t>NodeMCU</a:t>
+            </a:r>
+            <a:r>
+              <a:rPr lang="pt-BR" sz="2400" b="1" dirty="0">
+                <a:solidFill>
+                  <a:srgbClr val="FF0000"/>
+                </a:solidFill>
+                <a:latin typeface="Times New Roman" panose="02020603050405020304" pitchFamily="18" charset="0"/>
+                <a:cs typeface="Times New Roman" panose="02020603050405020304" pitchFamily="18" charset="0"/>
+              </a:rPr>
+              <a:t> </a:t>
+            </a:r>
+            <a:r>
+              <a:rPr lang="pt-BR" sz="2400" b="1" dirty="0" err="1">
+                <a:solidFill>
+                  <a:srgbClr val="FF0000"/>
+                </a:solidFill>
+                <a:latin typeface="Times New Roman" panose="02020603050405020304" pitchFamily="18" charset="0"/>
+                <a:cs typeface="Times New Roman" panose="02020603050405020304" pitchFamily="18" charset="0"/>
+              </a:rPr>
+              <a:t>vs</a:t>
+            </a:r>
+            <a:r>
+              <a:rPr lang="pt-BR" sz="2400" b="1" dirty="0">
+                <a:solidFill>
+                  <a:srgbClr val="FF0000"/>
+                </a:solidFill>
+                <a:latin typeface="Times New Roman" panose="02020603050405020304" pitchFamily="18" charset="0"/>
+                <a:cs typeface="Times New Roman" panose="02020603050405020304" pitchFamily="18" charset="0"/>
+              </a:rPr>
+              <a:t> </a:t>
+            </a:r>
+            <a:r>
+              <a:rPr lang="pt-BR" sz="2400" b="1" dirty="0" err="1">
+                <a:solidFill>
+                  <a:srgbClr val="FF0000"/>
+                </a:solidFill>
+                <a:latin typeface="Times New Roman" panose="02020603050405020304" pitchFamily="18" charset="0"/>
+                <a:cs typeface="Times New Roman" panose="02020603050405020304" pitchFamily="18" charset="0"/>
+              </a:rPr>
+              <a:t>Raspberry</a:t>
+            </a:r>
+            <a:r>
+              <a:rPr lang="pt-BR" sz="2400" b="1" dirty="0">
+                <a:solidFill>
+                  <a:srgbClr val="FF0000"/>
+                </a:solidFill>
+                <a:latin typeface="Times New Roman" panose="02020603050405020304" pitchFamily="18" charset="0"/>
+                <a:cs typeface="Times New Roman" panose="02020603050405020304" pitchFamily="18" charset="0"/>
+              </a:rPr>
+              <a:t> </a:t>
+            </a:r>
+            <a:r>
+              <a:rPr lang="pt-BR" sz="2400" b="1">
+                <a:solidFill>
+                  <a:srgbClr val="FF0000"/>
+                </a:solidFill>
+                <a:latin typeface="Times New Roman" panose="02020603050405020304" pitchFamily="18" charset="0"/>
+                <a:cs typeface="Times New Roman" panose="02020603050405020304" pitchFamily="18" charset="0"/>
+              </a:rPr>
+              <a:t>Pi 4</a:t>
+            </a:r>
+            <a:r>
+              <a:rPr lang="pt-BR" sz="2400">
+                <a:solidFill>
+                  <a:schemeClr val="tx1"/>
+                </a:solidFill>
+                <a:latin typeface="Times New Roman" panose="02020603050405020304" pitchFamily="18" charset="0"/>
+                <a:cs typeface="Times New Roman" panose="02020603050405020304" pitchFamily="18" charset="0"/>
+              </a:rPr>
+              <a:t>.</a:t>
             </a:r>
             <a:endParaRPr lang="pt-BR" sz="2400" dirty="0">
+              <a:solidFill>
+                <a:schemeClr val="tx1"/>
+              </a:solidFill>
               <a:latin typeface="Times New Roman" panose="02020603050405020304" pitchFamily="18" charset="0"/>
               <a:cs typeface="Times New Roman" panose="02020603050405020304" pitchFamily="18" charset="0"/>
             </a:endParaRPr>
@@ -4618,21 +8855,14 @@
                 <a:latin typeface="Times New Roman" panose="02020603050405020304" pitchFamily="18" charset="0"/>
                 <a:cs typeface="Times New Roman" panose="02020603050405020304" pitchFamily="18" charset="0"/>
               </a:rPr>
-              <a:t>[2] </a:t>
-            </a:r>
-            <a:r>
-              <a:rPr lang="pt-BR" sz="2400" dirty="0" err="1">
-                <a:latin typeface="Times New Roman" panose="02020603050405020304" pitchFamily="18" charset="0"/>
-                <a:cs typeface="Times New Roman" panose="02020603050405020304" pitchFamily="18" charset="0"/>
-              </a:rPr>
-              <a:t>Desenv</a:t>
-            </a:r>
-            <a:r>
-              <a:rPr lang="pt-BR" sz="2400" dirty="0">
-                <a:latin typeface="Times New Roman" panose="02020603050405020304" pitchFamily="18" charset="0"/>
-                <a:cs typeface="Times New Roman" panose="02020603050405020304" pitchFamily="18" charset="0"/>
-              </a:rPr>
-              <a:t>. App Plataformas de Middleware Para IOT em Python. </a:t>
+              <a:t>-- </a:t>
+            </a:r>
+            <a:r>
+              <a:rPr lang="pt-BR" sz="2400" b="1" dirty="0">
+                <a:latin typeface="Times New Roman" panose="02020603050405020304" pitchFamily="18" charset="0"/>
+                <a:cs typeface="Times New Roman" panose="02020603050405020304" pitchFamily="18" charset="0"/>
+              </a:rPr>
+              <a:t>Comunidade</a:t>
             </a:r>
           </a:p>
           <a:p>
@@ -4640,64 +8870,16 @@
               <a:buNone/>
             </a:pPr>
             <a:r>
-              <a:rPr lang="pt-BR" sz="2400" b="1" dirty="0">
-                <a:solidFill>
-                  <a:srgbClr val="FF0000"/>
-                </a:solidFill>
-                <a:latin typeface="Times New Roman" panose="02020603050405020304" pitchFamily="18" charset="0"/>
-                <a:cs typeface="Times New Roman" panose="02020603050405020304" pitchFamily="18" charset="0"/>
-              </a:rPr>
-              <a:t>Disponível em: </a:t>
-            </a:r>
-            <a:r>
               <a:rPr lang="pt-BR" sz="2400" dirty="0">
                 <a:latin typeface="Times New Roman" panose="02020603050405020304" pitchFamily="18" charset="0"/>
                 <a:cs typeface="Times New Roman" panose="02020603050405020304" pitchFamily="18" charset="0"/>
-                <a:hlinkClick r:id="rId4"/>
-              </a:rPr>
-              <a:t>https:</a:t>
-            </a:r>
-            <a:r>
-              <a:rPr lang="pt-BR" sz="2400" dirty="0">
-                <a:latin typeface="Times New Roman" panose="02020603050405020304" pitchFamily="18" charset="0"/>
-                <a:cs typeface="Times New Roman" panose="02020603050405020304" pitchFamily="18" charset="0"/>
-              </a:rPr>
-              <a:t>//</a:t>
-            </a:r>
-          </a:p>
-          <a:p>
-            <a:pPr marL="0" indent="0" algn="just">
-              <a:buNone/>
-            </a:pPr>
+                <a:hlinkClick r:id="rId6"/>
+              </a:rPr>
+              <a:t>https://www.banana-pi.org/</a:t>
+            </a:r>
             <a:endParaRPr lang="pt-BR" sz="2400" dirty="0">
               <a:latin typeface="Times New Roman" panose="02020603050405020304" pitchFamily="18" charset="0"/>
               <a:cs typeface="Times New Roman" panose="02020603050405020304" pitchFamily="18" charset="0"/>
-            </a:endParaRPr>
-          </a:p>
-          <a:p>
-            <a:pPr marL="0" indent="0" algn="just">
-              <a:buNone/>
-            </a:pPr>
-            <a:endParaRPr lang="pt-BR" sz="2400" dirty="0">
-              <a:latin typeface="Times New Roman" panose="02020603050405020304" pitchFamily="18" charset="0"/>
-              <a:cs typeface="Times New Roman" panose="02020603050405020304" pitchFamily="18" charset="0"/>
-            </a:endParaRPr>
-          </a:p>
-          <a:p>
-            <a:pPr marL="0" indent="0" algn="just">
-              <a:buNone/>
-            </a:pPr>
-            <a:endParaRPr lang="pt-BR" sz="2400" dirty="0">
-              <a:latin typeface="Times New Roman" panose="02020603050405020304" pitchFamily="18" charset="0"/>
-              <a:cs typeface="Times New Roman" panose="02020603050405020304" pitchFamily="18" charset="0"/>
-            </a:endParaRPr>
-          </a:p>
-          <a:p>
-            <a:pPr marL="0" indent="0" algn="just">
-              <a:buNone/>
-            </a:pPr>
-            <a:endParaRPr lang="pt-BR" sz="2400" dirty="0">
-              <a:latin typeface="Calibri" panose="020F0502020204030204" pitchFamily="34" charset="0"/>
             </a:endParaRPr>
           </a:p>
         </p:txBody>
@@ -4705,7 +8887,7 @@
     </p:spTree>
     <p:extLst>
       <p:ext uri="{BB962C8B-B14F-4D97-AF65-F5344CB8AC3E}">
-        <p14:creationId xmlns:p14="http://schemas.microsoft.com/office/powerpoint/2010/main" val="3680270425"/>
+        <p14:creationId xmlns:p14="http://schemas.microsoft.com/office/powerpoint/2010/main" val="2470652989"/>
       </p:ext>
     </p:extLst>
   </p:cSld>
@@ -4716,7 +8898,7 @@
 </p:sld>
 </file>
 
-<file path=ppt/slides/slide5.xml><?xml version="1.0" encoding="utf-8"?>
+<file path=ppt/slides/slide21.xml><?xml version="1.0" encoding="utf-8"?>
 <p:sld xmlns:a="http://schemas.openxmlformats.org/drawingml/2006/main" xmlns:r="http://schemas.openxmlformats.org/officeDocument/2006/relationships" xmlns:p="http://schemas.openxmlformats.org/presentationml/2006/main">
   <p:cSld>
     <p:spTree>
@@ -4761,7 +8943,7 @@
                   <a:srgbClr val="0070C0"/>
                 </a:solidFill>
               </a:rPr>
-              <a:t>Aprenda</a:t>
+              <a:t>Referências</a:t>
             </a:r>
             <a:r>
               <a:rPr lang="en-US" b="1" dirty="0">
@@ -4769,8 +8951,21 @@
                   <a:srgbClr val="0070C0"/>
                 </a:solidFill>
               </a:rPr>
-              <a:t>+</a:t>
-            </a:r>
+              <a:t> </a:t>
+            </a:r>
+            <a:r>
+              <a:rPr lang="en-US" b="1" dirty="0" err="1">
+                <a:solidFill>
+                  <a:srgbClr val="0070C0"/>
+                </a:solidFill>
+              </a:rPr>
+              <a:t>Bibliográficas</a:t>
+            </a:r>
+            <a:endParaRPr lang="en-US" b="1" dirty="0">
+              <a:solidFill>
+                <a:srgbClr val="0070C0"/>
+              </a:solidFill>
+            </a:endParaRPr>
           </a:p>
         </p:txBody>
       </p:sp>
@@ -4787,7 +8982,7 @@
         <p:spPr>
           <a:xfrm>
             <a:off x="142865" y="1200150"/>
-            <a:ext cx="8865056" cy="3737370"/>
+            <a:ext cx="8865056" cy="3737369"/>
           </a:xfrm>
         </p:spPr>
         <p:txBody>
@@ -4800,50 +8995,191 @@
               <a:buNone/>
             </a:pPr>
             <a:r>
-              <a:rPr lang="pt-BR" sz="2400" dirty="0">
-                <a:latin typeface="Times New Roman" panose="02020603050405020304" pitchFamily="18" charset="0"/>
-                <a:cs typeface="Times New Roman" panose="02020603050405020304" pitchFamily="18" charset="0"/>
+              <a:rPr lang="pt-BR" sz="1800" dirty="0">
+                <a:latin typeface="Calibri" panose="020F0502020204030204" pitchFamily="34" charset="0"/>
               </a:rPr>
               <a:t>[1] </a:t>
             </a:r>
             <a:r>
-              <a:rPr lang="pt-BR" sz="2400" dirty="0" err="1">
-                <a:latin typeface="Times New Roman" panose="02020603050405020304" pitchFamily="18" charset="0"/>
-                <a:cs typeface="Times New Roman" panose="02020603050405020304" pitchFamily="18" charset="0"/>
-              </a:rPr>
-              <a:t>Desenv</a:t>
-            </a:r>
-            <a:r>
-              <a:rPr lang="pt-BR" sz="2400" dirty="0">
-                <a:latin typeface="Times New Roman" panose="02020603050405020304" pitchFamily="18" charset="0"/>
-                <a:cs typeface="Times New Roman" panose="02020603050405020304" pitchFamily="18" charset="0"/>
-              </a:rPr>
-              <a:t>. App Plataformas de Middleware Para IOT em Python.</a:t>
+              <a:rPr lang="pt-BR" sz="1800" b="1" dirty="0">
+                <a:latin typeface="Calibri" panose="020F0502020204030204" pitchFamily="34" charset="0"/>
+              </a:rPr>
+              <a:t>DE OLIVEIRA, Sérgio.</a:t>
+            </a:r>
+            <a:r>
+              <a:rPr lang="pt-BR" sz="1800" dirty="0">
+                <a:latin typeface="Calibri" panose="020F0502020204030204" pitchFamily="34" charset="0"/>
+              </a:rPr>
+              <a:t> Internet das coisas com ESP8266, Arduino e </a:t>
+            </a:r>
+            <a:r>
+              <a:rPr lang="pt-BR" sz="1800" dirty="0" err="1">
+                <a:latin typeface="Calibri" panose="020F0502020204030204" pitchFamily="34" charset="0"/>
+              </a:rPr>
+              <a:t>Raspberry</a:t>
+            </a:r>
+            <a:r>
+              <a:rPr lang="pt-BR" sz="1800" dirty="0">
+                <a:latin typeface="Calibri" panose="020F0502020204030204" pitchFamily="34" charset="0"/>
+              </a:rPr>
+              <a:t> PI. </a:t>
+            </a:r>
+            <a:r>
+              <a:rPr lang="pt-BR" sz="1800" dirty="0" err="1">
+                <a:latin typeface="Calibri" panose="020F0502020204030204" pitchFamily="34" charset="0"/>
+              </a:rPr>
+              <a:t>Novatec</a:t>
+            </a:r>
+            <a:r>
+              <a:rPr lang="pt-BR" sz="1800" dirty="0">
+                <a:latin typeface="Calibri" panose="020F0502020204030204" pitchFamily="34" charset="0"/>
+              </a:rPr>
+              <a:t> Editora, 2017.</a:t>
             </a:r>
           </a:p>
           <a:p>
             <a:pPr marL="0" indent="0" algn="just">
               <a:buNone/>
             </a:pPr>
-            <a:r>
-              <a:rPr lang="pt-BR" sz="2400" b="1" dirty="0">
-                <a:solidFill>
-                  <a:srgbClr val="FF0000"/>
-                </a:solidFill>
-                <a:latin typeface="Times New Roman" panose="02020603050405020304" pitchFamily="18" charset="0"/>
-                <a:cs typeface="Times New Roman" panose="02020603050405020304" pitchFamily="18" charset="0"/>
-              </a:rPr>
-              <a:t>Disponível em: </a:t>
-            </a:r>
-            <a:r>
-              <a:rPr lang="pt-BR" sz="2400" dirty="0">
-                <a:latin typeface="Times New Roman" panose="02020603050405020304" pitchFamily="18" charset="0"/>
-                <a:cs typeface="Times New Roman" panose="02020603050405020304" pitchFamily="18" charset="0"/>
-                <a:hlinkClick r:id="rId3"/>
-              </a:rPr>
-              <a:t>https://</a:t>
-            </a:r>
-            <a:endParaRPr lang="pt-BR" sz="2400" dirty="0">
+            <a:endParaRPr lang="pt-BR" sz="1800" dirty="0">
+              <a:latin typeface="Calibri" panose="020F0502020204030204" pitchFamily="34" charset="0"/>
+            </a:endParaRPr>
+          </a:p>
+          <a:p>
+            <a:pPr marL="0" indent="0" algn="just">
+              <a:buNone/>
+            </a:pPr>
+            <a:r>
+              <a:rPr lang="pt-BR" sz="1800" dirty="0">
+                <a:latin typeface="Calibri" panose="020F0502020204030204" pitchFamily="34" charset="0"/>
+              </a:rPr>
+              <a:t>[2] </a:t>
+            </a:r>
+            <a:r>
+              <a:rPr lang="en-US" sz="1800" b="1" dirty="0">
+                <a:latin typeface="Calibri" panose="020F0502020204030204" pitchFamily="34" charset="0"/>
+              </a:rPr>
+              <a:t>RICHARDSON, Matt; WALLACE, Shawn.</a:t>
+            </a:r>
+            <a:r>
+              <a:rPr lang="en-US" sz="1800" dirty="0">
+                <a:latin typeface="Calibri" panose="020F0502020204030204" pitchFamily="34" charset="0"/>
+              </a:rPr>
+              <a:t> Getting started with raspberry PI. " O'Reilly Media, Inc.", 2012.</a:t>
+            </a:r>
+            <a:endParaRPr lang="pt-BR" sz="1800" dirty="0">
+              <a:latin typeface="Calibri" panose="020F0502020204030204" pitchFamily="34" charset="0"/>
+            </a:endParaRPr>
+          </a:p>
+          <a:p>
+            <a:pPr marL="0" indent="0" algn="just">
+              <a:buNone/>
+            </a:pPr>
+            <a:endParaRPr lang="pt-BR" sz="1800" dirty="0">
+              <a:latin typeface="Calibri" panose="020F0502020204030204" pitchFamily="34" charset="0"/>
+            </a:endParaRPr>
+          </a:p>
+          <a:p>
+            <a:pPr marL="0" indent="0" algn="just">
+              <a:buNone/>
+            </a:pPr>
+            <a:r>
+              <a:rPr lang="pt-BR" sz="1800" dirty="0">
+                <a:latin typeface="Times New Roman" panose="02020603050405020304" pitchFamily="18" charset="0"/>
+                <a:cs typeface="Times New Roman" panose="02020603050405020304" pitchFamily="18" charset="0"/>
+              </a:rPr>
+              <a:t>[3] </a:t>
+            </a:r>
+            <a:r>
+              <a:rPr lang="pt-BR" sz="1800" b="1" dirty="0">
+                <a:latin typeface="Times New Roman" panose="02020603050405020304" pitchFamily="18" charset="0"/>
+                <a:cs typeface="Times New Roman" panose="02020603050405020304" pitchFamily="18" charset="0"/>
+              </a:rPr>
+              <a:t>UPTON, </a:t>
+            </a:r>
+            <a:r>
+              <a:rPr lang="pt-BR" sz="1800" b="1" dirty="0" err="1">
+                <a:latin typeface="Times New Roman" panose="02020603050405020304" pitchFamily="18" charset="0"/>
+                <a:cs typeface="Times New Roman" panose="02020603050405020304" pitchFamily="18" charset="0"/>
+              </a:rPr>
+              <a:t>Eben</a:t>
+            </a:r>
+            <a:r>
+              <a:rPr lang="pt-BR" sz="1800" b="1" dirty="0">
+                <a:latin typeface="Times New Roman" panose="02020603050405020304" pitchFamily="18" charset="0"/>
+                <a:cs typeface="Times New Roman" panose="02020603050405020304" pitchFamily="18" charset="0"/>
+              </a:rPr>
+              <a:t>; HALFACREE, Gareth.</a:t>
+            </a:r>
+            <a:r>
+              <a:rPr lang="pt-BR" sz="1800" dirty="0">
+                <a:latin typeface="Times New Roman" panose="02020603050405020304" pitchFamily="18" charset="0"/>
+                <a:cs typeface="Times New Roman" panose="02020603050405020304" pitchFamily="18" charset="0"/>
+              </a:rPr>
+              <a:t> </a:t>
+            </a:r>
+            <a:r>
+              <a:rPr lang="pt-BR" sz="1800" dirty="0" err="1">
+                <a:latin typeface="Times New Roman" panose="02020603050405020304" pitchFamily="18" charset="0"/>
+                <a:cs typeface="Times New Roman" panose="02020603050405020304" pitchFamily="18" charset="0"/>
+              </a:rPr>
+              <a:t>Raspberry</a:t>
+            </a:r>
+            <a:r>
+              <a:rPr lang="pt-BR" sz="1800" dirty="0">
+                <a:latin typeface="Times New Roman" panose="02020603050405020304" pitchFamily="18" charset="0"/>
+                <a:cs typeface="Times New Roman" panose="02020603050405020304" pitchFamily="18" charset="0"/>
+              </a:rPr>
+              <a:t> Pi </a:t>
+            </a:r>
+            <a:r>
+              <a:rPr lang="pt-BR" sz="1800" dirty="0" err="1">
+                <a:latin typeface="Times New Roman" panose="02020603050405020304" pitchFamily="18" charset="0"/>
+                <a:cs typeface="Times New Roman" panose="02020603050405020304" pitchFamily="18" charset="0"/>
+              </a:rPr>
+              <a:t>user</a:t>
+            </a:r>
+            <a:r>
+              <a:rPr lang="pt-BR" sz="1800" dirty="0">
+                <a:latin typeface="Times New Roman" panose="02020603050405020304" pitchFamily="18" charset="0"/>
+                <a:cs typeface="Times New Roman" panose="02020603050405020304" pitchFamily="18" charset="0"/>
+              </a:rPr>
+              <a:t> </a:t>
+            </a:r>
+            <a:r>
+              <a:rPr lang="pt-BR" sz="1800" dirty="0" err="1">
+                <a:latin typeface="Times New Roman" panose="02020603050405020304" pitchFamily="18" charset="0"/>
+                <a:cs typeface="Times New Roman" panose="02020603050405020304" pitchFamily="18" charset="0"/>
+              </a:rPr>
+              <a:t>guide</a:t>
+            </a:r>
+            <a:r>
+              <a:rPr lang="pt-BR" sz="1800" dirty="0">
+                <a:latin typeface="Times New Roman" panose="02020603050405020304" pitchFamily="18" charset="0"/>
+                <a:cs typeface="Times New Roman" panose="02020603050405020304" pitchFamily="18" charset="0"/>
+              </a:rPr>
+              <a:t>. John </a:t>
+            </a:r>
+            <a:r>
+              <a:rPr lang="pt-BR" sz="1800" dirty="0" err="1">
+                <a:latin typeface="Times New Roman" panose="02020603050405020304" pitchFamily="18" charset="0"/>
+                <a:cs typeface="Times New Roman" panose="02020603050405020304" pitchFamily="18" charset="0"/>
+              </a:rPr>
+              <a:t>Wiley</a:t>
+            </a:r>
+            <a:r>
+              <a:rPr lang="pt-BR" sz="1800" dirty="0">
+                <a:latin typeface="Times New Roman" panose="02020603050405020304" pitchFamily="18" charset="0"/>
+                <a:cs typeface="Times New Roman" panose="02020603050405020304" pitchFamily="18" charset="0"/>
+              </a:rPr>
+              <a:t> &amp; Sons, 2014.</a:t>
+            </a:r>
+          </a:p>
+          <a:p>
+            <a:pPr marL="0" indent="0" algn="just">
+              <a:buNone/>
+            </a:pPr>
+            <a:endParaRPr lang="pt-BR" sz="1800" dirty="0">
               <a:latin typeface="Times New Roman" panose="02020603050405020304" pitchFamily="18" charset="0"/>
               <a:cs typeface="Times New Roman" panose="02020603050405020304" pitchFamily="18" charset="0"/>
             </a:endParaRPr>
@@ -4852,375 +9188,68 @@
             <a:pPr marL="0" indent="0" algn="just">
               <a:buNone/>
             </a:pPr>
-            <a:endParaRPr lang="pt-BR" sz="2400" dirty="0">
-              <a:latin typeface="Times New Roman" panose="02020603050405020304" pitchFamily="18" charset="0"/>
-              <a:cs typeface="Times New Roman" panose="02020603050405020304" pitchFamily="18" charset="0"/>
-            </a:endParaRPr>
-          </a:p>
-          <a:p>
-            <a:pPr marL="0" indent="0" algn="just">
-              <a:buNone/>
-            </a:pPr>
-            <a:r>
-              <a:rPr lang="pt-BR" sz="2400" dirty="0">
-                <a:latin typeface="Times New Roman" panose="02020603050405020304" pitchFamily="18" charset="0"/>
-                <a:cs typeface="Times New Roman" panose="02020603050405020304" pitchFamily="18" charset="0"/>
-              </a:rPr>
-              <a:t>[2] </a:t>
-            </a:r>
-            <a:r>
-              <a:rPr lang="pt-BR" sz="2400" dirty="0" err="1">
-                <a:latin typeface="Times New Roman" panose="02020603050405020304" pitchFamily="18" charset="0"/>
-                <a:cs typeface="Times New Roman" panose="02020603050405020304" pitchFamily="18" charset="0"/>
-              </a:rPr>
-              <a:t>Desenv</a:t>
-            </a:r>
-            <a:r>
-              <a:rPr lang="pt-BR" sz="2400" dirty="0">
-                <a:latin typeface="Times New Roman" panose="02020603050405020304" pitchFamily="18" charset="0"/>
-                <a:cs typeface="Times New Roman" panose="02020603050405020304" pitchFamily="18" charset="0"/>
-              </a:rPr>
-              <a:t>. App Plataformas de Middleware Para IOT em Python. </a:t>
-            </a:r>
-          </a:p>
-          <a:p>
-            <a:pPr marL="0" indent="0" algn="just">
-              <a:buNone/>
-            </a:pPr>
-            <a:r>
-              <a:rPr lang="pt-BR" sz="2400" b="1" dirty="0">
-                <a:solidFill>
-                  <a:srgbClr val="FF0000"/>
-                </a:solidFill>
-                <a:latin typeface="Times New Roman" panose="02020603050405020304" pitchFamily="18" charset="0"/>
-                <a:cs typeface="Times New Roman" panose="02020603050405020304" pitchFamily="18" charset="0"/>
-              </a:rPr>
-              <a:t>Disponível em: </a:t>
-            </a:r>
-            <a:r>
-              <a:rPr lang="pt-BR" sz="2400" dirty="0">
-                <a:latin typeface="Times New Roman" panose="02020603050405020304" pitchFamily="18" charset="0"/>
-                <a:cs typeface="Times New Roman" panose="02020603050405020304" pitchFamily="18" charset="0"/>
-                <a:hlinkClick r:id="rId4"/>
-              </a:rPr>
-              <a:t>https://</a:t>
-            </a:r>
-            <a:endParaRPr lang="pt-BR" sz="2400" dirty="0">
-              <a:latin typeface="Times New Roman" panose="02020603050405020304" pitchFamily="18" charset="0"/>
-              <a:cs typeface="Times New Roman" panose="02020603050405020304" pitchFamily="18" charset="0"/>
-            </a:endParaRPr>
-          </a:p>
-          <a:p>
-            <a:pPr marL="0" indent="0" algn="just">
-              <a:buNone/>
-            </a:pPr>
-            <a:endParaRPr lang="pt-BR" sz="2400" dirty="0">
-              <a:latin typeface="Times New Roman" panose="02020603050405020304" pitchFamily="18" charset="0"/>
-              <a:cs typeface="Times New Roman" panose="02020603050405020304" pitchFamily="18" charset="0"/>
-            </a:endParaRPr>
-          </a:p>
-        </p:txBody>
-      </p:sp>
-    </p:spTree>
-    <p:extLst>
-      <p:ext uri="{BB962C8B-B14F-4D97-AF65-F5344CB8AC3E}">
-        <p14:creationId xmlns:p14="http://schemas.microsoft.com/office/powerpoint/2010/main" val="2747596967"/>
-      </p:ext>
-    </p:extLst>
-  </p:cSld>
-  <p:clrMapOvr>
-    <a:masterClrMapping/>
-  </p:clrMapOvr>
-  <p:transition spd="med"/>
-</p:sld>
-</file>
-
-<file path=ppt/slides/slide6.xml><?xml version="1.0" encoding="utf-8"?>
-<p:sld xmlns:a="http://schemas.openxmlformats.org/drawingml/2006/main" xmlns:r="http://schemas.openxmlformats.org/officeDocument/2006/relationships" xmlns:p="http://schemas.openxmlformats.org/presentationml/2006/main">
-  <p:cSld>
-    <p:spTree>
-      <p:nvGrpSpPr>
-        <p:cNvPr id="1" name=""/>
-        <p:cNvGrpSpPr/>
-        <p:nvPr/>
-      </p:nvGrpSpPr>
-      <p:grpSpPr>
-        <a:xfrm>
-          <a:off x="0" y="0"/>
-          <a:ext cx="0" cy="0"/>
-          <a:chOff x="0" y="0"/>
-          <a:chExt cx="0" cy="0"/>
-        </a:xfrm>
-      </p:grpSpPr>
-      <p:sp>
-        <p:nvSpPr>
-          <p:cNvPr id="6" name="Title 1"/>
-          <p:cNvSpPr>
-            <a:spLocks noGrp="1"/>
-          </p:cNvSpPr>
-          <p:nvPr>
-            <p:ph type="title"/>
-          </p:nvPr>
-        </p:nvSpPr>
-        <p:spPr>
-          <a:xfrm>
-            <a:off x="457200" y="205980"/>
-            <a:ext cx="8229600" cy="857251"/>
-          </a:xfrm>
-        </p:spPr>
-        <p:txBody>
-          <a:bodyPr>
-            <a:normAutofit/>
-          </a:bodyPr>
-          <a:lstStyle/>
-          <a:p>
-            <a:r>
-              <a:rPr lang="en-US" b="1" dirty="0" err="1">
-                <a:solidFill>
-                  <a:srgbClr val="0070C0"/>
-                </a:solidFill>
-              </a:rPr>
-              <a:t>Dinâmica</a:t>
-            </a:r>
-            <a:r>
-              <a:rPr lang="en-US" b="1" dirty="0">
-                <a:solidFill>
-                  <a:srgbClr val="0070C0"/>
-                </a:solidFill>
-              </a:rPr>
-              <a:t>/</a:t>
-            </a:r>
-            <a:r>
-              <a:rPr lang="en-US" b="1" dirty="0" err="1">
-                <a:solidFill>
-                  <a:srgbClr val="0070C0"/>
-                </a:solidFill>
-              </a:rPr>
-              <a:t>Atividades</a:t>
-            </a:r>
-            <a:endParaRPr lang="en-US" b="1" dirty="0">
-              <a:solidFill>
-                <a:srgbClr val="0070C0"/>
-              </a:solidFill>
-            </a:endParaRPr>
-          </a:p>
-        </p:txBody>
-      </p:sp>
-      <p:sp>
-        <p:nvSpPr>
-          <p:cNvPr id="8" name="Text Placeholder 2"/>
-          <p:cNvSpPr>
-            <a:spLocks noGrp="1"/>
-          </p:cNvSpPr>
-          <p:nvPr>
-            <p:ph type="body" sz="half" idx="1"/>
-          </p:nvPr>
-        </p:nvSpPr>
-        <p:spPr>
-          <a:xfrm>
-            <a:off x="139472" y="1063230"/>
-            <a:ext cx="8865056" cy="3606305"/>
-          </a:xfrm>
-        </p:spPr>
-        <p:txBody>
-          <a:bodyPr>
-            <a:noAutofit/>
-          </a:bodyPr>
-          <a:lstStyle/>
-          <a:p>
-            <a:pPr marL="0" indent="0" algn="just">
-              <a:buNone/>
-            </a:pPr>
-            <a:r>
-              <a:rPr lang="pt-BR" sz="2400" dirty="0">
-                <a:latin typeface="Times New Roman" panose="02020603050405020304" pitchFamily="18" charset="0"/>
-                <a:cs typeface="Times New Roman" panose="02020603050405020304" pitchFamily="18" charset="0"/>
-              </a:rPr>
-              <a:t>Exercícios (Atividade Verificadora de Aprendizagem)</a:t>
-            </a:r>
-          </a:p>
-          <a:p>
-            <a:pPr marL="0" indent="0" algn="just">
-              <a:buNone/>
-            </a:pPr>
-            <a:endParaRPr lang="pt-BR" sz="2400">
-              <a:latin typeface="Times New Roman" panose="02020603050405020304" pitchFamily="18" charset="0"/>
-              <a:cs typeface="Times New Roman" panose="02020603050405020304" pitchFamily="18" charset="0"/>
-            </a:endParaRPr>
-          </a:p>
-          <a:p>
-            <a:pPr marL="0" indent="0" algn="just">
-              <a:buNone/>
-            </a:pPr>
-            <a:endParaRPr lang="pt-BR" sz="2400" dirty="0">
-              <a:latin typeface="Times New Roman" panose="02020603050405020304" pitchFamily="18" charset="0"/>
-              <a:cs typeface="Times New Roman" panose="02020603050405020304" pitchFamily="18" charset="0"/>
-            </a:endParaRPr>
-          </a:p>
-        </p:txBody>
-      </p:sp>
-    </p:spTree>
-    <p:extLst>
-      <p:ext uri="{BB962C8B-B14F-4D97-AF65-F5344CB8AC3E}">
-        <p14:creationId xmlns:p14="http://schemas.microsoft.com/office/powerpoint/2010/main" val="1397642976"/>
-      </p:ext>
-    </p:extLst>
-  </p:cSld>
-  <p:clrMapOvr>
-    <a:masterClrMapping/>
-  </p:clrMapOvr>
-  <p:transition spd="med"/>
-</p:sld>
-</file>
-
-<file path=ppt/slides/slide7.xml><?xml version="1.0" encoding="utf-8"?>
-<p:sld xmlns:a="http://schemas.openxmlformats.org/drawingml/2006/main" xmlns:r="http://schemas.openxmlformats.org/officeDocument/2006/relationships" xmlns:p="http://schemas.openxmlformats.org/presentationml/2006/main">
-  <p:cSld>
-    <p:spTree>
-      <p:nvGrpSpPr>
-        <p:cNvPr id="1" name=""/>
-        <p:cNvGrpSpPr/>
-        <p:nvPr/>
-      </p:nvGrpSpPr>
-      <p:grpSpPr>
-        <a:xfrm>
-          <a:off x="0" y="0"/>
-          <a:ext cx="0" cy="0"/>
-          <a:chOff x="0" y="0"/>
-          <a:chExt cx="0" cy="0"/>
-        </a:xfrm>
-      </p:grpSpPr>
-      <p:sp>
-        <p:nvSpPr>
-          <p:cNvPr id="6" name="Title 1"/>
-          <p:cNvSpPr>
-            <a:spLocks noGrp="1"/>
-          </p:cNvSpPr>
-          <p:nvPr>
-            <p:ph type="title"/>
-          </p:nvPr>
-        </p:nvSpPr>
-        <p:spPr>
-          <a:xfrm>
-            <a:off x="457200" y="205980"/>
-            <a:ext cx="8229600" cy="857251"/>
-          </a:xfrm>
-        </p:spPr>
-        <p:txBody>
-          <a:bodyPr>
-            <a:normAutofit/>
-          </a:bodyPr>
-          <a:lstStyle/>
-          <a:p>
-            <a:r>
-              <a:rPr lang="en-US" b="1" dirty="0" err="1">
-                <a:solidFill>
-                  <a:srgbClr val="0070C0"/>
-                </a:solidFill>
-              </a:rPr>
-              <a:t>Referências</a:t>
-            </a:r>
-            <a:r>
-              <a:rPr lang="en-US" b="1" dirty="0">
-                <a:solidFill>
-                  <a:srgbClr val="0070C0"/>
-                </a:solidFill>
+            <a:r>
+              <a:rPr lang="pt-BR" sz="1800" dirty="0">
+                <a:latin typeface="Times New Roman" panose="02020603050405020304" pitchFamily="18" charset="0"/>
+                <a:cs typeface="Times New Roman" panose="02020603050405020304" pitchFamily="18" charset="0"/>
+              </a:rPr>
+              <a:t>[4] </a:t>
+            </a:r>
+            <a:r>
+              <a:rPr lang="pt-BR" sz="1800" b="1" dirty="0">
+                <a:latin typeface="Times New Roman" panose="02020603050405020304" pitchFamily="18" charset="0"/>
+                <a:cs typeface="Times New Roman" panose="02020603050405020304" pitchFamily="18" charset="0"/>
+              </a:rPr>
+              <a:t>HORAN, Brendan.</a:t>
+            </a:r>
+            <a:r>
+              <a:rPr lang="pt-BR" sz="1800" dirty="0">
+                <a:latin typeface="Times New Roman" panose="02020603050405020304" pitchFamily="18" charset="0"/>
+                <a:cs typeface="Times New Roman" panose="02020603050405020304" pitchFamily="18" charset="0"/>
               </a:rPr>
               <a:t> </a:t>
             </a:r>
             <a:r>
-              <a:rPr lang="en-US" b="1" dirty="0" err="1">
-                <a:solidFill>
-                  <a:srgbClr val="0070C0"/>
-                </a:solidFill>
-              </a:rPr>
-              <a:t>Bibliográficas</a:t>
-            </a:r>
-            <a:endParaRPr lang="en-US" b="1" dirty="0">
-              <a:solidFill>
-                <a:srgbClr val="0070C0"/>
-              </a:solidFill>
-            </a:endParaRPr>
-          </a:p>
-        </p:txBody>
-      </p:sp>
-      <p:sp>
-        <p:nvSpPr>
-          <p:cNvPr id="8" name="Text Placeholder 2"/>
-          <p:cNvSpPr>
-            <a:spLocks noGrp="1"/>
-          </p:cNvSpPr>
-          <p:nvPr>
-            <p:ph type="body" sz="half" idx="1"/>
-          </p:nvPr>
-        </p:nvSpPr>
-        <p:spPr>
-          <a:xfrm>
-            <a:off x="142865" y="1200151"/>
-            <a:ext cx="8865056" cy="3394472"/>
-          </a:xfrm>
-        </p:spPr>
-        <p:txBody>
-          <a:bodyPr>
-            <a:noAutofit/>
-          </a:bodyPr>
-          <a:lstStyle/>
-          <a:p>
-            <a:pPr marL="0" indent="0" algn="just">
-              <a:buNone/>
-            </a:pPr>
-            <a:r>
-              <a:rPr lang="pt-BR" sz="2000" dirty="0">
-                <a:latin typeface="Times New Roman" panose="02020603050405020304" pitchFamily="18" charset="0"/>
-                <a:cs typeface="Times New Roman" panose="02020603050405020304" pitchFamily="18" charset="0"/>
-              </a:rPr>
-              <a:t>[1] .</a:t>
-            </a:r>
-          </a:p>
-          <a:p>
-            <a:pPr marL="0" indent="0" algn="just">
-              <a:buNone/>
-            </a:pPr>
-            <a:endParaRPr lang="pt-BR" sz="2000" dirty="0">
-              <a:latin typeface="Times New Roman" panose="02020603050405020304" pitchFamily="18" charset="0"/>
-              <a:cs typeface="Times New Roman" panose="02020603050405020304" pitchFamily="18" charset="0"/>
-            </a:endParaRPr>
-          </a:p>
-          <a:p>
-            <a:pPr marL="0" indent="0" algn="just">
-              <a:buNone/>
-            </a:pPr>
-            <a:r>
-              <a:rPr lang="pt-BR" sz="2000" dirty="0">
-                <a:latin typeface="Times New Roman" panose="02020603050405020304" pitchFamily="18" charset="0"/>
-                <a:cs typeface="Times New Roman" panose="02020603050405020304" pitchFamily="18" charset="0"/>
-              </a:rPr>
-              <a:t>[2] </a:t>
-            </a:r>
-            <a:r>
-              <a:rPr lang="pt-BR" sz="2000" dirty="0">
-                <a:latin typeface="Calibri" panose="020F0502020204030204" pitchFamily="34" charset="0"/>
-              </a:rPr>
-              <a:t>.</a:t>
-            </a:r>
-          </a:p>
-          <a:p>
-            <a:pPr marL="0" indent="0" algn="just">
-              <a:buNone/>
-            </a:pPr>
-            <a:endParaRPr lang="pt-BR" sz="2000" dirty="0">
-              <a:latin typeface="Calibri" panose="020F0502020204030204" pitchFamily="34" charset="0"/>
-            </a:endParaRPr>
-          </a:p>
-          <a:p>
-            <a:pPr marL="0" indent="0" algn="just">
-              <a:buNone/>
-            </a:pPr>
-            <a:r>
-              <a:rPr lang="pt-BR" sz="2000" dirty="0">
-                <a:latin typeface="Calibri" panose="020F0502020204030204" pitchFamily="34" charset="0"/>
-              </a:rPr>
-              <a:t>[3] .</a:t>
+              <a:rPr lang="pt-BR" sz="1800" dirty="0" err="1">
+                <a:latin typeface="Times New Roman" panose="02020603050405020304" pitchFamily="18" charset="0"/>
+                <a:cs typeface="Times New Roman" panose="02020603050405020304" pitchFamily="18" charset="0"/>
+              </a:rPr>
+              <a:t>Practical</a:t>
+            </a:r>
+            <a:r>
+              <a:rPr lang="pt-BR" sz="1800" dirty="0">
+                <a:latin typeface="Times New Roman" panose="02020603050405020304" pitchFamily="18" charset="0"/>
+                <a:cs typeface="Times New Roman" panose="02020603050405020304" pitchFamily="18" charset="0"/>
+              </a:rPr>
+              <a:t> </a:t>
+            </a:r>
+            <a:r>
+              <a:rPr lang="pt-BR" sz="1800" dirty="0" err="1">
+                <a:latin typeface="Times New Roman" panose="02020603050405020304" pitchFamily="18" charset="0"/>
+                <a:cs typeface="Times New Roman" panose="02020603050405020304" pitchFamily="18" charset="0"/>
+              </a:rPr>
+              <a:t>Raspberry</a:t>
+            </a:r>
+            <a:r>
+              <a:rPr lang="pt-BR" sz="1800" dirty="0">
+                <a:latin typeface="Times New Roman" panose="02020603050405020304" pitchFamily="18" charset="0"/>
+                <a:cs typeface="Times New Roman" panose="02020603050405020304" pitchFamily="18" charset="0"/>
+              </a:rPr>
+              <a:t> Pi. </a:t>
+            </a:r>
+            <a:r>
+              <a:rPr lang="pt-BR" sz="1800" dirty="0" err="1">
+                <a:latin typeface="Times New Roman" panose="02020603050405020304" pitchFamily="18" charset="0"/>
+                <a:cs typeface="Times New Roman" panose="02020603050405020304" pitchFamily="18" charset="0"/>
+              </a:rPr>
+              <a:t>Apress</a:t>
+            </a:r>
+            <a:r>
+              <a:rPr lang="pt-BR" sz="1800" dirty="0">
+                <a:latin typeface="Times New Roman" panose="02020603050405020304" pitchFamily="18" charset="0"/>
+                <a:cs typeface="Times New Roman" panose="02020603050405020304" pitchFamily="18" charset="0"/>
+              </a:rPr>
+              <a:t>, 2013.</a:t>
             </a:r>
           </a:p>
         </p:txBody>
@@ -5239,7 +9268,7 @@
 </p:sld>
 </file>
 
-<file path=ppt/slides/slide8.xml><?xml version="1.0" encoding="utf-8"?>
+<file path=ppt/slides/slide22.xml><?xml version="1.0" encoding="utf-8"?>
 <p:sld xmlns:a="http://schemas.openxmlformats.org/drawingml/2006/main" xmlns:r="http://schemas.openxmlformats.org/officeDocument/2006/relationships" xmlns:p="http://schemas.openxmlformats.org/presentationml/2006/main">
   <p:cSld>
     <p:spTree>
@@ -5634,12 +9663,12 @@
               <a:t>Professor </a:t>
             </a:r>
             <a:r>
-              <a:rPr lang="pt-BR" sz="2000" b="1">
+              <a:rPr lang="pt-BR" sz="2000" b="1" dirty="0" err="1">
                 <a:solidFill>
                   <a:schemeClr val="bg1"/>
                 </a:solidFill>
               </a:rPr>
-              <a:t>M.Sc</a:t>
+              <a:t>MSc</a:t>
             </a:r>
             <a:r>
               <a:rPr lang="pt-BR" sz="2000" b="1" dirty="0">
@@ -5657,7 +9686,7 @@
           <p:cNvPr id="2" name="Google Shape;62;p1" descr="Imagem">
             <a:extLst>
               <a:ext uri="{FF2B5EF4-FFF2-40B4-BE49-F238E27FC236}">
-                <a16:creationId xmlns:a16="http://schemas.microsoft.com/office/drawing/2014/main" id="{9C895622-2963-024D-634E-EA58F5381D06}"/>
+                <a16:creationId xmlns:a16="http://schemas.microsoft.com/office/drawing/2014/main" id="{D9A56D89-1300-762A-5BD5-16B3C4E9985C}"/>
               </a:ext>
             </a:extLst>
           </p:cNvPr>
@@ -5686,6 +9715,3311 @@
         </p:spPr>
       </p:pic>
     </p:spTree>
+    <p:extLst>
+      <p:ext uri="{BB962C8B-B14F-4D97-AF65-F5344CB8AC3E}">
+        <p14:creationId xmlns:p14="http://schemas.microsoft.com/office/powerpoint/2010/main" val="693595335"/>
+      </p:ext>
+    </p:extLst>
+  </p:cSld>
+  <p:clrMapOvr>
+    <a:masterClrMapping/>
+  </p:clrMapOvr>
+  <p:transition spd="med"/>
+</p:sld>
+</file>
+
+<file path=ppt/slides/slide3.xml><?xml version="1.0" encoding="utf-8"?>
+<p:sld xmlns:a="http://schemas.openxmlformats.org/drawingml/2006/main" xmlns:r="http://schemas.openxmlformats.org/officeDocument/2006/relationships" xmlns:p="http://schemas.openxmlformats.org/presentationml/2006/main">
+  <p:cSld>
+    <p:spTree>
+      <p:nvGrpSpPr>
+        <p:cNvPr id="1" name=""/>
+        <p:cNvGrpSpPr/>
+        <p:nvPr/>
+      </p:nvGrpSpPr>
+      <p:grpSpPr>
+        <a:xfrm>
+          <a:off x="0" y="0"/>
+          <a:ext cx="0" cy="0"/>
+          <a:chOff x="0" y="0"/>
+          <a:chExt cx="0" cy="0"/>
+        </a:xfrm>
+      </p:grpSpPr>
+      <p:sp>
+        <p:nvSpPr>
+          <p:cNvPr id="6" name="Title 1"/>
+          <p:cNvSpPr>
+            <a:spLocks noGrp="1"/>
+          </p:cNvSpPr>
+          <p:nvPr>
+            <p:ph type="title"/>
+          </p:nvPr>
+        </p:nvSpPr>
+        <p:spPr>
+          <a:xfrm>
+            <a:off x="457200" y="205980"/>
+            <a:ext cx="8229600" cy="857251"/>
+          </a:xfrm>
+        </p:spPr>
+        <p:txBody>
+          <a:bodyPr>
+            <a:normAutofit/>
+          </a:bodyPr>
+          <a:lstStyle/>
+          <a:p>
+            <a:r>
+              <a:rPr lang="en-US" b="1" dirty="0">
+                <a:solidFill>
+                  <a:srgbClr val="0070C0"/>
+                </a:solidFill>
+              </a:rPr>
+              <a:t>Plataforma Raspberry Pi</a:t>
+            </a:r>
+          </a:p>
+        </p:txBody>
+      </p:sp>
+      <p:sp>
+        <p:nvSpPr>
+          <p:cNvPr id="8" name="Text Placeholder 2"/>
+          <p:cNvSpPr>
+            <a:spLocks noGrp="1"/>
+          </p:cNvSpPr>
+          <p:nvPr>
+            <p:ph type="body" sz="half" idx="1"/>
+          </p:nvPr>
+        </p:nvSpPr>
+        <p:spPr>
+          <a:xfrm>
+            <a:off x="142865" y="1200150"/>
+            <a:ext cx="8865056" cy="3653296"/>
+          </a:xfrm>
+        </p:spPr>
+        <p:txBody>
+          <a:bodyPr>
+            <a:noAutofit/>
+          </a:bodyPr>
+          <a:lstStyle/>
+          <a:p>
+            <a:pPr marL="0" indent="0" algn="just">
+              <a:buNone/>
+            </a:pPr>
+            <a:r>
+              <a:rPr lang="pt-BR" sz="2000" b="1" dirty="0" err="1">
+                <a:solidFill>
+                  <a:schemeClr val="tx1"/>
+                </a:solidFill>
+                <a:latin typeface="Times New Roman" panose="02020603050405020304" pitchFamily="18" charset="0"/>
+                <a:cs typeface="Times New Roman" panose="02020603050405020304" pitchFamily="18" charset="0"/>
+              </a:rPr>
+              <a:t>Raspberry</a:t>
+            </a:r>
+            <a:r>
+              <a:rPr lang="pt-BR" sz="2000" b="1" dirty="0">
+                <a:solidFill>
+                  <a:schemeClr val="tx1"/>
+                </a:solidFill>
+                <a:latin typeface="Times New Roman" panose="02020603050405020304" pitchFamily="18" charset="0"/>
+                <a:cs typeface="Times New Roman" panose="02020603050405020304" pitchFamily="18" charset="0"/>
+              </a:rPr>
+              <a:t> Pi</a:t>
+            </a:r>
+            <a:r>
+              <a:rPr lang="pt-BR" sz="2000" dirty="0">
+                <a:solidFill>
+                  <a:schemeClr val="tx1"/>
+                </a:solidFill>
+                <a:latin typeface="Times New Roman" panose="02020603050405020304" pitchFamily="18" charset="0"/>
+                <a:cs typeface="Times New Roman" panose="02020603050405020304" pitchFamily="18" charset="0"/>
+              </a:rPr>
+              <a:t> (</a:t>
+            </a:r>
+            <a:r>
+              <a:rPr lang="pt-BR" sz="2000" dirty="0" err="1">
+                <a:solidFill>
+                  <a:schemeClr val="tx1"/>
+                </a:solidFill>
+                <a:latin typeface="Times New Roman" panose="02020603050405020304" pitchFamily="18" charset="0"/>
+                <a:cs typeface="Times New Roman" panose="02020603050405020304" pitchFamily="18" charset="0"/>
+              </a:rPr>
+              <a:t>RPi</a:t>
+            </a:r>
+            <a:r>
+              <a:rPr lang="pt-BR" sz="2000" dirty="0">
+                <a:solidFill>
+                  <a:schemeClr val="tx1"/>
+                </a:solidFill>
+                <a:latin typeface="Times New Roman" panose="02020603050405020304" pitchFamily="18" charset="0"/>
+                <a:cs typeface="Times New Roman" panose="02020603050405020304" pitchFamily="18" charset="0"/>
+              </a:rPr>
+              <a:t>) é um </a:t>
+            </a:r>
+            <a:r>
+              <a:rPr lang="pt-BR" sz="2000" b="1" dirty="0" err="1">
+                <a:solidFill>
+                  <a:srgbClr val="FF0000"/>
+                </a:solidFill>
+                <a:latin typeface="Times New Roman" panose="02020603050405020304" pitchFamily="18" charset="0"/>
+                <a:cs typeface="Times New Roman" panose="02020603050405020304" pitchFamily="18" charset="0"/>
+              </a:rPr>
+              <a:t>nanocomputador</a:t>
+            </a:r>
+            <a:r>
+              <a:rPr lang="pt-BR" sz="2000" b="1" dirty="0">
+                <a:solidFill>
+                  <a:srgbClr val="FF0000"/>
+                </a:solidFill>
+                <a:latin typeface="Times New Roman" panose="02020603050405020304" pitchFamily="18" charset="0"/>
+                <a:cs typeface="Times New Roman" panose="02020603050405020304" pitchFamily="18" charset="0"/>
+              </a:rPr>
+              <a:t> </a:t>
+            </a:r>
+            <a:r>
+              <a:rPr lang="pt-BR" sz="2000" dirty="0">
+                <a:solidFill>
+                  <a:schemeClr val="tx1"/>
+                </a:solidFill>
+                <a:latin typeface="Times New Roman" panose="02020603050405020304" pitchFamily="18" charset="0"/>
+                <a:cs typeface="Times New Roman" panose="02020603050405020304" pitchFamily="18" charset="0"/>
+              </a:rPr>
+              <a:t>em formato de placa, que permite a conexão de periféricos, como mouse, teclado e outros dispositivos, abriga </a:t>
+            </a:r>
+            <a:r>
+              <a:rPr lang="pt-BR" sz="2000" b="1" dirty="0">
+                <a:solidFill>
+                  <a:srgbClr val="FF0000"/>
+                </a:solidFill>
+                <a:latin typeface="Times New Roman" panose="02020603050405020304" pitchFamily="18" charset="0"/>
+                <a:cs typeface="Times New Roman" panose="02020603050405020304" pitchFamily="18" charset="0"/>
+              </a:rPr>
+              <a:t>processador até 700MHz</a:t>
+            </a:r>
+            <a:r>
+              <a:rPr lang="pt-BR" sz="2000" dirty="0">
+                <a:solidFill>
+                  <a:schemeClr val="tx1"/>
+                </a:solidFill>
+                <a:latin typeface="Times New Roman" panose="02020603050405020304" pitchFamily="18" charset="0"/>
+                <a:cs typeface="Times New Roman" panose="02020603050405020304" pitchFamily="18" charset="0"/>
+              </a:rPr>
+              <a:t>, processador gráfico, slot para cartões de memória, interface USB, HDMI, dentre outros respectivos controladores, pouca memória RAM, entrada de energia, barramento de expansão.</a:t>
+            </a:r>
+          </a:p>
+          <a:p>
+            <a:pPr marL="0" indent="0" algn="just">
+              <a:buNone/>
+            </a:pPr>
+            <a:endParaRPr lang="pt-BR" sz="2000" dirty="0">
+              <a:solidFill>
+                <a:schemeClr val="tx1"/>
+              </a:solidFill>
+              <a:latin typeface="Times New Roman" panose="02020603050405020304" pitchFamily="18" charset="0"/>
+              <a:cs typeface="Times New Roman" panose="02020603050405020304" pitchFamily="18" charset="0"/>
+            </a:endParaRPr>
+          </a:p>
+          <a:p>
+            <a:pPr marL="0" indent="0" algn="just">
+              <a:buNone/>
+            </a:pPr>
+            <a:r>
+              <a:rPr lang="pt-BR" sz="2000" dirty="0">
+                <a:solidFill>
+                  <a:schemeClr val="tx1"/>
+                </a:solidFill>
+                <a:latin typeface="Times New Roman" panose="02020603050405020304" pitchFamily="18" charset="0"/>
+                <a:cs typeface="Times New Roman" panose="02020603050405020304" pitchFamily="18" charset="0"/>
+              </a:rPr>
+              <a:t>Eles contam com componentes integrados em apenas uma multiplataforma. </a:t>
+            </a:r>
+          </a:p>
+          <a:p>
+            <a:pPr marL="0" indent="0" algn="just">
+              <a:buNone/>
+            </a:pPr>
+            <a:endParaRPr lang="pt-BR" sz="2000" dirty="0">
+              <a:solidFill>
+                <a:schemeClr val="tx1"/>
+              </a:solidFill>
+              <a:latin typeface="Times New Roman" panose="02020603050405020304" pitchFamily="18" charset="0"/>
+              <a:cs typeface="Times New Roman" panose="02020603050405020304" pitchFamily="18" charset="0"/>
+            </a:endParaRPr>
+          </a:p>
+          <a:p>
+            <a:pPr marL="0" indent="0" algn="just">
+              <a:buNone/>
+            </a:pPr>
+            <a:r>
+              <a:rPr lang="pt-BR" sz="2000" dirty="0">
+                <a:solidFill>
+                  <a:schemeClr val="tx1"/>
+                </a:solidFill>
+                <a:latin typeface="Times New Roman" panose="02020603050405020304" pitchFamily="18" charset="0"/>
+                <a:cs typeface="Times New Roman" panose="02020603050405020304" pitchFamily="18" charset="0"/>
+              </a:rPr>
+              <a:t>Ou seja, </a:t>
+            </a:r>
+            <a:r>
+              <a:rPr lang="pt-BR" sz="2000" b="1" dirty="0">
+                <a:solidFill>
+                  <a:schemeClr val="tx1"/>
+                </a:solidFill>
+                <a:latin typeface="Times New Roman" panose="02020603050405020304" pitchFamily="18" charset="0"/>
+                <a:cs typeface="Times New Roman" panose="02020603050405020304" pitchFamily="18" charset="0"/>
+              </a:rPr>
+              <a:t>parece um chip</a:t>
+            </a:r>
+            <a:r>
+              <a:rPr lang="pt-BR" sz="2000" dirty="0">
+                <a:solidFill>
+                  <a:schemeClr val="tx1"/>
+                </a:solidFill>
+                <a:latin typeface="Times New Roman" panose="02020603050405020304" pitchFamily="18" charset="0"/>
+                <a:cs typeface="Times New Roman" panose="02020603050405020304" pitchFamily="18" charset="0"/>
+              </a:rPr>
+              <a:t> e tem o </a:t>
+            </a:r>
+            <a:r>
+              <a:rPr lang="pt-BR" sz="2000" b="1" dirty="0">
+                <a:solidFill>
+                  <a:srgbClr val="FF0000"/>
+                </a:solidFill>
+                <a:latin typeface="Times New Roman" panose="02020603050405020304" pitchFamily="18" charset="0"/>
+                <a:cs typeface="Times New Roman" panose="02020603050405020304" pitchFamily="18" charset="0"/>
+              </a:rPr>
+              <a:t>tamanho de um cartão de crédito</a:t>
+            </a:r>
+            <a:r>
+              <a:rPr lang="pt-BR" sz="2000" dirty="0">
+                <a:solidFill>
+                  <a:schemeClr val="tx1"/>
+                </a:solidFill>
+                <a:latin typeface="Times New Roman" panose="02020603050405020304" pitchFamily="18" charset="0"/>
+                <a:cs typeface="Times New Roman" panose="02020603050405020304" pitchFamily="18" charset="0"/>
+              </a:rPr>
+              <a:t>.</a:t>
+            </a:r>
+          </a:p>
+        </p:txBody>
+      </p:sp>
+    </p:spTree>
+    <p:extLst>
+      <p:ext uri="{BB962C8B-B14F-4D97-AF65-F5344CB8AC3E}">
+        <p14:creationId xmlns:p14="http://schemas.microsoft.com/office/powerpoint/2010/main" val="122018930"/>
+      </p:ext>
+    </p:extLst>
+  </p:cSld>
+  <p:clrMapOvr>
+    <a:masterClrMapping/>
+  </p:clrMapOvr>
+  <p:transition spd="med"/>
+</p:sld>
+</file>
+
+<file path=ppt/slides/slide4.xml><?xml version="1.0" encoding="utf-8"?>
+<p:sld xmlns:a="http://schemas.openxmlformats.org/drawingml/2006/main" xmlns:r="http://schemas.openxmlformats.org/officeDocument/2006/relationships" xmlns:p="http://schemas.openxmlformats.org/presentationml/2006/main">
+  <p:cSld>
+    <p:spTree>
+      <p:nvGrpSpPr>
+        <p:cNvPr id="1" name=""/>
+        <p:cNvGrpSpPr/>
+        <p:nvPr/>
+      </p:nvGrpSpPr>
+      <p:grpSpPr>
+        <a:xfrm>
+          <a:off x="0" y="0"/>
+          <a:ext cx="0" cy="0"/>
+          <a:chOff x="0" y="0"/>
+          <a:chExt cx="0" cy="0"/>
+        </a:xfrm>
+      </p:grpSpPr>
+      <p:sp>
+        <p:nvSpPr>
+          <p:cNvPr id="6" name="Title 1"/>
+          <p:cNvSpPr>
+            <a:spLocks noGrp="1"/>
+          </p:cNvSpPr>
+          <p:nvPr>
+            <p:ph type="title"/>
+          </p:nvPr>
+        </p:nvSpPr>
+        <p:spPr>
+          <a:xfrm>
+            <a:off x="457200" y="205980"/>
+            <a:ext cx="8229600" cy="857251"/>
+          </a:xfrm>
+        </p:spPr>
+        <p:txBody>
+          <a:bodyPr>
+            <a:normAutofit/>
+          </a:bodyPr>
+          <a:lstStyle/>
+          <a:p>
+            <a:r>
+              <a:rPr lang="en-US" b="1" dirty="0">
+                <a:solidFill>
+                  <a:srgbClr val="0070C0"/>
+                </a:solidFill>
+              </a:rPr>
+              <a:t>Timeline - Raspberry Pi (</a:t>
+            </a:r>
+            <a:r>
+              <a:rPr lang="en-US" b="1" dirty="0" err="1">
+                <a:solidFill>
+                  <a:srgbClr val="0070C0"/>
+                </a:solidFill>
+              </a:rPr>
+              <a:t>Educação</a:t>
+            </a:r>
+            <a:r>
+              <a:rPr lang="en-US" b="1" dirty="0">
+                <a:solidFill>
+                  <a:srgbClr val="0070C0"/>
+                </a:solidFill>
+              </a:rPr>
+              <a:t>)</a:t>
+            </a:r>
+          </a:p>
+        </p:txBody>
+      </p:sp>
+      <p:sp>
+        <p:nvSpPr>
+          <p:cNvPr id="8" name="Text Placeholder 2"/>
+          <p:cNvSpPr>
+            <a:spLocks noGrp="1"/>
+          </p:cNvSpPr>
+          <p:nvPr>
+            <p:ph type="body" sz="half" idx="1"/>
+          </p:nvPr>
+        </p:nvSpPr>
+        <p:spPr>
+          <a:xfrm>
+            <a:off x="142865" y="1200150"/>
+            <a:ext cx="8865056" cy="3653296"/>
+          </a:xfrm>
+        </p:spPr>
+        <p:txBody>
+          <a:bodyPr>
+            <a:noAutofit/>
+          </a:bodyPr>
+          <a:lstStyle/>
+          <a:p>
+            <a:pPr marL="0" indent="0" algn="just">
+              <a:buNone/>
+            </a:pPr>
+            <a:r>
+              <a:rPr lang="pt-BR" sz="2000" b="1" dirty="0">
+                <a:solidFill>
+                  <a:schemeClr val="tx1"/>
+                </a:solidFill>
+                <a:latin typeface="Times New Roman" panose="02020603050405020304" pitchFamily="18" charset="0"/>
+                <a:cs typeface="Times New Roman" panose="02020603050405020304" pitchFamily="18" charset="0"/>
+              </a:rPr>
+              <a:t>BBC Micro</a:t>
+            </a:r>
+            <a:r>
+              <a:rPr lang="pt-BR" sz="2000" dirty="0">
+                <a:solidFill>
+                  <a:schemeClr val="tx1"/>
+                </a:solidFill>
+                <a:latin typeface="Times New Roman" panose="02020603050405020304" pitchFamily="18" charset="0"/>
+                <a:cs typeface="Times New Roman" panose="02020603050405020304" pitchFamily="18" charset="0"/>
+              </a:rPr>
+              <a:t>, empresa </a:t>
+            </a:r>
+            <a:r>
+              <a:rPr lang="pt-BR" sz="2000" b="1" dirty="0" err="1">
+                <a:solidFill>
+                  <a:schemeClr val="tx1"/>
+                </a:solidFill>
+                <a:latin typeface="Times New Roman" panose="02020603050405020304" pitchFamily="18" charset="0"/>
+                <a:cs typeface="Times New Roman" panose="02020603050405020304" pitchFamily="18" charset="0"/>
+              </a:rPr>
+              <a:t>Acorn</a:t>
+            </a:r>
+            <a:r>
+              <a:rPr lang="pt-BR" sz="2000" b="1" dirty="0">
+                <a:solidFill>
+                  <a:schemeClr val="tx1"/>
+                </a:solidFill>
+                <a:latin typeface="Times New Roman" panose="02020603050405020304" pitchFamily="18" charset="0"/>
+                <a:cs typeface="Times New Roman" panose="02020603050405020304" pitchFamily="18" charset="0"/>
+              </a:rPr>
+              <a:t>(</a:t>
+            </a:r>
+            <a:r>
+              <a:rPr lang="pt-BR" sz="2000" b="1" dirty="0">
+                <a:solidFill>
+                  <a:srgbClr val="FF0000"/>
+                </a:solidFill>
+                <a:latin typeface="Times New Roman" panose="02020603050405020304" pitchFamily="18" charset="0"/>
+                <a:cs typeface="Times New Roman" panose="02020603050405020304" pitchFamily="18" charset="0"/>
+              </a:rPr>
+              <a:t>Noz do carvalho</a:t>
+            </a:r>
+            <a:r>
+              <a:rPr lang="pt-BR" sz="2000" b="1" dirty="0">
+                <a:solidFill>
+                  <a:schemeClr val="tx1"/>
+                </a:solidFill>
+                <a:latin typeface="Times New Roman" panose="02020603050405020304" pitchFamily="18" charset="0"/>
+                <a:cs typeface="Times New Roman" panose="02020603050405020304" pitchFamily="18" charset="0"/>
+              </a:rPr>
+              <a:t>)</a:t>
+            </a:r>
+            <a:r>
+              <a:rPr lang="pt-BR" sz="2000" b="1" dirty="0">
+                <a:solidFill>
+                  <a:srgbClr val="FF0000"/>
+                </a:solidFill>
+                <a:latin typeface="Times New Roman" panose="02020603050405020304" pitchFamily="18" charset="0"/>
+                <a:cs typeface="Times New Roman" panose="02020603050405020304" pitchFamily="18" charset="0"/>
+              </a:rPr>
+              <a:t>,</a:t>
+            </a:r>
+            <a:r>
+              <a:rPr lang="pt-BR" sz="2000" b="1" dirty="0">
+                <a:solidFill>
+                  <a:schemeClr val="tx1"/>
+                </a:solidFill>
+                <a:latin typeface="Times New Roman" panose="02020603050405020304" pitchFamily="18" charset="0"/>
+                <a:cs typeface="Times New Roman" panose="02020603050405020304" pitchFamily="18" charset="0"/>
+              </a:rPr>
+              <a:t> </a:t>
+            </a:r>
+            <a:r>
+              <a:rPr lang="pt-BR" sz="2000" b="1" dirty="0">
+                <a:solidFill>
+                  <a:srgbClr val="FF0000"/>
+                </a:solidFill>
+                <a:latin typeface="Times New Roman" panose="02020603050405020304" pitchFamily="18" charset="0"/>
+                <a:cs typeface="Times New Roman" panose="02020603050405020304" pitchFamily="18" charset="0"/>
+              </a:rPr>
+              <a:t>1981</a:t>
+            </a:r>
+            <a:r>
+              <a:rPr lang="pt-BR" sz="2000" dirty="0">
+                <a:solidFill>
+                  <a:schemeClr val="tx1"/>
+                </a:solidFill>
+                <a:latin typeface="Times New Roman" panose="02020603050405020304" pitchFamily="18" charset="0"/>
+                <a:cs typeface="Times New Roman" panose="02020603050405020304" pitchFamily="18" charset="0"/>
+              </a:rPr>
+              <a:t>;</a:t>
+            </a:r>
+            <a:r>
+              <a:rPr lang="pt-BR" sz="2000" b="1" dirty="0">
+                <a:solidFill>
+                  <a:schemeClr val="tx1"/>
+                </a:solidFill>
+                <a:latin typeface="Times New Roman" panose="02020603050405020304" pitchFamily="18" charset="0"/>
+                <a:cs typeface="Times New Roman" panose="02020603050405020304" pitchFamily="18" charset="0"/>
+              </a:rPr>
+              <a:t> </a:t>
+            </a:r>
+          </a:p>
+          <a:p>
+            <a:pPr marL="0" indent="0" algn="just">
+              <a:buNone/>
+            </a:pPr>
+            <a:r>
+              <a:rPr lang="pt-BR" sz="2000" b="1" dirty="0">
+                <a:solidFill>
+                  <a:srgbClr val="FF0000"/>
+                </a:solidFill>
+                <a:latin typeface="Times New Roman" panose="02020603050405020304" pitchFamily="18" charset="0"/>
+                <a:cs typeface="Times New Roman" panose="02020603050405020304" pitchFamily="18" charset="0"/>
+              </a:rPr>
+              <a:t>Professor</a:t>
+            </a:r>
+            <a:r>
+              <a:rPr lang="pt-BR" sz="2000" dirty="0">
+                <a:solidFill>
+                  <a:schemeClr val="tx1"/>
+                </a:solidFill>
+                <a:latin typeface="Times New Roman" panose="02020603050405020304" pitchFamily="18" charset="0"/>
+                <a:cs typeface="Times New Roman" panose="02020603050405020304" pitchFamily="18" charset="0"/>
+              </a:rPr>
+              <a:t> Eng. </a:t>
+            </a:r>
+            <a:r>
+              <a:rPr lang="pt-BR" sz="2000" dirty="0" err="1">
+                <a:solidFill>
+                  <a:schemeClr val="tx1"/>
+                </a:solidFill>
+                <a:latin typeface="Times New Roman" panose="02020603050405020304" pitchFamily="18" charset="0"/>
+                <a:cs typeface="Times New Roman" panose="02020603050405020304" pitchFamily="18" charset="0"/>
+              </a:rPr>
+              <a:t>Eben</a:t>
+            </a:r>
+            <a:r>
+              <a:rPr lang="pt-BR" sz="2000" dirty="0">
+                <a:solidFill>
+                  <a:schemeClr val="tx1"/>
+                </a:solidFill>
+                <a:latin typeface="Times New Roman" panose="02020603050405020304" pitchFamily="18" charset="0"/>
+                <a:cs typeface="Times New Roman" panose="02020603050405020304" pitchFamily="18" charset="0"/>
+              </a:rPr>
+              <a:t> </a:t>
+            </a:r>
+            <a:r>
+              <a:rPr lang="pt-BR" sz="2000" dirty="0" err="1">
+                <a:solidFill>
+                  <a:schemeClr val="tx1"/>
+                </a:solidFill>
+                <a:latin typeface="Times New Roman" panose="02020603050405020304" pitchFamily="18" charset="0"/>
+                <a:cs typeface="Times New Roman" panose="02020603050405020304" pitchFamily="18" charset="0"/>
+              </a:rPr>
+              <a:t>Upton</a:t>
+            </a:r>
+            <a:r>
+              <a:rPr lang="pt-BR" sz="2000" dirty="0">
+                <a:solidFill>
+                  <a:schemeClr val="tx1"/>
+                </a:solidFill>
+                <a:latin typeface="Times New Roman" panose="02020603050405020304" pitchFamily="18" charset="0"/>
+                <a:cs typeface="Times New Roman" panose="02020603050405020304" pitchFamily="18" charset="0"/>
+              </a:rPr>
+              <a:t>, </a:t>
+            </a:r>
+            <a:r>
+              <a:rPr lang="pt-BR" sz="2000" b="1" dirty="0">
+                <a:solidFill>
+                  <a:schemeClr val="tx1"/>
+                </a:solidFill>
+                <a:latin typeface="Times New Roman" panose="02020603050405020304" pitchFamily="18" charset="0"/>
+                <a:cs typeface="Times New Roman" panose="02020603050405020304" pitchFamily="18" charset="0"/>
+              </a:rPr>
+              <a:t>Cambridge,</a:t>
+            </a:r>
+            <a:r>
+              <a:rPr lang="pt-BR" sz="2000" dirty="0">
+                <a:solidFill>
+                  <a:schemeClr val="tx1"/>
+                </a:solidFill>
+                <a:latin typeface="Times New Roman" panose="02020603050405020304" pitchFamily="18" charset="0"/>
+                <a:cs typeface="Times New Roman" panose="02020603050405020304" pitchFamily="18" charset="0"/>
+              </a:rPr>
+              <a:t> </a:t>
+            </a:r>
+            <a:r>
+              <a:rPr lang="pt-BR" sz="2000" b="1" dirty="0">
+                <a:solidFill>
+                  <a:srgbClr val="FF0000"/>
+                </a:solidFill>
+                <a:latin typeface="Times New Roman" panose="02020603050405020304" pitchFamily="18" charset="0"/>
+                <a:cs typeface="Times New Roman" panose="02020603050405020304" pitchFamily="18" charset="0"/>
+              </a:rPr>
+              <a:t>2006, </a:t>
+            </a:r>
+            <a:r>
+              <a:rPr lang="pt-BR" sz="2000" b="1" dirty="0">
+                <a:solidFill>
+                  <a:schemeClr val="tx1"/>
+                </a:solidFill>
+                <a:latin typeface="Times New Roman" panose="02020603050405020304" pitchFamily="18" charset="0"/>
+                <a:cs typeface="Times New Roman" panose="02020603050405020304" pitchFamily="18" charset="0"/>
+              </a:rPr>
+              <a:t>protótipo ABC Micro; emp. </a:t>
+            </a:r>
+            <a:r>
+              <a:rPr lang="pt-BR" sz="2000" b="1" dirty="0" err="1">
+                <a:solidFill>
+                  <a:srgbClr val="FF0000"/>
+                </a:solidFill>
+                <a:latin typeface="Times New Roman" panose="02020603050405020304" pitchFamily="18" charset="0"/>
+                <a:cs typeface="Times New Roman" panose="02020603050405020304" pitchFamily="18" charset="0"/>
+              </a:rPr>
+              <a:t>Broadcom</a:t>
+            </a:r>
+            <a:endParaRPr lang="pt-BR" sz="2000" b="1" dirty="0">
+              <a:solidFill>
+                <a:srgbClr val="FF0000"/>
+              </a:solidFill>
+              <a:latin typeface="Times New Roman" panose="02020603050405020304" pitchFamily="18" charset="0"/>
+              <a:cs typeface="Times New Roman" panose="02020603050405020304" pitchFamily="18" charset="0"/>
+            </a:endParaRPr>
+          </a:p>
+          <a:p>
+            <a:pPr marL="0" indent="0" algn="just">
+              <a:buNone/>
+            </a:pPr>
+            <a:r>
+              <a:rPr lang="pt-BR" sz="2000" b="1" dirty="0" err="1">
+                <a:solidFill>
+                  <a:srgbClr val="FF0000"/>
+                </a:solidFill>
+                <a:latin typeface="Times New Roman" panose="02020603050405020304" pitchFamily="18" charset="0"/>
+                <a:cs typeface="Times New Roman" panose="02020603050405020304" pitchFamily="18" charset="0"/>
+              </a:rPr>
+              <a:t>Framboesa+Linguagem</a:t>
+            </a:r>
+            <a:r>
+              <a:rPr lang="pt-BR" sz="2000" b="1" dirty="0">
+                <a:solidFill>
+                  <a:schemeClr val="tx1"/>
+                </a:solidFill>
+                <a:latin typeface="Times New Roman" panose="02020603050405020304" pitchFamily="18" charset="0"/>
+                <a:cs typeface="Times New Roman" panose="02020603050405020304" pitchFamily="18" charset="0"/>
+              </a:rPr>
+              <a:t>: </a:t>
+            </a:r>
+            <a:r>
+              <a:rPr lang="pt-BR" sz="2000" dirty="0" err="1">
+                <a:solidFill>
+                  <a:schemeClr val="tx1"/>
+                </a:solidFill>
+                <a:latin typeface="Times New Roman" panose="02020603050405020304" pitchFamily="18" charset="0"/>
+                <a:cs typeface="Times New Roman" panose="02020603050405020304" pitchFamily="18" charset="0"/>
+              </a:rPr>
+              <a:t>Raspberry+Pi</a:t>
+            </a:r>
+            <a:r>
+              <a:rPr lang="pt-BR" sz="2000" dirty="0">
+                <a:solidFill>
+                  <a:schemeClr val="tx1"/>
+                </a:solidFill>
+                <a:latin typeface="Times New Roman" panose="02020603050405020304" pitchFamily="18" charset="0"/>
+                <a:cs typeface="Times New Roman" panose="02020603050405020304" pitchFamily="18" charset="0"/>
+              </a:rPr>
+              <a:t>; B($35); A($25) </a:t>
+            </a:r>
+            <a:r>
+              <a:rPr lang="pt-BR" sz="2000" b="1" dirty="0">
+                <a:solidFill>
+                  <a:schemeClr val="tx1"/>
+                </a:solidFill>
+                <a:latin typeface="Times New Roman" panose="02020603050405020304" pitchFamily="18" charset="0"/>
+                <a:cs typeface="Times New Roman" panose="02020603050405020304" pitchFamily="18" charset="0"/>
+              </a:rPr>
+              <a:t>simplificado</a:t>
+            </a:r>
+          </a:p>
+          <a:p>
+            <a:pPr marL="0" indent="0" algn="just">
+              <a:buNone/>
+            </a:pPr>
+            <a:r>
+              <a:rPr lang="pt-BR" sz="2000" b="1" dirty="0">
+                <a:solidFill>
+                  <a:srgbClr val="FF0000"/>
+                </a:solidFill>
+                <a:latin typeface="Times New Roman" panose="02020603050405020304" pitchFamily="18" charset="0"/>
+                <a:cs typeface="Times New Roman" panose="02020603050405020304" pitchFamily="18" charset="0"/>
+              </a:rPr>
+              <a:t>2008</a:t>
+            </a:r>
+            <a:r>
+              <a:rPr lang="pt-BR" sz="2000" b="1" dirty="0">
+                <a:solidFill>
+                  <a:schemeClr val="tx1"/>
+                </a:solidFill>
+                <a:latin typeface="Times New Roman" panose="02020603050405020304" pitchFamily="18" charset="0"/>
+                <a:cs typeface="Times New Roman" panose="02020603050405020304" pitchFamily="18" charset="0"/>
+              </a:rPr>
+              <a:t> </a:t>
+            </a:r>
+            <a:r>
+              <a:rPr lang="pt-BR" sz="2000" b="1" dirty="0" err="1">
+                <a:solidFill>
+                  <a:schemeClr val="tx1"/>
+                </a:solidFill>
+                <a:latin typeface="Times New Roman" panose="02020603050405020304" pitchFamily="18" charset="0"/>
+                <a:cs typeface="Times New Roman" panose="02020603050405020304" pitchFamily="18" charset="0"/>
+              </a:rPr>
+              <a:t>RaspberryPi</a:t>
+            </a:r>
+            <a:r>
+              <a:rPr lang="pt-BR" sz="2000" b="1" dirty="0">
+                <a:solidFill>
+                  <a:schemeClr val="tx1"/>
+                </a:solidFill>
+                <a:latin typeface="Times New Roman" panose="02020603050405020304" pitchFamily="18" charset="0"/>
+                <a:cs typeface="Times New Roman" panose="02020603050405020304" pitchFamily="18" charset="0"/>
+              </a:rPr>
+              <a:t> Foundation; custo </a:t>
+            </a:r>
+            <a:r>
+              <a:rPr lang="pt-BR" sz="2000" b="1" dirty="0">
+                <a:solidFill>
+                  <a:srgbClr val="FF0000"/>
+                </a:solidFill>
+                <a:latin typeface="Times New Roman" panose="02020603050405020304" pitchFamily="18" charset="0"/>
+                <a:cs typeface="Times New Roman" panose="02020603050405020304" pitchFamily="18" charset="0"/>
+              </a:rPr>
+              <a:t>Livro Didático $35-1gb</a:t>
+            </a:r>
+            <a:r>
+              <a:rPr lang="pt-BR" sz="2000" b="1" dirty="0">
+                <a:solidFill>
+                  <a:schemeClr val="tx1"/>
+                </a:solidFill>
+                <a:latin typeface="Times New Roman" panose="02020603050405020304" pitchFamily="18" charset="0"/>
+                <a:cs typeface="Times New Roman" panose="02020603050405020304" pitchFamily="18" charset="0"/>
+              </a:rPr>
+              <a:t>; $45-2gb; $55-4gb</a:t>
+            </a:r>
+          </a:p>
+          <a:p>
+            <a:pPr marL="0" indent="0" algn="just">
+              <a:buNone/>
+            </a:pPr>
+            <a:r>
+              <a:rPr lang="pt-BR" sz="2000" b="1" dirty="0">
+                <a:solidFill>
+                  <a:srgbClr val="FF0000"/>
+                </a:solidFill>
+                <a:latin typeface="Times New Roman" panose="02020603050405020304" pitchFamily="18" charset="0"/>
+                <a:cs typeface="Times New Roman" panose="02020603050405020304" pitchFamily="18" charset="0"/>
+              </a:rPr>
+              <a:t>2011</a:t>
+            </a:r>
+            <a:r>
+              <a:rPr lang="pt-BR" sz="2000" dirty="0">
+                <a:solidFill>
+                  <a:srgbClr val="FF0000"/>
+                </a:solidFill>
+                <a:latin typeface="Times New Roman" panose="02020603050405020304" pitchFamily="18" charset="0"/>
+                <a:cs typeface="Times New Roman" panose="02020603050405020304" pitchFamily="18" charset="0"/>
+              </a:rPr>
+              <a:t> </a:t>
+            </a:r>
+            <a:r>
+              <a:rPr lang="pt-BR" sz="2000" dirty="0">
+                <a:solidFill>
+                  <a:schemeClr val="tx1"/>
+                </a:solidFill>
+                <a:latin typeface="Times New Roman" panose="02020603050405020304" pitchFamily="18" charset="0"/>
+                <a:cs typeface="Times New Roman" panose="02020603050405020304" pitchFamily="18" charset="0"/>
+              </a:rPr>
+              <a:t>(</a:t>
+            </a:r>
+            <a:r>
+              <a:rPr lang="pt-BR" sz="2000" dirty="0" err="1">
+                <a:solidFill>
+                  <a:schemeClr val="tx1"/>
+                </a:solidFill>
+                <a:latin typeface="Times New Roman" panose="02020603050405020304" pitchFamily="18" charset="0"/>
+                <a:cs typeface="Times New Roman" panose="02020603050405020304" pitchFamily="18" charset="0"/>
+              </a:rPr>
+              <a:t>Raspberry</a:t>
+            </a:r>
+            <a:r>
+              <a:rPr lang="pt-BR" sz="2000" dirty="0">
+                <a:solidFill>
+                  <a:schemeClr val="tx1"/>
+                </a:solidFill>
+                <a:latin typeface="Times New Roman" panose="02020603050405020304" pitchFamily="18" charset="0"/>
+                <a:cs typeface="Times New Roman" panose="02020603050405020304" pitchFamily="18" charset="0"/>
+              </a:rPr>
+              <a:t> Pi B) – </a:t>
+            </a:r>
+            <a:r>
+              <a:rPr lang="pt-BR" sz="2000" b="1" dirty="0">
+                <a:solidFill>
+                  <a:schemeClr val="tx1"/>
+                </a:solidFill>
+                <a:latin typeface="Times New Roman" panose="02020603050405020304" pitchFamily="18" charset="0"/>
+                <a:cs typeface="Times New Roman" panose="02020603050405020304" pitchFamily="18" charset="0"/>
+              </a:rPr>
+              <a:t>logomarca</a:t>
+            </a:r>
+            <a:r>
+              <a:rPr lang="pt-BR" sz="2000" dirty="0">
+                <a:solidFill>
+                  <a:schemeClr val="tx1"/>
+                </a:solidFill>
+                <a:latin typeface="Times New Roman" panose="02020603050405020304" pitchFamily="18" charset="0"/>
+                <a:cs typeface="Times New Roman" panose="02020603050405020304" pitchFamily="18" charset="0"/>
+              </a:rPr>
+              <a:t>; campanha para arrecadar recursos; </a:t>
+            </a:r>
+            <a:r>
+              <a:rPr lang="pt-BR" sz="2000" b="1" dirty="0">
+                <a:solidFill>
+                  <a:srgbClr val="FF0000"/>
+                </a:solidFill>
+                <a:latin typeface="Times New Roman" panose="02020603050405020304" pitchFamily="18" charset="0"/>
+                <a:cs typeface="Times New Roman" panose="02020603050405020304" pitchFamily="18" charset="0"/>
+              </a:rPr>
+              <a:t>4mil </a:t>
+            </a:r>
+            <a:r>
+              <a:rPr lang="pt-BR" sz="2000" b="1" dirty="0" err="1">
+                <a:solidFill>
+                  <a:srgbClr val="FF0000"/>
+                </a:solidFill>
+                <a:latin typeface="Times New Roman" panose="02020603050405020304" pitchFamily="18" charset="0"/>
+                <a:cs typeface="Times New Roman" panose="02020603050405020304" pitchFamily="18" charset="0"/>
+              </a:rPr>
+              <a:t>und</a:t>
+            </a:r>
+            <a:r>
+              <a:rPr lang="pt-BR" sz="2000" b="1" dirty="0">
+                <a:solidFill>
+                  <a:srgbClr val="FF0000"/>
+                </a:solidFill>
+                <a:latin typeface="Times New Roman" panose="02020603050405020304" pitchFamily="18" charset="0"/>
+                <a:cs typeface="Times New Roman" panose="02020603050405020304" pitchFamily="18" charset="0"/>
+              </a:rPr>
+              <a:t>/dia</a:t>
+            </a:r>
+          </a:p>
+          <a:p>
+            <a:pPr algn="just">
+              <a:buFont typeface="Wingdings" panose="05000000000000000000" pitchFamily="2" charset="2"/>
+              <a:buChar char="§"/>
+            </a:pPr>
+            <a:r>
+              <a:rPr lang="pt-BR" sz="2000" dirty="0">
+                <a:solidFill>
+                  <a:schemeClr val="tx1"/>
+                </a:solidFill>
+                <a:latin typeface="Times New Roman" panose="02020603050405020304" pitchFamily="18" charset="0"/>
+                <a:cs typeface="Times New Roman" panose="02020603050405020304" pitchFamily="18" charset="0"/>
+              </a:rPr>
+              <a:t>1ª </a:t>
+            </a:r>
+            <a:r>
+              <a:rPr lang="pt-BR" sz="2000" b="1" dirty="0">
+                <a:solidFill>
+                  <a:schemeClr val="tx1"/>
+                </a:solidFill>
+                <a:latin typeface="Times New Roman" panose="02020603050405020304" pitchFamily="18" charset="0"/>
+                <a:cs typeface="Times New Roman" panose="02020603050405020304" pitchFamily="18" charset="0"/>
+              </a:rPr>
+              <a:t>Geração</a:t>
+            </a:r>
+            <a:r>
+              <a:rPr lang="pt-BR" sz="2000" dirty="0">
+                <a:solidFill>
+                  <a:schemeClr val="tx1"/>
+                </a:solidFill>
+                <a:latin typeface="Times New Roman" panose="02020603050405020304" pitchFamily="18" charset="0"/>
+                <a:cs typeface="Times New Roman" panose="02020603050405020304" pitchFamily="18" charset="0"/>
+              </a:rPr>
+              <a:t>: 1B(2012); 1A(</a:t>
+            </a:r>
+            <a:r>
+              <a:rPr lang="pt-BR" sz="2000" b="1" dirty="0">
+                <a:solidFill>
+                  <a:schemeClr val="tx1"/>
+                </a:solidFill>
+                <a:latin typeface="Times New Roman" panose="02020603050405020304" pitchFamily="18" charset="0"/>
+                <a:cs typeface="Times New Roman" panose="02020603050405020304" pitchFamily="18" charset="0"/>
+              </a:rPr>
+              <a:t>2013</a:t>
+            </a:r>
+            <a:r>
+              <a:rPr lang="pt-BR" sz="2000" dirty="0">
+                <a:solidFill>
+                  <a:schemeClr val="tx1"/>
+                </a:solidFill>
+                <a:latin typeface="Times New Roman" panose="02020603050405020304" pitchFamily="18" charset="0"/>
+                <a:cs typeface="Times New Roman" panose="02020603050405020304" pitchFamily="18" charset="0"/>
+              </a:rPr>
+              <a:t>); (1B+; 1A+)(2014); =&gt; (</a:t>
+            </a:r>
+            <a:r>
+              <a:rPr lang="pt-BR" sz="2000" b="1" dirty="0">
+                <a:solidFill>
+                  <a:srgbClr val="FF0000"/>
+                </a:solidFill>
+                <a:latin typeface="Times New Roman" panose="02020603050405020304" pitchFamily="18" charset="0"/>
+                <a:cs typeface="Times New Roman" panose="02020603050405020304" pitchFamily="18" charset="0"/>
+              </a:rPr>
+              <a:t>2013</a:t>
+            </a:r>
+            <a:r>
+              <a:rPr lang="pt-BR" sz="2000" dirty="0">
+                <a:solidFill>
+                  <a:schemeClr val="tx1"/>
+                </a:solidFill>
+                <a:latin typeface="Times New Roman" panose="02020603050405020304" pitchFamily="18" charset="0"/>
+                <a:cs typeface="Times New Roman" panose="02020603050405020304" pitchFamily="18" charset="0"/>
+              </a:rPr>
+              <a:t> </a:t>
+            </a:r>
+            <a:r>
+              <a:rPr lang="pt-BR" sz="2000" b="1" dirty="0">
+                <a:solidFill>
+                  <a:schemeClr val="tx1"/>
+                </a:solidFill>
+                <a:latin typeface="Times New Roman" panose="02020603050405020304" pitchFamily="18" charset="0"/>
+                <a:cs typeface="Times New Roman" panose="02020603050405020304" pitchFamily="18" charset="0"/>
+              </a:rPr>
+              <a:t>venda</a:t>
+            </a:r>
+            <a:r>
+              <a:rPr lang="pt-BR" sz="2000" dirty="0">
+                <a:solidFill>
+                  <a:schemeClr val="tx1"/>
+                </a:solidFill>
+                <a:latin typeface="Times New Roman" panose="02020603050405020304" pitchFamily="18" charset="0"/>
+                <a:cs typeface="Times New Roman" panose="02020603050405020304" pitchFamily="18" charset="0"/>
+              </a:rPr>
+              <a:t>:1mi </a:t>
+            </a:r>
+            <a:r>
+              <a:rPr lang="pt-BR" sz="2000" dirty="0" err="1">
+                <a:solidFill>
+                  <a:schemeClr val="tx1"/>
+                </a:solidFill>
+                <a:latin typeface="Times New Roman" panose="02020603050405020304" pitchFamily="18" charset="0"/>
+                <a:cs typeface="Times New Roman" panose="02020603050405020304" pitchFamily="18" charset="0"/>
+              </a:rPr>
+              <a:t>und</a:t>
+            </a:r>
+            <a:r>
+              <a:rPr lang="pt-BR" sz="2000" dirty="0">
+                <a:solidFill>
+                  <a:schemeClr val="tx1"/>
+                </a:solidFill>
+                <a:latin typeface="Times New Roman" panose="02020603050405020304" pitchFamily="18" charset="0"/>
+                <a:cs typeface="Times New Roman" panose="02020603050405020304" pitchFamily="18" charset="0"/>
+              </a:rPr>
+              <a:t>)</a:t>
+            </a:r>
+          </a:p>
+          <a:p>
+            <a:pPr algn="just">
+              <a:buFont typeface="Wingdings" panose="05000000000000000000" pitchFamily="2" charset="2"/>
+              <a:buChar char="§"/>
+            </a:pPr>
+            <a:r>
+              <a:rPr lang="pt-BR" sz="2000" dirty="0">
+                <a:solidFill>
+                  <a:schemeClr val="tx1"/>
+                </a:solidFill>
+                <a:latin typeface="Times New Roman" panose="02020603050405020304" pitchFamily="18" charset="0"/>
+                <a:cs typeface="Times New Roman" panose="02020603050405020304" pitchFamily="18" charset="0"/>
+              </a:rPr>
+              <a:t>2ª </a:t>
+            </a:r>
+            <a:r>
+              <a:rPr lang="pt-BR" sz="2000" b="1" dirty="0">
+                <a:solidFill>
+                  <a:schemeClr val="tx1"/>
+                </a:solidFill>
+                <a:latin typeface="Times New Roman" panose="02020603050405020304" pitchFamily="18" charset="0"/>
+                <a:cs typeface="Times New Roman" panose="02020603050405020304" pitchFamily="18" charset="0"/>
+              </a:rPr>
+              <a:t>Geração</a:t>
+            </a:r>
+            <a:r>
+              <a:rPr lang="pt-BR" sz="2000" dirty="0">
+                <a:solidFill>
+                  <a:schemeClr val="tx1"/>
+                </a:solidFill>
+                <a:latin typeface="Times New Roman" panose="02020603050405020304" pitchFamily="18" charset="0"/>
+                <a:cs typeface="Times New Roman" panose="02020603050405020304" pitchFamily="18" charset="0"/>
+              </a:rPr>
+              <a:t>: (Zero; 2B)(2015); </a:t>
+            </a:r>
+            <a:r>
+              <a:rPr lang="pt-BR" sz="2000" dirty="0" err="1">
+                <a:solidFill>
+                  <a:schemeClr val="tx1"/>
+                </a:solidFill>
+                <a:latin typeface="Times New Roman" panose="02020603050405020304" pitchFamily="18" charset="0"/>
+                <a:cs typeface="Times New Roman" panose="02020603050405020304" pitchFamily="18" charset="0"/>
+              </a:rPr>
+              <a:t>ZeroW</a:t>
+            </a:r>
+            <a:r>
+              <a:rPr lang="pt-BR" sz="2000" dirty="0">
+                <a:solidFill>
+                  <a:schemeClr val="tx1"/>
+                </a:solidFill>
+                <a:latin typeface="Times New Roman" panose="02020603050405020304" pitchFamily="18" charset="0"/>
+                <a:cs typeface="Times New Roman" panose="02020603050405020304" pitchFamily="18" charset="0"/>
+              </a:rPr>
+              <a:t>(2017)</a:t>
+            </a:r>
+          </a:p>
+          <a:p>
+            <a:pPr algn="just">
+              <a:buFont typeface="Wingdings" panose="05000000000000000000" pitchFamily="2" charset="2"/>
+              <a:buChar char="§"/>
+            </a:pPr>
+            <a:r>
+              <a:rPr lang="pt-BR" sz="2000" dirty="0">
+                <a:solidFill>
+                  <a:schemeClr val="tx1"/>
+                </a:solidFill>
+                <a:latin typeface="Times New Roman" panose="02020603050405020304" pitchFamily="18" charset="0"/>
+                <a:cs typeface="Times New Roman" panose="02020603050405020304" pitchFamily="18" charset="0"/>
+              </a:rPr>
+              <a:t>3ª </a:t>
+            </a:r>
+            <a:r>
+              <a:rPr lang="pt-BR" sz="2000" b="1" dirty="0">
+                <a:solidFill>
+                  <a:schemeClr val="tx1"/>
+                </a:solidFill>
+                <a:latin typeface="Times New Roman" panose="02020603050405020304" pitchFamily="18" charset="0"/>
+                <a:cs typeface="Times New Roman" panose="02020603050405020304" pitchFamily="18" charset="0"/>
+              </a:rPr>
+              <a:t>Geração</a:t>
+            </a:r>
+            <a:r>
+              <a:rPr lang="pt-BR" sz="2000" dirty="0">
+                <a:solidFill>
+                  <a:schemeClr val="tx1"/>
+                </a:solidFill>
+                <a:latin typeface="Times New Roman" panose="02020603050405020304" pitchFamily="18" charset="0"/>
+                <a:cs typeface="Times New Roman" panose="02020603050405020304" pitchFamily="18" charset="0"/>
+              </a:rPr>
+              <a:t>: 3B(2016); (3B+;3A+)(2018);</a:t>
+            </a:r>
+          </a:p>
+          <a:p>
+            <a:pPr algn="just">
+              <a:buFont typeface="Wingdings" panose="05000000000000000000" pitchFamily="2" charset="2"/>
+              <a:buChar char="§"/>
+            </a:pPr>
+            <a:r>
+              <a:rPr lang="pt-BR" sz="2000" dirty="0">
+                <a:solidFill>
+                  <a:schemeClr val="tx1"/>
+                </a:solidFill>
+                <a:latin typeface="Times New Roman" panose="02020603050405020304" pitchFamily="18" charset="0"/>
+                <a:cs typeface="Times New Roman" panose="02020603050405020304" pitchFamily="18" charset="0"/>
+              </a:rPr>
+              <a:t>4ª </a:t>
+            </a:r>
+            <a:r>
+              <a:rPr lang="pt-BR" sz="2000" b="1" dirty="0">
+                <a:solidFill>
+                  <a:schemeClr val="tx1"/>
+                </a:solidFill>
+                <a:latin typeface="Times New Roman" panose="02020603050405020304" pitchFamily="18" charset="0"/>
+                <a:cs typeface="Times New Roman" panose="02020603050405020304" pitchFamily="18" charset="0"/>
+              </a:rPr>
+              <a:t>Geração</a:t>
+            </a:r>
+            <a:r>
+              <a:rPr lang="pt-BR" sz="2000" dirty="0">
+                <a:solidFill>
+                  <a:schemeClr val="tx1"/>
+                </a:solidFill>
+                <a:latin typeface="Times New Roman" panose="02020603050405020304" pitchFamily="18" charset="0"/>
+                <a:cs typeface="Times New Roman" panose="02020603050405020304" pitchFamily="18" charset="0"/>
+              </a:rPr>
+              <a:t>: 4B(2019); (Pico)(2021); 	 </a:t>
+            </a:r>
+            <a:r>
+              <a:rPr lang="pt-BR" sz="2000" dirty="0">
+                <a:solidFill>
+                  <a:srgbClr val="FF0000"/>
+                </a:solidFill>
+                <a:latin typeface="Times New Roman" panose="02020603050405020304" pitchFamily="18" charset="0"/>
+                <a:cs typeface="Times New Roman" panose="02020603050405020304" pitchFamily="18" charset="0"/>
+              </a:rPr>
+              <a:t>5ª </a:t>
+            </a:r>
+            <a:r>
+              <a:rPr lang="pt-BR" sz="2000" b="1" dirty="0">
+                <a:solidFill>
+                  <a:srgbClr val="FF0000"/>
+                </a:solidFill>
+                <a:latin typeface="Times New Roman" panose="02020603050405020304" pitchFamily="18" charset="0"/>
+                <a:cs typeface="Times New Roman" panose="02020603050405020304" pitchFamily="18" charset="0"/>
+              </a:rPr>
+              <a:t>Geração</a:t>
+            </a:r>
+            <a:r>
+              <a:rPr lang="pt-BR" sz="2000" dirty="0">
+                <a:solidFill>
+                  <a:srgbClr val="FF0000"/>
+                </a:solidFill>
+                <a:latin typeface="Times New Roman" panose="02020603050405020304" pitchFamily="18" charset="0"/>
+                <a:cs typeface="Times New Roman" panose="02020603050405020304" pitchFamily="18" charset="0"/>
+              </a:rPr>
+              <a:t>: </a:t>
+            </a:r>
+            <a:r>
+              <a:rPr lang="pt-BR" sz="2000" dirty="0">
+                <a:solidFill>
+                  <a:schemeClr val="tx1"/>
+                </a:solidFill>
+                <a:latin typeface="Times New Roman" panose="02020603050405020304" pitchFamily="18" charset="0"/>
+                <a:cs typeface="Times New Roman" panose="02020603050405020304" pitchFamily="18" charset="0"/>
+              </a:rPr>
+              <a:t>5B (</a:t>
+            </a:r>
+            <a:r>
+              <a:rPr lang="pt-BR" sz="2000" b="1" dirty="0">
+                <a:solidFill>
+                  <a:schemeClr val="tx1"/>
+                </a:solidFill>
+                <a:latin typeface="Times New Roman" panose="02020603050405020304" pitchFamily="18" charset="0"/>
+                <a:cs typeface="Times New Roman" panose="02020603050405020304" pitchFamily="18" charset="0"/>
+              </a:rPr>
+              <a:t>2024</a:t>
+            </a:r>
+            <a:r>
+              <a:rPr lang="pt-BR" sz="2000" dirty="0">
+                <a:solidFill>
+                  <a:schemeClr val="tx1"/>
+                </a:solidFill>
+                <a:latin typeface="Times New Roman" panose="02020603050405020304" pitchFamily="18" charset="0"/>
+                <a:cs typeface="Times New Roman" panose="02020603050405020304" pitchFamily="18" charset="0"/>
+              </a:rPr>
+              <a:t>???)</a:t>
+            </a:r>
+          </a:p>
+        </p:txBody>
+      </p:sp>
+    </p:spTree>
+    <p:extLst>
+      <p:ext uri="{BB962C8B-B14F-4D97-AF65-F5344CB8AC3E}">
+        <p14:creationId xmlns:p14="http://schemas.microsoft.com/office/powerpoint/2010/main" val="1587990301"/>
+      </p:ext>
+    </p:extLst>
+  </p:cSld>
+  <p:clrMapOvr>
+    <a:masterClrMapping/>
+  </p:clrMapOvr>
+  <p:transition spd="med"/>
+</p:sld>
+</file>
+
+<file path=ppt/slides/slide5.xml><?xml version="1.0" encoding="utf-8"?>
+<p:sld xmlns:a="http://schemas.openxmlformats.org/drawingml/2006/main" xmlns:r="http://schemas.openxmlformats.org/officeDocument/2006/relationships" xmlns:p="http://schemas.openxmlformats.org/presentationml/2006/main">
+  <p:cSld>
+    <p:spTree>
+      <p:nvGrpSpPr>
+        <p:cNvPr id="1" name=""/>
+        <p:cNvGrpSpPr/>
+        <p:nvPr/>
+      </p:nvGrpSpPr>
+      <p:grpSpPr>
+        <a:xfrm>
+          <a:off x="0" y="0"/>
+          <a:ext cx="0" cy="0"/>
+          <a:chOff x="0" y="0"/>
+          <a:chExt cx="0" cy="0"/>
+        </a:xfrm>
+      </p:grpSpPr>
+      <p:sp>
+        <p:nvSpPr>
+          <p:cNvPr id="6" name="Title 1"/>
+          <p:cNvSpPr>
+            <a:spLocks noGrp="1"/>
+          </p:cNvSpPr>
+          <p:nvPr>
+            <p:ph type="title"/>
+          </p:nvPr>
+        </p:nvSpPr>
+        <p:spPr>
+          <a:xfrm>
+            <a:off x="457200" y="205980"/>
+            <a:ext cx="8229600" cy="857251"/>
+          </a:xfrm>
+        </p:spPr>
+        <p:txBody>
+          <a:bodyPr>
+            <a:normAutofit/>
+          </a:bodyPr>
+          <a:lstStyle/>
+          <a:p>
+            <a:r>
+              <a:rPr lang="en-US" b="1" dirty="0" err="1">
+                <a:solidFill>
+                  <a:srgbClr val="0070C0"/>
+                </a:solidFill>
+              </a:rPr>
+              <a:t>Preço</a:t>
+            </a:r>
+            <a:r>
+              <a:rPr lang="en-US" b="1" dirty="0">
+                <a:solidFill>
+                  <a:srgbClr val="0070C0"/>
+                </a:solidFill>
+              </a:rPr>
+              <a:t> - Raspberry Pi (</a:t>
+            </a:r>
+            <a:r>
+              <a:rPr lang="en-US" b="1" dirty="0" err="1">
+                <a:solidFill>
+                  <a:srgbClr val="0070C0"/>
+                </a:solidFill>
+              </a:rPr>
+              <a:t>Educação</a:t>
+            </a:r>
+            <a:r>
+              <a:rPr lang="en-US" b="1" dirty="0">
+                <a:solidFill>
+                  <a:srgbClr val="0070C0"/>
+                </a:solidFill>
+              </a:rPr>
+              <a:t>)</a:t>
+            </a:r>
+          </a:p>
+        </p:txBody>
+      </p:sp>
+      <p:sp>
+        <p:nvSpPr>
+          <p:cNvPr id="8" name="Text Placeholder 2"/>
+          <p:cNvSpPr>
+            <a:spLocks noGrp="1"/>
+          </p:cNvSpPr>
+          <p:nvPr>
+            <p:ph type="body" sz="half" idx="1"/>
+          </p:nvPr>
+        </p:nvSpPr>
+        <p:spPr>
+          <a:xfrm>
+            <a:off x="142865" y="1200150"/>
+            <a:ext cx="8865056" cy="3653296"/>
+          </a:xfrm>
+        </p:spPr>
+        <p:txBody>
+          <a:bodyPr>
+            <a:noAutofit/>
+          </a:bodyPr>
+          <a:lstStyle/>
+          <a:p>
+            <a:pPr marL="0" indent="0" algn="just">
+              <a:buNone/>
+            </a:pPr>
+            <a:r>
+              <a:rPr lang="pt-BR" sz="2000" b="1" dirty="0">
+                <a:solidFill>
+                  <a:schemeClr val="tx1"/>
+                </a:solidFill>
+                <a:latin typeface="Times New Roman" panose="02020603050405020304" pitchFamily="18" charset="0"/>
+                <a:cs typeface="Times New Roman" panose="02020603050405020304" pitchFamily="18" charset="0"/>
+              </a:rPr>
+              <a:t>Site: </a:t>
+            </a:r>
+            <a:r>
+              <a:rPr lang="pt-BR" sz="2000" b="1" dirty="0" err="1">
+                <a:solidFill>
+                  <a:schemeClr val="tx1"/>
+                </a:solidFill>
+                <a:latin typeface="Times New Roman" panose="02020603050405020304" pitchFamily="18" charset="0"/>
+                <a:cs typeface="Times New Roman" panose="02020603050405020304" pitchFamily="18" charset="0"/>
+              </a:rPr>
+              <a:t>Raspberry</a:t>
+            </a:r>
+            <a:r>
+              <a:rPr lang="pt-BR" sz="2000" b="1" dirty="0">
+                <a:solidFill>
+                  <a:schemeClr val="tx1"/>
+                </a:solidFill>
+                <a:latin typeface="Times New Roman" panose="02020603050405020304" pitchFamily="18" charset="0"/>
+                <a:cs typeface="Times New Roman" panose="02020603050405020304" pitchFamily="18" charset="0"/>
+              </a:rPr>
+              <a:t> - Representantes</a:t>
+            </a:r>
+          </a:p>
+          <a:p>
+            <a:pPr marL="0" indent="0" algn="just">
+              <a:buNone/>
+            </a:pPr>
+            <a:r>
+              <a:rPr lang="pt-BR" sz="2000" dirty="0">
+                <a:solidFill>
+                  <a:schemeClr val="tx1"/>
+                </a:solidFill>
+                <a:latin typeface="Times New Roman" panose="02020603050405020304" pitchFamily="18" charset="0"/>
+                <a:cs typeface="Times New Roman" panose="02020603050405020304" pitchFamily="18" charset="0"/>
+              </a:rPr>
+              <a:t>		</a:t>
+            </a:r>
+            <a:r>
+              <a:rPr lang="pt-BR" sz="2000" dirty="0">
+                <a:solidFill>
+                  <a:schemeClr val="tx1"/>
+                </a:solidFill>
+                <a:latin typeface="Times New Roman" panose="02020603050405020304" pitchFamily="18" charset="0"/>
+                <a:cs typeface="Times New Roman" panose="02020603050405020304" pitchFamily="18" charset="0"/>
+                <a:hlinkClick r:id="rId3"/>
+              </a:rPr>
+              <a:t>http://raspberrypi.org</a:t>
+            </a:r>
+            <a:endParaRPr lang="pt-BR" sz="2000" dirty="0">
+              <a:solidFill>
+                <a:schemeClr val="tx1"/>
+              </a:solidFill>
+              <a:latin typeface="Times New Roman" panose="02020603050405020304" pitchFamily="18" charset="0"/>
+              <a:cs typeface="Times New Roman" panose="02020603050405020304" pitchFamily="18" charset="0"/>
+            </a:endParaRPr>
+          </a:p>
+          <a:p>
+            <a:pPr marL="0" indent="0" algn="just">
+              <a:buNone/>
+            </a:pPr>
+            <a:endParaRPr lang="pt-BR" sz="2000" dirty="0">
+              <a:solidFill>
+                <a:schemeClr val="tx1"/>
+              </a:solidFill>
+              <a:latin typeface="Times New Roman" panose="02020603050405020304" pitchFamily="18" charset="0"/>
+              <a:cs typeface="Times New Roman" panose="02020603050405020304" pitchFamily="18" charset="0"/>
+            </a:endParaRPr>
+          </a:p>
+          <a:p>
+            <a:pPr marL="0" indent="0" algn="just">
+              <a:buNone/>
+            </a:pPr>
+            <a:r>
+              <a:rPr lang="pt-BR" sz="2000" b="1" dirty="0">
+                <a:solidFill>
+                  <a:schemeClr val="tx1"/>
+                </a:solidFill>
+                <a:latin typeface="Times New Roman" panose="02020603050405020304" pitchFamily="18" charset="0"/>
+                <a:cs typeface="Times New Roman" panose="02020603050405020304" pitchFamily="18" charset="0"/>
+              </a:rPr>
+              <a:t>Site: </a:t>
+            </a:r>
+            <a:r>
+              <a:rPr lang="pt-BR" sz="2000" b="1" dirty="0" err="1">
+                <a:solidFill>
+                  <a:schemeClr val="tx1"/>
+                </a:solidFill>
+                <a:latin typeface="Times New Roman" panose="02020603050405020304" pitchFamily="18" charset="0"/>
+                <a:cs typeface="Times New Roman" panose="02020603050405020304" pitchFamily="18" charset="0"/>
+              </a:rPr>
+              <a:t>Aliexpress</a:t>
+            </a:r>
+            <a:r>
+              <a:rPr lang="pt-BR" sz="2000" b="1" dirty="0">
+                <a:solidFill>
+                  <a:schemeClr val="tx1"/>
+                </a:solidFill>
+                <a:latin typeface="Times New Roman" panose="02020603050405020304" pitchFamily="18" charset="0"/>
+                <a:cs typeface="Times New Roman" panose="02020603050405020304" pitchFamily="18" charset="0"/>
+              </a:rPr>
+              <a:t> </a:t>
+            </a:r>
+            <a:r>
+              <a:rPr lang="pt-BR" sz="2000" b="1" dirty="0" err="1">
+                <a:solidFill>
+                  <a:schemeClr val="tx1"/>
+                </a:solidFill>
+                <a:latin typeface="Times New Roman" panose="02020603050405020304" pitchFamily="18" charset="0"/>
+                <a:cs typeface="Times New Roman" panose="02020603050405020304" pitchFamily="18" charset="0"/>
+              </a:rPr>
+              <a:t>raspberry</a:t>
+            </a:r>
+            <a:r>
+              <a:rPr lang="pt-BR" sz="2000" b="1" dirty="0">
+                <a:solidFill>
+                  <a:schemeClr val="tx1"/>
+                </a:solidFill>
+                <a:latin typeface="Times New Roman" panose="02020603050405020304" pitchFamily="18" charset="0"/>
+                <a:cs typeface="Times New Roman" panose="02020603050405020304" pitchFamily="18" charset="0"/>
+              </a:rPr>
+              <a:t> pi 4</a:t>
+            </a:r>
+          </a:p>
+          <a:p>
+            <a:pPr marL="0" indent="0" algn="just">
+              <a:buNone/>
+            </a:pPr>
+            <a:r>
+              <a:rPr lang="pt-BR" sz="2000" dirty="0">
+                <a:solidFill>
+                  <a:schemeClr val="tx1"/>
+                </a:solidFill>
+                <a:latin typeface="Times New Roman" panose="02020603050405020304" pitchFamily="18" charset="0"/>
+                <a:cs typeface="Times New Roman" panose="02020603050405020304" pitchFamily="18" charset="0"/>
+              </a:rPr>
+              <a:t>		</a:t>
+            </a:r>
+            <a:r>
+              <a:rPr lang="pt-BR" sz="2000" b="1" dirty="0">
+                <a:solidFill>
+                  <a:schemeClr val="tx1"/>
+                </a:solidFill>
+                <a:latin typeface="Times New Roman" panose="02020603050405020304" pitchFamily="18" charset="0"/>
+                <a:cs typeface="Times New Roman" panose="02020603050405020304" pitchFamily="18" charset="0"/>
+              </a:rPr>
+              <a:t>Loja</a:t>
+            </a:r>
+            <a:r>
+              <a:rPr lang="pt-BR" sz="2000" dirty="0">
+                <a:solidFill>
+                  <a:schemeClr val="tx1"/>
+                </a:solidFill>
+                <a:latin typeface="Times New Roman" panose="02020603050405020304" pitchFamily="18" charset="0"/>
+                <a:cs typeface="Times New Roman" panose="02020603050405020304" pitchFamily="18" charset="0"/>
+              </a:rPr>
+              <a:t>: </a:t>
+            </a:r>
+            <a:r>
+              <a:rPr lang="pt-BR" sz="2000" dirty="0" err="1">
+                <a:solidFill>
+                  <a:schemeClr val="tx1"/>
+                </a:solidFill>
+                <a:latin typeface="Times New Roman" panose="02020603050405020304" pitchFamily="18" charset="0"/>
+                <a:cs typeface="Times New Roman" panose="02020603050405020304" pitchFamily="18" charset="0"/>
+              </a:rPr>
+              <a:t>Stutu</a:t>
+            </a:r>
+            <a:r>
+              <a:rPr lang="pt-BR" sz="2000" dirty="0">
+                <a:solidFill>
+                  <a:schemeClr val="tx1"/>
+                </a:solidFill>
+                <a:latin typeface="Times New Roman" panose="02020603050405020304" pitchFamily="18" charset="0"/>
+                <a:cs typeface="Times New Roman" panose="02020603050405020304" pitchFamily="18" charset="0"/>
+              </a:rPr>
+              <a:t> Store, por exemplo: 4GB RAM, </a:t>
+            </a:r>
+            <a:r>
+              <a:rPr lang="pt-BR" sz="2000" b="1" dirty="0" err="1">
+                <a:solidFill>
+                  <a:srgbClr val="FF0000"/>
+                </a:solidFill>
+                <a:latin typeface="Times New Roman" panose="02020603050405020304" pitchFamily="18" charset="0"/>
+                <a:cs typeface="Times New Roman" panose="02020603050405020304" pitchFamily="18" charset="0"/>
+              </a:rPr>
+              <a:t>apx</a:t>
+            </a:r>
+            <a:r>
+              <a:rPr lang="pt-BR" sz="2000" b="1" dirty="0">
+                <a:solidFill>
+                  <a:srgbClr val="FF0000"/>
+                </a:solidFill>
+                <a:latin typeface="Times New Roman" panose="02020603050405020304" pitchFamily="18" charset="0"/>
+                <a:cs typeface="Times New Roman" panose="02020603050405020304" pitchFamily="18" charset="0"/>
+              </a:rPr>
+              <a:t> R$280,00 &lt;=&gt; </a:t>
+            </a:r>
+            <a:r>
+              <a:rPr lang="pt-BR" sz="2000" b="1" dirty="0">
+                <a:solidFill>
+                  <a:schemeClr val="tx1"/>
+                </a:solidFill>
+                <a:latin typeface="Times New Roman" panose="02020603050405020304" pitchFamily="18" charset="0"/>
+                <a:cs typeface="Times New Roman" panose="02020603050405020304" pitchFamily="18" charset="0"/>
+              </a:rPr>
+              <a:t>$55</a:t>
+            </a:r>
+          </a:p>
+          <a:p>
+            <a:pPr marL="0" indent="0" algn="just">
+              <a:buNone/>
+            </a:pPr>
+            <a:endParaRPr lang="pt-BR" sz="2000" dirty="0">
+              <a:solidFill>
+                <a:schemeClr val="tx1"/>
+              </a:solidFill>
+              <a:latin typeface="Times New Roman" panose="02020603050405020304" pitchFamily="18" charset="0"/>
+              <a:cs typeface="Times New Roman" panose="02020603050405020304" pitchFamily="18" charset="0"/>
+            </a:endParaRPr>
+          </a:p>
+          <a:p>
+            <a:pPr marL="0" indent="0" algn="just">
+              <a:buNone/>
+            </a:pPr>
+            <a:r>
+              <a:rPr lang="pt-BR" sz="2000" b="1" dirty="0">
+                <a:solidFill>
+                  <a:schemeClr val="tx1"/>
+                </a:solidFill>
+                <a:latin typeface="Times New Roman" panose="02020603050405020304" pitchFamily="18" charset="0"/>
+                <a:cs typeface="Times New Roman" panose="02020603050405020304" pitchFamily="18" charset="0"/>
+              </a:rPr>
+              <a:t>Site: Mercado Livre</a:t>
+            </a:r>
+          </a:p>
+          <a:p>
+            <a:pPr marL="0" indent="0" algn="just">
+              <a:buNone/>
+            </a:pPr>
+            <a:r>
+              <a:rPr lang="pt-BR" sz="2000" b="1" dirty="0">
+                <a:solidFill>
+                  <a:schemeClr val="tx1"/>
+                </a:solidFill>
+                <a:latin typeface="Times New Roman" panose="02020603050405020304" pitchFamily="18" charset="0"/>
+                <a:cs typeface="Times New Roman" panose="02020603050405020304" pitchFamily="18" charset="0"/>
+              </a:rPr>
+              <a:t>		</a:t>
+            </a:r>
+            <a:r>
+              <a:rPr lang="pt-BR" sz="2000" dirty="0">
+                <a:solidFill>
+                  <a:schemeClr val="tx1"/>
+                </a:solidFill>
+                <a:latin typeface="Times New Roman" panose="02020603050405020304" pitchFamily="18" charset="0"/>
+                <a:cs typeface="Times New Roman" panose="02020603050405020304" pitchFamily="18" charset="0"/>
+                <a:hlinkClick r:id="rId4"/>
+              </a:rPr>
+              <a:t>https://www.mercadolivre.com.br/</a:t>
+            </a:r>
+            <a:r>
+              <a:rPr lang="pt-BR" sz="2000" dirty="0">
+                <a:solidFill>
+                  <a:schemeClr val="tx1"/>
+                </a:solidFill>
+                <a:latin typeface="Times New Roman" panose="02020603050405020304" pitchFamily="18" charset="0"/>
+                <a:cs typeface="Times New Roman" panose="02020603050405020304" pitchFamily="18" charset="0"/>
+              </a:rPr>
+              <a:t>   - </a:t>
+            </a:r>
+            <a:r>
+              <a:rPr lang="pt-BR" sz="2000" b="1" dirty="0" err="1">
+                <a:solidFill>
+                  <a:srgbClr val="FF0000"/>
+                </a:solidFill>
+                <a:latin typeface="Times New Roman" panose="02020603050405020304" pitchFamily="18" charset="0"/>
+                <a:cs typeface="Times New Roman" panose="02020603050405020304" pitchFamily="18" charset="0"/>
+              </a:rPr>
+              <a:t>apx</a:t>
+            </a:r>
+            <a:r>
+              <a:rPr lang="pt-BR" sz="2000" b="1" dirty="0">
+                <a:solidFill>
+                  <a:srgbClr val="FF0000"/>
+                </a:solidFill>
+                <a:latin typeface="Times New Roman" panose="02020603050405020304" pitchFamily="18" charset="0"/>
+                <a:cs typeface="Times New Roman" panose="02020603050405020304" pitchFamily="18" charset="0"/>
+              </a:rPr>
+              <a:t> R$550,00 + frete &lt;=&gt; </a:t>
+            </a:r>
+            <a:r>
+              <a:rPr lang="pt-BR" sz="2000" b="1" dirty="0">
+                <a:solidFill>
+                  <a:schemeClr val="tx1"/>
+                </a:solidFill>
+                <a:latin typeface="Times New Roman" panose="02020603050405020304" pitchFamily="18" charset="0"/>
+                <a:cs typeface="Times New Roman" panose="02020603050405020304" pitchFamily="18" charset="0"/>
+              </a:rPr>
+              <a:t>$55</a:t>
+            </a:r>
+            <a:endParaRPr lang="pt-BR" sz="2000" dirty="0">
+              <a:solidFill>
+                <a:schemeClr val="tx1"/>
+              </a:solidFill>
+              <a:latin typeface="Times New Roman" panose="02020603050405020304" pitchFamily="18" charset="0"/>
+              <a:cs typeface="Times New Roman" panose="02020603050405020304" pitchFamily="18" charset="0"/>
+            </a:endParaRPr>
+          </a:p>
+        </p:txBody>
+      </p:sp>
+    </p:spTree>
+    <p:extLst>
+      <p:ext uri="{BB962C8B-B14F-4D97-AF65-F5344CB8AC3E}">
+        <p14:creationId xmlns:p14="http://schemas.microsoft.com/office/powerpoint/2010/main" val="3255859101"/>
+      </p:ext>
+    </p:extLst>
+  </p:cSld>
+  <p:clrMapOvr>
+    <a:masterClrMapping/>
+  </p:clrMapOvr>
+  <p:transition spd="med"/>
+</p:sld>
+</file>
+
+<file path=ppt/slides/slide6.xml><?xml version="1.0" encoding="utf-8"?>
+<p:sld xmlns:a="http://schemas.openxmlformats.org/drawingml/2006/main" xmlns:r="http://schemas.openxmlformats.org/officeDocument/2006/relationships" xmlns:p="http://schemas.openxmlformats.org/presentationml/2006/main">
+  <p:cSld>
+    <p:spTree>
+      <p:nvGrpSpPr>
+        <p:cNvPr id="1" name=""/>
+        <p:cNvGrpSpPr/>
+        <p:nvPr/>
+      </p:nvGrpSpPr>
+      <p:grpSpPr>
+        <a:xfrm>
+          <a:off x="0" y="0"/>
+          <a:ext cx="0" cy="0"/>
+          <a:chOff x="0" y="0"/>
+          <a:chExt cx="0" cy="0"/>
+        </a:xfrm>
+      </p:grpSpPr>
+      <p:sp>
+        <p:nvSpPr>
+          <p:cNvPr id="6" name="Title 1"/>
+          <p:cNvSpPr>
+            <a:spLocks noGrp="1"/>
+          </p:cNvSpPr>
+          <p:nvPr>
+            <p:ph type="title"/>
+          </p:nvPr>
+        </p:nvSpPr>
+        <p:spPr>
+          <a:xfrm>
+            <a:off x="457200" y="205980"/>
+            <a:ext cx="8229600" cy="857251"/>
+          </a:xfrm>
+        </p:spPr>
+        <p:txBody>
+          <a:bodyPr>
+            <a:normAutofit/>
+          </a:bodyPr>
+          <a:lstStyle/>
+          <a:p>
+            <a:r>
+              <a:rPr lang="en-US" b="1" dirty="0" err="1">
+                <a:solidFill>
+                  <a:srgbClr val="0070C0"/>
+                </a:solidFill>
+              </a:rPr>
+              <a:t>Proposta</a:t>
+            </a:r>
+            <a:r>
+              <a:rPr lang="en-US" b="1" dirty="0">
+                <a:solidFill>
+                  <a:srgbClr val="0070C0"/>
+                </a:solidFill>
+              </a:rPr>
+              <a:t> Raspberry Pi (</a:t>
+            </a:r>
+            <a:r>
+              <a:rPr lang="en-US" b="1" dirty="0" err="1">
+                <a:solidFill>
+                  <a:srgbClr val="FF0000"/>
+                </a:solidFill>
+              </a:rPr>
+              <a:t>Inovação</a:t>
+            </a:r>
+            <a:r>
+              <a:rPr lang="en-US" b="1" dirty="0">
+                <a:solidFill>
+                  <a:srgbClr val="0070C0"/>
+                </a:solidFill>
+              </a:rPr>
+              <a:t>)</a:t>
+            </a:r>
+          </a:p>
+        </p:txBody>
+      </p:sp>
+      <p:sp>
+        <p:nvSpPr>
+          <p:cNvPr id="8" name="Text Placeholder 2"/>
+          <p:cNvSpPr>
+            <a:spLocks noGrp="1"/>
+          </p:cNvSpPr>
+          <p:nvPr>
+            <p:ph type="body" sz="half" idx="1"/>
+          </p:nvPr>
+        </p:nvSpPr>
+        <p:spPr>
+          <a:xfrm>
+            <a:off x="142865" y="1200150"/>
+            <a:ext cx="8865056" cy="3653296"/>
+          </a:xfrm>
+        </p:spPr>
+        <p:txBody>
+          <a:bodyPr>
+            <a:noAutofit/>
+          </a:bodyPr>
+          <a:lstStyle/>
+          <a:p>
+            <a:pPr marL="0" indent="0" algn="just">
+              <a:buNone/>
+            </a:pPr>
+            <a:r>
+              <a:rPr lang="pt-BR" sz="2400" dirty="0">
+                <a:solidFill>
+                  <a:schemeClr val="tx1"/>
+                </a:solidFill>
+                <a:latin typeface="Times New Roman" panose="02020603050405020304" pitchFamily="18" charset="0"/>
+                <a:cs typeface="Times New Roman" panose="02020603050405020304" pitchFamily="18" charset="0"/>
+              </a:rPr>
+              <a:t>Criado para propósitos educacionais, o baixo custo e a versatilidade do </a:t>
+            </a:r>
+            <a:r>
+              <a:rPr lang="pt-BR" sz="2400" b="1" dirty="0" err="1">
+                <a:solidFill>
+                  <a:schemeClr val="tx1"/>
+                </a:solidFill>
+                <a:latin typeface="Times New Roman" panose="02020603050405020304" pitchFamily="18" charset="0"/>
+                <a:cs typeface="Times New Roman" panose="02020603050405020304" pitchFamily="18" charset="0"/>
+              </a:rPr>
+              <a:t>Raspberry</a:t>
+            </a:r>
+            <a:r>
+              <a:rPr lang="pt-BR" sz="2400" b="1" dirty="0">
+                <a:solidFill>
+                  <a:schemeClr val="tx1"/>
+                </a:solidFill>
+                <a:latin typeface="Times New Roman" panose="02020603050405020304" pitchFamily="18" charset="0"/>
+                <a:cs typeface="Times New Roman" panose="02020603050405020304" pitchFamily="18" charset="0"/>
+              </a:rPr>
+              <a:t> Pi</a:t>
+            </a:r>
+            <a:r>
+              <a:rPr lang="pt-BR" sz="2400" dirty="0">
+                <a:solidFill>
+                  <a:schemeClr val="tx1"/>
+                </a:solidFill>
+                <a:latin typeface="Times New Roman" panose="02020603050405020304" pitchFamily="18" charset="0"/>
+                <a:cs typeface="Times New Roman" panose="02020603050405020304" pitchFamily="18" charset="0"/>
+              </a:rPr>
+              <a:t> acabaram permitindo que ele se tornasse o motor de vários projetos inovadores.</a:t>
+            </a:r>
+          </a:p>
+          <a:p>
+            <a:pPr marL="0" indent="0" algn="just">
+              <a:buNone/>
+            </a:pPr>
+            <a:endParaRPr lang="pt-BR" sz="2400" dirty="0">
+              <a:solidFill>
+                <a:schemeClr val="tx1"/>
+              </a:solidFill>
+              <a:latin typeface="Times New Roman" panose="02020603050405020304" pitchFamily="18" charset="0"/>
+              <a:cs typeface="Times New Roman" panose="02020603050405020304" pitchFamily="18" charset="0"/>
+            </a:endParaRPr>
+          </a:p>
+          <a:p>
+            <a:pPr marL="0" indent="0" algn="just">
+              <a:buNone/>
+            </a:pPr>
+            <a:r>
+              <a:rPr lang="pt-BR" sz="2400" dirty="0">
+                <a:solidFill>
+                  <a:schemeClr val="tx1"/>
+                </a:solidFill>
+                <a:latin typeface="Times New Roman" panose="02020603050405020304" pitchFamily="18" charset="0"/>
+                <a:cs typeface="Times New Roman" panose="02020603050405020304" pitchFamily="18" charset="0"/>
+              </a:rPr>
+              <a:t>No </a:t>
+            </a:r>
+            <a:r>
+              <a:rPr lang="pt-BR" sz="2400" b="1" dirty="0">
+                <a:solidFill>
+                  <a:schemeClr val="tx1"/>
+                </a:solidFill>
+                <a:latin typeface="Times New Roman" panose="02020603050405020304" pitchFamily="18" charset="0"/>
+                <a:cs typeface="Times New Roman" panose="02020603050405020304" pitchFamily="18" charset="0"/>
+              </a:rPr>
+              <a:t>Brasil</a:t>
+            </a:r>
+            <a:r>
+              <a:rPr lang="pt-BR" sz="2400" dirty="0">
+                <a:solidFill>
+                  <a:schemeClr val="tx1"/>
+                </a:solidFill>
+                <a:latin typeface="Times New Roman" panose="02020603050405020304" pitchFamily="18" charset="0"/>
+                <a:cs typeface="Times New Roman" panose="02020603050405020304" pitchFamily="18" charset="0"/>
+              </a:rPr>
+              <a:t> é possível comprar via importação. Como preço lá fora é </a:t>
+            </a:r>
+            <a:r>
+              <a:rPr lang="pt-BR" sz="2400" b="1" dirty="0">
+                <a:solidFill>
+                  <a:schemeClr val="tx1"/>
+                </a:solidFill>
+                <a:latin typeface="Times New Roman" panose="02020603050405020304" pitchFamily="18" charset="0"/>
+                <a:cs typeface="Times New Roman" panose="02020603050405020304" pitchFamily="18" charset="0"/>
+              </a:rPr>
+              <a:t>abaixo dos US$ 50</a:t>
+            </a:r>
+            <a:r>
+              <a:rPr lang="pt-BR" sz="2400" dirty="0">
+                <a:solidFill>
+                  <a:schemeClr val="tx1"/>
+                </a:solidFill>
+                <a:latin typeface="Times New Roman" panose="02020603050405020304" pitchFamily="18" charset="0"/>
+                <a:cs typeface="Times New Roman" panose="02020603050405020304" pitchFamily="18" charset="0"/>
+              </a:rPr>
+              <a:t>, existe chance de você não ser taxado pela Receita. </a:t>
+            </a:r>
+          </a:p>
+          <a:p>
+            <a:pPr marL="0" indent="0" algn="just">
+              <a:buNone/>
+            </a:pPr>
+            <a:endParaRPr lang="pt-BR" sz="2400" dirty="0">
+              <a:solidFill>
+                <a:schemeClr val="tx1"/>
+              </a:solidFill>
+              <a:latin typeface="Times New Roman" panose="02020603050405020304" pitchFamily="18" charset="0"/>
+              <a:cs typeface="Times New Roman" panose="02020603050405020304" pitchFamily="18" charset="0"/>
+            </a:endParaRPr>
+          </a:p>
+          <a:p>
+            <a:pPr marL="0" indent="0" algn="just">
+              <a:buNone/>
+            </a:pPr>
+            <a:r>
+              <a:rPr lang="pt-BR" sz="2400" dirty="0">
+                <a:solidFill>
+                  <a:schemeClr val="tx1"/>
+                </a:solidFill>
+                <a:latin typeface="Times New Roman" panose="02020603050405020304" pitchFamily="18" charset="0"/>
+                <a:cs typeface="Times New Roman" panose="02020603050405020304" pitchFamily="18" charset="0"/>
+              </a:rPr>
+              <a:t>Por conta de uma série de problemas alfandegários, o </a:t>
+            </a:r>
+            <a:r>
+              <a:rPr lang="pt-BR" sz="2400" b="1" dirty="0">
+                <a:solidFill>
+                  <a:schemeClr val="tx1"/>
+                </a:solidFill>
+                <a:latin typeface="Times New Roman" panose="02020603050405020304" pitchFamily="18" charset="0"/>
+                <a:cs typeface="Times New Roman" panose="02020603050405020304" pitchFamily="18" charset="0"/>
+              </a:rPr>
+              <a:t>minicomputador </a:t>
+            </a:r>
+            <a:r>
+              <a:rPr lang="pt-BR" sz="2400" dirty="0">
+                <a:solidFill>
+                  <a:schemeClr val="tx1"/>
+                </a:solidFill>
+                <a:latin typeface="Times New Roman" panose="02020603050405020304" pitchFamily="18" charset="0"/>
+                <a:cs typeface="Times New Roman" panose="02020603050405020304" pitchFamily="18" charset="0"/>
+              </a:rPr>
+              <a:t>não é vendido oficialmente no Brasil.</a:t>
+            </a:r>
+          </a:p>
+        </p:txBody>
+      </p:sp>
+    </p:spTree>
+    <p:extLst>
+      <p:ext uri="{BB962C8B-B14F-4D97-AF65-F5344CB8AC3E}">
+        <p14:creationId xmlns:p14="http://schemas.microsoft.com/office/powerpoint/2010/main" val="2528650534"/>
+      </p:ext>
+    </p:extLst>
+  </p:cSld>
+  <p:clrMapOvr>
+    <a:masterClrMapping/>
+  </p:clrMapOvr>
+  <p:transition spd="med"/>
+</p:sld>
+</file>
+
+<file path=ppt/slides/slide7.xml><?xml version="1.0" encoding="utf-8"?>
+<p:sld xmlns:a="http://schemas.openxmlformats.org/drawingml/2006/main" xmlns:r="http://schemas.openxmlformats.org/officeDocument/2006/relationships" xmlns:p="http://schemas.openxmlformats.org/presentationml/2006/main">
+  <p:cSld>
+    <p:spTree>
+      <p:nvGrpSpPr>
+        <p:cNvPr id="1" name=""/>
+        <p:cNvGrpSpPr/>
+        <p:nvPr/>
+      </p:nvGrpSpPr>
+      <p:grpSpPr>
+        <a:xfrm>
+          <a:off x="0" y="0"/>
+          <a:ext cx="0" cy="0"/>
+          <a:chOff x="0" y="0"/>
+          <a:chExt cx="0" cy="0"/>
+        </a:xfrm>
+      </p:grpSpPr>
+      <p:sp>
+        <p:nvSpPr>
+          <p:cNvPr id="6" name="Title 1"/>
+          <p:cNvSpPr>
+            <a:spLocks noGrp="1"/>
+          </p:cNvSpPr>
+          <p:nvPr>
+            <p:ph type="title"/>
+          </p:nvPr>
+        </p:nvSpPr>
+        <p:spPr>
+          <a:xfrm>
+            <a:off x="304800" y="205980"/>
+            <a:ext cx="8382000" cy="857251"/>
+          </a:xfrm>
+        </p:spPr>
+        <p:txBody>
+          <a:bodyPr>
+            <a:normAutofit fontScale="90000"/>
+          </a:bodyPr>
+          <a:lstStyle/>
+          <a:p>
+            <a:r>
+              <a:rPr lang="en-US" b="1" dirty="0">
+                <a:solidFill>
+                  <a:srgbClr val="0070C0"/>
+                </a:solidFill>
+              </a:rPr>
+              <a:t>Mini-</a:t>
+            </a:r>
+            <a:r>
+              <a:rPr lang="en-US" b="1" dirty="0" err="1">
+                <a:solidFill>
+                  <a:srgbClr val="0070C0"/>
+                </a:solidFill>
+              </a:rPr>
+              <a:t>Micromcomputador</a:t>
+            </a:r>
+            <a:r>
+              <a:rPr lang="en-US" b="1" dirty="0">
+                <a:solidFill>
+                  <a:srgbClr val="0070C0"/>
+                </a:solidFill>
+              </a:rPr>
+              <a:t> Raspberry Pi</a:t>
+            </a:r>
+          </a:p>
+        </p:txBody>
+      </p:sp>
+      <p:sp>
+        <p:nvSpPr>
+          <p:cNvPr id="8" name="Text Placeholder 2"/>
+          <p:cNvSpPr>
+            <a:spLocks noGrp="1"/>
+          </p:cNvSpPr>
+          <p:nvPr>
+            <p:ph type="body" sz="half" idx="1"/>
+          </p:nvPr>
+        </p:nvSpPr>
+        <p:spPr>
+          <a:xfrm>
+            <a:off x="142865" y="968502"/>
+            <a:ext cx="8865056" cy="4115562"/>
+          </a:xfrm>
+        </p:spPr>
+        <p:txBody>
+          <a:bodyPr>
+            <a:noAutofit/>
+          </a:bodyPr>
+          <a:lstStyle/>
+          <a:p>
+            <a:pPr marL="0" indent="0" algn="just">
+              <a:buNone/>
+            </a:pPr>
+            <a:endParaRPr lang="pt-BR" sz="2000" b="1" dirty="0">
+              <a:solidFill>
+                <a:srgbClr val="0070C0"/>
+              </a:solidFill>
+              <a:latin typeface="Times New Roman" panose="02020603050405020304" pitchFamily="18" charset="0"/>
+              <a:cs typeface="Times New Roman" panose="02020603050405020304" pitchFamily="18" charset="0"/>
+            </a:endParaRPr>
+          </a:p>
+        </p:txBody>
+      </p:sp>
+      <p:pic>
+        <p:nvPicPr>
+          <p:cNvPr id="3" name="Imagem 2">
+            <a:extLst>
+              <a:ext uri="{FF2B5EF4-FFF2-40B4-BE49-F238E27FC236}">
+                <a16:creationId xmlns:a16="http://schemas.microsoft.com/office/drawing/2014/main" id="{7ED4DCC5-1C5F-8D0B-73C6-4128386D7E78}"/>
+              </a:ext>
+            </a:extLst>
+          </p:cNvPr>
+          <p:cNvPicPr>
+            <a:picLocks noChangeAspect="1"/>
+          </p:cNvPicPr>
+          <p:nvPr/>
+        </p:nvPicPr>
+        <p:blipFill>
+          <a:blip r:embed="rId3"/>
+          <a:stretch>
+            <a:fillRect/>
+          </a:stretch>
+        </p:blipFill>
+        <p:spPr>
+          <a:xfrm>
+            <a:off x="752855" y="1014463"/>
+            <a:ext cx="5601583" cy="4020833"/>
+          </a:xfrm>
+          <a:prstGeom prst="rect">
+            <a:avLst/>
+          </a:prstGeom>
+        </p:spPr>
+      </p:pic>
+    </p:spTree>
+    <p:extLst>
+      <p:ext uri="{BB962C8B-B14F-4D97-AF65-F5344CB8AC3E}">
+        <p14:creationId xmlns:p14="http://schemas.microsoft.com/office/powerpoint/2010/main" val="1004833150"/>
+      </p:ext>
+    </p:extLst>
+  </p:cSld>
+  <p:clrMapOvr>
+    <a:masterClrMapping/>
+  </p:clrMapOvr>
+  <p:transition spd="med"/>
+</p:sld>
+</file>
+
+<file path=ppt/slides/slide8.xml><?xml version="1.0" encoding="utf-8"?>
+<p:sld xmlns:a="http://schemas.openxmlformats.org/drawingml/2006/main" xmlns:r="http://schemas.openxmlformats.org/officeDocument/2006/relationships" xmlns:p="http://schemas.openxmlformats.org/presentationml/2006/main">
+  <p:cSld>
+    <p:spTree>
+      <p:nvGrpSpPr>
+        <p:cNvPr id="1" name=""/>
+        <p:cNvGrpSpPr/>
+        <p:nvPr/>
+      </p:nvGrpSpPr>
+      <p:grpSpPr>
+        <a:xfrm>
+          <a:off x="0" y="0"/>
+          <a:ext cx="0" cy="0"/>
+          <a:chOff x="0" y="0"/>
+          <a:chExt cx="0" cy="0"/>
+        </a:xfrm>
+      </p:grpSpPr>
+      <p:sp>
+        <p:nvSpPr>
+          <p:cNvPr id="6" name="Title 1"/>
+          <p:cNvSpPr>
+            <a:spLocks noGrp="1"/>
+          </p:cNvSpPr>
+          <p:nvPr>
+            <p:ph type="title"/>
+          </p:nvPr>
+        </p:nvSpPr>
+        <p:spPr>
+          <a:xfrm>
+            <a:off x="457200" y="205980"/>
+            <a:ext cx="8229600" cy="857251"/>
+          </a:xfrm>
+        </p:spPr>
+        <p:txBody>
+          <a:bodyPr>
+            <a:normAutofit/>
+          </a:bodyPr>
+          <a:lstStyle/>
+          <a:p>
+            <a:r>
+              <a:rPr lang="en-US" b="1" dirty="0" err="1">
+                <a:solidFill>
+                  <a:srgbClr val="0070C0"/>
+                </a:solidFill>
+              </a:rPr>
+              <a:t>Arquitetura</a:t>
+            </a:r>
+            <a:r>
+              <a:rPr lang="en-US" b="1" dirty="0">
+                <a:solidFill>
+                  <a:srgbClr val="0070C0"/>
+                </a:solidFill>
+              </a:rPr>
+              <a:t> Raspberry Pi</a:t>
+            </a:r>
+          </a:p>
+        </p:txBody>
+      </p:sp>
+      <p:sp>
+        <p:nvSpPr>
+          <p:cNvPr id="8" name="Text Placeholder 2"/>
+          <p:cNvSpPr>
+            <a:spLocks noGrp="1"/>
+          </p:cNvSpPr>
+          <p:nvPr>
+            <p:ph type="body" sz="half" idx="1"/>
+          </p:nvPr>
+        </p:nvSpPr>
+        <p:spPr>
+          <a:xfrm>
+            <a:off x="142865" y="968327"/>
+            <a:ext cx="8865056" cy="4054433"/>
+          </a:xfrm>
+        </p:spPr>
+        <p:txBody>
+          <a:bodyPr>
+            <a:noAutofit/>
+          </a:bodyPr>
+          <a:lstStyle/>
+          <a:p>
+            <a:pPr algn="just">
+              <a:buFont typeface="Wingdings" panose="05000000000000000000" pitchFamily="2" charset="2"/>
+              <a:buChar char="§"/>
+            </a:pPr>
+            <a:r>
+              <a:rPr lang="pt-BR" sz="2000" dirty="0">
+                <a:solidFill>
+                  <a:schemeClr val="tx1"/>
+                </a:solidFill>
+                <a:latin typeface="Times New Roman" panose="02020603050405020304" pitchFamily="18" charset="0"/>
+                <a:cs typeface="Times New Roman" panose="02020603050405020304" pitchFamily="18" charset="0"/>
+              </a:rPr>
+              <a:t>Teclado			empresa: </a:t>
+            </a:r>
+            <a:r>
+              <a:rPr lang="pt-BR" sz="2000" b="1" dirty="0" err="1">
+                <a:solidFill>
+                  <a:srgbClr val="FF0000"/>
+                </a:solidFill>
+                <a:latin typeface="Times New Roman" panose="02020603050405020304" pitchFamily="18" charset="0"/>
+                <a:cs typeface="Times New Roman" panose="02020603050405020304" pitchFamily="18" charset="0"/>
+              </a:rPr>
+              <a:t>Broadcom</a:t>
+            </a:r>
+            <a:r>
+              <a:rPr lang="pt-BR" sz="2000" b="1" dirty="0">
+                <a:solidFill>
+                  <a:srgbClr val="FF0000"/>
+                </a:solidFill>
+                <a:latin typeface="Times New Roman" panose="02020603050405020304" pitchFamily="18" charset="0"/>
+                <a:cs typeface="Times New Roman" panose="02020603050405020304" pitchFamily="18" charset="0"/>
+              </a:rPr>
+              <a:t> (</a:t>
+            </a:r>
+            <a:r>
+              <a:rPr lang="pt-BR" sz="2000" b="1" dirty="0">
+                <a:solidFill>
+                  <a:schemeClr val="tx1"/>
+                </a:solidFill>
+                <a:latin typeface="Times New Roman" panose="02020603050405020304" pitchFamily="18" charset="0"/>
+                <a:cs typeface="Times New Roman" panose="02020603050405020304" pitchFamily="18" charset="0"/>
+              </a:rPr>
+              <a:t>arquitetura ARM</a:t>
+            </a:r>
+            <a:r>
+              <a:rPr lang="pt-BR" sz="2000" b="1" dirty="0">
+                <a:solidFill>
+                  <a:srgbClr val="FF0000"/>
+                </a:solidFill>
+                <a:latin typeface="Times New Roman" panose="02020603050405020304" pitchFamily="18" charset="0"/>
+                <a:cs typeface="Times New Roman" panose="02020603050405020304" pitchFamily="18" charset="0"/>
+              </a:rPr>
+              <a:t>) </a:t>
+            </a:r>
+            <a:r>
+              <a:rPr lang="pt-BR" sz="2000" b="1" dirty="0" err="1">
+                <a:solidFill>
+                  <a:srgbClr val="FF0000"/>
+                </a:solidFill>
+                <a:latin typeface="Times New Roman" panose="02020603050405020304" pitchFamily="18" charset="0"/>
+                <a:cs typeface="Times New Roman" panose="02020603050405020304" pitchFamily="18" charset="0"/>
+              </a:rPr>
+              <a:t>SoC</a:t>
+            </a:r>
+            <a:endParaRPr lang="pt-BR" sz="2000" b="1" dirty="0">
+              <a:solidFill>
+                <a:srgbClr val="FF0000"/>
+              </a:solidFill>
+              <a:latin typeface="Times New Roman" panose="02020603050405020304" pitchFamily="18" charset="0"/>
+              <a:cs typeface="Times New Roman" panose="02020603050405020304" pitchFamily="18" charset="0"/>
+            </a:endParaRPr>
+          </a:p>
+          <a:p>
+            <a:pPr algn="just">
+              <a:buFont typeface="Wingdings" panose="05000000000000000000" pitchFamily="2" charset="2"/>
+              <a:buChar char="§"/>
+            </a:pPr>
+            <a:r>
+              <a:rPr lang="pt-BR" sz="2000" dirty="0">
+                <a:solidFill>
+                  <a:schemeClr val="tx1"/>
+                </a:solidFill>
+                <a:latin typeface="Times New Roman" panose="02020603050405020304" pitchFamily="18" charset="0"/>
+                <a:cs typeface="Times New Roman" panose="02020603050405020304" pitchFamily="18" charset="0"/>
+              </a:rPr>
+              <a:t>Mouse</a:t>
+            </a:r>
+          </a:p>
+          <a:p>
+            <a:pPr algn="just">
+              <a:buFont typeface="Wingdings" panose="05000000000000000000" pitchFamily="2" charset="2"/>
+              <a:buChar char="§"/>
+            </a:pPr>
+            <a:r>
+              <a:rPr lang="pt-BR" sz="2000" dirty="0">
+                <a:solidFill>
+                  <a:schemeClr val="tx1"/>
+                </a:solidFill>
+                <a:latin typeface="Times New Roman" panose="02020603050405020304" pitchFamily="18" charset="0"/>
+                <a:cs typeface="Times New Roman" panose="02020603050405020304" pitchFamily="18" charset="0"/>
+              </a:rPr>
+              <a:t>Cabo mini HDMI; WiFi; Bluetooth 4.1</a:t>
+            </a:r>
+          </a:p>
+          <a:p>
+            <a:pPr algn="just">
+              <a:buFont typeface="Wingdings" panose="05000000000000000000" pitchFamily="2" charset="2"/>
+              <a:buChar char="§"/>
+            </a:pPr>
+            <a:r>
+              <a:rPr lang="pt-BR" sz="2000" dirty="0">
+                <a:solidFill>
+                  <a:schemeClr val="tx1"/>
+                </a:solidFill>
+                <a:latin typeface="Times New Roman" panose="02020603050405020304" pitchFamily="18" charset="0"/>
+                <a:cs typeface="Times New Roman" panose="02020603050405020304" pitchFamily="18" charset="0"/>
+              </a:rPr>
+              <a:t>Monitor ou TV (com entrada HDMI); Entrada para Câmera</a:t>
+            </a:r>
+          </a:p>
+          <a:p>
+            <a:pPr algn="just">
+              <a:buFont typeface="Wingdings" panose="05000000000000000000" pitchFamily="2" charset="2"/>
+              <a:buChar char="§"/>
+            </a:pPr>
+            <a:r>
+              <a:rPr lang="pt-BR" sz="2000" dirty="0">
+                <a:solidFill>
+                  <a:schemeClr val="tx1"/>
+                </a:solidFill>
+                <a:latin typeface="Times New Roman" panose="02020603050405020304" pitchFamily="18" charset="0"/>
+                <a:cs typeface="Times New Roman" panose="02020603050405020304" pitchFamily="18" charset="0"/>
+              </a:rPr>
+              <a:t>Cartão de Memória – </a:t>
+            </a:r>
+            <a:r>
+              <a:rPr lang="pt-BR" sz="2000" dirty="0" err="1">
+                <a:solidFill>
+                  <a:schemeClr val="tx1"/>
+                </a:solidFill>
+                <a:latin typeface="Times New Roman" panose="02020603050405020304" pitchFamily="18" charset="0"/>
+                <a:cs typeface="Times New Roman" panose="02020603050405020304" pitchFamily="18" charset="0"/>
+              </a:rPr>
+              <a:t>microSD</a:t>
+            </a:r>
+            <a:r>
+              <a:rPr lang="pt-BR" sz="2000" dirty="0">
+                <a:solidFill>
+                  <a:schemeClr val="tx1"/>
+                </a:solidFill>
+                <a:latin typeface="Times New Roman" panose="02020603050405020304" pitchFamily="18" charset="0"/>
+                <a:cs typeface="Times New Roman" panose="02020603050405020304" pitchFamily="18" charset="0"/>
+              </a:rPr>
+              <a:t> (</a:t>
+            </a:r>
+            <a:r>
+              <a:rPr lang="pt-BR" sz="2000" dirty="0" err="1">
+                <a:solidFill>
+                  <a:schemeClr val="tx1"/>
+                </a:solidFill>
+                <a:latin typeface="Times New Roman" panose="02020603050405020304" pitchFamily="18" charset="0"/>
+                <a:cs typeface="Times New Roman" panose="02020603050405020304" pitchFamily="18" charset="0"/>
+              </a:rPr>
+              <a:t>SanDisk</a:t>
+            </a:r>
+            <a:r>
+              <a:rPr lang="pt-BR" sz="2000" dirty="0">
+                <a:solidFill>
+                  <a:schemeClr val="tx1"/>
+                </a:solidFill>
+                <a:latin typeface="Times New Roman" panose="02020603050405020304" pitchFamily="18" charset="0"/>
+                <a:cs typeface="Times New Roman" panose="02020603050405020304" pitchFamily="18" charset="0"/>
+              </a:rPr>
+              <a:t> Ultra) HD 512MB</a:t>
+            </a:r>
+          </a:p>
+          <a:p>
+            <a:pPr algn="just">
+              <a:buFont typeface="Wingdings" panose="05000000000000000000" pitchFamily="2" charset="2"/>
+              <a:buChar char="§"/>
+            </a:pPr>
+            <a:r>
+              <a:rPr lang="pt-BR" sz="2000" dirty="0">
+                <a:solidFill>
+                  <a:schemeClr val="tx1"/>
+                </a:solidFill>
+                <a:latin typeface="Times New Roman" panose="02020603050405020304" pitchFamily="18" charset="0"/>
+                <a:cs typeface="Times New Roman" panose="02020603050405020304" pitchFamily="18" charset="0"/>
+              </a:rPr>
+              <a:t>Carregador de 5V – Alimentação; </a:t>
+            </a:r>
+            <a:r>
+              <a:rPr lang="pt-BR" sz="2000" b="1" dirty="0">
+                <a:solidFill>
+                  <a:schemeClr val="tx1"/>
+                </a:solidFill>
+                <a:latin typeface="Times New Roman" panose="02020603050405020304" pitchFamily="18" charset="0"/>
+                <a:cs typeface="Times New Roman" panose="02020603050405020304" pitchFamily="18" charset="0"/>
+              </a:rPr>
+              <a:t>USB</a:t>
+            </a:r>
+            <a:endParaRPr lang="pt-BR" sz="2000" dirty="0">
+              <a:solidFill>
+                <a:schemeClr val="tx1"/>
+              </a:solidFill>
+              <a:latin typeface="Times New Roman" panose="02020603050405020304" pitchFamily="18" charset="0"/>
+              <a:cs typeface="Times New Roman" panose="02020603050405020304" pitchFamily="18" charset="0"/>
+            </a:endParaRPr>
+          </a:p>
+          <a:p>
+            <a:pPr marL="0" indent="0" algn="just">
+              <a:buNone/>
+            </a:pPr>
+            <a:r>
+              <a:rPr lang="pt-BR" sz="2000" b="1" dirty="0" err="1">
+                <a:solidFill>
+                  <a:schemeClr val="tx1"/>
+                </a:solidFill>
+                <a:latin typeface="Times New Roman" panose="02020603050405020304" pitchFamily="18" charset="0"/>
+                <a:cs typeface="Times New Roman" panose="02020603050405020304" pitchFamily="18" charset="0"/>
+              </a:rPr>
+              <a:t>SoC</a:t>
+            </a:r>
+            <a:r>
+              <a:rPr lang="pt-BR" sz="2000" dirty="0">
+                <a:solidFill>
+                  <a:schemeClr val="tx1"/>
+                </a:solidFill>
+                <a:latin typeface="Times New Roman" panose="02020603050405020304" pitchFamily="18" charset="0"/>
+                <a:cs typeface="Times New Roman" panose="02020603050405020304" pitchFamily="18" charset="0"/>
+              </a:rPr>
+              <a:t> (</a:t>
+            </a:r>
+            <a:r>
+              <a:rPr lang="pt-BR" sz="2000" b="1" dirty="0">
+                <a:solidFill>
+                  <a:srgbClr val="FF0000"/>
+                </a:solidFill>
+                <a:latin typeface="Times New Roman" panose="02020603050405020304" pitchFamily="18" charset="0"/>
+                <a:cs typeface="Times New Roman" panose="02020603050405020304" pitchFamily="18" charset="0"/>
+              </a:rPr>
+              <a:t>System </a:t>
+            </a:r>
+            <a:r>
+              <a:rPr lang="pt-BR" sz="2000" b="1" dirty="0" err="1">
+                <a:solidFill>
+                  <a:srgbClr val="FF0000"/>
+                </a:solidFill>
+                <a:latin typeface="Times New Roman" panose="02020603050405020304" pitchFamily="18" charset="0"/>
+                <a:cs typeface="Times New Roman" panose="02020603050405020304" pitchFamily="18" charset="0"/>
+              </a:rPr>
+              <a:t>on</a:t>
+            </a:r>
+            <a:r>
+              <a:rPr lang="pt-BR" sz="2000" b="1" dirty="0">
+                <a:solidFill>
+                  <a:srgbClr val="FF0000"/>
+                </a:solidFill>
+                <a:latin typeface="Times New Roman" panose="02020603050405020304" pitchFamily="18" charset="0"/>
+                <a:cs typeface="Times New Roman" panose="02020603050405020304" pitchFamily="18" charset="0"/>
+              </a:rPr>
+              <a:t> Chip</a:t>
+            </a:r>
+            <a:r>
+              <a:rPr lang="pt-BR" sz="2000" dirty="0">
+                <a:solidFill>
+                  <a:schemeClr val="tx1"/>
+                </a:solidFill>
+                <a:latin typeface="Times New Roman" panose="02020603050405020304" pitchFamily="18" charset="0"/>
+                <a:cs typeface="Times New Roman" panose="02020603050405020304" pitchFamily="18" charset="0"/>
+              </a:rPr>
+              <a:t>) – </a:t>
+            </a:r>
+            <a:r>
+              <a:rPr lang="pt-BR" sz="2000" b="1" dirty="0">
+                <a:solidFill>
+                  <a:schemeClr val="tx1"/>
+                </a:solidFill>
+                <a:latin typeface="Times New Roman" panose="02020603050405020304" pitchFamily="18" charset="0"/>
+                <a:cs typeface="Times New Roman" panose="02020603050405020304" pitchFamily="18" charset="0"/>
+              </a:rPr>
+              <a:t>CPU/GPU(</a:t>
+            </a:r>
+            <a:r>
+              <a:rPr lang="pt-BR" sz="2000" b="1" dirty="0" err="1">
+                <a:solidFill>
+                  <a:srgbClr val="FF0000"/>
+                </a:solidFill>
+                <a:latin typeface="Times New Roman" panose="02020603050405020304" pitchFamily="18" charset="0"/>
+                <a:cs typeface="Times New Roman" panose="02020603050405020304" pitchFamily="18" charset="0"/>
+              </a:rPr>
+              <a:t>videocore</a:t>
+            </a:r>
+            <a:r>
+              <a:rPr lang="pt-BR" sz="2000" b="1" dirty="0">
+                <a:solidFill>
+                  <a:srgbClr val="FF0000"/>
+                </a:solidFill>
+                <a:latin typeface="Times New Roman" panose="02020603050405020304" pitchFamily="18" charset="0"/>
+                <a:cs typeface="Times New Roman" panose="02020603050405020304" pitchFamily="18" charset="0"/>
+              </a:rPr>
+              <a:t> 4</a:t>
+            </a:r>
+            <a:r>
+              <a:rPr lang="pt-BR" sz="2000" b="1" dirty="0">
+                <a:solidFill>
+                  <a:schemeClr val="tx1"/>
+                </a:solidFill>
+                <a:latin typeface="Times New Roman" panose="02020603050405020304" pitchFamily="18" charset="0"/>
+                <a:cs typeface="Times New Roman" panose="02020603050405020304" pitchFamily="18" charset="0"/>
+              </a:rPr>
+              <a:t>)/RAM</a:t>
+            </a:r>
+            <a:r>
+              <a:rPr lang="pt-BR" sz="2000" dirty="0">
+                <a:solidFill>
+                  <a:schemeClr val="tx1"/>
+                </a:solidFill>
+                <a:latin typeface="Times New Roman" panose="02020603050405020304" pitchFamily="18" charset="0"/>
+                <a:cs typeface="Times New Roman" panose="02020603050405020304" pitchFamily="18" charset="0"/>
+              </a:rPr>
+              <a:t> 1 core 32bits/64bits 1GHz</a:t>
+            </a:r>
+          </a:p>
+          <a:p>
+            <a:pPr marL="0" indent="0" algn="just">
+              <a:buNone/>
+            </a:pPr>
+            <a:r>
+              <a:rPr lang="pt-BR" sz="2000" b="1" dirty="0">
+                <a:solidFill>
+                  <a:schemeClr val="tx1"/>
+                </a:solidFill>
+                <a:latin typeface="Times New Roman" panose="02020603050405020304" pitchFamily="18" charset="0"/>
+                <a:cs typeface="Times New Roman" panose="02020603050405020304" pitchFamily="18" charset="0"/>
+              </a:rPr>
+              <a:t>Roda</a:t>
+            </a:r>
+            <a:r>
+              <a:rPr lang="pt-BR" sz="2000" dirty="0">
+                <a:solidFill>
+                  <a:schemeClr val="tx1"/>
+                </a:solidFill>
+                <a:latin typeface="Times New Roman" panose="02020603050405020304" pitchFamily="18" charset="0"/>
+                <a:cs typeface="Times New Roman" panose="02020603050405020304" pitchFamily="18" charset="0"/>
+              </a:rPr>
+              <a:t>(Navegador, Python, C, Java, CSS3, HTML5, Javascript, </a:t>
+            </a:r>
+            <a:r>
+              <a:rPr lang="pt-BR" sz="2000" dirty="0" err="1">
+                <a:solidFill>
+                  <a:schemeClr val="tx1"/>
+                </a:solidFill>
+                <a:latin typeface="Times New Roman" panose="02020603050405020304" pitchFamily="18" charset="0"/>
+                <a:cs typeface="Times New Roman" panose="02020603050405020304" pitchFamily="18" charset="0"/>
+              </a:rPr>
+              <a:t>PyCharm</a:t>
+            </a:r>
+            <a:r>
+              <a:rPr lang="pt-BR" sz="2000" dirty="0">
+                <a:solidFill>
+                  <a:schemeClr val="tx1"/>
+                </a:solidFill>
+                <a:latin typeface="Times New Roman" panose="02020603050405020304" pitchFamily="18" charset="0"/>
+                <a:cs typeface="Times New Roman" panose="02020603050405020304" pitchFamily="18" charset="0"/>
+              </a:rPr>
+              <a:t>, </a:t>
+            </a:r>
+            <a:r>
+              <a:rPr lang="pt-BR" sz="2000" dirty="0" err="1">
+                <a:solidFill>
+                  <a:schemeClr val="tx1"/>
+                </a:solidFill>
+                <a:latin typeface="Times New Roman" panose="02020603050405020304" pitchFamily="18" charset="0"/>
+                <a:cs typeface="Times New Roman" panose="02020603050405020304" pitchFamily="18" charset="0"/>
+              </a:rPr>
+              <a:t>etc</a:t>
+            </a:r>
+            <a:r>
+              <a:rPr lang="pt-BR" sz="2000" dirty="0">
+                <a:solidFill>
+                  <a:schemeClr val="tx1"/>
+                </a:solidFill>
+                <a:latin typeface="Times New Roman" panose="02020603050405020304" pitchFamily="18" charset="0"/>
+                <a:cs typeface="Times New Roman" panose="02020603050405020304" pitchFamily="18" charset="0"/>
+              </a:rPr>
+              <a:t>)</a:t>
+            </a:r>
+          </a:p>
+          <a:p>
+            <a:pPr marL="0" indent="0" algn="just">
+              <a:buNone/>
+            </a:pPr>
+            <a:r>
+              <a:rPr lang="pt-BR" sz="2000" b="1" dirty="0">
+                <a:solidFill>
+                  <a:schemeClr val="tx1"/>
+                </a:solidFill>
+                <a:latin typeface="Times New Roman" panose="02020603050405020304" pitchFamily="18" charset="0"/>
+                <a:cs typeface="Times New Roman" panose="02020603050405020304" pitchFamily="18" charset="0"/>
+              </a:rPr>
+              <a:t>Funcionalidades</a:t>
+            </a:r>
+            <a:r>
+              <a:rPr lang="pt-BR" sz="2000" dirty="0">
+                <a:solidFill>
+                  <a:schemeClr val="tx1"/>
+                </a:solidFill>
+                <a:latin typeface="Times New Roman" panose="02020603050405020304" pitchFamily="18" charset="0"/>
+                <a:cs typeface="Times New Roman" panose="02020603050405020304" pitchFamily="18" charset="0"/>
+              </a:rPr>
+              <a:t>: Vídeo game retrô, central multimidia, minerador de bitcoin, VS </a:t>
+            </a:r>
+            <a:r>
+              <a:rPr lang="pt-BR" sz="2000" dirty="0" err="1">
+                <a:solidFill>
+                  <a:schemeClr val="tx1"/>
+                </a:solidFill>
+                <a:latin typeface="Times New Roman" panose="02020603050405020304" pitchFamily="18" charset="0"/>
+                <a:cs typeface="Times New Roman" panose="02020603050405020304" pitchFamily="18" charset="0"/>
+              </a:rPr>
+              <a:t>Code</a:t>
+            </a:r>
+            <a:r>
+              <a:rPr lang="pt-BR" sz="2000" dirty="0">
+                <a:solidFill>
+                  <a:schemeClr val="tx1"/>
+                </a:solidFill>
+                <a:latin typeface="Times New Roman" panose="02020603050405020304" pitchFamily="18" charset="0"/>
+                <a:cs typeface="Times New Roman" panose="02020603050405020304" pitchFamily="18" charset="0"/>
+              </a:rPr>
+              <a:t>; servidor NAS (</a:t>
+            </a:r>
+            <a:r>
+              <a:rPr lang="pt-BR" sz="2000" b="1" dirty="0">
+                <a:solidFill>
+                  <a:schemeClr val="tx1"/>
+                </a:solidFill>
+                <a:latin typeface="Times New Roman" panose="02020603050405020304" pitchFamily="18" charset="0"/>
+                <a:cs typeface="Times New Roman" panose="02020603050405020304" pitchFamily="18" charset="0"/>
+              </a:rPr>
+              <a:t>Network </a:t>
+            </a:r>
+            <a:r>
+              <a:rPr lang="pt-BR" sz="2000" b="1" dirty="0" err="1">
+                <a:solidFill>
+                  <a:schemeClr val="tx1"/>
+                </a:solidFill>
+                <a:latin typeface="Times New Roman" panose="02020603050405020304" pitchFamily="18" charset="0"/>
+                <a:cs typeface="Times New Roman" panose="02020603050405020304" pitchFamily="18" charset="0"/>
+              </a:rPr>
+              <a:t>Attached</a:t>
+            </a:r>
+            <a:r>
+              <a:rPr lang="pt-BR" sz="2000" b="1" dirty="0">
+                <a:solidFill>
+                  <a:schemeClr val="tx1"/>
+                </a:solidFill>
+                <a:latin typeface="Times New Roman" panose="02020603050405020304" pitchFamily="18" charset="0"/>
+                <a:cs typeface="Times New Roman" panose="02020603050405020304" pitchFamily="18" charset="0"/>
+              </a:rPr>
+              <a:t> </a:t>
+            </a:r>
+            <a:r>
+              <a:rPr lang="pt-BR" sz="2000" b="1" dirty="0" err="1">
+                <a:solidFill>
+                  <a:schemeClr val="tx1"/>
+                </a:solidFill>
+                <a:latin typeface="Times New Roman" panose="02020603050405020304" pitchFamily="18" charset="0"/>
+                <a:cs typeface="Times New Roman" panose="02020603050405020304" pitchFamily="18" charset="0"/>
+              </a:rPr>
+              <a:t>Storage</a:t>
+            </a:r>
+            <a:r>
+              <a:rPr lang="pt-BR" sz="2000" dirty="0">
+                <a:solidFill>
+                  <a:schemeClr val="tx1"/>
+                </a:solidFill>
+                <a:latin typeface="Times New Roman" panose="02020603050405020304" pitchFamily="18" charset="0"/>
+                <a:cs typeface="Times New Roman" panose="02020603050405020304" pitchFamily="18" charset="0"/>
+              </a:rPr>
+              <a:t>), Objetos </a:t>
+            </a:r>
+            <a:r>
+              <a:rPr lang="pt-BR" sz="2000" dirty="0" err="1">
+                <a:solidFill>
+                  <a:schemeClr val="tx1"/>
+                </a:solidFill>
+                <a:latin typeface="Times New Roman" panose="02020603050405020304" pitchFamily="18" charset="0"/>
+                <a:cs typeface="Times New Roman" panose="02020603050405020304" pitchFamily="18" charset="0"/>
+              </a:rPr>
+              <a:t>IoT</a:t>
+            </a:r>
+            <a:r>
+              <a:rPr lang="pt-BR" sz="2000" dirty="0">
+                <a:solidFill>
+                  <a:schemeClr val="tx1"/>
+                </a:solidFill>
+                <a:latin typeface="Times New Roman" panose="02020603050405020304" pitchFamily="18" charset="0"/>
+                <a:cs typeface="Times New Roman" panose="02020603050405020304" pitchFamily="18" charset="0"/>
+              </a:rPr>
+              <a:t>, LibreOffice, </a:t>
+            </a:r>
+            <a:r>
+              <a:rPr lang="pt-BR" sz="2000" dirty="0" err="1">
+                <a:solidFill>
+                  <a:schemeClr val="tx1"/>
+                </a:solidFill>
+                <a:latin typeface="Times New Roman" panose="02020603050405020304" pitchFamily="18" charset="0"/>
+                <a:cs typeface="Times New Roman" panose="02020603050405020304" pitchFamily="18" charset="0"/>
+              </a:rPr>
+              <a:t>etc</a:t>
+            </a:r>
+            <a:endParaRPr lang="pt-BR" sz="2000" dirty="0">
+              <a:solidFill>
+                <a:schemeClr val="tx1"/>
+              </a:solidFill>
+              <a:latin typeface="Times New Roman" panose="02020603050405020304" pitchFamily="18" charset="0"/>
+              <a:cs typeface="Times New Roman" panose="02020603050405020304" pitchFamily="18" charset="0"/>
+            </a:endParaRPr>
+          </a:p>
+        </p:txBody>
+      </p:sp>
+    </p:spTree>
+    <p:extLst>
+      <p:ext uri="{BB962C8B-B14F-4D97-AF65-F5344CB8AC3E}">
+        <p14:creationId xmlns:p14="http://schemas.microsoft.com/office/powerpoint/2010/main" val="1730722338"/>
+      </p:ext>
+    </p:extLst>
+  </p:cSld>
+  <p:clrMapOvr>
+    <a:masterClrMapping/>
+  </p:clrMapOvr>
+  <p:transition spd="med"/>
+</p:sld>
+</file>
+
+<file path=ppt/slides/slide9.xml><?xml version="1.0" encoding="utf-8"?>
+<p:sld xmlns:a="http://schemas.openxmlformats.org/drawingml/2006/main" xmlns:r="http://schemas.openxmlformats.org/officeDocument/2006/relationships" xmlns:p="http://schemas.openxmlformats.org/presentationml/2006/main">
+  <p:cSld>
+    <p:spTree>
+      <p:nvGrpSpPr>
+        <p:cNvPr id="1" name=""/>
+        <p:cNvGrpSpPr/>
+        <p:nvPr/>
+      </p:nvGrpSpPr>
+      <p:grpSpPr>
+        <a:xfrm>
+          <a:off x="0" y="0"/>
+          <a:ext cx="0" cy="0"/>
+          <a:chOff x="0" y="0"/>
+          <a:chExt cx="0" cy="0"/>
+        </a:xfrm>
+      </p:grpSpPr>
+      <p:sp>
+        <p:nvSpPr>
+          <p:cNvPr id="6" name="Title 1"/>
+          <p:cNvSpPr>
+            <a:spLocks noGrp="1"/>
+          </p:cNvSpPr>
+          <p:nvPr>
+            <p:ph type="title"/>
+          </p:nvPr>
+        </p:nvSpPr>
+        <p:spPr>
+          <a:xfrm>
+            <a:off x="457200" y="205980"/>
+            <a:ext cx="8229600" cy="857251"/>
+          </a:xfrm>
+        </p:spPr>
+        <p:txBody>
+          <a:bodyPr>
+            <a:normAutofit/>
+          </a:bodyPr>
+          <a:lstStyle/>
+          <a:p>
+            <a:r>
+              <a:rPr lang="en-US" b="1" dirty="0" err="1">
+                <a:solidFill>
+                  <a:srgbClr val="0070C0"/>
+                </a:solidFill>
+              </a:rPr>
+              <a:t>Componentes</a:t>
+            </a:r>
+            <a:r>
+              <a:rPr lang="en-US" b="1" dirty="0">
+                <a:solidFill>
+                  <a:srgbClr val="0070C0"/>
+                </a:solidFill>
+              </a:rPr>
+              <a:t> Raspberry Pi</a:t>
+            </a:r>
+          </a:p>
+        </p:txBody>
+      </p:sp>
+      <p:sp>
+        <p:nvSpPr>
+          <p:cNvPr id="8" name="Text Placeholder 2"/>
+          <p:cNvSpPr>
+            <a:spLocks noGrp="1"/>
+          </p:cNvSpPr>
+          <p:nvPr>
+            <p:ph type="body" sz="half" idx="1"/>
+          </p:nvPr>
+        </p:nvSpPr>
+        <p:spPr>
+          <a:xfrm>
+            <a:off x="142865" y="968327"/>
+            <a:ext cx="8865056" cy="4054433"/>
+          </a:xfrm>
+        </p:spPr>
+        <p:txBody>
+          <a:bodyPr>
+            <a:noAutofit/>
+          </a:bodyPr>
+          <a:lstStyle/>
+          <a:p>
+            <a:pPr algn="just">
+              <a:buFont typeface="Wingdings" panose="05000000000000000000" pitchFamily="2" charset="2"/>
+              <a:buChar char="§"/>
+            </a:pPr>
+            <a:r>
+              <a:rPr lang="pt-BR" sz="2000" dirty="0">
+                <a:solidFill>
+                  <a:schemeClr val="tx1"/>
+                </a:solidFill>
+                <a:latin typeface="Times New Roman" panose="02020603050405020304" pitchFamily="18" charset="0"/>
+                <a:cs typeface="Times New Roman" panose="02020603050405020304" pitchFamily="18" charset="0"/>
+              </a:rPr>
+              <a:t>RCA (mesas de som, interfaces de áudio, caixas de som, etc.); </a:t>
+            </a:r>
+            <a:r>
+              <a:rPr lang="pt-BR" sz="2000" b="1" dirty="0">
+                <a:solidFill>
+                  <a:srgbClr val="FF0000"/>
+                </a:solidFill>
+                <a:latin typeface="Times New Roman" panose="02020603050405020304" pitchFamily="18" charset="0"/>
+                <a:cs typeface="Times New Roman" panose="02020603050405020304" pitchFamily="18" charset="0"/>
+              </a:rPr>
+              <a:t>não existe mais</a:t>
+            </a:r>
+            <a:r>
+              <a:rPr lang="pt-BR" sz="2000" dirty="0">
+                <a:solidFill>
+                  <a:schemeClr val="tx1"/>
+                </a:solidFill>
+                <a:latin typeface="Times New Roman" panose="02020603050405020304" pitchFamily="18" charset="0"/>
+                <a:cs typeface="Times New Roman" panose="02020603050405020304" pitchFamily="18" charset="0"/>
+              </a:rPr>
+              <a:t>.</a:t>
+            </a:r>
+            <a:endParaRPr lang="pt-BR" sz="2000" dirty="0">
+              <a:solidFill>
+                <a:srgbClr val="FF0000"/>
+              </a:solidFill>
+              <a:latin typeface="Times New Roman" panose="02020603050405020304" pitchFamily="18" charset="0"/>
+              <a:cs typeface="Times New Roman" panose="02020603050405020304" pitchFamily="18" charset="0"/>
+            </a:endParaRPr>
+          </a:p>
+          <a:p>
+            <a:pPr algn="just">
+              <a:buFont typeface="Wingdings" panose="05000000000000000000" pitchFamily="2" charset="2"/>
+              <a:buChar char="§"/>
+            </a:pPr>
+            <a:r>
+              <a:rPr lang="pt-BR" sz="2000" dirty="0">
+                <a:solidFill>
+                  <a:schemeClr val="tx1"/>
+                </a:solidFill>
+                <a:latin typeface="Times New Roman" panose="02020603050405020304" pitchFamily="18" charset="0"/>
+                <a:cs typeface="Times New Roman" panose="02020603050405020304" pitchFamily="18" charset="0"/>
+              </a:rPr>
+              <a:t>Áudio P2; Saída de Vídeo; </a:t>
+            </a:r>
+            <a:r>
+              <a:rPr lang="pt-BR" sz="2000" b="1" dirty="0">
+                <a:solidFill>
+                  <a:srgbClr val="FF0000"/>
+                </a:solidFill>
+                <a:latin typeface="Times New Roman" panose="02020603050405020304" pitchFamily="18" charset="0"/>
+                <a:cs typeface="Times New Roman" panose="02020603050405020304" pitchFamily="18" charset="0"/>
+              </a:rPr>
+              <a:t>case de proteção </a:t>
+            </a:r>
+            <a:r>
+              <a:rPr lang="pt-BR" sz="2000" b="1" dirty="0" err="1">
+                <a:solidFill>
+                  <a:srgbClr val="FF0000"/>
+                </a:solidFill>
+                <a:latin typeface="Times New Roman" panose="02020603050405020304" pitchFamily="18" charset="0"/>
+                <a:cs typeface="Times New Roman" panose="02020603050405020304" pitchFamily="18" charset="0"/>
+              </a:rPr>
+              <a:t>raspberry</a:t>
+            </a:r>
+            <a:r>
+              <a:rPr lang="pt-BR" sz="2000" b="1" dirty="0">
+                <a:solidFill>
+                  <a:srgbClr val="FF0000"/>
+                </a:solidFill>
+                <a:latin typeface="Times New Roman" panose="02020603050405020304" pitchFamily="18" charset="0"/>
+                <a:cs typeface="Times New Roman" panose="02020603050405020304" pitchFamily="18" charset="0"/>
+              </a:rPr>
+              <a:t> 4.0 (</a:t>
+            </a:r>
+            <a:r>
+              <a:rPr lang="pt-BR" sz="2000" b="1" dirty="0">
+                <a:solidFill>
+                  <a:schemeClr val="tx1"/>
+                </a:solidFill>
+                <a:latin typeface="Times New Roman" panose="02020603050405020304" pitchFamily="18" charset="0"/>
+                <a:cs typeface="Times New Roman" panose="02020603050405020304" pitchFamily="18" charset="0"/>
+              </a:rPr>
+              <a:t>esquenta um pouco</a:t>
+            </a:r>
+            <a:r>
+              <a:rPr lang="pt-BR" sz="2000" b="1" dirty="0">
+                <a:solidFill>
+                  <a:srgbClr val="FF0000"/>
+                </a:solidFill>
+                <a:latin typeface="Times New Roman" panose="02020603050405020304" pitchFamily="18" charset="0"/>
+                <a:cs typeface="Times New Roman" panose="02020603050405020304" pitchFamily="18" charset="0"/>
+              </a:rPr>
+              <a:t>)</a:t>
+            </a:r>
+          </a:p>
+          <a:p>
+            <a:pPr algn="just">
+              <a:buFont typeface="Wingdings" panose="05000000000000000000" pitchFamily="2" charset="2"/>
+              <a:buChar char="§"/>
+            </a:pPr>
+            <a:r>
+              <a:rPr lang="pt-BR" sz="2000" dirty="0" err="1">
+                <a:solidFill>
+                  <a:schemeClr val="tx1"/>
+                </a:solidFill>
+                <a:latin typeface="Times New Roman" panose="02020603050405020304" pitchFamily="18" charset="0"/>
+                <a:cs typeface="Times New Roman" panose="02020603050405020304" pitchFamily="18" charset="0"/>
+              </a:rPr>
+              <a:t>DSi</a:t>
+            </a:r>
+            <a:r>
+              <a:rPr lang="pt-BR" sz="2000" dirty="0">
+                <a:solidFill>
+                  <a:schemeClr val="tx1"/>
+                </a:solidFill>
+                <a:latin typeface="Times New Roman" panose="02020603050405020304" pitchFamily="18" charset="0"/>
+                <a:cs typeface="Times New Roman" panose="02020603050405020304" pitchFamily="18" charset="0"/>
+              </a:rPr>
+              <a:t> (</a:t>
+            </a:r>
+            <a:r>
+              <a:rPr lang="pt-BR" sz="2000" b="1" dirty="0">
+                <a:solidFill>
+                  <a:schemeClr val="tx1"/>
+                </a:solidFill>
+                <a:latin typeface="Times New Roman" panose="02020603050405020304" pitchFamily="18" charset="0"/>
+                <a:cs typeface="Times New Roman" panose="02020603050405020304" pitchFamily="18" charset="0"/>
+              </a:rPr>
+              <a:t>Interface Serial Display - </a:t>
+            </a:r>
+            <a:r>
+              <a:rPr lang="pt-BR" sz="2000" dirty="0">
+                <a:solidFill>
+                  <a:schemeClr val="tx1"/>
+                </a:solidFill>
+                <a:latin typeface="Times New Roman" panose="02020603050405020304" pitchFamily="18" charset="0"/>
+                <a:cs typeface="Times New Roman" panose="02020603050405020304" pitchFamily="18" charset="0"/>
+              </a:rPr>
+              <a:t>tela externa)</a:t>
+            </a:r>
+          </a:p>
+          <a:p>
+            <a:pPr algn="just">
+              <a:buFont typeface="Wingdings" panose="05000000000000000000" pitchFamily="2" charset="2"/>
+              <a:buChar char="§"/>
+            </a:pPr>
+            <a:r>
+              <a:rPr lang="pt-BR" sz="2000" dirty="0">
+                <a:solidFill>
+                  <a:schemeClr val="tx1"/>
+                </a:solidFill>
+                <a:latin typeface="Times New Roman" panose="02020603050405020304" pitchFamily="18" charset="0"/>
+                <a:cs typeface="Times New Roman" panose="02020603050405020304" pitchFamily="18" charset="0"/>
+              </a:rPr>
+              <a:t>Controlador </a:t>
+            </a:r>
+            <a:r>
+              <a:rPr lang="pt-BR" sz="2000" dirty="0" err="1">
+                <a:solidFill>
+                  <a:schemeClr val="tx1"/>
+                </a:solidFill>
+                <a:latin typeface="Times New Roman" panose="02020603050405020304" pitchFamily="18" charset="0"/>
+                <a:cs typeface="Times New Roman" panose="02020603050405020304" pitchFamily="18" charset="0"/>
+              </a:rPr>
+              <a:t>USB+Ethernet</a:t>
+            </a:r>
+            <a:r>
+              <a:rPr lang="pt-BR" sz="2000" dirty="0">
+                <a:solidFill>
+                  <a:schemeClr val="tx1"/>
+                </a:solidFill>
+                <a:latin typeface="Times New Roman" panose="02020603050405020304" pitchFamily="18" charset="0"/>
+                <a:cs typeface="Times New Roman" panose="02020603050405020304" pitchFamily="18" charset="0"/>
+              </a:rPr>
+              <a:t> fast 10/100/1000</a:t>
+            </a:r>
+          </a:p>
+          <a:p>
+            <a:pPr algn="just">
+              <a:buFont typeface="Wingdings" panose="05000000000000000000" pitchFamily="2" charset="2"/>
+              <a:buChar char="§"/>
+            </a:pPr>
+            <a:r>
+              <a:rPr lang="pt-BR" sz="2000" dirty="0">
+                <a:solidFill>
+                  <a:schemeClr val="tx1"/>
+                </a:solidFill>
+                <a:latin typeface="Times New Roman" panose="02020603050405020304" pitchFamily="18" charset="0"/>
+                <a:cs typeface="Times New Roman" panose="02020603050405020304" pitchFamily="18" charset="0"/>
+              </a:rPr>
+              <a:t>USB 2x; 3.0; 2x 2.0 (</a:t>
+            </a:r>
+            <a:r>
+              <a:rPr lang="pt-BR" sz="2000" b="1" dirty="0">
+                <a:solidFill>
+                  <a:schemeClr val="tx1"/>
+                </a:solidFill>
+                <a:latin typeface="Times New Roman" panose="02020603050405020304" pitchFamily="18" charset="0"/>
+                <a:cs typeface="Times New Roman" panose="02020603050405020304" pitchFamily="18" charset="0"/>
+              </a:rPr>
+              <a:t>modelos atuais</a:t>
+            </a:r>
+            <a:r>
+              <a:rPr lang="pt-BR" sz="2000" dirty="0">
+                <a:solidFill>
+                  <a:schemeClr val="tx1"/>
+                </a:solidFill>
+                <a:latin typeface="Times New Roman" panose="02020603050405020304" pitchFamily="18" charset="0"/>
+                <a:cs typeface="Times New Roman" panose="02020603050405020304" pitchFamily="18" charset="0"/>
+              </a:rPr>
+              <a:t>); POE (</a:t>
+            </a:r>
+            <a:r>
+              <a:rPr lang="pt-BR" sz="2000" b="1" dirty="0">
+                <a:solidFill>
+                  <a:schemeClr val="tx1"/>
+                </a:solidFill>
+                <a:latin typeface="Times New Roman" panose="02020603050405020304" pitchFamily="18" charset="0"/>
+                <a:cs typeface="Times New Roman" panose="02020603050405020304" pitchFamily="18" charset="0"/>
+              </a:rPr>
+              <a:t>Power; Over; Ethernet</a:t>
+            </a:r>
+            <a:r>
+              <a:rPr lang="pt-BR" sz="2000" dirty="0">
+                <a:solidFill>
+                  <a:schemeClr val="tx1"/>
+                </a:solidFill>
+                <a:latin typeface="Times New Roman" panose="02020603050405020304" pitchFamily="18" charset="0"/>
+                <a:cs typeface="Times New Roman" panose="02020603050405020304" pitchFamily="18" charset="0"/>
+              </a:rPr>
+              <a:t>)</a:t>
+            </a:r>
+          </a:p>
+          <a:p>
+            <a:pPr algn="just">
+              <a:buFont typeface="Wingdings" panose="05000000000000000000" pitchFamily="2" charset="2"/>
+              <a:buChar char="§"/>
+            </a:pPr>
+            <a:r>
+              <a:rPr lang="pt-BR" sz="2000" dirty="0">
+                <a:solidFill>
+                  <a:schemeClr val="tx1"/>
+                </a:solidFill>
+                <a:latin typeface="Times New Roman" panose="02020603050405020304" pitchFamily="18" charset="0"/>
+                <a:cs typeface="Times New Roman" panose="02020603050405020304" pitchFamily="18" charset="0"/>
+              </a:rPr>
+              <a:t>Ethernet; WiFi b/g/n/ac; Bluetooth 5.0; </a:t>
+            </a:r>
+            <a:r>
+              <a:rPr lang="pt-BR" sz="2000" dirty="0" err="1">
+                <a:solidFill>
+                  <a:schemeClr val="tx1"/>
+                </a:solidFill>
+                <a:latin typeface="Times New Roman" panose="02020603050405020304" pitchFamily="18" charset="0"/>
+                <a:cs typeface="Times New Roman" panose="02020603050405020304" pitchFamily="18" charset="0"/>
+              </a:rPr>
+              <a:t>SoC</a:t>
+            </a:r>
+            <a:r>
+              <a:rPr lang="pt-BR" sz="2000" dirty="0">
+                <a:solidFill>
+                  <a:schemeClr val="tx1"/>
+                </a:solidFill>
+                <a:latin typeface="Times New Roman" panose="02020603050405020304" pitchFamily="18" charset="0"/>
+                <a:cs typeface="Times New Roman" panose="02020603050405020304" pitchFamily="18" charset="0"/>
+              </a:rPr>
+              <a:t>: (</a:t>
+            </a:r>
+            <a:r>
+              <a:rPr lang="pt-BR" sz="2000" b="1" dirty="0">
+                <a:solidFill>
+                  <a:schemeClr val="tx1"/>
+                </a:solidFill>
+                <a:latin typeface="Times New Roman" panose="02020603050405020304" pitchFamily="18" charset="0"/>
+                <a:cs typeface="Times New Roman" panose="02020603050405020304" pitchFamily="18" charset="0"/>
+              </a:rPr>
+              <a:t>CPU/GPU/RAM</a:t>
+            </a:r>
+            <a:r>
+              <a:rPr lang="pt-BR" sz="2000" dirty="0">
+                <a:solidFill>
+                  <a:schemeClr val="tx1"/>
+                </a:solidFill>
+                <a:latin typeface="Times New Roman" panose="02020603050405020304" pitchFamily="18" charset="0"/>
+                <a:cs typeface="Times New Roman" panose="02020603050405020304" pitchFamily="18" charset="0"/>
+              </a:rPr>
+              <a:t>)</a:t>
+            </a:r>
+          </a:p>
+          <a:p>
+            <a:pPr algn="just">
+              <a:buFont typeface="Wingdings" panose="05000000000000000000" pitchFamily="2" charset="2"/>
+              <a:buChar char="§"/>
+            </a:pPr>
+            <a:r>
+              <a:rPr lang="pt-BR" sz="2000" dirty="0" err="1">
+                <a:solidFill>
+                  <a:schemeClr val="tx1"/>
+                </a:solidFill>
+                <a:latin typeface="Times New Roman" panose="02020603050405020304" pitchFamily="18" charset="0"/>
+                <a:cs typeface="Times New Roman" panose="02020603050405020304" pitchFamily="18" charset="0"/>
+              </a:rPr>
+              <a:t>SoC</a:t>
+            </a:r>
+            <a:r>
+              <a:rPr lang="pt-BR" sz="2000" dirty="0">
+                <a:solidFill>
+                  <a:schemeClr val="tx1"/>
+                </a:solidFill>
+                <a:latin typeface="Times New Roman" panose="02020603050405020304" pitchFamily="18" charset="0"/>
+                <a:cs typeface="Times New Roman" panose="02020603050405020304" pitchFamily="18" charset="0"/>
+              </a:rPr>
+              <a:t>: (</a:t>
+            </a:r>
+            <a:r>
+              <a:rPr lang="pt-BR" sz="2000" b="1" dirty="0">
+                <a:solidFill>
+                  <a:srgbClr val="FF0000"/>
+                </a:solidFill>
+                <a:latin typeface="Times New Roman" panose="02020603050405020304" pitchFamily="18" charset="0"/>
+                <a:cs typeface="Times New Roman" panose="02020603050405020304" pitchFamily="18" charset="0"/>
+              </a:rPr>
+              <a:t>CPU/GPU</a:t>
+            </a:r>
+            <a:r>
+              <a:rPr lang="pt-BR" sz="2000" dirty="0">
+                <a:solidFill>
+                  <a:schemeClr val="tx1"/>
+                </a:solidFill>
+                <a:latin typeface="Times New Roman" panose="02020603050405020304" pitchFamily="18" charset="0"/>
+                <a:cs typeface="Times New Roman" panose="02020603050405020304" pitchFamily="18" charset="0"/>
+              </a:rPr>
+              <a:t>) – 4cores; 64bits; 1.5GHz, ou superior; 1GB DDR4 RAM</a:t>
+            </a:r>
+          </a:p>
+          <a:p>
+            <a:pPr algn="just">
+              <a:buFont typeface="Wingdings" panose="05000000000000000000" pitchFamily="2" charset="2"/>
+              <a:buChar char="§"/>
+            </a:pPr>
+            <a:r>
+              <a:rPr lang="pt-BR" sz="2000" dirty="0">
+                <a:solidFill>
+                  <a:schemeClr val="tx1"/>
+                </a:solidFill>
+                <a:latin typeface="Times New Roman" panose="02020603050405020304" pitchFamily="18" charset="0"/>
+                <a:cs typeface="Times New Roman" panose="02020603050405020304" pitchFamily="18" charset="0"/>
+              </a:rPr>
+              <a:t>Micro HDMI; </a:t>
+            </a:r>
+            <a:r>
+              <a:rPr lang="pt-BR" sz="2000" dirty="0" err="1">
+                <a:solidFill>
+                  <a:schemeClr val="tx1"/>
+                </a:solidFill>
+                <a:latin typeface="Times New Roman" panose="02020603050405020304" pitchFamily="18" charset="0"/>
+                <a:cs typeface="Times New Roman" panose="02020603050405020304" pitchFamily="18" charset="0"/>
+              </a:rPr>
+              <a:t>GPio</a:t>
+            </a:r>
+            <a:r>
+              <a:rPr lang="pt-BR" sz="2000" dirty="0">
+                <a:solidFill>
+                  <a:schemeClr val="tx1"/>
+                </a:solidFill>
+                <a:latin typeface="Times New Roman" panose="02020603050405020304" pitchFamily="18" charset="0"/>
+                <a:cs typeface="Times New Roman" panose="02020603050405020304" pitchFamily="18" charset="0"/>
+              </a:rPr>
+              <a:t> </a:t>
+            </a:r>
+            <a:r>
+              <a:rPr lang="pt-BR" sz="2000" b="1" dirty="0">
+                <a:solidFill>
+                  <a:schemeClr val="tx1"/>
+                </a:solidFill>
+                <a:latin typeface="Times New Roman" panose="02020603050405020304" pitchFamily="18" charset="0"/>
+                <a:cs typeface="Times New Roman" panose="02020603050405020304" pitchFamily="18" charset="0"/>
+              </a:rPr>
+              <a:t>40 pinos</a:t>
+            </a:r>
+            <a:r>
+              <a:rPr lang="pt-BR" sz="2000" dirty="0">
+                <a:solidFill>
+                  <a:schemeClr val="tx1"/>
+                </a:solidFill>
+                <a:latin typeface="Times New Roman" panose="02020603050405020304" pitchFamily="18" charset="0"/>
+                <a:cs typeface="Times New Roman" panose="02020603050405020304" pitchFamily="18" charset="0"/>
+              </a:rPr>
+              <a:t> (sensores; circuito; motor; acender/apagar, </a:t>
+            </a:r>
+            <a:r>
+              <a:rPr lang="pt-BR" sz="2000" dirty="0" err="1">
+                <a:solidFill>
+                  <a:schemeClr val="tx1"/>
+                </a:solidFill>
+                <a:latin typeface="Times New Roman" panose="02020603050405020304" pitchFamily="18" charset="0"/>
+                <a:cs typeface="Times New Roman" panose="02020603050405020304" pitchFamily="18" charset="0"/>
+              </a:rPr>
+              <a:t>etc</a:t>
+            </a:r>
+            <a:r>
+              <a:rPr lang="pt-BR" sz="2000" dirty="0">
+                <a:solidFill>
+                  <a:schemeClr val="tx1"/>
+                </a:solidFill>
+                <a:latin typeface="Times New Roman" panose="02020603050405020304" pitchFamily="18" charset="0"/>
+                <a:cs typeface="Times New Roman" panose="02020603050405020304" pitchFamily="18" charset="0"/>
+              </a:rPr>
+              <a:t>)</a:t>
+            </a:r>
+          </a:p>
+          <a:p>
+            <a:pPr algn="just">
+              <a:buFont typeface="Wingdings" panose="05000000000000000000" pitchFamily="2" charset="2"/>
+              <a:buChar char="§"/>
+            </a:pPr>
+            <a:r>
+              <a:rPr lang="pt-BR" sz="2000" dirty="0">
+                <a:solidFill>
+                  <a:schemeClr val="tx1"/>
+                </a:solidFill>
+                <a:latin typeface="Times New Roman" panose="02020603050405020304" pitchFamily="18" charset="0"/>
+                <a:cs typeface="Times New Roman" panose="02020603050405020304" pitchFamily="18" charset="0"/>
+              </a:rPr>
+              <a:t>Carregador de 5V – Alimentação; </a:t>
+            </a:r>
+            <a:r>
+              <a:rPr lang="pt-BR" sz="2000" dirty="0" err="1">
+                <a:solidFill>
+                  <a:schemeClr val="tx1"/>
+                </a:solidFill>
+                <a:latin typeface="Times New Roman" panose="02020603050405020304" pitchFamily="18" charset="0"/>
+                <a:cs typeface="Times New Roman" panose="02020603050405020304" pitchFamily="18" charset="0"/>
+              </a:rPr>
+              <a:t>microUSB</a:t>
+            </a:r>
+            <a:r>
+              <a:rPr lang="pt-BR" sz="2000" dirty="0">
+                <a:solidFill>
+                  <a:schemeClr val="tx1"/>
+                </a:solidFill>
+                <a:latin typeface="Times New Roman" panose="02020603050405020304" pitchFamily="18" charset="0"/>
+                <a:cs typeface="Times New Roman" panose="02020603050405020304" pitchFamily="18" charset="0"/>
+              </a:rPr>
+              <a:t> </a:t>
+            </a:r>
+            <a:r>
+              <a:rPr lang="pt-BR" sz="2000" b="1" dirty="0">
+                <a:solidFill>
+                  <a:schemeClr val="tx1"/>
+                </a:solidFill>
+                <a:latin typeface="Times New Roman" panose="02020603050405020304" pitchFamily="18" charset="0"/>
+                <a:cs typeface="Times New Roman" panose="02020603050405020304" pitchFamily="18" charset="0"/>
+              </a:rPr>
+              <a:t>fonte 5V</a:t>
+            </a:r>
+            <a:r>
+              <a:rPr lang="pt-BR" sz="2000" dirty="0">
+                <a:solidFill>
+                  <a:schemeClr val="tx1"/>
+                </a:solidFill>
+                <a:latin typeface="Times New Roman" panose="02020603050405020304" pitchFamily="18" charset="0"/>
+                <a:cs typeface="Times New Roman" panose="02020603050405020304" pitchFamily="18" charset="0"/>
+              </a:rPr>
+              <a:t> (consome </a:t>
+            </a:r>
+            <a:r>
+              <a:rPr lang="pt-BR" sz="2000" b="1" dirty="0">
+                <a:solidFill>
+                  <a:srgbClr val="FF0000"/>
+                </a:solidFill>
+                <a:latin typeface="Times New Roman" panose="02020603050405020304" pitchFamily="18" charset="0"/>
+                <a:cs typeface="Times New Roman" panose="02020603050405020304" pitchFamily="18" charset="0"/>
+              </a:rPr>
+              <a:t>3A</a:t>
+            </a:r>
+            <a:r>
+              <a:rPr lang="pt-BR" sz="2000" dirty="0">
+                <a:solidFill>
+                  <a:schemeClr val="tx1"/>
+                </a:solidFill>
+                <a:latin typeface="Times New Roman" panose="02020603050405020304" pitchFamily="18" charset="0"/>
+                <a:cs typeface="Times New Roman" panose="02020603050405020304" pitchFamily="18" charset="0"/>
+              </a:rPr>
+              <a:t>)</a:t>
+            </a:r>
+          </a:p>
+          <a:p>
+            <a:pPr algn="just">
+              <a:buFont typeface="Wingdings" panose="05000000000000000000" pitchFamily="2" charset="2"/>
+              <a:buChar char="§"/>
+            </a:pPr>
+            <a:r>
+              <a:rPr lang="pt-BR" sz="2000" dirty="0" err="1">
+                <a:solidFill>
+                  <a:schemeClr val="tx1"/>
+                </a:solidFill>
+                <a:latin typeface="Times New Roman" panose="02020603050405020304" pitchFamily="18" charset="0"/>
+                <a:cs typeface="Times New Roman" panose="02020603050405020304" pitchFamily="18" charset="0"/>
+              </a:rPr>
+              <a:t>CSi</a:t>
+            </a:r>
+            <a:r>
+              <a:rPr lang="pt-BR" sz="2000" dirty="0">
+                <a:solidFill>
+                  <a:schemeClr val="tx1"/>
+                </a:solidFill>
+                <a:latin typeface="Times New Roman" panose="02020603050405020304" pitchFamily="18" charset="0"/>
+                <a:cs typeface="Times New Roman" panose="02020603050405020304" pitchFamily="18" charset="0"/>
+              </a:rPr>
+              <a:t> (</a:t>
+            </a:r>
+            <a:r>
+              <a:rPr lang="pt-BR" sz="2000" b="1" dirty="0">
+                <a:solidFill>
+                  <a:schemeClr val="tx1"/>
+                </a:solidFill>
+                <a:latin typeface="Times New Roman" panose="02020603050405020304" pitchFamily="18" charset="0"/>
+                <a:cs typeface="Times New Roman" panose="02020603050405020304" pitchFamily="18" charset="0"/>
+              </a:rPr>
+              <a:t>Interface Serial Câmera</a:t>
+            </a:r>
+            <a:r>
+              <a:rPr lang="pt-BR" sz="2000" dirty="0">
+                <a:solidFill>
+                  <a:schemeClr val="tx1"/>
+                </a:solidFill>
+                <a:latin typeface="Times New Roman" panose="02020603050405020304" pitchFamily="18" charset="0"/>
+                <a:cs typeface="Times New Roman" panose="02020603050405020304" pitchFamily="18" charset="0"/>
+              </a:rPr>
+              <a:t>); Leds de Status: </a:t>
+            </a:r>
+            <a:r>
+              <a:rPr lang="pt-BR" sz="2000" dirty="0" err="1">
+                <a:solidFill>
+                  <a:schemeClr val="tx1"/>
+                </a:solidFill>
+                <a:latin typeface="Times New Roman" panose="02020603050405020304" pitchFamily="18" charset="0"/>
+                <a:cs typeface="Times New Roman" panose="02020603050405020304" pitchFamily="18" charset="0"/>
+              </a:rPr>
+              <a:t>FDx</a:t>
+            </a:r>
+            <a:r>
+              <a:rPr lang="pt-BR" sz="2000" dirty="0">
+                <a:solidFill>
+                  <a:schemeClr val="tx1"/>
+                </a:solidFill>
+                <a:latin typeface="Times New Roman" panose="02020603050405020304" pitchFamily="18" charset="0"/>
+                <a:cs typeface="Times New Roman" panose="02020603050405020304" pitchFamily="18" charset="0"/>
+              </a:rPr>
+              <a:t>; </a:t>
+            </a:r>
+            <a:r>
+              <a:rPr lang="pt-BR" sz="2000" dirty="0" err="1">
+                <a:solidFill>
+                  <a:schemeClr val="tx1"/>
+                </a:solidFill>
+                <a:latin typeface="Times New Roman" panose="02020603050405020304" pitchFamily="18" charset="0"/>
+                <a:cs typeface="Times New Roman" panose="02020603050405020304" pitchFamily="18" charset="0"/>
+              </a:rPr>
+              <a:t>Lnk</a:t>
+            </a:r>
+            <a:r>
+              <a:rPr lang="pt-BR" sz="2000" dirty="0">
+                <a:solidFill>
+                  <a:schemeClr val="tx1"/>
+                </a:solidFill>
+                <a:latin typeface="Times New Roman" panose="02020603050405020304" pitchFamily="18" charset="0"/>
+                <a:cs typeface="Times New Roman" panose="02020603050405020304" pitchFamily="18" charset="0"/>
+              </a:rPr>
+              <a:t>; ACT; PWR)</a:t>
+            </a:r>
+          </a:p>
+        </p:txBody>
+      </p:sp>
+    </p:spTree>
+    <p:extLst>
+      <p:ext uri="{BB962C8B-B14F-4D97-AF65-F5344CB8AC3E}">
+        <p14:creationId xmlns:p14="http://schemas.microsoft.com/office/powerpoint/2010/main" val="1647064094"/>
+      </p:ext>
+    </p:extLst>
   </p:cSld>
   <p:clrMapOvr>
     <a:masterClrMapping/>

--- a/01 Classes/Aula 06 - Aplicação Cloud Indústria 40 Python IoT Plataforma Raspberry PI.pptx
+++ b/01 Classes/Aula 06 - Aplicação Cloud Indústria 40 Python IoT Plataforma Raspberry PI.pptx
@@ -5,7 +5,7 @@
     <p:sldMasterId id="2147483648" r:id="rId1"/>
   </p:sldMasterIdLst>
   <p:notesMasterIdLst>
-    <p:notesMasterId r:id="rId24"/>
+    <p:notesMasterId r:id="rId29"/>
   </p:notesMasterIdLst>
   <p:sldIdLst>
     <p:sldId id="383" r:id="rId2"/>
@@ -25,11 +25,16 @@
     <p:sldId id="364" r:id="rId16"/>
     <p:sldId id="376" r:id="rId17"/>
     <p:sldId id="377" r:id="rId18"/>
-    <p:sldId id="333" r:id="rId19"/>
-    <p:sldId id="323" r:id="rId20"/>
-    <p:sldId id="334" r:id="rId21"/>
-    <p:sldId id="337" r:id="rId22"/>
-    <p:sldId id="385" r:id="rId23"/>
+    <p:sldId id="386" r:id="rId19"/>
+    <p:sldId id="387" r:id="rId20"/>
+    <p:sldId id="388" r:id="rId21"/>
+    <p:sldId id="389" r:id="rId22"/>
+    <p:sldId id="390" r:id="rId23"/>
+    <p:sldId id="333" r:id="rId24"/>
+    <p:sldId id="323" r:id="rId25"/>
+    <p:sldId id="334" r:id="rId26"/>
+    <p:sldId id="337" r:id="rId27"/>
+    <p:sldId id="385" r:id="rId28"/>
   </p:sldIdLst>
   <p:sldSz cx="9144000" cy="5143500" type="screen16x9"/>
   <p:notesSz cx="6858000" cy="9144000"/>
@@ -1094,7 +1099,7 @@
     </p:spTree>
     <p:extLst>
       <p:ext uri="{BB962C8B-B14F-4D97-AF65-F5344CB8AC3E}">
-        <p14:creationId xmlns:p14="http://schemas.microsoft.com/office/powerpoint/2010/main" val="585304384"/>
+        <p14:creationId xmlns:p14="http://schemas.microsoft.com/office/powerpoint/2010/main" val="119661871"/>
       </p:ext>
     </p:extLst>
   </p:cSld>
@@ -1160,7 +1165,7 @@
     </p:spTree>
     <p:extLst>
       <p:ext uri="{BB962C8B-B14F-4D97-AF65-F5344CB8AC3E}">
-        <p14:creationId xmlns:p14="http://schemas.microsoft.com/office/powerpoint/2010/main" val="2709569597"/>
+        <p14:creationId xmlns:p14="http://schemas.microsoft.com/office/powerpoint/2010/main" val="3351834299"/>
       </p:ext>
     </p:extLst>
   </p:cSld>
@@ -1226,7 +1231,7 @@
     </p:spTree>
     <p:extLst>
       <p:ext uri="{BB962C8B-B14F-4D97-AF65-F5344CB8AC3E}">
-        <p14:creationId xmlns:p14="http://schemas.microsoft.com/office/powerpoint/2010/main" val="2296249050"/>
+        <p14:creationId xmlns:p14="http://schemas.microsoft.com/office/powerpoint/2010/main" val="470989309"/>
       </p:ext>
     </p:extLst>
   </p:cSld>
@@ -1303,6 +1308,336 @@
 </file>
 
 <file path=ppt/notesSlides/notesSlide20.xml><?xml version="1.0" encoding="utf-8"?>
+<p:notes xmlns:a="http://schemas.openxmlformats.org/drawingml/2006/main" xmlns:r="http://schemas.openxmlformats.org/officeDocument/2006/relationships" xmlns:p="http://schemas.openxmlformats.org/presentationml/2006/main">
+  <p:cSld>
+    <p:spTree>
+      <p:nvGrpSpPr>
+        <p:cNvPr id="1" name=""/>
+        <p:cNvGrpSpPr/>
+        <p:nvPr/>
+      </p:nvGrpSpPr>
+      <p:grpSpPr>
+        <a:xfrm>
+          <a:off x="0" y="0"/>
+          <a:ext cx="0" cy="0"/>
+          <a:chOff x="0" y="0"/>
+          <a:chExt cx="0" cy="0"/>
+        </a:xfrm>
+      </p:grpSpPr>
+      <p:sp>
+        <p:nvSpPr>
+          <p:cNvPr id="2" name="Espaço Reservado para Imagem de Slide 1"/>
+          <p:cNvSpPr>
+            <a:spLocks noGrp="1" noRot="1" noChangeAspect="1"/>
+          </p:cNvSpPr>
+          <p:nvPr>
+            <p:ph type="sldImg"/>
+          </p:nvPr>
+        </p:nvSpPr>
+        <p:spPr>
+          <a:xfrm>
+            <a:off x="381000" y="685800"/>
+            <a:ext cx="6096000" cy="3429000"/>
+          </a:xfrm>
+        </p:spPr>
+      </p:sp>
+      <p:sp>
+        <p:nvSpPr>
+          <p:cNvPr id="3" name="Espaço Reservado para Anotações 2"/>
+          <p:cNvSpPr>
+            <a:spLocks noGrp="1"/>
+          </p:cNvSpPr>
+          <p:nvPr>
+            <p:ph type="body" idx="1"/>
+          </p:nvPr>
+        </p:nvSpPr>
+        <p:spPr/>
+        <p:txBody>
+          <a:bodyPr/>
+          <a:lstStyle/>
+          <a:p>
+            <a:endParaRPr lang="pt-BR" dirty="0"/>
+          </a:p>
+        </p:txBody>
+      </p:sp>
+    </p:spTree>
+    <p:extLst>
+      <p:ext uri="{BB962C8B-B14F-4D97-AF65-F5344CB8AC3E}">
+        <p14:creationId xmlns:p14="http://schemas.microsoft.com/office/powerpoint/2010/main" val="84197120"/>
+      </p:ext>
+    </p:extLst>
+  </p:cSld>
+  <p:clrMapOvr>
+    <a:masterClrMapping/>
+  </p:clrMapOvr>
+</p:notes>
+</file>
+
+<file path=ppt/notesSlides/notesSlide21.xml><?xml version="1.0" encoding="utf-8"?>
+<p:notes xmlns:a="http://schemas.openxmlformats.org/drawingml/2006/main" xmlns:r="http://schemas.openxmlformats.org/officeDocument/2006/relationships" xmlns:p="http://schemas.openxmlformats.org/presentationml/2006/main">
+  <p:cSld>
+    <p:spTree>
+      <p:nvGrpSpPr>
+        <p:cNvPr id="1" name=""/>
+        <p:cNvGrpSpPr/>
+        <p:nvPr/>
+      </p:nvGrpSpPr>
+      <p:grpSpPr>
+        <a:xfrm>
+          <a:off x="0" y="0"/>
+          <a:ext cx="0" cy="0"/>
+          <a:chOff x="0" y="0"/>
+          <a:chExt cx="0" cy="0"/>
+        </a:xfrm>
+      </p:grpSpPr>
+      <p:sp>
+        <p:nvSpPr>
+          <p:cNvPr id="2" name="Espaço Reservado para Imagem de Slide 1"/>
+          <p:cNvSpPr>
+            <a:spLocks noGrp="1" noRot="1" noChangeAspect="1"/>
+          </p:cNvSpPr>
+          <p:nvPr>
+            <p:ph type="sldImg"/>
+          </p:nvPr>
+        </p:nvSpPr>
+        <p:spPr>
+          <a:xfrm>
+            <a:off x="381000" y="685800"/>
+            <a:ext cx="6096000" cy="3429000"/>
+          </a:xfrm>
+        </p:spPr>
+      </p:sp>
+      <p:sp>
+        <p:nvSpPr>
+          <p:cNvPr id="3" name="Espaço Reservado para Anotações 2"/>
+          <p:cNvSpPr>
+            <a:spLocks noGrp="1"/>
+          </p:cNvSpPr>
+          <p:nvPr>
+            <p:ph type="body" idx="1"/>
+          </p:nvPr>
+        </p:nvSpPr>
+        <p:spPr/>
+        <p:txBody>
+          <a:bodyPr/>
+          <a:lstStyle/>
+          <a:p>
+            <a:endParaRPr lang="pt-BR" dirty="0"/>
+          </a:p>
+        </p:txBody>
+      </p:sp>
+    </p:spTree>
+    <p:extLst>
+      <p:ext uri="{BB962C8B-B14F-4D97-AF65-F5344CB8AC3E}">
+        <p14:creationId xmlns:p14="http://schemas.microsoft.com/office/powerpoint/2010/main" val="1755262018"/>
+      </p:ext>
+    </p:extLst>
+  </p:cSld>
+  <p:clrMapOvr>
+    <a:masterClrMapping/>
+  </p:clrMapOvr>
+</p:notes>
+</file>
+
+<file path=ppt/notesSlides/notesSlide22.xml><?xml version="1.0" encoding="utf-8"?>
+<p:notes xmlns:a="http://schemas.openxmlformats.org/drawingml/2006/main" xmlns:r="http://schemas.openxmlformats.org/officeDocument/2006/relationships" xmlns:p="http://schemas.openxmlformats.org/presentationml/2006/main">
+  <p:cSld>
+    <p:spTree>
+      <p:nvGrpSpPr>
+        <p:cNvPr id="1" name=""/>
+        <p:cNvGrpSpPr/>
+        <p:nvPr/>
+      </p:nvGrpSpPr>
+      <p:grpSpPr>
+        <a:xfrm>
+          <a:off x="0" y="0"/>
+          <a:ext cx="0" cy="0"/>
+          <a:chOff x="0" y="0"/>
+          <a:chExt cx="0" cy="0"/>
+        </a:xfrm>
+      </p:grpSpPr>
+      <p:sp>
+        <p:nvSpPr>
+          <p:cNvPr id="2" name="Espaço Reservado para Imagem de Slide 1"/>
+          <p:cNvSpPr>
+            <a:spLocks noGrp="1" noRot="1" noChangeAspect="1"/>
+          </p:cNvSpPr>
+          <p:nvPr>
+            <p:ph type="sldImg"/>
+          </p:nvPr>
+        </p:nvSpPr>
+        <p:spPr>
+          <a:xfrm>
+            <a:off x="381000" y="685800"/>
+            <a:ext cx="6096000" cy="3429000"/>
+          </a:xfrm>
+        </p:spPr>
+      </p:sp>
+      <p:sp>
+        <p:nvSpPr>
+          <p:cNvPr id="3" name="Espaço Reservado para Anotações 2"/>
+          <p:cNvSpPr>
+            <a:spLocks noGrp="1"/>
+          </p:cNvSpPr>
+          <p:nvPr>
+            <p:ph type="body" idx="1"/>
+          </p:nvPr>
+        </p:nvSpPr>
+        <p:spPr/>
+        <p:txBody>
+          <a:bodyPr/>
+          <a:lstStyle/>
+          <a:p>
+            <a:endParaRPr lang="pt-BR" dirty="0"/>
+          </a:p>
+        </p:txBody>
+      </p:sp>
+    </p:spTree>
+    <p:extLst>
+      <p:ext uri="{BB962C8B-B14F-4D97-AF65-F5344CB8AC3E}">
+        <p14:creationId xmlns:p14="http://schemas.microsoft.com/office/powerpoint/2010/main" val="585304384"/>
+      </p:ext>
+    </p:extLst>
+  </p:cSld>
+  <p:clrMapOvr>
+    <a:masterClrMapping/>
+  </p:clrMapOvr>
+</p:notes>
+</file>
+
+<file path=ppt/notesSlides/notesSlide23.xml><?xml version="1.0" encoding="utf-8"?>
+<p:notes xmlns:a="http://schemas.openxmlformats.org/drawingml/2006/main" xmlns:r="http://schemas.openxmlformats.org/officeDocument/2006/relationships" xmlns:p="http://schemas.openxmlformats.org/presentationml/2006/main">
+  <p:cSld>
+    <p:spTree>
+      <p:nvGrpSpPr>
+        <p:cNvPr id="1" name=""/>
+        <p:cNvGrpSpPr/>
+        <p:nvPr/>
+      </p:nvGrpSpPr>
+      <p:grpSpPr>
+        <a:xfrm>
+          <a:off x="0" y="0"/>
+          <a:ext cx="0" cy="0"/>
+          <a:chOff x="0" y="0"/>
+          <a:chExt cx="0" cy="0"/>
+        </a:xfrm>
+      </p:grpSpPr>
+      <p:sp>
+        <p:nvSpPr>
+          <p:cNvPr id="2" name="Espaço Reservado para Imagem de Slide 1"/>
+          <p:cNvSpPr>
+            <a:spLocks noGrp="1" noRot="1" noChangeAspect="1"/>
+          </p:cNvSpPr>
+          <p:nvPr>
+            <p:ph type="sldImg"/>
+          </p:nvPr>
+        </p:nvSpPr>
+        <p:spPr>
+          <a:xfrm>
+            <a:off x="381000" y="685800"/>
+            <a:ext cx="6096000" cy="3429000"/>
+          </a:xfrm>
+        </p:spPr>
+      </p:sp>
+      <p:sp>
+        <p:nvSpPr>
+          <p:cNvPr id="3" name="Espaço Reservado para Anotações 2"/>
+          <p:cNvSpPr>
+            <a:spLocks noGrp="1"/>
+          </p:cNvSpPr>
+          <p:nvPr>
+            <p:ph type="body" idx="1"/>
+          </p:nvPr>
+        </p:nvSpPr>
+        <p:spPr/>
+        <p:txBody>
+          <a:bodyPr/>
+          <a:lstStyle/>
+          <a:p>
+            <a:endParaRPr lang="pt-BR" dirty="0"/>
+          </a:p>
+        </p:txBody>
+      </p:sp>
+    </p:spTree>
+    <p:extLst>
+      <p:ext uri="{BB962C8B-B14F-4D97-AF65-F5344CB8AC3E}">
+        <p14:creationId xmlns:p14="http://schemas.microsoft.com/office/powerpoint/2010/main" val="2709569597"/>
+      </p:ext>
+    </p:extLst>
+  </p:cSld>
+  <p:clrMapOvr>
+    <a:masterClrMapping/>
+  </p:clrMapOvr>
+</p:notes>
+</file>
+
+<file path=ppt/notesSlides/notesSlide24.xml><?xml version="1.0" encoding="utf-8"?>
+<p:notes xmlns:a="http://schemas.openxmlformats.org/drawingml/2006/main" xmlns:r="http://schemas.openxmlformats.org/officeDocument/2006/relationships" xmlns:p="http://schemas.openxmlformats.org/presentationml/2006/main">
+  <p:cSld>
+    <p:spTree>
+      <p:nvGrpSpPr>
+        <p:cNvPr id="1" name=""/>
+        <p:cNvGrpSpPr/>
+        <p:nvPr/>
+      </p:nvGrpSpPr>
+      <p:grpSpPr>
+        <a:xfrm>
+          <a:off x="0" y="0"/>
+          <a:ext cx="0" cy="0"/>
+          <a:chOff x="0" y="0"/>
+          <a:chExt cx="0" cy="0"/>
+        </a:xfrm>
+      </p:grpSpPr>
+      <p:sp>
+        <p:nvSpPr>
+          <p:cNvPr id="2" name="Espaço Reservado para Imagem de Slide 1"/>
+          <p:cNvSpPr>
+            <a:spLocks noGrp="1" noRot="1" noChangeAspect="1"/>
+          </p:cNvSpPr>
+          <p:nvPr>
+            <p:ph type="sldImg"/>
+          </p:nvPr>
+        </p:nvSpPr>
+        <p:spPr>
+          <a:xfrm>
+            <a:off x="381000" y="685800"/>
+            <a:ext cx="6096000" cy="3429000"/>
+          </a:xfrm>
+        </p:spPr>
+      </p:sp>
+      <p:sp>
+        <p:nvSpPr>
+          <p:cNvPr id="3" name="Espaço Reservado para Anotações 2"/>
+          <p:cNvSpPr>
+            <a:spLocks noGrp="1"/>
+          </p:cNvSpPr>
+          <p:nvPr>
+            <p:ph type="body" idx="1"/>
+          </p:nvPr>
+        </p:nvSpPr>
+        <p:spPr/>
+        <p:txBody>
+          <a:bodyPr/>
+          <a:lstStyle/>
+          <a:p>
+            <a:endParaRPr lang="pt-BR" dirty="0"/>
+          </a:p>
+        </p:txBody>
+      </p:sp>
+    </p:spTree>
+    <p:extLst>
+      <p:ext uri="{BB962C8B-B14F-4D97-AF65-F5344CB8AC3E}">
+        <p14:creationId xmlns:p14="http://schemas.microsoft.com/office/powerpoint/2010/main" val="2296249050"/>
+      </p:ext>
+    </p:extLst>
+  </p:cSld>
+  <p:clrMapOvr>
+    <a:masterClrMapping/>
+  </p:clrMapOvr>
+</p:notes>
+</file>
+
+<file path=ppt/notesSlides/notesSlide25.xml><?xml version="1.0" encoding="utf-8"?>
 <p:notes xmlns:a="http://schemas.openxmlformats.org/drawingml/2006/main" xmlns:r="http://schemas.openxmlformats.org/officeDocument/2006/relationships" xmlns:p="http://schemas.openxmlformats.org/presentationml/2006/main">
   <p:cSld>
     <p:spTree>
@@ -7428,34 +7763,13 @@
           <a:lstStyle/>
           <a:p>
             <a:r>
-              <a:rPr lang="en-US" b="1" dirty="0" err="1">
+              <a:rPr lang="en-US" b="1" dirty="0">
                 <a:solidFill>
                   <a:srgbClr val="0070C0"/>
                 </a:solidFill>
               </a:rPr>
-              <a:t>Leitura</a:t>
-            </a:r>
-            <a:r>
-              <a:rPr lang="en-US" b="1" dirty="0">
-                <a:solidFill>
-                  <a:srgbClr val="0070C0"/>
-                </a:solidFill>
-              </a:rPr>
-              <a:t> </a:t>
-            </a:r>
-            <a:r>
-              <a:rPr lang="en-US" b="1" dirty="0" err="1">
-                <a:solidFill>
-                  <a:srgbClr val="0070C0"/>
-                </a:solidFill>
-              </a:rPr>
-              <a:t>Específica</a:t>
-            </a:r>
-            <a:endParaRPr lang="en-US" b="1" dirty="0">
-              <a:solidFill>
-                <a:srgbClr val="0070C0"/>
-              </a:solidFill>
-            </a:endParaRPr>
+              <a:t>Raspberry Pi Pico ($4)</a:t>
+            </a:r>
           </a:p>
         </p:txBody>
       </p:sp>
@@ -7471,8 +7785,8 @@
         </p:nvSpPr>
         <p:spPr>
           <a:xfrm>
-            <a:off x="142865" y="1053846"/>
-            <a:ext cx="8865056" cy="3969258"/>
+            <a:off x="139472" y="1200150"/>
+            <a:ext cx="8865056" cy="3737370"/>
           </a:xfrm>
         </p:spPr>
         <p:txBody>
@@ -7481,193 +7795,214 @@
           </a:bodyPr>
           <a:lstStyle/>
           <a:p>
-            <a:pPr marL="0" indent="0" algn="just">
-              <a:buNone/>
+            <a:pPr algn="just">
+              <a:buFont typeface="Wingdings" panose="05000000000000000000" pitchFamily="2" charset="2"/>
+              <a:buChar char="§"/>
             </a:pPr>
             <a:r>
-              <a:rPr lang="pt-BR" sz="2000" dirty="0">
-                <a:latin typeface="Times New Roman" panose="02020603050405020304" pitchFamily="18" charset="0"/>
-                <a:cs typeface="Times New Roman" panose="02020603050405020304" pitchFamily="18" charset="0"/>
-              </a:rPr>
-              <a:t>[1] Introdução </a:t>
-            </a:r>
-            <a:r>
-              <a:rPr lang="pt-BR" sz="2000" dirty="0" err="1">
-                <a:latin typeface="Times New Roman" panose="02020603050405020304" pitchFamily="18" charset="0"/>
-                <a:cs typeface="Times New Roman" panose="02020603050405020304" pitchFamily="18" charset="0"/>
-              </a:rPr>
-              <a:t>Raspberry</a:t>
-            </a:r>
-            <a:r>
-              <a:rPr lang="pt-BR" sz="2000" dirty="0">
-                <a:latin typeface="Times New Roman" panose="02020603050405020304" pitchFamily="18" charset="0"/>
-                <a:cs typeface="Times New Roman" panose="02020603050405020304" pitchFamily="18" charset="0"/>
-              </a:rPr>
-              <a:t> Pi.</a:t>
-            </a:r>
-          </a:p>
-          <a:p>
-            <a:pPr marL="0" indent="0" algn="just">
-              <a:buNone/>
+              <a:rPr lang="pt-BR" sz="2400" b="1" dirty="0">
+                <a:latin typeface="Times New Roman" panose="02020603050405020304" pitchFamily="18" charset="0"/>
+                <a:cs typeface="Times New Roman" panose="02020603050405020304" pitchFamily="18" charset="0"/>
+              </a:rPr>
+              <a:t>Microcontrolador RP2040</a:t>
+            </a:r>
+            <a:r>
+              <a:rPr lang="pt-BR" sz="2400" dirty="0">
+                <a:latin typeface="Times New Roman" panose="02020603050405020304" pitchFamily="18" charset="0"/>
+                <a:cs typeface="Times New Roman" panose="02020603050405020304" pitchFamily="18" charset="0"/>
+              </a:rPr>
+              <a:t> (</a:t>
+            </a:r>
+            <a:r>
+              <a:rPr lang="pt-BR" sz="2400" b="1" dirty="0" err="1">
+                <a:solidFill>
+                  <a:srgbClr val="FF0000"/>
+                </a:solidFill>
+                <a:latin typeface="Times New Roman" panose="02020603050405020304" pitchFamily="18" charset="0"/>
+                <a:cs typeface="Times New Roman" panose="02020603050405020304" pitchFamily="18" charset="0"/>
+              </a:rPr>
+              <a:t>SoC</a:t>
+            </a:r>
+            <a:r>
+              <a:rPr lang="pt-BR" sz="2400" dirty="0">
+                <a:latin typeface="Times New Roman" panose="02020603050405020304" pitchFamily="18" charset="0"/>
+                <a:cs typeface="Times New Roman" panose="02020603050405020304" pitchFamily="18" charset="0"/>
+              </a:rPr>
+              <a:t>)</a:t>
+            </a:r>
+          </a:p>
+          <a:p>
+            <a:pPr algn="just">
+              <a:buFont typeface="Wingdings" panose="05000000000000000000" pitchFamily="2" charset="2"/>
+              <a:buChar char="§"/>
             </a:pPr>
             <a:r>
-              <a:rPr lang="pt-BR" sz="2000" b="1" dirty="0">
+              <a:rPr lang="pt-BR" sz="2400" dirty="0">
+                <a:latin typeface="Times New Roman" panose="02020603050405020304" pitchFamily="18" charset="0"/>
+                <a:cs typeface="Times New Roman" panose="02020603050405020304" pitchFamily="18" charset="0"/>
+              </a:rPr>
+              <a:t>Dual-core Cortex-M0+</a:t>
+            </a:r>
+          </a:p>
+          <a:p>
+            <a:pPr algn="just">
+              <a:buFont typeface="Wingdings" panose="05000000000000000000" pitchFamily="2" charset="2"/>
+              <a:buChar char="§"/>
+            </a:pPr>
+            <a:r>
+              <a:rPr lang="pt-BR" sz="2400" dirty="0">
+                <a:latin typeface="Times New Roman" panose="02020603050405020304" pitchFamily="18" charset="0"/>
+                <a:cs typeface="Times New Roman" panose="02020603050405020304" pitchFamily="18" charset="0"/>
+              </a:rPr>
+              <a:t>23 </a:t>
+            </a:r>
+            <a:r>
+              <a:rPr lang="pt-BR" sz="2400" dirty="0" err="1">
+                <a:latin typeface="Times New Roman" panose="02020603050405020304" pitchFamily="18" charset="0"/>
+                <a:cs typeface="Times New Roman" panose="02020603050405020304" pitchFamily="18" charset="0"/>
+              </a:rPr>
+              <a:t>GPIOs</a:t>
+            </a:r>
+            <a:r>
+              <a:rPr lang="pt-BR" sz="2400" dirty="0">
+                <a:latin typeface="Times New Roman" panose="02020603050405020304" pitchFamily="18" charset="0"/>
+                <a:cs typeface="Times New Roman" panose="02020603050405020304" pitchFamily="18" charset="0"/>
+              </a:rPr>
+              <a:t> (</a:t>
+            </a:r>
+            <a:r>
+              <a:rPr lang="pt-BR" sz="2400" b="1" dirty="0">
                 <a:solidFill>
                   <a:srgbClr val="FF0000"/>
                 </a:solidFill>
                 <a:latin typeface="Times New Roman" panose="02020603050405020304" pitchFamily="18" charset="0"/>
                 <a:cs typeface="Times New Roman" panose="02020603050405020304" pitchFamily="18" charset="0"/>
               </a:rPr>
-              <a:t>Disponível em: </a:t>
-            </a:r>
-            <a:r>
-              <a:rPr lang="pt-BR" sz="2000" dirty="0">
-                <a:latin typeface="Times New Roman" panose="02020603050405020304" pitchFamily="18" charset="0"/>
-                <a:cs typeface="Times New Roman" panose="02020603050405020304" pitchFamily="18" charset="0"/>
-                <a:hlinkClick r:id="rId3"/>
-              </a:rPr>
-              <a:t>https://www.tecnoveste.com.br/raspberry-pi-o-que-e-para-que-serve-e-como-funciona/</a:t>
-            </a:r>
-            <a:endParaRPr lang="pt-BR" sz="2000" dirty="0">
-              <a:latin typeface="Times New Roman" panose="02020603050405020304" pitchFamily="18" charset="0"/>
-              <a:cs typeface="Times New Roman" panose="02020603050405020304" pitchFamily="18" charset="0"/>
-            </a:endParaRPr>
-          </a:p>
-          <a:p>
-            <a:pPr marL="0" indent="0" algn="just">
-              <a:buNone/>
+              <a:t>sem os pinos</a:t>
+            </a:r>
+            <a:r>
+              <a:rPr lang="pt-BR" sz="2400" dirty="0">
+                <a:latin typeface="Times New Roman" panose="02020603050405020304" pitchFamily="18" charset="0"/>
+                <a:cs typeface="Times New Roman" panose="02020603050405020304" pitchFamily="18" charset="0"/>
+              </a:rPr>
+              <a:t>)</a:t>
+            </a:r>
+          </a:p>
+          <a:p>
+            <a:pPr algn="just">
+              <a:buFont typeface="Wingdings" panose="05000000000000000000" pitchFamily="2" charset="2"/>
+              <a:buChar char="§"/>
             </a:pPr>
-            <a:endParaRPr lang="pt-BR" sz="2000" dirty="0">
-              <a:latin typeface="Times New Roman" panose="02020603050405020304" pitchFamily="18" charset="0"/>
-              <a:cs typeface="Times New Roman" panose="02020603050405020304" pitchFamily="18" charset="0"/>
-            </a:endParaRPr>
-          </a:p>
-          <a:p>
-            <a:pPr marL="0" indent="0" algn="just">
-              <a:buNone/>
+            <a:r>
+              <a:rPr lang="pt-BR" sz="2400" dirty="0">
+                <a:latin typeface="Times New Roman" panose="02020603050405020304" pitchFamily="18" charset="0"/>
+                <a:cs typeface="Times New Roman" panose="02020603050405020304" pitchFamily="18" charset="0"/>
+              </a:rPr>
+              <a:t>2MB Flash</a:t>
+            </a:r>
+          </a:p>
+          <a:p>
+            <a:pPr algn="just">
+              <a:buFont typeface="Wingdings" panose="05000000000000000000" pitchFamily="2" charset="2"/>
+              <a:buChar char="§"/>
             </a:pPr>
             <a:r>
-              <a:rPr lang="pt-BR" sz="2000" dirty="0">
-                <a:latin typeface="Times New Roman" panose="02020603050405020304" pitchFamily="18" charset="0"/>
-                <a:cs typeface="Times New Roman" panose="02020603050405020304" pitchFamily="18" charset="0"/>
-              </a:rPr>
-              <a:t>[2] Site </a:t>
-            </a:r>
-            <a:r>
-              <a:rPr lang="pt-BR" sz="2000" dirty="0" err="1">
-                <a:latin typeface="Times New Roman" panose="02020603050405020304" pitchFamily="18" charset="0"/>
-                <a:cs typeface="Times New Roman" panose="02020603050405020304" pitchFamily="18" charset="0"/>
-              </a:rPr>
-              <a:t>Raspberry</a:t>
-            </a:r>
-            <a:r>
-              <a:rPr lang="pt-BR" sz="2000" dirty="0">
-                <a:latin typeface="Times New Roman" panose="02020603050405020304" pitchFamily="18" charset="0"/>
-                <a:cs typeface="Times New Roman" panose="02020603050405020304" pitchFamily="18" charset="0"/>
-              </a:rPr>
-              <a:t> Pi. </a:t>
-            </a:r>
-          </a:p>
-          <a:p>
-            <a:pPr marL="0" indent="0" algn="just">
-              <a:buNone/>
+              <a:rPr lang="pt-BR" sz="2400" dirty="0">
+                <a:latin typeface="Times New Roman" panose="02020603050405020304" pitchFamily="18" charset="0"/>
+                <a:cs typeface="Times New Roman" panose="02020603050405020304" pitchFamily="18" charset="0"/>
+              </a:rPr>
+              <a:t>264kB SRAM</a:t>
+            </a:r>
+          </a:p>
+          <a:p>
+            <a:pPr algn="just">
+              <a:buFont typeface="Wingdings" panose="05000000000000000000" pitchFamily="2" charset="2"/>
+              <a:buChar char="§"/>
             </a:pPr>
             <a:r>
-              <a:rPr lang="pt-BR" sz="2000" b="1" dirty="0">
-                <a:solidFill>
-                  <a:srgbClr val="FF0000"/>
-                </a:solidFill>
-                <a:latin typeface="Times New Roman" panose="02020603050405020304" pitchFamily="18" charset="0"/>
-                <a:cs typeface="Times New Roman" panose="02020603050405020304" pitchFamily="18" charset="0"/>
-              </a:rPr>
-              <a:t>Disponível em: </a:t>
-            </a:r>
-            <a:r>
-              <a:rPr lang="pt-BR" sz="2000" dirty="0">
-                <a:latin typeface="Times New Roman" panose="02020603050405020304" pitchFamily="18" charset="0"/>
-                <a:cs typeface="Times New Roman" panose="02020603050405020304" pitchFamily="18" charset="0"/>
-                <a:hlinkClick r:id="rId4"/>
-              </a:rPr>
-              <a:t>https://www.raspberrypi.org/</a:t>
-            </a:r>
-            <a:endParaRPr lang="pt-BR" sz="2000" dirty="0">
-              <a:latin typeface="Times New Roman" panose="02020603050405020304" pitchFamily="18" charset="0"/>
-              <a:cs typeface="Times New Roman" panose="02020603050405020304" pitchFamily="18" charset="0"/>
-            </a:endParaRPr>
-          </a:p>
-          <a:p>
-            <a:pPr marL="0" indent="0" algn="just">
-              <a:buNone/>
+              <a:rPr lang="pt-BR" sz="2400" dirty="0">
+                <a:latin typeface="Times New Roman" panose="02020603050405020304" pitchFamily="18" charset="0"/>
+                <a:cs typeface="Times New Roman" panose="02020603050405020304" pitchFamily="18" charset="0"/>
+              </a:rPr>
+              <a:t>3 </a:t>
+            </a:r>
+            <a:r>
+              <a:rPr lang="pt-BR" sz="2400" dirty="0" err="1">
+                <a:latin typeface="Times New Roman" panose="02020603050405020304" pitchFamily="18" charset="0"/>
+                <a:cs typeface="Times New Roman" panose="02020603050405020304" pitchFamily="18" charset="0"/>
+              </a:rPr>
+              <a:t>ADCs</a:t>
+            </a:r>
+            <a:r>
+              <a:rPr lang="pt-BR" sz="2400" dirty="0">
+                <a:latin typeface="Times New Roman" panose="02020603050405020304" pitchFamily="18" charset="0"/>
+                <a:cs typeface="Times New Roman" panose="02020603050405020304" pitchFamily="18" charset="0"/>
+              </a:rPr>
+              <a:t> de 12bits</a:t>
+            </a:r>
+          </a:p>
+          <a:p>
+            <a:pPr algn="just">
+              <a:buFont typeface="Wingdings" panose="05000000000000000000" pitchFamily="2" charset="2"/>
+              <a:buChar char="§"/>
             </a:pPr>
-            <a:endParaRPr lang="pt-BR" sz="2000" dirty="0">
-              <a:latin typeface="Times New Roman" panose="02020603050405020304" pitchFamily="18" charset="0"/>
-              <a:cs typeface="Times New Roman" panose="02020603050405020304" pitchFamily="18" charset="0"/>
-            </a:endParaRPr>
-          </a:p>
-          <a:p>
-            <a:pPr marL="0" indent="0" algn="just">
-              <a:buNone/>
+            <a:r>
+              <a:rPr lang="pt-BR" sz="2400" dirty="0">
+                <a:latin typeface="Times New Roman" panose="02020603050405020304" pitchFamily="18" charset="0"/>
+                <a:cs typeface="Times New Roman" panose="02020603050405020304" pitchFamily="18" charset="0"/>
+              </a:rPr>
+              <a:t>Montagem de superfície</a:t>
+            </a:r>
+          </a:p>
+          <a:p>
+            <a:pPr algn="just">
+              <a:buFont typeface="Wingdings" panose="05000000000000000000" pitchFamily="2" charset="2"/>
+              <a:buChar char="§"/>
             </a:pPr>
             <a:r>
-              <a:rPr lang="pt-BR" sz="2000" dirty="0">
-                <a:latin typeface="Times New Roman" panose="02020603050405020304" pitchFamily="18" charset="0"/>
-                <a:cs typeface="Times New Roman" panose="02020603050405020304" pitchFamily="18" charset="0"/>
-              </a:rPr>
-              <a:t>[3] Livro </a:t>
-            </a:r>
-            <a:r>
-              <a:rPr lang="pt-BR" sz="2000" dirty="0" err="1">
-                <a:latin typeface="Times New Roman" panose="02020603050405020304" pitchFamily="18" charset="0"/>
-                <a:cs typeface="Times New Roman" panose="02020603050405020304" pitchFamily="18" charset="0"/>
-              </a:rPr>
-              <a:t>Raspberry</a:t>
-            </a:r>
-            <a:r>
-              <a:rPr lang="pt-BR" sz="2000" dirty="0">
-                <a:latin typeface="Times New Roman" panose="02020603050405020304" pitchFamily="18" charset="0"/>
-                <a:cs typeface="Times New Roman" panose="02020603050405020304" pitchFamily="18" charset="0"/>
-              </a:rPr>
-              <a:t> Pi. </a:t>
-            </a:r>
-          </a:p>
-          <a:p>
-            <a:pPr marL="0" indent="0" algn="just">
-              <a:buNone/>
-            </a:pPr>
-            <a:r>
-              <a:rPr lang="pt-BR" sz="2000" b="1" dirty="0">
-                <a:solidFill>
-                  <a:srgbClr val="FF0000"/>
-                </a:solidFill>
-                <a:latin typeface="Times New Roman" panose="02020603050405020304" pitchFamily="18" charset="0"/>
-                <a:cs typeface="Times New Roman" panose="02020603050405020304" pitchFamily="18" charset="0"/>
-              </a:rPr>
-              <a:t>Disponível em: </a:t>
-            </a:r>
-          </a:p>
-          <a:p>
-            <a:pPr marL="0" indent="0" algn="just">
-              <a:buNone/>
-            </a:pPr>
-            <a:r>
-              <a:rPr lang="pt-BR" sz="2000" dirty="0">
-                <a:latin typeface="Times New Roman" panose="02020603050405020304" pitchFamily="18" charset="0"/>
-                <a:cs typeface="Times New Roman" panose="02020603050405020304" pitchFamily="18" charset="0"/>
-                <a:hlinkClick r:id="rId5"/>
-              </a:rPr>
-              <a:t>https://books.google.com.br/books?id=pEQpw3-A4wwC&amp;dq=Raspberry+PI&amp;hl=pt-BR&amp;lr=</a:t>
-            </a:r>
-            <a:endParaRPr lang="pt-BR" sz="2000" dirty="0">
-              <a:latin typeface="Times New Roman" panose="02020603050405020304" pitchFamily="18" charset="0"/>
-              <a:cs typeface="Times New Roman" panose="02020603050405020304" pitchFamily="18" charset="0"/>
-            </a:endParaRPr>
+              <a:rPr lang="pt-BR" sz="2400" dirty="0">
+                <a:latin typeface="Times New Roman" panose="02020603050405020304" pitchFamily="18" charset="0"/>
+                <a:cs typeface="Times New Roman" panose="02020603050405020304" pitchFamily="18" charset="0"/>
+              </a:rPr>
+              <a:t>USB 1.1</a:t>
+            </a:r>
           </a:p>
         </p:txBody>
       </p:sp>
+      <p:pic>
+        <p:nvPicPr>
+          <p:cNvPr id="3" name="Imagem 2">
+            <a:extLst>
+              <a:ext uri="{FF2B5EF4-FFF2-40B4-BE49-F238E27FC236}">
+                <a16:creationId xmlns:a16="http://schemas.microsoft.com/office/drawing/2014/main" id="{038A4A93-07EA-2D66-B227-FE3A2649CADD}"/>
+              </a:ext>
+            </a:extLst>
+          </p:cNvPr>
+          <p:cNvPicPr>
+            <a:picLocks noChangeAspect="1"/>
+          </p:cNvPicPr>
+          <p:nvPr/>
+        </p:nvPicPr>
+        <p:blipFill>
+          <a:blip r:embed="rId3"/>
+          <a:stretch>
+            <a:fillRect/>
+          </a:stretch>
+        </p:blipFill>
+        <p:spPr>
+          <a:xfrm>
+            <a:off x="4826067" y="1225908"/>
+            <a:ext cx="4062550" cy="3093078"/>
+          </a:xfrm>
+          <a:prstGeom prst="rect">
+            <a:avLst/>
+          </a:prstGeom>
+        </p:spPr>
+      </p:pic>
     </p:spTree>
     <p:extLst>
       <p:ext uri="{BB962C8B-B14F-4D97-AF65-F5344CB8AC3E}">
-        <p14:creationId xmlns:p14="http://schemas.microsoft.com/office/powerpoint/2010/main" val="3680270425"/>
+        <p14:creationId xmlns:p14="http://schemas.microsoft.com/office/powerpoint/2010/main" val="1774495085"/>
       </p:ext>
     </p:extLst>
   </p:cSld>
@@ -7718,20 +8053,12 @@
           <a:lstStyle/>
           <a:p>
             <a:r>
-              <a:rPr lang="en-US" b="1" dirty="0" err="1">
+              <a:rPr lang="en-US" b="1" dirty="0">
                 <a:solidFill>
                   <a:srgbClr val="0070C0"/>
                 </a:solidFill>
               </a:rPr>
-              <a:t>Aprenda</a:t>
-            </a:r>
-            <a:r>
-              <a:rPr lang="en-US" b="1" dirty="0">
-                <a:solidFill>
-                  <a:srgbClr val="0070C0"/>
-                </a:solidFill>
-              </a:rPr>
-              <a:t>+</a:t>
+              <a:t>Raspberry Pi 4 (SBC)</a:t>
             </a:r>
           </a:p>
         </p:txBody>
@@ -7748,8 +8075,8 @@
         </p:nvSpPr>
         <p:spPr>
           <a:xfrm>
-            <a:off x="142865" y="1200150"/>
-            <a:ext cx="8865056" cy="3737370"/>
+            <a:off x="139472" y="890089"/>
+            <a:ext cx="8865056" cy="4171308"/>
           </a:xfrm>
         </p:spPr>
         <p:txBody>
@@ -7762,79 +8089,14 @@
               <a:buNone/>
             </a:pPr>
             <a:r>
-              <a:rPr lang="pt-BR" sz="2200" dirty="0">
-                <a:latin typeface="Times New Roman" panose="02020603050405020304" pitchFamily="18" charset="0"/>
-                <a:cs typeface="Times New Roman" panose="02020603050405020304" pitchFamily="18" charset="0"/>
-              </a:rPr>
-              <a:t>[1] Plataforma </a:t>
-            </a:r>
-            <a:r>
-              <a:rPr lang="pt-BR" sz="2200" dirty="0" err="1">
-                <a:latin typeface="Times New Roman" panose="02020603050405020304" pitchFamily="18" charset="0"/>
-                <a:cs typeface="Times New Roman" panose="02020603050405020304" pitchFamily="18" charset="0"/>
-              </a:rPr>
-              <a:t>Raspberry</a:t>
-            </a:r>
-            <a:r>
-              <a:rPr lang="pt-BR" sz="2200" dirty="0">
-                <a:latin typeface="Times New Roman" panose="02020603050405020304" pitchFamily="18" charset="0"/>
-                <a:cs typeface="Times New Roman" panose="02020603050405020304" pitchFamily="18" charset="0"/>
-              </a:rPr>
-              <a:t> Pi – Ambiente </a:t>
-            </a:r>
-            <a:r>
-              <a:rPr lang="pt-BR" sz="2200" dirty="0" err="1">
-                <a:latin typeface="Times New Roman" panose="02020603050405020304" pitchFamily="18" charset="0"/>
-                <a:cs typeface="Times New Roman" panose="02020603050405020304" pitchFamily="18" charset="0"/>
-              </a:rPr>
-              <a:t>Dev</a:t>
-            </a:r>
-            <a:r>
-              <a:rPr lang="pt-BR" sz="2200" dirty="0">
-                <a:latin typeface="Times New Roman" panose="02020603050405020304" pitchFamily="18" charset="0"/>
-                <a:cs typeface="Times New Roman" panose="02020603050405020304" pitchFamily="18" charset="0"/>
-              </a:rPr>
-              <a:t> Python (</a:t>
-            </a:r>
-            <a:r>
-              <a:rPr lang="pt-BR" sz="2200" dirty="0">
+              <a:rPr lang="pt-BR" sz="2000" dirty="0">
                 <a:latin typeface="Times New Roman" panose="02020603050405020304" pitchFamily="18" charset="0"/>
                 <a:cs typeface="Times New Roman" panose="02020603050405020304" pitchFamily="18" charset="0"/>
                 <a:hlinkClick r:id="rId3"/>
               </a:rPr>
-              <a:t>https://thonny.org/</a:t>
-            </a:r>
-            <a:r>
-              <a:rPr lang="pt-BR" sz="2200" dirty="0">
-                <a:latin typeface="Times New Roman" panose="02020603050405020304" pitchFamily="18" charset="0"/>
-                <a:cs typeface="Times New Roman" panose="02020603050405020304" pitchFamily="18" charset="0"/>
-              </a:rPr>
-              <a:t>)</a:t>
-            </a:r>
-          </a:p>
-          <a:p>
-            <a:pPr marL="0" indent="0" algn="just">
-              <a:buNone/>
-            </a:pPr>
-            <a:r>
-              <a:rPr lang="pt-BR" sz="2200" b="1" dirty="0">
-                <a:solidFill>
-                  <a:srgbClr val="FF0000"/>
-                </a:solidFill>
-                <a:latin typeface="Times New Roman" panose="02020603050405020304" pitchFamily="18" charset="0"/>
-                <a:cs typeface="Times New Roman" panose="02020603050405020304" pitchFamily="18" charset="0"/>
-              </a:rPr>
-              <a:t>Disponível em: </a:t>
-            </a:r>
-            <a:r>
-              <a:rPr lang="pt-BR" sz="2200" dirty="0">
-                <a:latin typeface="Times New Roman" panose="02020603050405020304" pitchFamily="18" charset="0"/>
-                <a:cs typeface="Times New Roman" panose="02020603050405020304" pitchFamily="18" charset="0"/>
-                <a:hlinkClick r:id="rId4"/>
-              </a:rPr>
-              <a:t>https://www.youtube.com/watch?v=VrZ1APrN6uc</a:t>
-            </a:r>
-            <a:endParaRPr lang="pt-BR" sz="2200" dirty="0">
+              <a:t>https://www.youtube.com/watch?v=BpJCAafw2qE</a:t>
+            </a:r>
+            <a:endParaRPr lang="pt-BR" sz="2000" dirty="0">
               <a:latin typeface="Times New Roman" panose="02020603050405020304" pitchFamily="18" charset="0"/>
               <a:cs typeface="Times New Roman" panose="02020603050405020304" pitchFamily="18" charset="0"/>
             </a:endParaRPr>
@@ -7843,88 +8105,47 @@
             <a:pPr marL="0" indent="0" algn="just">
               <a:buNone/>
             </a:pPr>
-            <a:endParaRPr lang="pt-BR" sz="2200" dirty="0">
+            <a:endParaRPr lang="pt-BR" sz="1600" dirty="0">
               <a:latin typeface="Times New Roman" panose="02020603050405020304" pitchFamily="18" charset="0"/>
               <a:cs typeface="Times New Roman" panose="02020603050405020304" pitchFamily="18" charset="0"/>
             </a:endParaRPr>
           </a:p>
-          <a:p>
-            <a:pPr marL="0" indent="0" algn="just">
-              <a:buNone/>
-            </a:pPr>
-            <a:endParaRPr lang="pt-BR" sz="2200" dirty="0">
-              <a:latin typeface="Times New Roman" panose="02020603050405020304" pitchFamily="18" charset="0"/>
-              <a:cs typeface="Times New Roman" panose="02020603050405020304" pitchFamily="18" charset="0"/>
-            </a:endParaRPr>
-          </a:p>
-          <a:p>
-            <a:pPr marL="0" indent="0" algn="just">
-              <a:buNone/>
-            </a:pPr>
-            <a:r>
-              <a:rPr lang="pt-BR" sz="2200" dirty="0">
-                <a:latin typeface="Times New Roman" panose="02020603050405020304" pitchFamily="18" charset="0"/>
-                <a:cs typeface="Times New Roman" panose="02020603050405020304" pitchFamily="18" charset="0"/>
-              </a:rPr>
-              <a:t>[2] Transformando </a:t>
-            </a:r>
-            <a:r>
-              <a:rPr lang="pt-BR" sz="2200" dirty="0" err="1">
-                <a:latin typeface="Times New Roman" panose="02020603050405020304" pitchFamily="18" charset="0"/>
-                <a:cs typeface="Times New Roman" panose="02020603050405020304" pitchFamily="18" charset="0"/>
-              </a:rPr>
-              <a:t>Raspberry</a:t>
-            </a:r>
-            <a:r>
-              <a:rPr lang="pt-BR" sz="2200" dirty="0">
-                <a:latin typeface="Times New Roman" panose="02020603050405020304" pitchFamily="18" charset="0"/>
-                <a:cs typeface="Times New Roman" panose="02020603050405020304" pitchFamily="18" charset="0"/>
-              </a:rPr>
-              <a:t> Pi em plataforma de ataque USB - P4wnP1</a:t>
-            </a:r>
-          </a:p>
-          <a:p>
-            <a:pPr marL="0" indent="0" algn="just">
-              <a:buNone/>
-            </a:pPr>
-            <a:r>
-              <a:rPr lang="pt-BR" sz="2200" b="1" dirty="0">
-                <a:solidFill>
-                  <a:srgbClr val="FF0000"/>
-                </a:solidFill>
-                <a:latin typeface="Times New Roman" panose="02020603050405020304" pitchFamily="18" charset="0"/>
-                <a:cs typeface="Times New Roman" panose="02020603050405020304" pitchFamily="18" charset="0"/>
-              </a:rPr>
-              <a:t>Disponível em: </a:t>
-            </a:r>
-            <a:r>
-              <a:rPr lang="pt-BR" sz="2200" dirty="0">
-                <a:latin typeface="Times New Roman" panose="02020603050405020304" pitchFamily="18" charset="0"/>
-                <a:cs typeface="Times New Roman" panose="02020603050405020304" pitchFamily="18" charset="0"/>
-                <a:hlinkClick r:id="rId5"/>
-              </a:rPr>
-              <a:t>https://www.youtube.com/watch?v=DKg0EXyTaMA</a:t>
-            </a:r>
-            <a:endParaRPr lang="pt-BR" sz="2200" dirty="0">
-              <a:latin typeface="Times New Roman" panose="02020603050405020304" pitchFamily="18" charset="0"/>
-              <a:cs typeface="Times New Roman" panose="02020603050405020304" pitchFamily="18" charset="0"/>
-            </a:endParaRPr>
-          </a:p>
-          <a:p>
-            <a:pPr marL="0" indent="0" algn="just">
-              <a:buNone/>
-            </a:pPr>
-            <a:endParaRPr lang="pt-BR" sz="2200" dirty="0">
-              <a:latin typeface="Times New Roman" panose="02020603050405020304" pitchFamily="18" charset="0"/>
-              <a:cs typeface="Times New Roman" panose="02020603050405020304" pitchFamily="18" charset="0"/>
-            </a:endParaRPr>
-          </a:p>
         </p:txBody>
       </p:sp>
+      <p:pic>
+        <p:nvPicPr>
+          <p:cNvPr id="3" name="Imagem 2">
+            <a:extLst>
+              <a:ext uri="{FF2B5EF4-FFF2-40B4-BE49-F238E27FC236}">
+                <a16:creationId xmlns:a16="http://schemas.microsoft.com/office/drawing/2014/main" id="{9996DD03-E3DF-E8B3-DEEE-E7F3E53DBCB2}"/>
+              </a:ext>
+            </a:extLst>
+          </p:cNvPr>
+          <p:cNvPicPr>
+            <a:picLocks noChangeAspect="1"/>
+          </p:cNvPicPr>
+          <p:nvPr/>
+        </p:nvPicPr>
+        <p:blipFill>
+          <a:blip r:embed="rId4"/>
+          <a:stretch>
+            <a:fillRect/>
+          </a:stretch>
+        </p:blipFill>
+        <p:spPr>
+          <a:xfrm>
+            <a:off x="881331" y="1332332"/>
+            <a:ext cx="5815683" cy="3721015"/>
+          </a:xfrm>
+          <a:prstGeom prst="rect">
+            <a:avLst/>
+          </a:prstGeom>
+        </p:spPr>
+      </p:pic>
     </p:spTree>
     <p:extLst>
       <p:ext uri="{BB962C8B-B14F-4D97-AF65-F5344CB8AC3E}">
-        <p14:creationId xmlns:p14="http://schemas.microsoft.com/office/powerpoint/2010/main" val="2747596967"/>
+        <p14:creationId xmlns:p14="http://schemas.microsoft.com/office/powerpoint/2010/main" val="2428742957"/>
       </p:ext>
     </p:extLst>
   </p:cSld>
@@ -8482,7 +8703,7 @@
         </p:nvSpPr>
         <p:spPr>
           <a:xfrm>
-            <a:off x="457200" y="205980"/>
+            <a:off x="457200" y="145020"/>
             <a:ext cx="8229600" cy="857251"/>
           </a:xfrm>
         </p:spPr>
@@ -8493,44 +8714,20 @@
           <a:lstStyle/>
           <a:p>
             <a:r>
+              <a:rPr lang="en-US" b="1" dirty="0">
+                <a:solidFill>
+                  <a:srgbClr val="0070C0"/>
+                </a:solidFill>
+              </a:rPr>
+              <a:t>Raspberry Pi 4 - </a:t>
+            </a:r>
+            <a:r>
               <a:rPr lang="en-US" b="1" dirty="0" err="1">
                 <a:solidFill>
                   <a:srgbClr val="0070C0"/>
                 </a:solidFill>
               </a:rPr>
-              <a:t>Dinâmica</a:t>
-            </a:r>
-            <a:r>
-              <a:rPr lang="en-US" b="1" dirty="0">
-                <a:solidFill>
-                  <a:srgbClr val="0070C0"/>
-                </a:solidFill>
-              </a:rPr>
-              <a:t>/</a:t>
-            </a:r>
-            <a:r>
-              <a:rPr lang="en-US" b="1" dirty="0" err="1">
-                <a:solidFill>
-                  <a:srgbClr val="0070C0"/>
-                </a:solidFill>
-              </a:rPr>
-              <a:t>Atividades</a:t>
-            </a:r>
-            <a:r>
-              <a:rPr lang="en-US" b="1" dirty="0">
-                <a:solidFill>
-                  <a:srgbClr val="0070C0"/>
-                </a:solidFill>
-              </a:rPr>
-              <a:t> - </a:t>
-            </a:r>
-            <a:r>
-              <a:rPr lang="en-US" b="1" dirty="0" err="1">
-                <a:solidFill>
-                  <a:srgbClr val="0070C0"/>
-                </a:solidFill>
-              </a:rPr>
-              <a:t>Exercícios</a:t>
+              <a:t>MicroPython</a:t>
             </a:r>
             <a:endParaRPr lang="en-US" b="1" dirty="0">
               <a:solidFill>
@@ -8552,8 +8749,8 @@
         </p:nvSpPr>
         <p:spPr>
           <a:xfrm>
-            <a:off x="139472" y="1063230"/>
-            <a:ext cx="8865056" cy="3996450"/>
+            <a:off x="142865" y="1200150"/>
+            <a:ext cx="8865056" cy="3737370"/>
           </a:xfrm>
         </p:spPr>
         <p:txBody>
@@ -8566,132 +8763,81 @@
               <a:buNone/>
             </a:pPr>
             <a:r>
-              <a:rPr lang="pt-BR" sz="2400" b="1" dirty="0">
-                <a:latin typeface="Times New Roman" panose="02020603050405020304" pitchFamily="18" charset="0"/>
-                <a:cs typeface="Times New Roman" panose="02020603050405020304" pitchFamily="18" charset="0"/>
-              </a:rPr>
-              <a:t>Ambiente </a:t>
-            </a:r>
-            <a:r>
-              <a:rPr lang="pt-BR" sz="2400" b="1" dirty="0" err="1">
-                <a:latin typeface="Times New Roman" panose="02020603050405020304" pitchFamily="18" charset="0"/>
-                <a:cs typeface="Times New Roman" panose="02020603050405020304" pitchFamily="18" charset="0"/>
-              </a:rPr>
-              <a:t>Dev</a:t>
-            </a:r>
-            <a:r>
-              <a:rPr lang="pt-BR" sz="2400" b="1" dirty="0">
-                <a:latin typeface="Times New Roman" panose="02020603050405020304" pitchFamily="18" charset="0"/>
-                <a:cs typeface="Times New Roman" panose="02020603050405020304" pitchFamily="18" charset="0"/>
-              </a:rPr>
-              <a:t> Python ou </a:t>
-            </a:r>
-            <a:r>
-              <a:rPr lang="pt-BR" sz="2400" b="1" dirty="0">
+              <a:rPr lang="pt-BR" sz="2000" b="1" dirty="0">
                 <a:solidFill>
                   <a:srgbClr val="FF0000"/>
                 </a:solidFill>
                 <a:latin typeface="Times New Roman" panose="02020603050405020304" pitchFamily="18" charset="0"/>
                 <a:cs typeface="Times New Roman" panose="02020603050405020304" pitchFamily="18" charset="0"/>
               </a:rPr>
-              <a:t>VM com um simulador </a:t>
-            </a:r>
-            <a:r>
-              <a:rPr lang="pt-BR" sz="2400" b="1" dirty="0" err="1">
-                <a:solidFill>
-                  <a:srgbClr val="FF0000"/>
-                </a:solidFill>
-                <a:latin typeface="Times New Roman" panose="02020603050405020304" pitchFamily="18" charset="0"/>
-                <a:cs typeface="Times New Roman" panose="02020603050405020304" pitchFamily="18" charset="0"/>
-              </a:rPr>
-              <a:t>Raspberry</a:t>
-            </a:r>
-            <a:r>
-              <a:rPr lang="pt-BR" sz="2400" b="1" dirty="0">
-                <a:solidFill>
-                  <a:srgbClr val="FF0000"/>
-                </a:solidFill>
-                <a:latin typeface="Times New Roman" panose="02020603050405020304" pitchFamily="18" charset="0"/>
-                <a:cs typeface="Times New Roman" panose="02020603050405020304" pitchFamily="18" charset="0"/>
-              </a:rPr>
-              <a:t> OS Pi</a:t>
-            </a:r>
-          </a:p>
-          <a:p>
-            <a:pPr marL="514350" indent="-514350" algn="just">
-              <a:buAutoNum type="arabicPeriod"/>
+              <a:t># Exemplo 1</a:t>
+            </a:r>
+          </a:p>
+          <a:p>
+            <a:pPr marL="0" indent="0" algn="just">
+              <a:buNone/>
             </a:pPr>
             <a:r>
-              <a:rPr lang="pt-BR" sz="2400" dirty="0">
-                <a:latin typeface="Times New Roman" panose="02020603050405020304" pitchFamily="18" charset="0"/>
-                <a:cs typeface="Times New Roman" panose="02020603050405020304" pitchFamily="18" charset="0"/>
-                <a:hlinkClick r:id="rId3"/>
-              </a:rPr>
-              <a:t>https://thonny.org/</a:t>
-            </a:r>
-            <a:endParaRPr lang="pt-BR" sz="2400" dirty="0">
+              <a:rPr lang="pt-BR" sz="2000" dirty="0" err="1">
+                <a:latin typeface="Times New Roman" panose="02020603050405020304" pitchFamily="18" charset="0"/>
+                <a:cs typeface="Times New Roman" panose="02020603050405020304" pitchFamily="18" charset="0"/>
+              </a:rPr>
+              <a:t>import</a:t>
+            </a:r>
+            <a:r>
+              <a:rPr lang="pt-BR" sz="2000" dirty="0">
+                <a:latin typeface="Times New Roman" panose="02020603050405020304" pitchFamily="18" charset="0"/>
+                <a:cs typeface="Times New Roman" panose="02020603050405020304" pitchFamily="18" charset="0"/>
+              </a:rPr>
+              <a:t> </a:t>
+            </a:r>
+            <a:r>
+              <a:rPr lang="pt-BR" sz="2000" b="1" dirty="0" err="1">
+                <a:latin typeface="Times New Roman" panose="02020603050405020304" pitchFamily="18" charset="0"/>
+                <a:cs typeface="Times New Roman" panose="02020603050405020304" pitchFamily="18" charset="0"/>
+              </a:rPr>
+              <a:t>machine</a:t>
+            </a:r>
+            <a:endParaRPr lang="pt-BR" sz="2000" b="1" dirty="0">
               <a:latin typeface="Times New Roman" panose="02020603050405020304" pitchFamily="18" charset="0"/>
               <a:cs typeface="Times New Roman" panose="02020603050405020304" pitchFamily="18" charset="0"/>
             </a:endParaRPr>
           </a:p>
           <a:p>
-            <a:pPr marL="514350" indent="-514350" algn="just">
-              <a:buAutoNum type="arabicPeriod"/>
+            <a:pPr marL="0" indent="0" algn="just">
+              <a:buNone/>
             </a:pPr>
             <a:r>
-              <a:rPr lang="pt-BR" sz="2400" dirty="0">
-                <a:latin typeface="Times New Roman" panose="02020603050405020304" pitchFamily="18" charset="0"/>
-                <a:cs typeface="Times New Roman" panose="02020603050405020304" pitchFamily="18" charset="0"/>
-                <a:hlinkClick r:id="rId4"/>
-              </a:rPr>
-              <a:t>https://www.raspberrypi.com/software/</a:t>
-            </a:r>
-            <a:endParaRPr lang="pt-BR" sz="2400" dirty="0">
+              <a:rPr lang="pt-BR" sz="2000" dirty="0" err="1">
+                <a:latin typeface="Times New Roman" panose="02020603050405020304" pitchFamily="18" charset="0"/>
+                <a:cs typeface="Times New Roman" panose="02020603050405020304" pitchFamily="18" charset="0"/>
+              </a:rPr>
+              <a:t>import</a:t>
+            </a:r>
+            <a:r>
+              <a:rPr lang="pt-BR" sz="2000" dirty="0">
+                <a:latin typeface="Times New Roman" panose="02020603050405020304" pitchFamily="18" charset="0"/>
+                <a:cs typeface="Times New Roman" panose="02020603050405020304" pitchFamily="18" charset="0"/>
+              </a:rPr>
+              <a:t> </a:t>
+            </a:r>
+            <a:r>
+              <a:rPr lang="pt-BR" sz="2000" b="1" dirty="0" err="1">
+                <a:latin typeface="Times New Roman" panose="02020603050405020304" pitchFamily="18" charset="0"/>
+                <a:cs typeface="Times New Roman" panose="02020603050405020304" pitchFamily="18" charset="0"/>
+              </a:rPr>
+              <a:t>utime</a:t>
+            </a:r>
+            <a:endParaRPr lang="pt-BR" sz="2000" b="1" dirty="0">
               <a:latin typeface="Times New Roman" panose="02020603050405020304" pitchFamily="18" charset="0"/>
               <a:cs typeface="Times New Roman" panose="02020603050405020304" pitchFamily="18" charset="0"/>
             </a:endParaRPr>
           </a:p>
           <a:p>
-            <a:pPr marL="514350" indent="-514350" algn="just">
-              <a:buAutoNum type="arabicPeriod"/>
+            <a:pPr marL="0" indent="0" algn="just">
+              <a:buNone/>
             </a:pPr>
-            <a:r>
-              <a:rPr lang="pt-BR" sz="2400" dirty="0">
-                <a:latin typeface="Times New Roman" panose="02020603050405020304" pitchFamily="18" charset="0"/>
-                <a:cs typeface="Times New Roman" panose="02020603050405020304" pitchFamily="18" charset="0"/>
-                <a:hlinkClick r:id="rId5"/>
-              </a:rPr>
-              <a:t>https://sourceforge.net/projects/simus/</a:t>
-            </a:r>
-            <a:r>
-              <a:rPr lang="pt-BR" sz="2400" dirty="0">
-                <a:latin typeface="Times New Roman" panose="02020603050405020304" pitchFamily="18" charset="0"/>
-                <a:cs typeface="Times New Roman" panose="02020603050405020304" pitchFamily="18" charset="0"/>
-              </a:rPr>
-              <a:t> </a:t>
-            </a:r>
-            <a:r>
-              <a:rPr lang="pt-BR" sz="2400" b="1" dirty="0">
-                <a:latin typeface="Times New Roman" panose="02020603050405020304" pitchFamily="18" charset="0"/>
-                <a:cs typeface="Times New Roman" panose="02020603050405020304" pitchFamily="18" charset="0"/>
-              </a:rPr>
-              <a:t>(</a:t>
-            </a:r>
-            <a:r>
-              <a:rPr lang="pt-BR" sz="2400" b="1" dirty="0" err="1">
-                <a:latin typeface="Times New Roman" panose="02020603050405020304" pitchFamily="18" charset="0"/>
-                <a:cs typeface="Times New Roman" panose="02020603050405020304" pitchFamily="18" charset="0"/>
-              </a:rPr>
-              <a:t>ObjectPascal</a:t>
-            </a:r>
-            <a:r>
-              <a:rPr lang="pt-BR" sz="2400" b="1" dirty="0">
-                <a:latin typeface="Times New Roman" panose="02020603050405020304" pitchFamily="18" charset="0"/>
-                <a:cs typeface="Times New Roman" panose="02020603050405020304" pitchFamily="18" charset="0"/>
-              </a:rPr>
-              <a:t>)</a:t>
-            </a:r>
-            <a:endParaRPr lang="pt-BR" sz="2400" dirty="0">
+            <a:endParaRPr lang="pt-BR" sz="2000" dirty="0">
               <a:latin typeface="Times New Roman" panose="02020603050405020304" pitchFamily="18" charset="0"/>
               <a:cs typeface="Times New Roman" panose="02020603050405020304" pitchFamily="18" charset="0"/>
             </a:endParaRPr>
@@ -8701,11 +8847,60 @@
               <a:buNone/>
             </a:pPr>
             <a:r>
-              <a:rPr lang="pt-BR" sz="2400" dirty="0">
-                <a:latin typeface="Times New Roman" panose="02020603050405020304" pitchFamily="18" charset="0"/>
-                <a:cs typeface="Times New Roman" panose="02020603050405020304" pitchFamily="18" charset="0"/>
-              </a:rPr>
-              <a:t>Criar um mapa conceitual:</a:t>
+              <a:rPr lang="pt-BR" sz="2000" dirty="0" err="1">
+                <a:latin typeface="Times New Roman" panose="02020603050405020304" pitchFamily="18" charset="0"/>
+                <a:cs typeface="Times New Roman" panose="02020603050405020304" pitchFamily="18" charset="0"/>
+              </a:rPr>
+              <a:t>led_onboard_pino</a:t>
+            </a:r>
+            <a:r>
+              <a:rPr lang="pt-BR" sz="2000" dirty="0">
+                <a:latin typeface="Times New Roman" panose="02020603050405020304" pitchFamily="18" charset="0"/>
+                <a:cs typeface="Times New Roman" panose="02020603050405020304" pitchFamily="18" charset="0"/>
+              </a:rPr>
+              <a:t> = </a:t>
+            </a:r>
+            <a:r>
+              <a:rPr lang="pt-BR" sz="2000" b="1" dirty="0" err="1">
+                <a:latin typeface="Times New Roman" panose="02020603050405020304" pitchFamily="18" charset="0"/>
+                <a:cs typeface="Times New Roman" panose="02020603050405020304" pitchFamily="18" charset="0"/>
+              </a:rPr>
+              <a:t>machine</a:t>
+            </a:r>
+            <a:r>
+              <a:rPr lang="pt-BR" sz="2000" dirty="0" err="1">
+                <a:latin typeface="Times New Roman" panose="02020603050405020304" pitchFamily="18" charset="0"/>
+                <a:cs typeface="Times New Roman" panose="02020603050405020304" pitchFamily="18" charset="0"/>
+              </a:rPr>
+              <a:t>.Pin</a:t>
+            </a:r>
+            <a:r>
+              <a:rPr lang="pt-BR" sz="2000" dirty="0">
+                <a:latin typeface="Times New Roman" panose="02020603050405020304" pitchFamily="18" charset="0"/>
+                <a:cs typeface="Times New Roman" panose="02020603050405020304" pitchFamily="18" charset="0"/>
+              </a:rPr>
+              <a:t>(25, </a:t>
+            </a:r>
+            <a:r>
+              <a:rPr lang="pt-BR" sz="2000" b="1" dirty="0" err="1">
+                <a:latin typeface="Times New Roman" panose="02020603050405020304" pitchFamily="18" charset="0"/>
+                <a:cs typeface="Times New Roman" panose="02020603050405020304" pitchFamily="18" charset="0"/>
+              </a:rPr>
+              <a:t>machine</a:t>
+            </a:r>
+            <a:r>
+              <a:rPr lang="pt-BR" sz="2000" dirty="0" err="1">
+                <a:latin typeface="Times New Roman" panose="02020603050405020304" pitchFamily="18" charset="0"/>
+                <a:cs typeface="Times New Roman" panose="02020603050405020304" pitchFamily="18" charset="0"/>
+              </a:rPr>
+              <a:t>.Pin.OUT</a:t>
+            </a:r>
+            <a:r>
+              <a:rPr lang="pt-BR" sz="2000" dirty="0">
+                <a:latin typeface="Times New Roman" panose="02020603050405020304" pitchFamily="18" charset="0"/>
+                <a:cs typeface="Times New Roman" panose="02020603050405020304" pitchFamily="18" charset="0"/>
+              </a:rPr>
+              <a:t>)</a:t>
             </a:r>
           </a:p>
           <a:p>
@@ -8713,156 +8908,91 @@
               <a:buNone/>
             </a:pPr>
             <a:r>
-              <a:rPr lang="pt-BR" sz="2400" dirty="0">
+              <a:rPr lang="pt-BR" sz="2000" b="1" dirty="0" err="1">
+                <a:latin typeface="Times New Roman" panose="02020603050405020304" pitchFamily="18" charset="0"/>
+                <a:cs typeface="Times New Roman" panose="02020603050405020304" pitchFamily="18" charset="0"/>
+              </a:rPr>
+              <a:t>while</a:t>
+            </a:r>
+            <a:r>
+              <a:rPr lang="pt-BR" sz="2000" dirty="0">
                 <a:latin typeface="Times New Roman" panose="02020603050405020304" pitchFamily="18" charset="0"/>
                 <a:cs typeface="Times New Roman" panose="02020603050405020304" pitchFamily="18" charset="0"/>
               </a:rPr>
               <a:t> </a:t>
             </a:r>
             <a:r>
-              <a:rPr lang="pt-BR" sz="2400" b="1" dirty="0">
-                <a:solidFill>
-                  <a:srgbClr val="FF0000"/>
-                </a:solidFill>
-                <a:latin typeface="Times New Roman" panose="02020603050405020304" pitchFamily="18" charset="0"/>
-                <a:cs typeface="Times New Roman" panose="02020603050405020304" pitchFamily="18" charset="0"/>
-              </a:rPr>
-              <a:t>Arduino Uno R3 </a:t>
-            </a:r>
-            <a:r>
-              <a:rPr lang="pt-BR" sz="2400" b="1" dirty="0" err="1">
-                <a:solidFill>
-                  <a:srgbClr val="FF0000"/>
-                </a:solidFill>
-                <a:latin typeface="Times New Roman" panose="02020603050405020304" pitchFamily="18" charset="0"/>
-                <a:cs typeface="Times New Roman" panose="02020603050405020304" pitchFamily="18" charset="0"/>
-              </a:rPr>
-              <a:t>vs</a:t>
-            </a:r>
-            <a:r>
-              <a:rPr lang="pt-BR" sz="2400" b="1" dirty="0">
-                <a:solidFill>
-                  <a:srgbClr val="FF0000"/>
-                </a:solidFill>
-                <a:latin typeface="Times New Roman" panose="02020603050405020304" pitchFamily="18" charset="0"/>
-                <a:cs typeface="Times New Roman" panose="02020603050405020304" pitchFamily="18" charset="0"/>
-              </a:rPr>
-              <a:t> </a:t>
-            </a:r>
-            <a:r>
-              <a:rPr lang="pt-BR" sz="2400" b="1" dirty="0" err="1">
-                <a:solidFill>
-                  <a:schemeClr val="tx1"/>
-                </a:solidFill>
-                <a:latin typeface="Times New Roman" panose="02020603050405020304" pitchFamily="18" charset="0"/>
-                <a:cs typeface="Times New Roman" panose="02020603050405020304" pitchFamily="18" charset="0"/>
-              </a:rPr>
-              <a:t>NodeMCU</a:t>
-            </a:r>
-            <a:r>
-              <a:rPr lang="pt-BR" sz="2400" b="1" dirty="0">
-                <a:solidFill>
-                  <a:srgbClr val="FF0000"/>
-                </a:solidFill>
-                <a:latin typeface="Times New Roman" panose="02020603050405020304" pitchFamily="18" charset="0"/>
-                <a:cs typeface="Times New Roman" panose="02020603050405020304" pitchFamily="18" charset="0"/>
-              </a:rPr>
-              <a:t> </a:t>
-            </a:r>
-            <a:r>
-              <a:rPr lang="pt-BR" sz="2400" b="1" dirty="0" err="1">
-                <a:solidFill>
-                  <a:srgbClr val="FF0000"/>
-                </a:solidFill>
-                <a:latin typeface="Times New Roman" panose="02020603050405020304" pitchFamily="18" charset="0"/>
-                <a:cs typeface="Times New Roman" panose="02020603050405020304" pitchFamily="18" charset="0"/>
-              </a:rPr>
-              <a:t>vs</a:t>
-            </a:r>
-            <a:r>
-              <a:rPr lang="pt-BR" sz="2400" b="1" dirty="0">
-                <a:solidFill>
-                  <a:srgbClr val="FF0000"/>
-                </a:solidFill>
-                <a:latin typeface="Times New Roman" panose="02020603050405020304" pitchFamily="18" charset="0"/>
-                <a:cs typeface="Times New Roman" panose="02020603050405020304" pitchFamily="18" charset="0"/>
-              </a:rPr>
-              <a:t> </a:t>
-            </a:r>
-            <a:r>
-              <a:rPr lang="pt-BR" sz="2400" b="1" dirty="0" err="1">
-                <a:solidFill>
-                  <a:srgbClr val="FF0000"/>
-                </a:solidFill>
-                <a:latin typeface="Times New Roman" panose="02020603050405020304" pitchFamily="18" charset="0"/>
-                <a:cs typeface="Times New Roman" panose="02020603050405020304" pitchFamily="18" charset="0"/>
-              </a:rPr>
-              <a:t>Raspberry</a:t>
-            </a:r>
-            <a:r>
-              <a:rPr lang="pt-BR" sz="2400" b="1" dirty="0">
-                <a:solidFill>
-                  <a:srgbClr val="FF0000"/>
-                </a:solidFill>
-                <a:latin typeface="Times New Roman" panose="02020603050405020304" pitchFamily="18" charset="0"/>
-                <a:cs typeface="Times New Roman" panose="02020603050405020304" pitchFamily="18" charset="0"/>
-              </a:rPr>
-              <a:t> </a:t>
-            </a:r>
-            <a:r>
-              <a:rPr lang="pt-BR" sz="2400" b="1">
-                <a:solidFill>
-                  <a:srgbClr val="FF0000"/>
-                </a:solidFill>
-                <a:latin typeface="Times New Roman" panose="02020603050405020304" pitchFamily="18" charset="0"/>
-                <a:cs typeface="Times New Roman" panose="02020603050405020304" pitchFamily="18" charset="0"/>
-              </a:rPr>
-              <a:t>Pi 4</a:t>
-            </a:r>
-            <a:r>
-              <a:rPr lang="pt-BR" sz="2400">
-                <a:solidFill>
-                  <a:schemeClr val="tx1"/>
-                </a:solidFill>
-                <a:latin typeface="Times New Roman" panose="02020603050405020304" pitchFamily="18" charset="0"/>
-                <a:cs typeface="Times New Roman" panose="02020603050405020304" pitchFamily="18" charset="0"/>
-              </a:rPr>
-              <a:t>.</a:t>
-            </a:r>
-            <a:endParaRPr lang="pt-BR" sz="2400" dirty="0">
-              <a:solidFill>
-                <a:schemeClr val="tx1"/>
-              </a:solidFill>
-              <a:latin typeface="Times New Roman" panose="02020603050405020304" pitchFamily="18" charset="0"/>
-              <a:cs typeface="Times New Roman" panose="02020603050405020304" pitchFamily="18" charset="0"/>
-            </a:endParaRPr>
+              <a:rPr lang="pt-BR" sz="2000" dirty="0" err="1">
+                <a:latin typeface="Times New Roman" panose="02020603050405020304" pitchFamily="18" charset="0"/>
+                <a:cs typeface="Times New Roman" panose="02020603050405020304" pitchFamily="18" charset="0"/>
+              </a:rPr>
+              <a:t>True</a:t>
+            </a:r>
+            <a:r>
+              <a:rPr lang="pt-BR" sz="2000" dirty="0">
+                <a:latin typeface="Times New Roman" panose="02020603050405020304" pitchFamily="18" charset="0"/>
+                <a:cs typeface="Times New Roman" panose="02020603050405020304" pitchFamily="18" charset="0"/>
+              </a:rPr>
+              <a:t>:</a:t>
+            </a:r>
           </a:p>
           <a:p>
             <a:pPr marL="0" indent="0" algn="just">
               <a:buNone/>
             </a:pPr>
-            <a:endParaRPr lang="pt-BR" sz="2400" dirty="0">
-              <a:latin typeface="Times New Roman" panose="02020603050405020304" pitchFamily="18" charset="0"/>
-              <a:cs typeface="Times New Roman" panose="02020603050405020304" pitchFamily="18" charset="0"/>
-            </a:endParaRPr>
+            <a:r>
+              <a:rPr lang="pt-BR" sz="2000" dirty="0">
+                <a:latin typeface="Times New Roman" panose="02020603050405020304" pitchFamily="18" charset="0"/>
+                <a:cs typeface="Times New Roman" panose="02020603050405020304" pitchFamily="18" charset="0"/>
+              </a:rPr>
+              <a:t>	 </a:t>
+            </a:r>
+            <a:r>
+              <a:rPr lang="pt-BR" sz="2000" dirty="0" err="1">
+                <a:latin typeface="Times New Roman" panose="02020603050405020304" pitchFamily="18" charset="0"/>
+                <a:cs typeface="Times New Roman" panose="02020603050405020304" pitchFamily="18" charset="0"/>
+              </a:rPr>
+              <a:t>led_onboard_pino.value</a:t>
+            </a:r>
+            <a:r>
+              <a:rPr lang="pt-BR" sz="2000" dirty="0">
+                <a:latin typeface="Times New Roman" panose="02020603050405020304" pitchFamily="18" charset="0"/>
+                <a:cs typeface="Times New Roman" panose="02020603050405020304" pitchFamily="18" charset="0"/>
+              </a:rPr>
+              <a:t>(1)</a:t>
+            </a:r>
           </a:p>
           <a:p>
             <a:pPr marL="0" indent="0" algn="just">
               <a:buNone/>
             </a:pPr>
             <a:r>
-              <a:rPr lang="pt-BR" sz="2400" dirty="0">
-                <a:latin typeface="Times New Roman" panose="02020603050405020304" pitchFamily="18" charset="0"/>
-                <a:cs typeface="Times New Roman" panose="02020603050405020304" pitchFamily="18" charset="0"/>
-              </a:rPr>
-              <a:t>-- </a:t>
-            </a:r>
-            <a:r>
-              <a:rPr lang="pt-BR" sz="2400" b="1" dirty="0">
-                <a:latin typeface="Times New Roman" panose="02020603050405020304" pitchFamily="18" charset="0"/>
-                <a:cs typeface="Times New Roman" panose="02020603050405020304" pitchFamily="18" charset="0"/>
-              </a:rPr>
-              <a:t>Comunidade</a:t>
+              <a:rPr lang="pt-BR" sz="2000" dirty="0">
+                <a:latin typeface="Times New Roman" panose="02020603050405020304" pitchFamily="18" charset="0"/>
+                <a:cs typeface="Times New Roman" panose="02020603050405020304" pitchFamily="18" charset="0"/>
+              </a:rPr>
+              <a:t>	 </a:t>
+            </a:r>
+            <a:r>
+              <a:rPr lang="pt-BR" sz="2000" b="1" dirty="0" err="1">
+                <a:latin typeface="Times New Roman" panose="02020603050405020304" pitchFamily="18" charset="0"/>
+                <a:cs typeface="Times New Roman" panose="02020603050405020304" pitchFamily="18" charset="0"/>
+              </a:rPr>
+              <a:t>utime</a:t>
+            </a:r>
+            <a:r>
+              <a:rPr lang="pt-BR" sz="2000" dirty="0" err="1">
+                <a:latin typeface="Times New Roman" panose="02020603050405020304" pitchFamily="18" charset="0"/>
+                <a:cs typeface="Times New Roman" panose="02020603050405020304" pitchFamily="18" charset="0"/>
+              </a:rPr>
+              <a:t>.sleep</a:t>
+            </a:r>
+            <a:r>
+              <a:rPr lang="pt-BR" sz="2000" dirty="0">
+                <a:latin typeface="Times New Roman" panose="02020603050405020304" pitchFamily="18" charset="0"/>
+                <a:cs typeface="Times New Roman" panose="02020603050405020304" pitchFamily="18" charset="0"/>
+              </a:rPr>
+              <a:t>(0.8)</a:t>
             </a:r>
           </a:p>
           <a:p>
@@ -8870,24 +9000,66 @@
               <a:buNone/>
             </a:pPr>
             <a:r>
-              <a:rPr lang="pt-BR" sz="2400" dirty="0">
-                <a:latin typeface="Times New Roman" panose="02020603050405020304" pitchFamily="18" charset="0"/>
-                <a:cs typeface="Times New Roman" panose="02020603050405020304" pitchFamily="18" charset="0"/>
-                <a:hlinkClick r:id="rId6"/>
-              </a:rPr>
-              <a:t>https://www.banana-pi.org/</a:t>
-            </a:r>
-            <a:endParaRPr lang="pt-BR" sz="2400" dirty="0">
-              <a:latin typeface="Times New Roman" panose="02020603050405020304" pitchFamily="18" charset="0"/>
-              <a:cs typeface="Times New Roman" panose="02020603050405020304" pitchFamily="18" charset="0"/>
-            </a:endParaRPr>
+              <a:rPr lang="pt-BR" sz="2000" dirty="0">
+                <a:latin typeface="Times New Roman" panose="02020603050405020304" pitchFamily="18" charset="0"/>
+                <a:cs typeface="Times New Roman" panose="02020603050405020304" pitchFamily="18" charset="0"/>
+              </a:rPr>
+              <a:t>	 </a:t>
+            </a:r>
+            <a:r>
+              <a:rPr lang="pt-BR" sz="2000" dirty="0" err="1">
+                <a:latin typeface="Times New Roman" panose="02020603050405020304" pitchFamily="18" charset="0"/>
+                <a:cs typeface="Times New Roman" panose="02020603050405020304" pitchFamily="18" charset="0"/>
+              </a:rPr>
+              <a:t>led_onboard_pino.value</a:t>
+            </a:r>
+            <a:r>
+              <a:rPr lang="pt-BR" sz="2000" dirty="0">
+                <a:latin typeface="Times New Roman" panose="02020603050405020304" pitchFamily="18" charset="0"/>
+                <a:cs typeface="Times New Roman" panose="02020603050405020304" pitchFamily="18" charset="0"/>
+              </a:rPr>
+              <a:t>(0)</a:t>
+            </a:r>
+          </a:p>
+          <a:p>
+            <a:pPr marL="0" indent="0" algn="just">
+              <a:buNone/>
+            </a:pPr>
+            <a:r>
+              <a:rPr lang="pt-BR" sz="2000" dirty="0">
+                <a:latin typeface="Times New Roman" panose="02020603050405020304" pitchFamily="18" charset="0"/>
+                <a:cs typeface="Times New Roman" panose="02020603050405020304" pitchFamily="18" charset="0"/>
+              </a:rPr>
+              <a:t>	 </a:t>
+            </a:r>
+            <a:r>
+              <a:rPr lang="pt-BR" sz="2000" b="1" dirty="0" err="1">
+                <a:latin typeface="Times New Roman" panose="02020603050405020304" pitchFamily="18" charset="0"/>
+                <a:cs typeface="Times New Roman" panose="02020603050405020304" pitchFamily="18" charset="0"/>
+              </a:rPr>
+              <a:t>utime</a:t>
+            </a:r>
+            <a:r>
+              <a:rPr lang="pt-BR" sz="2000" dirty="0" err="1">
+                <a:latin typeface="Times New Roman" panose="02020603050405020304" pitchFamily="18" charset="0"/>
+                <a:cs typeface="Times New Roman" panose="02020603050405020304" pitchFamily="18" charset="0"/>
+              </a:rPr>
+              <a:t>.sleep</a:t>
+            </a:r>
+            <a:r>
+              <a:rPr lang="pt-BR" sz="2000" dirty="0">
+                <a:latin typeface="Times New Roman" panose="02020603050405020304" pitchFamily="18" charset="0"/>
+                <a:cs typeface="Times New Roman" panose="02020603050405020304" pitchFamily="18" charset="0"/>
+              </a:rPr>
+              <a:t>(0.5)</a:t>
+            </a:r>
           </a:p>
         </p:txBody>
       </p:sp>
     </p:spTree>
     <p:extLst>
       <p:ext uri="{BB962C8B-B14F-4D97-AF65-F5344CB8AC3E}">
-        <p14:creationId xmlns:p14="http://schemas.microsoft.com/office/powerpoint/2010/main" val="2470652989"/>
+        <p14:creationId xmlns:p14="http://schemas.microsoft.com/office/powerpoint/2010/main" val="4161419489"/>
       </p:ext>
     </p:extLst>
   </p:cSld>
@@ -8938,6 +9110,1888 @@
           <a:lstStyle/>
           <a:p>
             <a:r>
+              <a:rPr lang="en-US" b="1" dirty="0">
+                <a:solidFill>
+                  <a:srgbClr val="0070C0"/>
+                </a:solidFill>
+              </a:rPr>
+              <a:t>Raspberry Pi 4 - </a:t>
+            </a:r>
+            <a:r>
+              <a:rPr lang="en-US" b="1" dirty="0" err="1">
+                <a:solidFill>
+                  <a:srgbClr val="0070C0"/>
+                </a:solidFill>
+              </a:rPr>
+              <a:t>MicroPython</a:t>
+            </a:r>
+            <a:endParaRPr lang="en-US" b="1" dirty="0">
+              <a:solidFill>
+                <a:srgbClr val="0070C0"/>
+              </a:solidFill>
+            </a:endParaRPr>
+          </a:p>
+        </p:txBody>
+      </p:sp>
+      <p:sp>
+        <p:nvSpPr>
+          <p:cNvPr id="8" name="Text Placeholder 2"/>
+          <p:cNvSpPr>
+            <a:spLocks noGrp="1"/>
+          </p:cNvSpPr>
+          <p:nvPr>
+            <p:ph type="body" sz="half" idx="1"/>
+          </p:nvPr>
+        </p:nvSpPr>
+        <p:spPr>
+          <a:xfrm>
+            <a:off x="142865" y="944118"/>
+            <a:ext cx="8865056" cy="4078986"/>
+          </a:xfrm>
+        </p:spPr>
+        <p:txBody>
+          <a:bodyPr>
+            <a:noAutofit/>
+          </a:bodyPr>
+          <a:lstStyle/>
+          <a:p>
+            <a:pPr marL="0" indent="0" algn="just">
+              <a:buNone/>
+            </a:pPr>
+            <a:r>
+              <a:rPr lang="pt-BR" sz="2000" b="1" dirty="0">
+                <a:solidFill>
+                  <a:srgbClr val="FF0000"/>
+                </a:solidFill>
+                <a:latin typeface="Times New Roman" panose="02020603050405020304" pitchFamily="18" charset="0"/>
+                <a:cs typeface="Times New Roman" panose="02020603050405020304" pitchFamily="18" charset="0"/>
+              </a:rPr>
+              <a:t># Exemplo 2</a:t>
+            </a:r>
+            <a:endParaRPr lang="pt-BR" sz="2000" dirty="0">
+              <a:latin typeface="Times New Roman" panose="02020603050405020304" pitchFamily="18" charset="0"/>
+              <a:cs typeface="Times New Roman" panose="02020603050405020304" pitchFamily="18" charset="0"/>
+            </a:endParaRPr>
+          </a:p>
+          <a:p>
+            <a:pPr marL="0" indent="0" algn="just">
+              <a:buNone/>
+            </a:pPr>
+            <a:r>
+              <a:rPr lang="pt-BR" sz="2000" dirty="0" err="1">
+                <a:latin typeface="Times New Roman" panose="02020603050405020304" pitchFamily="18" charset="0"/>
+                <a:cs typeface="Times New Roman" panose="02020603050405020304" pitchFamily="18" charset="0"/>
+              </a:rPr>
+              <a:t>import</a:t>
+            </a:r>
+            <a:r>
+              <a:rPr lang="pt-BR" sz="2000" dirty="0">
+                <a:latin typeface="Times New Roman" panose="02020603050405020304" pitchFamily="18" charset="0"/>
+                <a:cs typeface="Times New Roman" panose="02020603050405020304" pitchFamily="18" charset="0"/>
+              </a:rPr>
+              <a:t> </a:t>
+            </a:r>
+            <a:r>
+              <a:rPr lang="pt-BR" sz="2000" b="1" dirty="0" err="1">
+                <a:latin typeface="Times New Roman" panose="02020603050405020304" pitchFamily="18" charset="0"/>
+                <a:cs typeface="Times New Roman" panose="02020603050405020304" pitchFamily="18" charset="0"/>
+              </a:rPr>
+              <a:t>machine</a:t>
+            </a:r>
+            <a:endParaRPr lang="pt-BR" sz="2000" b="1" dirty="0">
+              <a:latin typeface="Times New Roman" panose="02020603050405020304" pitchFamily="18" charset="0"/>
+              <a:cs typeface="Times New Roman" panose="02020603050405020304" pitchFamily="18" charset="0"/>
+            </a:endParaRPr>
+          </a:p>
+          <a:p>
+            <a:pPr marL="0" indent="0" algn="just">
+              <a:buNone/>
+            </a:pPr>
+            <a:r>
+              <a:rPr lang="pt-BR" sz="2000" dirty="0" err="1">
+                <a:latin typeface="Times New Roman" panose="02020603050405020304" pitchFamily="18" charset="0"/>
+                <a:cs typeface="Times New Roman" panose="02020603050405020304" pitchFamily="18" charset="0"/>
+              </a:rPr>
+              <a:t>import</a:t>
+            </a:r>
+            <a:r>
+              <a:rPr lang="pt-BR" sz="2000" dirty="0">
+                <a:latin typeface="Times New Roman" panose="02020603050405020304" pitchFamily="18" charset="0"/>
+                <a:cs typeface="Times New Roman" panose="02020603050405020304" pitchFamily="18" charset="0"/>
+              </a:rPr>
+              <a:t> </a:t>
+            </a:r>
+            <a:r>
+              <a:rPr lang="pt-BR" sz="2000" b="1" dirty="0" err="1">
+                <a:latin typeface="Times New Roman" panose="02020603050405020304" pitchFamily="18" charset="0"/>
+                <a:cs typeface="Times New Roman" panose="02020603050405020304" pitchFamily="18" charset="0"/>
+              </a:rPr>
+              <a:t>utime</a:t>
+            </a:r>
+            <a:endParaRPr lang="pt-BR" sz="2000" b="1" dirty="0">
+              <a:latin typeface="Times New Roman" panose="02020603050405020304" pitchFamily="18" charset="0"/>
+              <a:cs typeface="Times New Roman" panose="02020603050405020304" pitchFamily="18" charset="0"/>
+            </a:endParaRPr>
+          </a:p>
+          <a:p>
+            <a:pPr marL="0" indent="0" algn="just">
+              <a:buNone/>
+            </a:pPr>
+            <a:endParaRPr lang="pt-BR" sz="2000" dirty="0">
+              <a:latin typeface="Times New Roman" panose="02020603050405020304" pitchFamily="18" charset="0"/>
+              <a:cs typeface="Times New Roman" panose="02020603050405020304" pitchFamily="18" charset="0"/>
+            </a:endParaRPr>
+          </a:p>
+          <a:p>
+            <a:pPr marL="0" indent="0" algn="just">
+              <a:buNone/>
+            </a:pPr>
+            <a:r>
+              <a:rPr lang="pt-BR" sz="2000" dirty="0" err="1">
+                <a:latin typeface="Times New Roman" panose="02020603050405020304" pitchFamily="18" charset="0"/>
+                <a:cs typeface="Times New Roman" panose="02020603050405020304" pitchFamily="18" charset="0"/>
+              </a:rPr>
+              <a:t>sda</a:t>
+            </a:r>
+            <a:r>
+              <a:rPr lang="pt-BR" sz="2000" dirty="0">
+                <a:latin typeface="Times New Roman" panose="02020603050405020304" pitchFamily="18" charset="0"/>
+                <a:cs typeface="Times New Roman" panose="02020603050405020304" pitchFamily="18" charset="0"/>
+              </a:rPr>
+              <a:t> = </a:t>
+            </a:r>
+            <a:r>
+              <a:rPr lang="pt-BR" sz="2000" b="1" dirty="0" err="1">
+                <a:latin typeface="Times New Roman" panose="02020603050405020304" pitchFamily="18" charset="0"/>
+                <a:cs typeface="Times New Roman" panose="02020603050405020304" pitchFamily="18" charset="0"/>
+              </a:rPr>
+              <a:t>machine</a:t>
+            </a:r>
+            <a:r>
+              <a:rPr lang="pt-BR" sz="2000" dirty="0" err="1">
+                <a:latin typeface="Times New Roman" panose="02020603050405020304" pitchFamily="18" charset="0"/>
+                <a:cs typeface="Times New Roman" panose="02020603050405020304" pitchFamily="18" charset="0"/>
+              </a:rPr>
+              <a:t>.Pin</a:t>
+            </a:r>
+            <a:r>
+              <a:rPr lang="pt-BR" sz="2000" dirty="0">
+                <a:latin typeface="Times New Roman" panose="02020603050405020304" pitchFamily="18" charset="0"/>
+                <a:cs typeface="Times New Roman" panose="02020603050405020304" pitchFamily="18" charset="0"/>
+              </a:rPr>
+              <a:t>(0)</a:t>
+            </a:r>
+          </a:p>
+          <a:p>
+            <a:pPr marL="0" indent="0" algn="just">
+              <a:buNone/>
+            </a:pPr>
+            <a:r>
+              <a:rPr lang="pt-BR" sz="2000" dirty="0" err="1">
+                <a:latin typeface="Times New Roman" panose="02020603050405020304" pitchFamily="18" charset="0"/>
+                <a:cs typeface="Times New Roman" panose="02020603050405020304" pitchFamily="18" charset="0"/>
+              </a:rPr>
+              <a:t>scl</a:t>
+            </a:r>
+            <a:r>
+              <a:rPr lang="pt-BR" sz="2000" dirty="0">
+                <a:latin typeface="Times New Roman" panose="02020603050405020304" pitchFamily="18" charset="0"/>
+                <a:cs typeface="Times New Roman" panose="02020603050405020304" pitchFamily="18" charset="0"/>
+              </a:rPr>
+              <a:t> = </a:t>
+            </a:r>
+            <a:r>
+              <a:rPr lang="pt-BR" sz="2000" b="1" dirty="0" err="1">
+                <a:latin typeface="Times New Roman" panose="02020603050405020304" pitchFamily="18" charset="0"/>
+                <a:cs typeface="Times New Roman" panose="02020603050405020304" pitchFamily="18" charset="0"/>
+              </a:rPr>
+              <a:t>machine</a:t>
+            </a:r>
+            <a:r>
+              <a:rPr lang="pt-BR" sz="2000" dirty="0" err="1">
+                <a:latin typeface="Times New Roman" panose="02020603050405020304" pitchFamily="18" charset="0"/>
+                <a:cs typeface="Times New Roman" panose="02020603050405020304" pitchFamily="18" charset="0"/>
+              </a:rPr>
+              <a:t>.Pin</a:t>
+            </a:r>
+            <a:r>
+              <a:rPr lang="pt-BR" sz="2000" dirty="0">
+                <a:latin typeface="Times New Roman" panose="02020603050405020304" pitchFamily="18" charset="0"/>
+                <a:cs typeface="Times New Roman" panose="02020603050405020304" pitchFamily="18" charset="0"/>
+              </a:rPr>
+              <a:t>(1)</a:t>
+            </a:r>
+          </a:p>
+          <a:p>
+            <a:pPr marL="0" indent="0" algn="just">
+              <a:buNone/>
+            </a:pPr>
+            <a:r>
+              <a:rPr lang="pt-BR" sz="2000" dirty="0">
+                <a:latin typeface="Times New Roman" panose="02020603050405020304" pitchFamily="18" charset="0"/>
+                <a:cs typeface="Times New Roman" panose="02020603050405020304" pitchFamily="18" charset="0"/>
+              </a:rPr>
+              <a:t>i2c = </a:t>
+            </a:r>
+            <a:r>
+              <a:rPr lang="pt-BR" sz="2000" b="1" dirty="0">
+                <a:latin typeface="Times New Roman" panose="02020603050405020304" pitchFamily="18" charset="0"/>
+                <a:cs typeface="Times New Roman" panose="02020603050405020304" pitchFamily="18" charset="0"/>
+              </a:rPr>
+              <a:t>machine</a:t>
+            </a:r>
+            <a:r>
+              <a:rPr lang="pt-BR" sz="2000" dirty="0">
+                <a:latin typeface="Times New Roman" panose="02020603050405020304" pitchFamily="18" charset="0"/>
+                <a:cs typeface="Times New Roman" panose="02020603050405020304" pitchFamily="18" charset="0"/>
+              </a:rPr>
+              <a:t>.I2C(0, </a:t>
+            </a:r>
+            <a:r>
+              <a:rPr lang="pt-BR" sz="2000" dirty="0" err="1">
+                <a:latin typeface="Times New Roman" panose="02020603050405020304" pitchFamily="18" charset="0"/>
+                <a:cs typeface="Times New Roman" panose="02020603050405020304" pitchFamily="18" charset="0"/>
+              </a:rPr>
+              <a:t>sda</a:t>
+            </a:r>
+            <a:r>
+              <a:rPr lang="pt-BR" sz="2000" dirty="0">
+                <a:latin typeface="Times New Roman" panose="02020603050405020304" pitchFamily="18" charset="0"/>
+                <a:cs typeface="Times New Roman" panose="02020603050405020304" pitchFamily="18" charset="0"/>
+              </a:rPr>
+              <a:t>=</a:t>
+            </a:r>
+            <a:r>
+              <a:rPr lang="pt-BR" sz="2000" dirty="0" err="1">
+                <a:latin typeface="Times New Roman" panose="02020603050405020304" pitchFamily="18" charset="0"/>
+                <a:cs typeface="Times New Roman" panose="02020603050405020304" pitchFamily="18" charset="0"/>
+              </a:rPr>
+              <a:t>sda</a:t>
+            </a:r>
+            <a:r>
+              <a:rPr lang="pt-BR" sz="2000" dirty="0">
+                <a:latin typeface="Times New Roman" panose="02020603050405020304" pitchFamily="18" charset="0"/>
+                <a:cs typeface="Times New Roman" panose="02020603050405020304" pitchFamily="18" charset="0"/>
+              </a:rPr>
+              <a:t>, </a:t>
+            </a:r>
+            <a:r>
+              <a:rPr lang="pt-BR" sz="2000" dirty="0" err="1">
+                <a:latin typeface="Times New Roman" panose="02020603050405020304" pitchFamily="18" charset="0"/>
+                <a:cs typeface="Times New Roman" panose="02020603050405020304" pitchFamily="18" charset="0"/>
+              </a:rPr>
+              <a:t>scl</a:t>
+            </a:r>
+            <a:r>
+              <a:rPr lang="pt-BR" sz="2000" dirty="0">
+                <a:latin typeface="Times New Roman" panose="02020603050405020304" pitchFamily="18" charset="0"/>
+                <a:cs typeface="Times New Roman" panose="02020603050405020304" pitchFamily="18" charset="0"/>
+              </a:rPr>
+              <a:t>=</a:t>
+            </a:r>
+            <a:r>
+              <a:rPr lang="pt-BR" sz="2000" dirty="0" err="1">
+                <a:latin typeface="Times New Roman" panose="02020603050405020304" pitchFamily="18" charset="0"/>
+                <a:cs typeface="Times New Roman" panose="02020603050405020304" pitchFamily="18" charset="0"/>
+              </a:rPr>
+              <a:t>scl</a:t>
+            </a:r>
+            <a:r>
+              <a:rPr lang="pt-BR" sz="2000" dirty="0">
+                <a:latin typeface="Times New Roman" panose="02020603050405020304" pitchFamily="18" charset="0"/>
+                <a:cs typeface="Times New Roman" panose="02020603050405020304" pitchFamily="18" charset="0"/>
+              </a:rPr>
+              <a:t>, freq.= 400000)</a:t>
+            </a:r>
+          </a:p>
+          <a:p>
+            <a:pPr marL="0" indent="0" algn="just">
+              <a:buNone/>
+            </a:pPr>
+            <a:r>
+              <a:rPr lang="pt-BR" sz="2000" dirty="0" err="1">
+                <a:latin typeface="Times New Roman" panose="02020603050405020304" pitchFamily="18" charset="0"/>
+                <a:cs typeface="Times New Roman" panose="02020603050405020304" pitchFamily="18" charset="0"/>
+              </a:rPr>
+              <a:t>adc</a:t>
+            </a:r>
+            <a:r>
+              <a:rPr lang="pt-BR" sz="2000" dirty="0">
+                <a:latin typeface="Times New Roman" panose="02020603050405020304" pitchFamily="18" charset="0"/>
+                <a:cs typeface="Times New Roman" panose="02020603050405020304" pitchFamily="18" charset="0"/>
+              </a:rPr>
+              <a:t> = </a:t>
+            </a:r>
+            <a:r>
+              <a:rPr lang="pt-BR" sz="2000" b="1" dirty="0" err="1">
+                <a:latin typeface="Times New Roman" panose="02020603050405020304" pitchFamily="18" charset="0"/>
+                <a:cs typeface="Times New Roman" panose="02020603050405020304" pitchFamily="18" charset="0"/>
+              </a:rPr>
+              <a:t>machine</a:t>
+            </a:r>
+            <a:r>
+              <a:rPr lang="pt-BR" sz="2000" dirty="0" err="1">
+                <a:latin typeface="Times New Roman" panose="02020603050405020304" pitchFamily="18" charset="0"/>
+                <a:cs typeface="Times New Roman" panose="02020603050405020304" pitchFamily="18" charset="0"/>
+              </a:rPr>
+              <a:t>.ADC</a:t>
+            </a:r>
+            <a:r>
+              <a:rPr lang="pt-BR" sz="2000" dirty="0">
+                <a:latin typeface="Times New Roman" panose="02020603050405020304" pitchFamily="18" charset="0"/>
+                <a:cs typeface="Times New Roman" panose="02020603050405020304" pitchFamily="18" charset="0"/>
+              </a:rPr>
+              <a:t>(4)</a:t>
+            </a:r>
+          </a:p>
+          <a:p>
+            <a:pPr marL="0" indent="0" algn="just">
+              <a:buNone/>
+            </a:pPr>
+            <a:r>
+              <a:rPr lang="pt-BR" sz="2000" dirty="0" err="1">
+                <a:latin typeface="Times New Roman" panose="02020603050405020304" pitchFamily="18" charset="0"/>
+                <a:cs typeface="Times New Roman" panose="02020603050405020304" pitchFamily="18" charset="0"/>
+              </a:rPr>
+              <a:t>conversion_factor</a:t>
+            </a:r>
+            <a:r>
+              <a:rPr lang="pt-BR" sz="2000" dirty="0">
+                <a:latin typeface="Times New Roman" panose="02020603050405020304" pitchFamily="18" charset="0"/>
+                <a:cs typeface="Times New Roman" panose="02020603050405020304" pitchFamily="18" charset="0"/>
+              </a:rPr>
+              <a:t> = 3.3 / (65535)</a:t>
+            </a:r>
+          </a:p>
+          <a:p>
+            <a:pPr marL="0" indent="0" algn="just">
+              <a:buNone/>
+            </a:pPr>
+            <a:endParaRPr lang="pt-BR" sz="2000" dirty="0">
+              <a:latin typeface="Times New Roman" panose="02020603050405020304" pitchFamily="18" charset="0"/>
+              <a:cs typeface="Times New Roman" panose="02020603050405020304" pitchFamily="18" charset="0"/>
+            </a:endParaRPr>
+          </a:p>
+          <a:p>
+            <a:pPr marL="0" indent="0" algn="just">
+              <a:buNone/>
+            </a:pPr>
+            <a:r>
+              <a:rPr lang="pt-BR" sz="2000" dirty="0">
+                <a:latin typeface="Times New Roman" panose="02020603050405020304" pitchFamily="18" charset="0"/>
+                <a:cs typeface="Times New Roman" panose="02020603050405020304" pitchFamily="18" charset="0"/>
+              </a:rPr>
+              <a:t>...</a:t>
+            </a:r>
+          </a:p>
+        </p:txBody>
+      </p:sp>
+    </p:spTree>
+    <p:extLst>
+      <p:ext uri="{BB962C8B-B14F-4D97-AF65-F5344CB8AC3E}">
+        <p14:creationId xmlns:p14="http://schemas.microsoft.com/office/powerpoint/2010/main" val="1037266154"/>
+      </p:ext>
+    </p:extLst>
+  </p:cSld>
+  <p:clrMapOvr>
+    <a:masterClrMapping/>
+  </p:clrMapOvr>
+  <p:transition spd="med"/>
+</p:sld>
+</file>
+
+<file path=ppt/slides/slide22.xml><?xml version="1.0" encoding="utf-8"?>
+<p:sld xmlns:a="http://schemas.openxmlformats.org/drawingml/2006/main" xmlns:r="http://schemas.openxmlformats.org/officeDocument/2006/relationships" xmlns:p="http://schemas.openxmlformats.org/presentationml/2006/main">
+  <p:cSld>
+    <p:spTree>
+      <p:nvGrpSpPr>
+        <p:cNvPr id="1" name=""/>
+        <p:cNvGrpSpPr/>
+        <p:nvPr/>
+      </p:nvGrpSpPr>
+      <p:grpSpPr>
+        <a:xfrm>
+          <a:off x="0" y="0"/>
+          <a:ext cx="0" cy="0"/>
+          <a:chOff x="0" y="0"/>
+          <a:chExt cx="0" cy="0"/>
+        </a:xfrm>
+      </p:grpSpPr>
+      <p:sp>
+        <p:nvSpPr>
+          <p:cNvPr id="6" name="Title 1"/>
+          <p:cNvSpPr>
+            <a:spLocks noGrp="1"/>
+          </p:cNvSpPr>
+          <p:nvPr>
+            <p:ph type="title"/>
+          </p:nvPr>
+        </p:nvSpPr>
+        <p:spPr>
+          <a:xfrm>
+            <a:off x="457200" y="205980"/>
+            <a:ext cx="8229600" cy="857251"/>
+          </a:xfrm>
+        </p:spPr>
+        <p:txBody>
+          <a:bodyPr>
+            <a:normAutofit/>
+          </a:bodyPr>
+          <a:lstStyle/>
+          <a:p>
+            <a:r>
+              <a:rPr lang="en-US" b="1" dirty="0">
+                <a:solidFill>
+                  <a:srgbClr val="0070C0"/>
+                </a:solidFill>
+              </a:rPr>
+              <a:t>Raspberry Pi 4 - </a:t>
+            </a:r>
+            <a:r>
+              <a:rPr lang="en-US" b="1" dirty="0" err="1">
+                <a:solidFill>
+                  <a:srgbClr val="0070C0"/>
+                </a:solidFill>
+              </a:rPr>
+              <a:t>MicroPython</a:t>
+            </a:r>
+            <a:endParaRPr lang="en-US" b="1" dirty="0">
+              <a:solidFill>
+                <a:srgbClr val="0070C0"/>
+              </a:solidFill>
+            </a:endParaRPr>
+          </a:p>
+        </p:txBody>
+      </p:sp>
+      <p:sp>
+        <p:nvSpPr>
+          <p:cNvPr id="8" name="Text Placeholder 2"/>
+          <p:cNvSpPr>
+            <a:spLocks noGrp="1"/>
+          </p:cNvSpPr>
+          <p:nvPr>
+            <p:ph type="body" sz="half" idx="1"/>
+          </p:nvPr>
+        </p:nvSpPr>
+        <p:spPr>
+          <a:xfrm>
+            <a:off x="142865" y="944118"/>
+            <a:ext cx="8865056" cy="4078986"/>
+          </a:xfrm>
+        </p:spPr>
+        <p:txBody>
+          <a:bodyPr>
+            <a:noAutofit/>
+          </a:bodyPr>
+          <a:lstStyle/>
+          <a:p>
+            <a:pPr marL="0" indent="0" algn="just">
+              <a:buNone/>
+            </a:pPr>
+            <a:r>
+              <a:rPr lang="pt-BR" sz="2000" b="1" dirty="0">
+                <a:latin typeface="Times New Roman" panose="02020603050405020304" pitchFamily="18" charset="0"/>
+                <a:cs typeface="Times New Roman" panose="02020603050405020304" pitchFamily="18" charset="0"/>
+              </a:rPr>
+              <a:t>...</a:t>
+            </a:r>
+          </a:p>
+          <a:p>
+            <a:pPr marL="0" indent="0" algn="just">
+              <a:buNone/>
+            </a:pPr>
+            <a:endParaRPr lang="pt-BR" sz="2000" b="1" dirty="0">
+              <a:latin typeface="Times New Roman" panose="02020603050405020304" pitchFamily="18" charset="0"/>
+              <a:cs typeface="Times New Roman" panose="02020603050405020304" pitchFamily="18" charset="0"/>
+            </a:endParaRPr>
+          </a:p>
+          <a:p>
+            <a:pPr marL="0" indent="0" algn="just">
+              <a:buNone/>
+            </a:pPr>
+            <a:r>
+              <a:rPr lang="pt-BR" sz="2000" b="1" dirty="0" err="1">
+                <a:latin typeface="Times New Roman" panose="02020603050405020304" pitchFamily="18" charset="0"/>
+                <a:cs typeface="Times New Roman" panose="02020603050405020304" pitchFamily="18" charset="0"/>
+              </a:rPr>
+              <a:t>while</a:t>
+            </a:r>
+            <a:r>
+              <a:rPr lang="pt-BR" sz="2000" dirty="0">
+                <a:latin typeface="Times New Roman" panose="02020603050405020304" pitchFamily="18" charset="0"/>
+                <a:cs typeface="Times New Roman" panose="02020603050405020304" pitchFamily="18" charset="0"/>
+              </a:rPr>
+              <a:t> </a:t>
+            </a:r>
+            <a:r>
+              <a:rPr lang="pt-BR" sz="2000" dirty="0" err="1">
+                <a:latin typeface="Times New Roman" panose="02020603050405020304" pitchFamily="18" charset="0"/>
+                <a:cs typeface="Times New Roman" panose="02020603050405020304" pitchFamily="18" charset="0"/>
+              </a:rPr>
+              <a:t>True</a:t>
+            </a:r>
+            <a:r>
+              <a:rPr lang="pt-BR" sz="2000" dirty="0">
+                <a:latin typeface="Times New Roman" panose="02020603050405020304" pitchFamily="18" charset="0"/>
+                <a:cs typeface="Times New Roman" panose="02020603050405020304" pitchFamily="18" charset="0"/>
+              </a:rPr>
+              <a:t>:</a:t>
+            </a:r>
+          </a:p>
+          <a:p>
+            <a:pPr marL="0" indent="0" algn="just">
+              <a:buNone/>
+            </a:pPr>
+            <a:r>
+              <a:rPr lang="pt-BR" sz="2000" dirty="0">
+                <a:latin typeface="Times New Roman" panose="02020603050405020304" pitchFamily="18" charset="0"/>
+                <a:cs typeface="Times New Roman" panose="02020603050405020304" pitchFamily="18" charset="0"/>
+              </a:rPr>
+              <a:t>	 </a:t>
+            </a:r>
+            <a:r>
+              <a:rPr lang="pt-BR" sz="2000" dirty="0" err="1">
+                <a:latin typeface="Times New Roman" panose="02020603050405020304" pitchFamily="18" charset="0"/>
+                <a:cs typeface="Times New Roman" panose="02020603050405020304" pitchFamily="18" charset="0"/>
+              </a:rPr>
+              <a:t>reading</a:t>
+            </a:r>
+            <a:r>
+              <a:rPr lang="pt-BR" sz="2000" dirty="0">
+                <a:latin typeface="Times New Roman" panose="02020603050405020304" pitchFamily="18" charset="0"/>
+                <a:cs typeface="Times New Roman" panose="02020603050405020304" pitchFamily="18" charset="0"/>
+              </a:rPr>
+              <a:t> = adc.</a:t>
+            </a:r>
+            <a:r>
+              <a:rPr lang="pt-BR" sz="2000" b="1" dirty="0">
+                <a:latin typeface="Times New Roman" panose="02020603050405020304" pitchFamily="18" charset="0"/>
+                <a:cs typeface="Times New Roman" panose="02020603050405020304" pitchFamily="18" charset="0"/>
+              </a:rPr>
+              <a:t>read_u16()</a:t>
+            </a:r>
+            <a:r>
+              <a:rPr lang="pt-BR" sz="2000" dirty="0">
+                <a:latin typeface="Times New Roman" panose="02020603050405020304" pitchFamily="18" charset="0"/>
+                <a:cs typeface="Times New Roman" panose="02020603050405020304" pitchFamily="18" charset="0"/>
+              </a:rPr>
+              <a:t> * </a:t>
+            </a:r>
+            <a:r>
+              <a:rPr lang="pt-BR" sz="2000" dirty="0" err="1">
+                <a:latin typeface="Times New Roman" panose="02020603050405020304" pitchFamily="18" charset="0"/>
+                <a:cs typeface="Times New Roman" panose="02020603050405020304" pitchFamily="18" charset="0"/>
+              </a:rPr>
+              <a:t>conversion_fator</a:t>
+            </a:r>
+            <a:endParaRPr lang="pt-BR" sz="2000" dirty="0">
+              <a:latin typeface="Times New Roman" panose="02020603050405020304" pitchFamily="18" charset="0"/>
+              <a:cs typeface="Times New Roman" panose="02020603050405020304" pitchFamily="18" charset="0"/>
+            </a:endParaRPr>
+          </a:p>
+          <a:p>
+            <a:pPr marL="0" indent="0" algn="just">
+              <a:buNone/>
+            </a:pPr>
+            <a:r>
+              <a:rPr lang="pt-BR" sz="2000" dirty="0">
+                <a:latin typeface="Times New Roman" panose="02020603050405020304" pitchFamily="18" charset="0"/>
+                <a:cs typeface="Times New Roman" panose="02020603050405020304" pitchFamily="18" charset="0"/>
+              </a:rPr>
+              <a:t>	 </a:t>
+            </a:r>
+            <a:r>
+              <a:rPr lang="pt-BR" sz="2000" dirty="0" err="1">
+                <a:latin typeface="Times New Roman" panose="02020603050405020304" pitchFamily="18" charset="0"/>
+                <a:cs typeface="Times New Roman" panose="02020603050405020304" pitchFamily="18" charset="0"/>
+              </a:rPr>
+              <a:t>temperatute</a:t>
+            </a:r>
+            <a:r>
+              <a:rPr lang="pt-BR" sz="2000" dirty="0">
+                <a:latin typeface="Times New Roman" panose="02020603050405020304" pitchFamily="18" charset="0"/>
+                <a:cs typeface="Times New Roman" panose="02020603050405020304" pitchFamily="18" charset="0"/>
+              </a:rPr>
+              <a:t> = 25 – (</a:t>
+            </a:r>
+            <a:r>
+              <a:rPr lang="pt-BR" sz="2000" dirty="0" err="1">
+                <a:latin typeface="Times New Roman" panose="02020603050405020304" pitchFamily="18" charset="0"/>
+                <a:cs typeface="Times New Roman" panose="02020603050405020304" pitchFamily="18" charset="0"/>
+              </a:rPr>
+              <a:t>reading</a:t>
+            </a:r>
+            <a:r>
+              <a:rPr lang="pt-BR" sz="2000" dirty="0">
+                <a:latin typeface="Times New Roman" panose="02020603050405020304" pitchFamily="18" charset="0"/>
+                <a:cs typeface="Times New Roman" panose="02020603050405020304" pitchFamily="18" charset="0"/>
+              </a:rPr>
+              <a:t> – 0.706) / 0.001721</a:t>
+            </a:r>
+          </a:p>
+          <a:p>
+            <a:pPr marL="0" indent="0" algn="just">
+              <a:buNone/>
+            </a:pPr>
+            <a:r>
+              <a:rPr lang="pt-BR" sz="2000" dirty="0">
+                <a:latin typeface="Times New Roman" panose="02020603050405020304" pitchFamily="18" charset="0"/>
+                <a:cs typeface="Times New Roman" panose="02020603050405020304" pitchFamily="18" charset="0"/>
+              </a:rPr>
+              <a:t>	 i2c.</a:t>
+            </a:r>
+            <a:r>
+              <a:rPr lang="pt-BR" sz="2000" b="1" dirty="0">
+                <a:latin typeface="Times New Roman" panose="02020603050405020304" pitchFamily="18" charset="0"/>
+                <a:cs typeface="Times New Roman" panose="02020603050405020304" pitchFamily="18" charset="0"/>
+              </a:rPr>
+              <a:t>writeto</a:t>
+            </a:r>
+            <a:r>
+              <a:rPr lang="pt-BR" sz="2000" dirty="0">
+                <a:latin typeface="Times New Roman" panose="02020603050405020304" pitchFamily="18" charset="0"/>
+                <a:cs typeface="Times New Roman" panose="02020603050405020304" pitchFamily="18" charset="0"/>
+              </a:rPr>
+              <a:t>(114, ‘\x7C’)</a:t>
+            </a:r>
+          </a:p>
+          <a:p>
+            <a:pPr marL="0" indent="0" algn="just">
+              <a:buNone/>
+            </a:pPr>
+            <a:r>
+              <a:rPr lang="pt-BR" sz="2000" dirty="0">
+                <a:latin typeface="Times New Roman" panose="02020603050405020304" pitchFamily="18" charset="0"/>
+                <a:cs typeface="Times New Roman" panose="02020603050405020304" pitchFamily="18" charset="0"/>
+              </a:rPr>
+              <a:t>	 i2c.</a:t>
+            </a:r>
+            <a:r>
+              <a:rPr lang="pt-BR" sz="2000" b="1" dirty="0">
+                <a:latin typeface="Times New Roman" panose="02020603050405020304" pitchFamily="18" charset="0"/>
+                <a:cs typeface="Times New Roman" panose="02020603050405020304" pitchFamily="18" charset="0"/>
+              </a:rPr>
+              <a:t>writeto</a:t>
+            </a:r>
+            <a:r>
+              <a:rPr lang="pt-BR" sz="2000" dirty="0">
+                <a:latin typeface="Times New Roman" panose="02020603050405020304" pitchFamily="18" charset="0"/>
+                <a:cs typeface="Times New Roman" panose="02020603050405020304" pitchFamily="18" charset="0"/>
+              </a:rPr>
+              <a:t>(114, ‘\x2D’)</a:t>
+            </a:r>
+          </a:p>
+          <a:p>
+            <a:pPr marL="0" indent="0" algn="just">
+              <a:buNone/>
+            </a:pPr>
+            <a:r>
+              <a:rPr lang="pt-BR" sz="2000" dirty="0">
+                <a:latin typeface="Times New Roman" panose="02020603050405020304" pitchFamily="18" charset="0"/>
+                <a:cs typeface="Times New Roman" panose="02020603050405020304" pitchFamily="18" charset="0"/>
+              </a:rPr>
+              <a:t>        </a:t>
+            </a:r>
+            <a:r>
+              <a:rPr lang="pt-BR" sz="2000" dirty="0" err="1">
+                <a:latin typeface="Times New Roman" panose="02020603050405020304" pitchFamily="18" charset="0"/>
+                <a:cs typeface="Times New Roman" panose="02020603050405020304" pitchFamily="18" charset="0"/>
+              </a:rPr>
+              <a:t>out_string</a:t>
+            </a:r>
+            <a:r>
+              <a:rPr lang="pt-BR" sz="2000" dirty="0">
+                <a:latin typeface="Times New Roman" panose="02020603050405020304" pitchFamily="18" charset="0"/>
+                <a:cs typeface="Times New Roman" panose="02020603050405020304" pitchFamily="18" charset="0"/>
+              </a:rPr>
+              <a:t> = “</a:t>
+            </a:r>
+            <a:r>
+              <a:rPr lang="pt-BR" sz="2000" dirty="0" err="1">
+                <a:latin typeface="Times New Roman" panose="02020603050405020304" pitchFamily="18" charset="0"/>
+                <a:cs typeface="Times New Roman" panose="02020603050405020304" pitchFamily="18" charset="0"/>
+              </a:rPr>
+              <a:t>Temp</a:t>
+            </a:r>
+            <a:r>
+              <a:rPr lang="pt-BR" sz="2000" dirty="0">
+                <a:latin typeface="Times New Roman" panose="02020603050405020304" pitchFamily="18" charset="0"/>
+                <a:cs typeface="Times New Roman" panose="02020603050405020304" pitchFamily="18" charset="0"/>
+              </a:rPr>
+              <a:t>: “ + </a:t>
+            </a:r>
+            <a:r>
+              <a:rPr lang="pt-BR" sz="2000" b="1" dirty="0" err="1">
+                <a:latin typeface="Times New Roman" panose="02020603050405020304" pitchFamily="18" charset="0"/>
+                <a:cs typeface="Times New Roman" panose="02020603050405020304" pitchFamily="18" charset="0"/>
+              </a:rPr>
+              <a:t>str</a:t>
+            </a:r>
+            <a:r>
+              <a:rPr lang="pt-BR" sz="2000" dirty="0">
+                <a:latin typeface="Times New Roman" panose="02020603050405020304" pitchFamily="18" charset="0"/>
+                <a:cs typeface="Times New Roman" panose="02020603050405020304" pitchFamily="18" charset="0"/>
+              </a:rPr>
+              <a:t>(</a:t>
+            </a:r>
+            <a:r>
+              <a:rPr lang="pt-BR" sz="2000" dirty="0" err="1">
+                <a:latin typeface="Times New Roman" panose="02020603050405020304" pitchFamily="18" charset="0"/>
+                <a:cs typeface="Times New Roman" panose="02020603050405020304" pitchFamily="18" charset="0"/>
+              </a:rPr>
+              <a:t>temperature</a:t>
+            </a:r>
+            <a:r>
+              <a:rPr lang="pt-BR" sz="2000" dirty="0">
+                <a:latin typeface="Times New Roman" panose="02020603050405020304" pitchFamily="18" charset="0"/>
+                <a:cs typeface="Times New Roman" panose="02020603050405020304" pitchFamily="18" charset="0"/>
+              </a:rPr>
+              <a:t>)</a:t>
+            </a:r>
+          </a:p>
+          <a:p>
+            <a:pPr marL="0" indent="0" algn="just">
+              <a:buNone/>
+            </a:pPr>
+            <a:r>
+              <a:rPr lang="pt-BR" sz="2000" dirty="0">
+                <a:latin typeface="Times New Roman" panose="02020603050405020304" pitchFamily="18" charset="0"/>
+                <a:cs typeface="Times New Roman" panose="02020603050405020304" pitchFamily="18" charset="0"/>
+              </a:rPr>
+              <a:t>	 i2c.</a:t>
+            </a:r>
+            <a:r>
+              <a:rPr lang="pt-BR" sz="2000" b="1" dirty="0">
+                <a:latin typeface="Times New Roman" panose="02020603050405020304" pitchFamily="18" charset="0"/>
+                <a:cs typeface="Times New Roman" panose="02020603050405020304" pitchFamily="18" charset="0"/>
+              </a:rPr>
+              <a:t>writeto</a:t>
+            </a:r>
+            <a:r>
+              <a:rPr lang="pt-BR" sz="2000" dirty="0">
+                <a:latin typeface="Times New Roman" panose="02020603050405020304" pitchFamily="18" charset="0"/>
+                <a:cs typeface="Times New Roman" panose="02020603050405020304" pitchFamily="18" charset="0"/>
+              </a:rPr>
+              <a:t>(114, </a:t>
+            </a:r>
+            <a:r>
+              <a:rPr lang="pt-BR" sz="2000" dirty="0" err="1">
+                <a:latin typeface="Times New Roman" panose="02020603050405020304" pitchFamily="18" charset="0"/>
+                <a:cs typeface="Times New Roman" panose="02020603050405020304" pitchFamily="18" charset="0"/>
+              </a:rPr>
+              <a:t>out_string</a:t>
+            </a:r>
+            <a:r>
+              <a:rPr lang="pt-BR" sz="2000" dirty="0">
+                <a:latin typeface="Times New Roman" panose="02020603050405020304" pitchFamily="18" charset="0"/>
+                <a:cs typeface="Times New Roman" panose="02020603050405020304" pitchFamily="18" charset="0"/>
+              </a:rPr>
+              <a:t>)</a:t>
+            </a:r>
+          </a:p>
+          <a:p>
+            <a:pPr marL="0" indent="0" algn="just">
+              <a:buNone/>
+            </a:pPr>
+            <a:r>
+              <a:rPr lang="pt-BR" sz="2000" dirty="0">
+                <a:latin typeface="Times New Roman" panose="02020603050405020304" pitchFamily="18" charset="0"/>
+                <a:cs typeface="Times New Roman" panose="02020603050405020304" pitchFamily="18" charset="0"/>
+              </a:rPr>
+              <a:t>         </a:t>
+            </a:r>
+            <a:r>
+              <a:rPr lang="pt-BR" sz="2000" b="1" dirty="0" err="1">
+                <a:latin typeface="Times New Roman" panose="02020603050405020304" pitchFamily="18" charset="0"/>
+                <a:cs typeface="Times New Roman" panose="02020603050405020304" pitchFamily="18" charset="0"/>
+              </a:rPr>
+              <a:t>utime</a:t>
+            </a:r>
+            <a:r>
+              <a:rPr lang="pt-BR" sz="2000" dirty="0" err="1">
+                <a:latin typeface="Times New Roman" panose="02020603050405020304" pitchFamily="18" charset="0"/>
+                <a:cs typeface="Times New Roman" panose="02020603050405020304" pitchFamily="18" charset="0"/>
+              </a:rPr>
+              <a:t>.sleep</a:t>
+            </a:r>
+            <a:r>
+              <a:rPr lang="pt-BR" sz="2000" dirty="0">
+                <a:latin typeface="Times New Roman" panose="02020603050405020304" pitchFamily="18" charset="0"/>
+                <a:cs typeface="Times New Roman" panose="02020603050405020304" pitchFamily="18" charset="0"/>
+              </a:rPr>
+              <a:t>(2)</a:t>
+            </a:r>
+          </a:p>
+        </p:txBody>
+      </p:sp>
+    </p:spTree>
+    <p:extLst>
+      <p:ext uri="{BB962C8B-B14F-4D97-AF65-F5344CB8AC3E}">
+        <p14:creationId xmlns:p14="http://schemas.microsoft.com/office/powerpoint/2010/main" val="2350750309"/>
+      </p:ext>
+    </p:extLst>
+  </p:cSld>
+  <p:clrMapOvr>
+    <a:masterClrMapping/>
+  </p:clrMapOvr>
+  <p:transition spd="med"/>
+</p:sld>
+</file>
+
+<file path=ppt/slides/slide23.xml><?xml version="1.0" encoding="utf-8"?>
+<p:sld xmlns:a="http://schemas.openxmlformats.org/drawingml/2006/main" xmlns:r="http://schemas.openxmlformats.org/officeDocument/2006/relationships" xmlns:p="http://schemas.openxmlformats.org/presentationml/2006/main">
+  <p:cSld>
+    <p:spTree>
+      <p:nvGrpSpPr>
+        <p:cNvPr id="1" name=""/>
+        <p:cNvGrpSpPr/>
+        <p:nvPr/>
+      </p:nvGrpSpPr>
+      <p:grpSpPr>
+        <a:xfrm>
+          <a:off x="0" y="0"/>
+          <a:ext cx="0" cy="0"/>
+          <a:chOff x="0" y="0"/>
+          <a:chExt cx="0" cy="0"/>
+        </a:xfrm>
+      </p:grpSpPr>
+      <p:sp>
+        <p:nvSpPr>
+          <p:cNvPr id="6" name="Title 1"/>
+          <p:cNvSpPr>
+            <a:spLocks noGrp="1"/>
+          </p:cNvSpPr>
+          <p:nvPr>
+            <p:ph type="title"/>
+          </p:nvPr>
+        </p:nvSpPr>
+        <p:spPr>
+          <a:xfrm>
+            <a:off x="457200" y="205980"/>
+            <a:ext cx="8229600" cy="857251"/>
+          </a:xfrm>
+        </p:spPr>
+        <p:txBody>
+          <a:bodyPr>
+            <a:normAutofit/>
+          </a:bodyPr>
+          <a:lstStyle/>
+          <a:p>
+            <a:r>
+              <a:rPr lang="en-US" b="1" dirty="0" err="1">
+                <a:solidFill>
+                  <a:srgbClr val="0070C0"/>
+                </a:solidFill>
+              </a:rPr>
+              <a:t>Leitura</a:t>
+            </a:r>
+            <a:r>
+              <a:rPr lang="en-US" b="1" dirty="0">
+                <a:solidFill>
+                  <a:srgbClr val="0070C0"/>
+                </a:solidFill>
+              </a:rPr>
+              <a:t> </a:t>
+            </a:r>
+            <a:r>
+              <a:rPr lang="en-US" b="1" dirty="0" err="1">
+                <a:solidFill>
+                  <a:srgbClr val="0070C0"/>
+                </a:solidFill>
+              </a:rPr>
+              <a:t>Específica</a:t>
+            </a:r>
+            <a:endParaRPr lang="en-US" b="1" dirty="0">
+              <a:solidFill>
+                <a:srgbClr val="0070C0"/>
+              </a:solidFill>
+            </a:endParaRPr>
+          </a:p>
+        </p:txBody>
+      </p:sp>
+      <p:sp>
+        <p:nvSpPr>
+          <p:cNvPr id="8" name="Text Placeholder 2"/>
+          <p:cNvSpPr>
+            <a:spLocks noGrp="1"/>
+          </p:cNvSpPr>
+          <p:nvPr>
+            <p:ph type="body" sz="half" idx="1"/>
+          </p:nvPr>
+        </p:nvSpPr>
+        <p:spPr>
+          <a:xfrm>
+            <a:off x="142865" y="1053846"/>
+            <a:ext cx="8865056" cy="3969258"/>
+          </a:xfrm>
+        </p:spPr>
+        <p:txBody>
+          <a:bodyPr>
+            <a:noAutofit/>
+          </a:bodyPr>
+          <a:lstStyle/>
+          <a:p>
+            <a:pPr marL="0" indent="0" algn="just">
+              <a:buNone/>
+            </a:pPr>
+            <a:r>
+              <a:rPr lang="pt-BR" sz="2000" dirty="0">
+                <a:latin typeface="Times New Roman" panose="02020603050405020304" pitchFamily="18" charset="0"/>
+                <a:cs typeface="Times New Roman" panose="02020603050405020304" pitchFamily="18" charset="0"/>
+              </a:rPr>
+              <a:t>[1] Introdução </a:t>
+            </a:r>
+            <a:r>
+              <a:rPr lang="pt-BR" sz="2000" dirty="0" err="1">
+                <a:latin typeface="Times New Roman" panose="02020603050405020304" pitchFamily="18" charset="0"/>
+                <a:cs typeface="Times New Roman" panose="02020603050405020304" pitchFamily="18" charset="0"/>
+              </a:rPr>
+              <a:t>Raspberry</a:t>
+            </a:r>
+            <a:r>
+              <a:rPr lang="pt-BR" sz="2000" dirty="0">
+                <a:latin typeface="Times New Roman" panose="02020603050405020304" pitchFamily="18" charset="0"/>
+                <a:cs typeface="Times New Roman" panose="02020603050405020304" pitchFamily="18" charset="0"/>
+              </a:rPr>
+              <a:t> Pi.</a:t>
+            </a:r>
+          </a:p>
+          <a:p>
+            <a:pPr marL="0" indent="0" algn="just">
+              <a:buNone/>
+            </a:pPr>
+            <a:r>
+              <a:rPr lang="pt-BR" sz="2000" b="1" dirty="0">
+                <a:solidFill>
+                  <a:srgbClr val="FF0000"/>
+                </a:solidFill>
+                <a:latin typeface="Times New Roman" panose="02020603050405020304" pitchFamily="18" charset="0"/>
+                <a:cs typeface="Times New Roman" panose="02020603050405020304" pitchFamily="18" charset="0"/>
+              </a:rPr>
+              <a:t>Disponível em: </a:t>
+            </a:r>
+            <a:r>
+              <a:rPr lang="pt-BR" sz="2000" dirty="0">
+                <a:latin typeface="Times New Roman" panose="02020603050405020304" pitchFamily="18" charset="0"/>
+                <a:cs typeface="Times New Roman" panose="02020603050405020304" pitchFamily="18" charset="0"/>
+                <a:hlinkClick r:id="rId3"/>
+              </a:rPr>
+              <a:t>https://www.tecnoveste.com.br/raspberry-pi-o-que-e-para-que-serve-e-como-funciona/</a:t>
+            </a:r>
+            <a:endParaRPr lang="pt-BR" sz="2000" dirty="0">
+              <a:latin typeface="Times New Roman" panose="02020603050405020304" pitchFamily="18" charset="0"/>
+              <a:cs typeface="Times New Roman" panose="02020603050405020304" pitchFamily="18" charset="0"/>
+            </a:endParaRPr>
+          </a:p>
+          <a:p>
+            <a:pPr marL="0" indent="0" algn="just">
+              <a:buNone/>
+            </a:pPr>
+            <a:endParaRPr lang="pt-BR" sz="2000" dirty="0">
+              <a:latin typeface="Times New Roman" panose="02020603050405020304" pitchFamily="18" charset="0"/>
+              <a:cs typeface="Times New Roman" panose="02020603050405020304" pitchFamily="18" charset="0"/>
+            </a:endParaRPr>
+          </a:p>
+          <a:p>
+            <a:pPr marL="0" indent="0" algn="just">
+              <a:buNone/>
+            </a:pPr>
+            <a:r>
+              <a:rPr lang="pt-BR" sz="2000" dirty="0">
+                <a:latin typeface="Times New Roman" panose="02020603050405020304" pitchFamily="18" charset="0"/>
+                <a:cs typeface="Times New Roman" panose="02020603050405020304" pitchFamily="18" charset="0"/>
+              </a:rPr>
+              <a:t>[2] Site </a:t>
+            </a:r>
+            <a:r>
+              <a:rPr lang="pt-BR" sz="2000" dirty="0" err="1">
+                <a:latin typeface="Times New Roman" panose="02020603050405020304" pitchFamily="18" charset="0"/>
+                <a:cs typeface="Times New Roman" panose="02020603050405020304" pitchFamily="18" charset="0"/>
+              </a:rPr>
+              <a:t>Raspberry</a:t>
+            </a:r>
+            <a:r>
+              <a:rPr lang="pt-BR" sz="2000" dirty="0">
+                <a:latin typeface="Times New Roman" panose="02020603050405020304" pitchFamily="18" charset="0"/>
+                <a:cs typeface="Times New Roman" panose="02020603050405020304" pitchFamily="18" charset="0"/>
+              </a:rPr>
+              <a:t> Pi. </a:t>
+            </a:r>
+          </a:p>
+          <a:p>
+            <a:pPr marL="0" indent="0" algn="just">
+              <a:buNone/>
+            </a:pPr>
+            <a:r>
+              <a:rPr lang="pt-BR" sz="2000" b="1" dirty="0">
+                <a:solidFill>
+                  <a:srgbClr val="FF0000"/>
+                </a:solidFill>
+                <a:latin typeface="Times New Roman" panose="02020603050405020304" pitchFamily="18" charset="0"/>
+                <a:cs typeface="Times New Roman" panose="02020603050405020304" pitchFamily="18" charset="0"/>
+              </a:rPr>
+              <a:t>Disponível em: </a:t>
+            </a:r>
+            <a:r>
+              <a:rPr lang="pt-BR" sz="2000" dirty="0">
+                <a:latin typeface="Times New Roman" panose="02020603050405020304" pitchFamily="18" charset="0"/>
+                <a:cs typeface="Times New Roman" panose="02020603050405020304" pitchFamily="18" charset="0"/>
+                <a:hlinkClick r:id="rId4"/>
+              </a:rPr>
+              <a:t>https://www.raspberrypi.org/</a:t>
+            </a:r>
+            <a:endParaRPr lang="pt-BR" sz="2000" dirty="0">
+              <a:latin typeface="Times New Roman" panose="02020603050405020304" pitchFamily="18" charset="0"/>
+              <a:cs typeface="Times New Roman" panose="02020603050405020304" pitchFamily="18" charset="0"/>
+            </a:endParaRPr>
+          </a:p>
+          <a:p>
+            <a:pPr marL="0" indent="0" algn="just">
+              <a:buNone/>
+            </a:pPr>
+            <a:endParaRPr lang="pt-BR" sz="2000" dirty="0">
+              <a:latin typeface="Times New Roman" panose="02020603050405020304" pitchFamily="18" charset="0"/>
+              <a:cs typeface="Times New Roman" panose="02020603050405020304" pitchFamily="18" charset="0"/>
+            </a:endParaRPr>
+          </a:p>
+          <a:p>
+            <a:pPr marL="0" indent="0" algn="just">
+              <a:buNone/>
+            </a:pPr>
+            <a:r>
+              <a:rPr lang="pt-BR" sz="2000" dirty="0">
+                <a:latin typeface="Times New Roman" panose="02020603050405020304" pitchFamily="18" charset="0"/>
+                <a:cs typeface="Times New Roman" panose="02020603050405020304" pitchFamily="18" charset="0"/>
+              </a:rPr>
+              <a:t>[3] Livro </a:t>
+            </a:r>
+            <a:r>
+              <a:rPr lang="pt-BR" sz="2000" dirty="0" err="1">
+                <a:latin typeface="Times New Roman" panose="02020603050405020304" pitchFamily="18" charset="0"/>
+                <a:cs typeface="Times New Roman" panose="02020603050405020304" pitchFamily="18" charset="0"/>
+              </a:rPr>
+              <a:t>Raspberry</a:t>
+            </a:r>
+            <a:r>
+              <a:rPr lang="pt-BR" sz="2000" dirty="0">
+                <a:latin typeface="Times New Roman" panose="02020603050405020304" pitchFamily="18" charset="0"/>
+                <a:cs typeface="Times New Roman" panose="02020603050405020304" pitchFamily="18" charset="0"/>
+              </a:rPr>
+              <a:t> Pi. </a:t>
+            </a:r>
+          </a:p>
+          <a:p>
+            <a:pPr marL="0" indent="0" algn="just">
+              <a:buNone/>
+            </a:pPr>
+            <a:r>
+              <a:rPr lang="pt-BR" sz="2000" b="1" dirty="0">
+                <a:solidFill>
+                  <a:srgbClr val="FF0000"/>
+                </a:solidFill>
+                <a:latin typeface="Times New Roman" panose="02020603050405020304" pitchFamily="18" charset="0"/>
+                <a:cs typeface="Times New Roman" panose="02020603050405020304" pitchFamily="18" charset="0"/>
+              </a:rPr>
+              <a:t>Disponível em: </a:t>
+            </a:r>
+          </a:p>
+          <a:p>
+            <a:pPr marL="0" indent="0" algn="just">
+              <a:buNone/>
+            </a:pPr>
+            <a:r>
+              <a:rPr lang="pt-BR" sz="2000" dirty="0">
+                <a:latin typeface="Times New Roman" panose="02020603050405020304" pitchFamily="18" charset="0"/>
+                <a:cs typeface="Times New Roman" panose="02020603050405020304" pitchFamily="18" charset="0"/>
+                <a:hlinkClick r:id="rId5"/>
+              </a:rPr>
+              <a:t>https://books.google.com.br/books?id=pEQpw3-A4wwC&amp;dq=Raspberry+PI&amp;hl=pt-BR&amp;lr=</a:t>
+            </a:r>
+            <a:endParaRPr lang="pt-BR" sz="2000" dirty="0">
+              <a:latin typeface="Times New Roman" panose="02020603050405020304" pitchFamily="18" charset="0"/>
+              <a:cs typeface="Times New Roman" panose="02020603050405020304" pitchFamily="18" charset="0"/>
+            </a:endParaRPr>
+          </a:p>
+        </p:txBody>
+      </p:sp>
+    </p:spTree>
+    <p:extLst>
+      <p:ext uri="{BB962C8B-B14F-4D97-AF65-F5344CB8AC3E}">
+        <p14:creationId xmlns:p14="http://schemas.microsoft.com/office/powerpoint/2010/main" val="3680270425"/>
+      </p:ext>
+    </p:extLst>
+  </p:cSld>
+  <p:clrMapOvr>
+    <a:masterClrMapping/>
+  </p:clrMapOvr>
+  <p:transition spd="med"/>
+</p:sld>
+</file>
+
+<file path=ppt/slides/slide24.xml><?xml version="1.0" encoding="utf-8"?>
+<p:sld xmlns:a="http://schemas.openxmlformats.org/drawingml/2006/main" xmlns:r="http://schemas.openxmlformats.org/officeDocument/2006/relationships" xmlns:p="http://schemas.openxmlformats.org/presentationml/2006/main">
+  <p:cSld>
+    <p:spTree>
+      <p:nvGrpSpPr>
+        <p:cNvPr id="1" name=""/>
+        <p:cNvGrpSpPr/>
+        <p:nvPr/>
+      </p:nvGrpSpPr>
+      <p:grpSpPr>
+        <a:xfrm>
+          <a:off x="0" y="0"/>
+          <a:ext cx="0" cy="0"/>
+          <a:chOff x="0" y="0"/>
+          <a:chExt cx="0" cy="0"/>
+        </a:xfrm>
+      </p:grpSpPr>
+      <p:sp>
+        <p:nvSpPr>
+          <p:cNvPr id="6" name="Title 1"/>
+          <p:cNvSpPr>
+            <a:spLocks noGrp="1"/>
+          </p:cNvSpPr>
+          <p:nvPr>
+            <p:ph type="title"/>
+          </p:nvPr>
+        </p:nvSpPr>
+        <p:spPr>
+          <a:xfrm>
+            <a:off x="457200" y="205980"/>
+            <a:ext cx="8229600" cy="857251"/>
+          </a:xfrm>
+        </p:spPr>
+        <p:txBody>
+          <a:bodyPr>
+            <a:normAutofit/>
+          </a:bodyPr>
+          <a:lstStyle/>
+          <a:p>
+            <a:r>
+              <a:rPr lang="en-US" b="1" dirty="0" err="1">
+                <a:solidFill>
+                  <a:srgbClr val="0070C0"/>
+                </a:solidFill>
+              </a:rPr>
+              <a:t>Aprenda</a:t>
+            </a:r>
+            <a:r>
+              <a:rPr lang="en-US" b="1" dirty="0">
+                <a:solidFill>
+                  <a:srgbClr val="0070C0"/>
+                </a:solidFill>
+              </a:rPr>
+              <a:t>+</a:t>
+            </a:r>
+          </a:p>
+        </p:txBody>
+      </p:sp>
+      <p:sp>
+        <p:nvSpPr>
+          <p:cNvPr id="8" name="Text Placeholder 2"/>
+          <p:cNvSpPr>
+            <a:spLocks noGrp="1"/>
+          </p:cNvSpPr>
+          <p:nvPr>
+            <p:ph type="body" sz="half" idx="1"/>
+          </p:nvPr>
+        </p:nvSpPr>
+        <p:spPr>
+          <a:xfrm>
+            <a:off x="142865" y="1200150"/>
+            <a:ext cx="8865056" cy="3737370"/>
+          </a:xfrm>
+        </p:spPr>
+        <p:txBody>
+          <a:bodyPr>
+            <a:noAutofit/>
+          </a:bodyPr>
+          <a:lstStyle/>
+          <a:p>
+            <a:pPr marL="0" indent="0" algn="just">
+              <a:buNone/>
+            </a:pPr>
+            <a:r>
+              <a:rPr lang="pt-BR" sz="2200" dirty="0">
+                <a:latin typeface="Times New Roman" panose="02020603050405020304" pitchFamily="18" charset="0"/>
+                <a:cs typeface="Times New Roman" panose="02020603050405020304" pitchFamily="18" charset="0"/>
+              </a:rPr>
+              <a:t>[1] Plataforma </a:t>
+            </a:r>
+            <a:r>
+              <a:rPr lang="pt-BR" sz="2200" dirty="0" err="1">
+                <a:latin typeface="Times New Roman" panose="02020603050405020304" pitchFamily="18" charset="0"/>
+                <a:cs typeface="Times New Roman" panose="02020603050405020304" pitchFamily="18" charset="0"/>
+              </a:rPr>
+              <a:t>Raspberry</a:t>
+            </a:r>
+            <a:r>
+              <a:rPr lang="pt-BR" sz="2200" dirty="0">
+                <a:latin typeface="Times New Roman" panose="02020603050405020304" pitchFamily="18" charset="0"/>
+                <a:cs typeface="Times New Roman" panose="02020603050405020304" pitchFamily="18" charset="0"/>
+              </a:rPr>
+              <a:t> Pi – Ambiente </a:t>
+            </a:r>
+            <a:r>
+              <a:rPr lang="pt-BR" sz="2200" dirty="0" err="1">
+                <a:latin typeface="Times New Roman" panose="02020603050405020304" pitchFamily="18" charset="0"/>
+                <a:cs typeface="Times New Roman" panose="02020603050405020304" pitchFamily="18" charset="0"/>
+              </a:rPr>
+              <a:t>Dev</a:t>
+            </a:r>
+            <a:r>
+              <a:rPr lang="pt-BR" sz="2200" dirty="0">
+                <a:latin typeface="Times New Roman" panose="02020603050405020304" pitchFamily="18" charset="0"/>
+                <a:cs typeface="Times New Roman" panose="02020603050405020304" pitchFamily="18" charset="0"/>
+              </a:rPr>
+              <a:t> Python (</a:t>
+            </a:r>
+            <a:r>
+              <a:rPr lang="pt-BR" sz="2200" dirty="0">
+                <a:latin typeface="Times New Roman" panose="02020603050405020304" pitchFamily="18" charset="0"/>
+                <a:cs typeface="Times New Roman" panose="02020603050405020304" pitchFamily="18" charset="0"/>
+                <a:hlinkClick r:id="rId3"/>
+              </a:rPr>
+              <a:t>https://thonny.org/</a:t>
+            </a:r>
+            <a:r>
+              <a:rPr lang="pt-BR" sz="2200" dirty="0">
+                <a:latin typeface="Times New Roman" panose="02020603050405020304" pitchFamily="18" charset="0"/>
+                <a:cs typeface="Times New Roman" panose="02020603050405020304" pitchFamily="18" charset="0"/>
+              </a:rPr>
+              <a:t>)</a:t>
+            </a:r>
+          </a:p>
+          <a:p>
+            <a:pPr marL="0" indent="0" algn="just">
+              <a:buNone/>
+            </a:pPr>
+            <a:r>
+              <a:rPr lang="pt-BR" sz="2200" b="1" dirty="0">
+                <a:solidFill>
+                  <a:srgbClr val="FF0000"/>
+                </a:solidFill>
+                <a:latin typeface="Times New Roman" panose="02020603050405020304" pitchFamily="18" charset="0"/>
+                <a:cs typeface="Times New Roman" panose="02020603050405020304" pitchFamily="18" charset="0"/>
+              </a:rPr>
+              <a:t>Disponível em: </a:t>
+            </a:r>
+            <a:r>
+              <a:rPr lang="pt-BR" sz="2200" dirty="0">
+                <a:latin typeface="Times New Roman" panose="02020603050405020304" pitchFamily="18" charset="0"/>
+                <a:cs typeface="Times New Roman" panose="02020603050405020304" pitchFamily="18" charset="0"/>
+                <a:hlinkClick r:id="rId4"/>
+              </a:rPr>
+              <a:t>https://www.youtube.com/watch?v=VrZ1APrN6uc</a:t>
+            </a:r>
+            <a:endParaRPr lang="pt-BR" sz="2200" dirty="0">
+              <a:latin typeface="Times New Roman" panose="02020603050405020304" pitchFamily="18" charset="0"/>
+              <a:cs typeface="Times New Roman" panose="02020603050405020304" pitchFamily="18" charset="0"/>
+            </a:endParaRPr>
+          </a:p>
+          <a:p>
+            <a:pPr marL="0" indent="0" algn="just">
+              <a:buNone/>
+            </a:pPr>
+            <a:endParaRPr lang="pt-BR" sz="2200" dirty="0">
+              <a:latin typeface="Times New Roman" panose="02020603050405020304" pitchFamily="18" charset="0"/>
+              <a:cs typeface="Times New Roman" panose="02020603050405020304" pitchFamily="18" charset="0"/>
+            </a:endParaRPr>
+          </a:p>
+          <a:p>
+            <a:pPr marL="0" indent="0" algn="just">
+              <a:buNone/>
+            </a:pPr>
+            <a:endParaRPr lang="pt-BR" sz="2200" dirty="0">
+              <a:latin typeface="Times New Roman" panose="02020603050405020304" pitchFamily="18" charset="0"/>
+              <a:cs typeface="Times New Roman" panose="02020603050405020304" pitchFamily="18" charset="0"/>
+            </a:endParaRPr>
+          </a:p>
+          <a:p>
+            <a:pPr marL="0" indent="0" algn="just">
+              <a:buNone/>
+            </a:pPr>
+            <a:r>
+              <a:rPr lang="pt-BR" sz="2200" dirty="0">
+                <a:latin typeface="Times New Roman" panose="02020603050405020304" pitchFamily="18" charset="0"/>
+                <a:cs typeface="Times New Roman" panose="02020603050405020304" pitchFamily="18" charset="0"/>
+              </a:rPr>
+              <a:t>[2] Transformando </a:t>
+            </a:r>
+            <a:r>
+              <a:rPr lang="pt-BR" sz="2200" dirty="0" err="1">
+                <a:latin typeface="Times New Roman" panose="02020603050405020304" pitchFamily="18" charset="0"/>
+                <a:cs typeface="Times New Roman" panose="02020603050405020304" pitchFamily="18" charset="0"/>
+              </a:rPr>
+              <a:t>Raspberry</a:t>
+            </a:r>
+            <a:r>
+              <a:rPr lang="pt-BR" sz="2200" dirty="0">
+                <a:latin typeface="Times New Roman" panose="02020603050405020304" pitchFamily="18" charset="0"/>
+                <a:cs typeface="Times New Roman" panose="02020603050405020304" pitchFamily="18" charset="0"/>
+              </a:rPr>
+              <a:t> Pi em </a:t>
+            </a:r>
+            <a:r>
+              <a:rPr lang="pt-BR" sz="2200" b="1" dirty="0">
+                <a:latin typeface="Times New Roman" panose="02020603050405020304" pitchFamily="18" charset="0"/>
+                <a:cs typeface="Times New Roman" panose="02020603050405020304" pitchFamily="18" charset="0"/>
+              </a:rPr>
+              <a:t>plataforma de </a:t>
+            </a:r>
+            <a:r>
+              <a:rPr lang="pt-BR" sz="2200" b="1" dirty="0">
+                <a:solidFill>
+                  <a:srgbClr val="FF0000"/>
+                </a:solidFill>
+                <a:latin typeface="Times New Roman" panose="02020603050405020304" pitchFamily="18" charset="0"/>
+                <a:cs typeface="Times New Roman" panose="02020603050405020304" pitchFamily="18" charset="0"/>
+              </a:rPr>
+              <a:t>ataque USB </a:t>
+            </a:r>
+            <a:r>
+              <a:rPr lang="pt-BR" sz="2200" dirty="0">
+                <a:latin typeface="Times New Roman" panose="02020603050405020304" pitchFamily="18" charset="0"/>
+                <a:cs typeface="Times New Roman" panose="02020603050405020304" pitchFamily="18" charset="0"/>
+              </a:rPr>
+              <a:t>- </a:t>
+            </a:r>
+            <a:r>
+              <a:rPr lang="pt-BR" sz="2200" b="1" dirty="0">
+                <a:latin typeface="Times New Roman" panose="02020603050405020304" pitchFamily="18" charset="0"/>
+                <a:cs typeface="Times New Roman" panose="02020603050405020304" pitchFamily="18" charset="0"/>
+              </a:rPr>
+              <a:t>P4wnP1</a:t>
+            </a:r>
+          </a:p>
+          <a:p>
+            <a:pPr marL="0" indent="0" algn="just">
+              <a:buNone/>
+            </a:pPr>
+            <a:r>
+              <a:rPr lang="pt-BR" sz="2200" b="1" dirty="0">
+                <a:solidFill>
+                  <a:srgbClr val="FF0000"/>
+                </a:solidFill>
+                <a:latin typeface="Times New Roman" panose="02020603050405020304" pitchFamily="18" charset="0"/>
+                <a:cs typeface="Times New Roman" panose="02020603050405020304" pitchFamily="18" charset="0"/>
+              </a:rPr>
+              <a:t>Disponível em: </a:t>
+            </a:r>
+            <a:r>
+              <a:rPr lang="pt-BR" sz="2200" dirty="0">
+                <a:latin typeface="Times New Roman" panose="02020603050405020304" pitchFamily="18" charset="0"/>
+                <a:cs typeface="Times New Roman" panose="02020603050405020304" pitchFamily="18" charset="0"/>
+                <a:hlinkClick r:id="rId5"/>
+              </a:rPr>
+              <a:t>https://www.youtube.com/watch?v=DKg0EXyTaMA</a:t>
+            </a:r>
+            <a:endParaRPr lang="pt-BR" sz="2200" dirty="0">
+              <a:latin typeface="Times New Roman" panose="02020603050405020304" pitchFamily="18" charset="0"/>
+              <a:cs typeface="Times New Roman" panose="02020603050405020304" pitchFamily="18" charset="0"/>
+            </a:endParaRPr>
+          </a:p>
+          <a:p>
+            <a:pPr marL="0" indent="0" algn="just">
+              <a:buNone/>
+            </a:pPr>
+            <a:endParaRPr lang="pt-BR" sz="2200" dirty="0">
+              <a:latin typeface="Times New Roman" panose="02020603050405020304" pitchFamily="18" charset="0"/>
+              <a:cs typeface="Times New Roman" panose="02020603050405020304" pitchFamily="18" charset="0"/>
+            </a:endParaRPr>
+          </a:p>
+        </p:txBody>
+      </p:sp>
+    </p:spTree>
+    <p:extLst>
+      <p:ext uri="{BB962C8B-B14F-4D97-AF65-F5344CB8AC3E}">
+        <p14:creationId xmlns:p14="http://schemas.microsoft.com/office/powerpoint/2010/main" val="2747596967"/>
+      </p:ext>
+    </p:extLst>
+  </p:cSld>
+  <p:clrMapOvr>
+    <a:masterClrMapping/>
+  </p:clrMapOvr>
+  <p:transition spd="med"/>
+</p:sld>
+</file>
+
+<file path=ppt/slides/slide25.xml><?xml version="1.0" encoding="utf-8"?>
+<p:sld xmlns:a="http://schemas.openxmlformats.org/drawingml/2006/main" xmlns:r="http://schemas.openxmlformats.org/officeDocument/2006/relationships" xmlns:p="http://schemas.openxmlformats.org/presentationml/2006/main">
+  <p:cSld>
+    <p:spTree>
+      <p:nvGrpSpPr>
+        <p:cNvPr id="1" name=""/>
+        <p:cNvGrpSpPr/>
+        <p:nvPr/>
+      </p:nvGrpSpPr>
+      <p:grpSpPr>
+        <a:xfrm>
+          <a:off x="0" y="0"/>
+          <a:ext cx="0" cy="0"/>
+          <a:chOff x="0" y="0"/>
+          <a:chExt cx="0" cy="0"/>
+        </a:xfrm>
+      </p:grpSpPr>
+      <p:sp>
+        <p:nvSpPr>
+          <p:cNvPr id="6" name="Title 1"/>
+          <p:cNvSpPr>
+            <a:spLocks noGrp="1"/>
+          </p:cNvSpPr>
+          <p:nvPr>
+            <p:ph type="title"/>
+          </p:nvPr>
+        </p:nvSpPr>
+        <p:spPr>
+          <a:xfrm>
+            <a:off x="457200" y="205980"/>
+            <a:ext cx="8229600" cy="857251"/>
+          </a:xfrm>
+        </p:spPr>
+        <p:txBody>
+          <a:bodyPr>
+            <a:normAutofit/>
+          </a:bodyPr>
+          <a:lstStyle/>
+          <a:p>
+            <a:r>
+              <a:rPr lang="en-US" b="1" dirty="0" err="1">
+                <a:solidFill>
+                  <a:srgbClr val="0070C0"/>
+                </a:solidFill>
+              </a:rPr>
+              <a:t>Dinâmica</a:t>
+            </a:r>
+            <a:r>
+              <a:rPr lang="en-US" b="1" dirty="0">
+                <a:solidFill>
+                  <a:srgbClr val="0070C0"/>
+                </a:solidFill>
+              </a:rPr>
+              <a:t>/</a:t>
+            </a:r>
+            <a:r>
+              <a:rPr lang="en-US" b="1" dirty="0" err="1">
+                <a:solidFill>
+                  <a:srgbClr val="0070C0"/>
+                </a:solidFill>
+              </a:rPr>
+              <a:t>Atividades</a:t>
+            </a:r>
+            <a:r>
+              <a:rPr lang="en-US" b="1" dirty="0">
+                <a:solidFill>
+                  <a:srgbClr val="0070C0"/>
+                </a:solidFill>
+              </a:rPr>
+              <a:t> - </a:t>
+            </a:r>
+            <a:r>
+              <a:rPr lang="en-US" b="1" dirty="0" err="1">
+                <a:solidFill>
+                  <a:srgbClr val="0070C0"/>
+                </a:solidFill>
+              </a:rPr>
+              <a:t>Exercícios</a:t>
+            </a:r>
+            <a:endParaRPr lang="en-US" b="1" dirty="0">
+              <a:solidFill>
+                <a:srgbClr val="0070C0"/>
+              </a:solidFill>
+            </a:endParaRPr>
+          </a:p>
+        </p:txBody>
+      </p:sp>
+      <p:sp>
+        <p:nvSpPr>
+          <p:cNvPr id="8" name="Text Placeholder 2"/>
+          <p:cNvSpPr>
+            <a:spLocks noGrp="1"/>
+          </p:cNvSpPr>
+          <p:nvPr>
+            <p:ph type="body" sz="half" idx="1"/>
+          </p:nvPr>
+        </p:nvSpPr>
+        <p:spPr>
+          <a:xfrm>
+            <a:off x="139472" y="1063230"/>
+            <a:ext cx="8865056" cy="3996450"/>
+          </a:xfrm>
+        </p:spPr>
+        <p:txBody>
+          <a:bodyPr>
+            <a:noAutofit/>
+          </a:bodyPr>
+          <a:lstStyle/>
+          <a:p>
+            <a:pPr marL="0" indent="0" algn="just">
+              <a:buNone/>
+            </a:pPr>
+            <a:r>
+              <a:rPr lang="pt-BR" sz="2400" b="1" dirty="0">
+                <a:latin typeface="Times New Roman" panose="02020603050405020304" pitchFamily="18" charset="0"/>
+                <a:cs typeface="Times New Roman" panose="02020603050405020304" pitchFamily="18" charset="0"/>
+              </a:rPr>
+              <a:t>-- Ambiente </a:t>
+            </a:r>
+            <a:r>
+              <a:rPr lang="pt-BR" sz="2400" b="1" dirty="0" err="1">
+                <a:latin typeface="Times New Roman" panose="02020603050405020304" pitchFamily="18" charset="0"/>
+                <a:cs typeface="Times New Roman" panose="02020603050405020304" pitchFamily="18" charset="0"/>
+              </a:rPr>
+              <a:t>Dev</a:t>
+            </a:r>
+            <a:r>
+              <a:rPr lang="pt-BR" sz="2400" b="1" dirty="0">
+                <a:latin typeface="Times New Roman" panose="02020603050405020304" pitchFamily="18" charset="0"/>
+                <a:cs typeface="Times New Roman" panose="02020603050405020304" pitchFamily="18" charset="0"/>
+              </a:rPr>
+              <a:t> Python; </a:t>
+            </a:r>
+            <a:r>
+              <a:rPr lang="pt-BR" sz="2400" b="1" dirty="0">
+                <a:solidFill>
+                  <a:srgbClr val="FF0000"/>
+                </a:solidFill>
+                <a:latin typeface="Times New Roman" panose="02020603050405020304" pitchFamily="18" charset="0"/>
+                <a:cs typeface="Times New Roman" panose="02020603050405020304" pitchFamily="18" charset="0"/>
+              </a:rPr>
+              <a:t>VM com um simulador </a:t>
+            </a:r>
+            <a:r>
+              <a:rPr lang="pt-BR" sz="2400" b="1" dirty="0" err="1">
+                <a:solidFill>
+                  <a:srgbClr val="FF0000"/>
+                </a:solidFill>
+                <a:latin typeface="Times New Roman" panose="02020603050405020304" pitchFamily="18" charset="0"/>
+                <a:cs typeface="Times New Roman" panose="02020603050405020304" pitchFamily="18" charset="0"/>
+              </a:rPr>
+              <a:t>Raspberry</a:t>
+            </a:r>
+            <a:r>
+              <a:rPr lang="pt-BR" sz="2400" b="1" dirty="0">
+                <a:solidFill>
+                  <a:srgbClr val="FF0000"/>
+                </a:solidFill>
+                <a:latin typeface="Times New Roman" panose="02020603050405020304" pitchFamily="18" charset="0"/>
+                <a:cs typeface="Times New Roman" panose="02020603050405020304" pitchFamily="18" charset="0"/>
+              </a:rPr>
+              <a:t> OS Pi</a:t>
+            </a:r>
+          </a:p>
+          <a:p>
+            <a:pPr marL="514350" indent="-514350" algn="just">
+              <a:buAutoNum type="arabicPeriod"/>
+            </a:pPr>
+            <a:r>
+              <a:rPr lang="pt-BR" sz="2400" dirty="0">
+                <a:latin typeface="Times New Roman" panose="02020603050405020304" pitchFamily="18" charset="0"/>
+                <a:cs typeface="Times New Roman" panose="02020603050405020304" pitchFamily="18" charset="0"/>
+                <a:hlinkClick r:id="rId3"/>
+              </a:rPr>
+              <a:t>https://thonny.org/</a:t>
+            </a:r>
+            <a:endParaRPr lang="pt-BR" sz="2400" dirty="0">
+              <a:latin typeface="Times New Roman" panose="02020603050405020304" pitchFamily="18" charset="0"/>
+              <a:cs typeface="Times New Roman" panose="02020603050405020304" pitchFamily="18" charset="0"/>
+            </a:endParaRPr>
+          </a:p>
+          <a:p>
+            <a:pPr marL="514350" indent="-514350" algn="just">
+              <a:buAutoNum type="arabicPeriod"/>
+            </a:pPr>
+            <a:r>
+              <a:rPr lang="pt-BR" sz="2400" dirty="0">
+                <a:latin typeface="Times New Roman" panose="02020603050405020304" pitchFamily="18" charset="0"/>
+                <a:cs typeface="Times New Roman" panose="02020603050405020304" pitchFamily="18" charset="0"/>
+                <a:hlinkClick r:id="rId4"/>
+              </a:rPr>
+              <a:t>https://www.raspberrypi.com/software/</a:t>
+            </a:r>
+            <a:endParaRPr lang="pt-BR" sz="2400" dirty="0">
+              <a:latin typeface="Times New Roman" panose="02020603050405020304" pitchFamily="18" charset="0"/>
+              <a:cs typeface="Times New Roman" panose="02020603050405020304" pitchFamily="18" charset="0"/>
+            </a:endParaRPr>
+          </a:p>
+          <a:p>
+            <a:pPr marL="514350" indent="-514350" algn="just">
+              <a:buAutoNum type="arabicPeriod"/>
+            </a:pPr>
+            <a:r>
+              <a:rPr lang="pt-BR" sz="2400" dirty="0">
+                <a:latin typeface="Times New Roman" panose="02020603050405020304" pitchFamily="18" charset="0"/>
+                <a:cs typeface="Times New Roman" panose="02020603050405020304" pitchFamily="18" charset="0"/>
+                <a:hlinkClick r:id="rId5"/>
+              </a:rPr>
+              <a:t>https://sourceforge.net/projects/simus/</a:t>
+            </a:r>
+            <a:r>
+              <a:rPr lang="pt-BR" sz="2400" dirty="0">
+                <a:latin typeface="Times New Roman" panose="02020603050405020304" pitchFamily="18" charset="0"/>
+                <a:cs typeface="Times New Roman" panose="02020603050405020304" pitchFamily="18" charset="0"/>
+              </a:rPr>
+              <a:t> </a:t>
+            </a:r>
+            <a:r>
+              <a:rPr lang="pt-BR" sz="2400" b="1" dirty="0">
+                <a:latin typeface="Times New Roman" panose="02020603050405020304" pitchFamily="18" charset="0"/>
+                <a:cs typeface="Times New Roman" panose="02020603050405020304" pitchFamily="18" charset="0"/>
+              </a:rPr>
+              <a:t>(</a:t>
+            </a:r>
+            <a:r>
+              <a:rPr lang="pt-BR" sz="2400" b="1" dirty="0" err="1">
+                <a:latin typeface="Times New Roman" panose="02020603050405020304" pitchFamily="18" charset="0"/>
+                <a:cs typeface="Times New Roman" panose="02020603050405020304" pitchFamily="18" charset="0"/>
+              </a:rPr>
+              <a:t>ObjectPascal</a:t>
+            </a:r>
+            <a:r>
+              <a:rPr lang="pt-BR" sz="2400" b="1" dirty="0">
+                <a:latin typeface="Times New Roman" panose="02020603050405020304" pitchFamily="18" charset="0"/>
+                <a:cs typeface="Times New Roman" panose="02020603050405020304" pitchFamily="18" charset="0"/>
+              </a:rPr>
+              <a:t>)</a:t>
+            </a:r>
+            <a:endParaRPr lang="pt-BR" sz="2400" dirty="0">
+              <a:latin typeface="Times New Roman" panose="02020603050405020304" pitchFamily="18" charset="0"/>
+              <a:cs typeface="Times New Roman" panose="02020603050405020304" pitchFamily="18" charset="0"/>
+            </a:endParaRPr>
+          </a:p>
+          <a:p>
+            <a:pPr marL="0" indent="0" algn="just">
+              <a:buNone/>
+            </a:pPr>
+            <a:endParaRPr lang="pt-BR" sz="2400" dirty="0">
+              <a:latin typeface="Times New Roman" panose="02020603050405020304" pitchFamily="18" charset="0"/>
+              <a:cs typeface="Times New Roman" panose="02020603050405020304" pitchFamily="18" charset="0"/>
+            </a:endParaRPr>
+          </a:p>
+          <a:p>
+            <a:pPr marL="0" indent="0" algn="just">
+              <a:buNone/>
+            </a:pPr>
+            <a:r>
+              <a:rPr lang="pt-BR" sz="2400" b="1" dirty="0">
+                <a:latin typeface="Times New Roman" panose="02020603050405020304" pitchFamily="18" charset="0"/>
+                <a:cs typeface="Times New Roman" panose="02020603050405020304" pitchFamily="18" charset="0"/>
+              </a:rPr>
+              <a:t>-- Criar um mapa conceitual</a:t>
+            </a:r>
+            <a:endParaRPr lang="pt-BR" sz="2400" dirty="0">
+              <a:latin typeface="Times New Roman" panose="02020603050405020304" pitchFamily="18" charset="0"/>
+              <a:cs typeface="Times New Roman" panose="02020603050405020304" pitchFamily="18" charset="0"/>
+            </a:endParaRPr>
+          </a:p>
+          <a:p>
+            <a:pPr marL="0" indent="0" algn="just">
+              <a:buNone/>
+            </a:pPr>
+            <a:r>
+              <a:rPr lang="pt-BR" sz="2400" dirty="0">
+                <a:latin typeface="Times New Roman" panose="02020603050405020304" pitchFamily="18" charset="0"/>
+                <a:cs typeface="Times New Roman" panose="02020603050405020304" pitchFamily="18" charset="0"/>
+              </a:rPr>
+              <a:t> </a:t>
+            </a:r>
+            <a:r>
+              <a:rPr lang="pt-BR" sz="2400" b="1" dirty="0">
+                <a:solidFill>
+                  <a:srgbClr val="FF0000"/>
+                </a:solidFill>
+                <a:latin typeface="Times New Roman" panose="02020603050405020304" pitchFamily="18" charset="0"/>
+                <a:cs typeface="Times New Roman" panose="02020603050405020304" pitchFamily="18" charset="0"/>
+              </a:rPr>
+              <a:t>Arduino Uno R3 </a:t>
+            </a:r>
+            <a:r>
+              <a:rPr lang="pt-BR" sz="2400" b="1" dirty="0" err="1">
+                <a:solidFill>
+                  <a:srgbClr val="FF0000"/>
+                </a:solidFill>
+                <a:latin typeface="Times New Roman" panose="02020603050405020304" pitchFamily="18" charset="0"/>
+                <a:cs typeface="Times New Roman" panose="02020603050405020304" pitchFamily="18" charset="0"/>
+              </a:rPr>
+              <a:t>vs</a:t>
+            </a:r>
+            <a:r>
+              <a:rPr lang="pt-BR" sz="2400" b="1" dirty="0">
+                <a:solidFill>
+                  <a:srgbClr val="FF0000"/>
+                </a:solidFill>
+                <a:latin typeface="Times New Roman" panose="02020603050405020304" pitchFamily="18" charset="0"/>
+                <a:cs typeface="Times New Roman" panose="02020603050405020304" pitchFamily="18" charset="0"/>
+              </a:rPr>
+              <a:t> </a:t>
+            </a:r>
+            <a:r>
+              <a:rPr lang="pt-BR" sz="2400" b="1" dirty="0" err="1">
+                <a:solidFill>
+                  <a:schemeClr val="tx1"/>
+                </a:solidFill>
+                <a:latin typeface="Times New Roman" panose="02020603050405020304" pitchFamily="18" charset="0"/>
+                <a:cs typeface="Times New Roman" panose="02020603050405020304" pitchFamily="18" charset="0"/>
+              </a:rPr>
+              <a:t>NodeMCU</a:t>
+            </a:r>
+            <a:r>
+              <a:rPr lang="pt-BR" sz="2400" b="1" dirty="0">
+                <a:solidFill>
+                  <a:srgbClr val="FF0000"/>
+                </a:solidFill>
+                <a:latin typeface="Times New Roman" panose="02020603050405020304" pitchFamily="18" charset="0"/>
+                <a:cs typeface="Times New Roman" panose="02020603050405020304" pitchFamily="18" charset="0"/>
+              </a:rPr>
+              <a:t> </a:t>
+            </a:r>
+            <a:r>
+              <a:rPr lang="pt-BR" sz="2400" b="1" dirty="0" err="1">
+                <a:solidFill>
+                  <a:srgbClr val="FF0000"/>
+                </a:solidFill>
+                <a:latin typeface="Times New Roman" panose="02020603050405020304" pitchFamily="18" charset="0"/>
+                <a:cs typeface="Times New Roman" panose="02020603050405020304" pitchFamily="18" charset="0"/>
+              </a:rPr>
+              <a:t>vs</a:t>
+            </a:r>
+            <a:r>
+              <a:rPr lang="pt-BR" sz="2400" b="1" dirty="0">
+                <a:solidFill>
+                  <a:srgbClr val="FF0000"/>
+                </a:solidFill>
+                <a:latin typeface="Times New Roman" panose="02020603050405020304" pitchFamily="18" charset="0"/>
+                <a:cs typeface="Times New Roman" panose="02020603050405020304" pitchFamily="18" charset="0"/>
+              </a:rPr>
+              <a:t> </a:t>
+            </a:r>
+            <a:r>
+              <a:rPr lang="pt-BR" sz="2400" b="1" dirty="0" err="1">
+                <a:solidFill>
+                  <a:srgbClr val="FF0000"/>
+                </a:solidFill>
+                <a:latin typeface="Times New Roman" panose="02020603050405020304" pitchFamily="18" charset="0"/>
+                <a:cs typeface="Times New Roman" panose="02020603050405020304" pitchFamily="18" charset="0"/>
+              </a:rPr>
+              <a:t>Raspberry</a:t>
+            </a:r>
+            <a:r>
+              <a:rPr lang="pt-BR" sz="2400" b="1" dirty="0">
+                <a:solidFill>
+                  <a:srgbClr val="FF0000"/>
+                </a:solidFill>
+                <a:latin typeface="Times New Roman" panose="02020603050405020304" pitchFamily="18" charset="0"/>
+                <a:cs typeface="Times New Roman" panose="02020603050405020304" pitchFamily="18" charset="0"/>
+              </a:rPr>
+              <a:t> Pi 4</a:t>
+            </a:r>
+            <a:r>
+              <a:rPr lang="pt-BR" sz="2400" dirty="0">
+                <a:solidFill>
+                  <a:schemeClr val="tx1"/>
+                </a:solidFill>
+                <a:latin typeface="Times New Roman" panose="02020603050405020304" pitchFamily="18" charset="0"/>
+                <a:cs typeface="Times New Roman" panose="02020603050405020304" pitchFamily="18" charset="0"/>
+              </a:rPr>
+              <a:t>.</a:t>
+            </a:r>
+          </a:p>
+          <a:p>
+            <a:pPr marL="0" indent="0" algn="just">
+              <a:buNone/>
+            </a:pPr>
+            <a:endParaRPr lang="pt-BR" sz="2400" dirty="0">
+              <a:latin typeface="Times New Roman" panose="02020603050405020304" pitchFamily="18" charset="0"/>
+              <a:cs typeface="Times New Roman" panose="02020603050405020304" pitchFamily="18" charset="0"/>
+            </a:endParaRPr>
+          </a:p>
+          <a:p>
+            <a:pPr marL="0" indent="0" algn="just">
+              <a:buNone/>
+            </a:pPr>
+            <a:r>
+              <a:rPr lang="pt-BR" sz="2400" dirty="0">
+                <a:latin typeface="Times New Roman" panose="02020603050405020304" pitchFamily="18" charset="0"/>
+                <a:cs typeface="Times New Roman" panose="02020603050405020304" pitchFamily="18" charset="0"/>
+              </a:rPr>
+              <a:t>-- </a:t>
+            </a:r>
+            <a:r>
+              <a:rPr lang="pt-BR" sz="2400" b="1" dirty="0">
+                <a:latin typeface="Times New Roman" panose="02020603050405020304" pitchFamily="18" charset="0"/>
+                <a:cs typeface="Times New Roman" panose="02020603050405020304" pitchFamily="18" charset="0"/>
+              </a:rPr>
+              <a:t>Comunidade: </a:t>
+            </a:r>
+            <a:r>
+              <a:rPr lang="pt-BR" sz="2400" dirty="0">
+                <a:latin typeface="Times New Roman" panose="02020603050405020304" pitchFamily="18" charset="0"/>
+                <a:cs typeface="Times New Roman" panose="02020603050405020304" pitchFamily="18" charset="0"/>
+                <a:hlinkClick r:id="rId6"/>
+              </a:rPr>
+              <a:t>https://www.banana-pi.org/</a:t>
+            </a:r>
+            <a:endParaRPr lang="pt-BR" sz="2400" dirty="0">
+              <a:latin typeface="Times New Roman" panose="02020603050405020304" pitchFamily="18" charset="0"/>
+              <a:cs typeface="Times New Roman" panose="02020603050405020304" pitchFamily="18" charset="0"/>
+            </a:endParaRPr>
+          </a:p>
+        </p:txBody>
+      </p:sp>
+    </p:spTree>
+    <p:extLst>
+      <p:ext uri="{BB962C8B-B14F-4D97-AF65-F5344CB8AC3E}">
+        <p14:creationId xmlns:p14="http://schemas.microsoft.com/office/powerpoint/2010/main" val="2470652989"/>
+      </p:ext>
+    </p:extLst>
+  </p:cSld>
+  <p:clrMapOvr>
+    <a:masterClrMapping/>
+  </p:clrMapOvr>
+  <p:transition spd="med"/>
+</p:sld>
+</file>
+
+<file path=ppt/slides/slide26.xml><?xml version="1.0" encoding="utf-8"?>
+<p:sld xmlns:a="http://schemas.openxmlformats.org/drawingml/2006/main" xmlns:r="http://schemas.openxmlformats.org/officeDocument/2006/relationships" xmlns:p="http://schemas.openxmlformats.org/presentationml/2006/main">
+  <p:cSld>
+    <p:spTree>
+      <p:nvGrpSpPr>
+        <p:cNvPr id="1" name=""/>
+        <p:cNvGrpSpPr/>
+        <p:nvPr/>
+      </p:nvGrpSpPr>
+      <p:grpSpPr>
+        <a:xfrm>
+          <a:off x="0" y="0"/>
+          <a:ext cx="0" cy="0"/>
+          <a:chOff x="0" y="0"/>
+          <a:chExt cx="0" cy="0"/>
+        </a:xfrm>
+      </p:grpSpPr>
+      <p:sp>
+        <p:nvSpPr>
+          <p:cNvPr id="6" name="Title 1"/>
+          <p:cNvSpPr>
+            <a:spLocks noGrp="1"/>
+          </p:cNvSpPr>
+          <p:nvPr>
+            <p:ph type="title"/>
+          </p:nvPr>
+        </p:nvSpPr>
+        <p:spPr>
+          <a:xfrm>
+            <a:off x="457200" y="205980"/>
+            <a:ext cx="8229600" cy="857251"/>
+          </a:xfrm>
+        </p:spPr>
+        <p:txBody>
+          <a:bodyPr>
+            <a:normAutofit/>
+          </a:bodyPr>
+          <a:lstStyle/>
+          <a:p>
+            <a:r>
               <a:rPr lang="en-US" b="1" dirty="0" err="1">
                 <a:solidFill>
                   <a:srgbClr val="0070C0"/>
@@ -9268,7 +11322,7 @@
 </p:sld>
 </file>
 
-<file path=ppt/slides/slide22.xml><?xml version="1.0" encoding="utf-8"?>
+<file path=ppt/slides/slide27.xml><?xml version="1.0" encoding="utf-8"?>
 <p:sld xmlns:a="http://schemas.openxmlformats.org/drawingml/2006/main" xmlns:r="http://schemas.openxmlformats.org/officeDocument/2006/relationships" xmlns:p="http://schemas.openxmlformats.org/presentationml/2006/main">
   <p:cSld>
     <p:spTree>
@@ -10969,8 +13023,8 @@
         </p:nvSpPr>
         <p:spPr>
           <a:xfrm>
-            <a:off x="142865" y="1200150"/>
-            <a:ext cx="8865056" cy="3653296"/>
+            <a:off x="142865" y="1029462"/>
+            <a:ext cx="8865056" cy="3956826"/>
           </a:xfrm>
         </p:spPr>
         <p:txBody>
@@ -11050,6 +13104,270 @@
             <a:pPr marL="0" indent="0" algn="just">
               <a:buNone/>
             </a:pPr>
+            <a:r>
+              <a:rPr lang="pt-BR" sz="2000" b="1" dirty="0">
+                <a:solidFill>
+                  <a:schemeClr val="tx1"/>
+                </a:solidFill>
+                <a:latin typeface="Times New Roman" panose="02020603050405020304" pitchFamily="18" charset="0"/>
+                <a:cs typeface="Times New Roman" panose="02020603050405020304" pitchFamily="18" charset="0"/>
+              </a:rPr>
+              <a:t>Site: </a:t>
+            </a:r>
+            <a:r>
+              <a:rPr lang="pt-BR" sz="2000" b="1" dirty="0" err="1">
+                <a:solidFill>
+                  <a:schemeClr val="tx1"/>
+                </a:solidFill>
+                <a:latin typeface="Times New Roman" panose="02020603050405020304" pitchFamily="18" charset="0"/>
+                <a:cs typeface="Times New Roman" panose="02020603050405020304" pitchFamily="18" charset="0"/>
+              </a:rPr>
+              <a:t>Aliexpress</a:t>
+            </a:r>
+            <a:r>
+              <a:rPr lang="pt-BR" sz="2000" b="1" dirty="0">
+                <a:solidFill>
+                  <a:schemeClr val="tx1"/>
+                </a:solidFill>
+                <a:latin typeface="Times New Roman" panose="02020603050405020304" pitchFamily="18" charset="0"/>
+                <a:cs typeface="Times New Roman" panose="02020603050405020304" pitchFamily="18" charset="0"/>
+              </a:rPr>
+              <a:t> </a:t>
+            </a:r>
+            <a:r>
+              <a:rPr lang="pt-BR" sz="2000" b="1" dirty="0" err="1">
+                <a:solidFill>
+                  <a:schemeClr val="tx1"/>
+                </a:solidFill>
+                <a:latin typeface="Times New Roman" panose="02020603050405020304" pitchFamily="18" charset="0"/>
+                <a:cs typeface="Times New Roman" panose="02020603050405020304" pitchFamily="18" charset="0"/>
+              </a:rPr>
+              <a:t>raspberry</a:t>
+            </a:r>
+            <a:r>
+              <a:rPr lang="pt-BR" sz="2000" b="1" dirty="0">
+                <a:solidFill>
+                  <a:schemeClr val="tx1"/>
+                </a:solidFill>
+                <a:latin typeface="Times New Roman" panose="02020603050405020304" pitchFamily="18" charset="0"/>
+                <a:cs typeface="Times New Roman" panose="02020603050405020304" pitchFamily="18" charset="0"/>
+              </a:rPr>
+              <a:t> pi 4</a:t>
+            </a:r>
+          </a:p>
+          <a:p>
+            <a:pPr marL="0" indent="0" algn="just">
+              <a:buNone/>
+            </a:pPr>
+            <a:r>
+              <a:rPr lang="pt-BR" sz="2000" dirty="0">
+                <a:solidFill>
+                  <a:schemeClr val="tx1"/>
+                </a:solidFill>
+                <a:latin typeface="Times New Roman" panose="02020603050405020304" pitchFamily="18" charset="0"/>
+                <a:cs typeface="Times New Roman" panose="02020603050405020304" pitchFamily="18" charset="0"/>
+              </a:rPr>
+              <a:t>		</a:t>
+            </a:r>
+            <a:r>
+              <a:rPr lang="pt-BR" sz="2000" b="1" dirty="0">
+                <a:solidFill>
+                  <a:schemeClr val="tx1"/>
+                </a:solidFill>
+                <a:latin typeface="Times New Roman" panose="02020603050405020304" pitchFamily="18" charset="0"/>
+                <a:cs typeface="Times New Roman" panose="02020603050405020304" pitchFamily="18" charset="0"/>
+              </a:rPr>
+              <a:t>Loja</a:t>
+            </a:r>
+            <a:r>
+              <a:rPr lang="pt-BR" sz="2000" dirty="0">
+                <a:solidFill>
+                  <a:schemeClr val="tx1"/>
+                </a:solidFill>
+                <a:latin typeface="Times New Roman" panose="02020603050405020304" pitchFamily="18" charset="0"/>
+                <a:cs typeface="Times New Roman" panose="02020603050405020304" pitchFamily="18" charset="0"/>
+              </a:rPr>
+              <a:t>: </a:t>
+            </a:r>
+            <a:r>
+              <a:rPr lang="pt-BR" sz="2000" dirty="0" err="1">
+                <a:solidFill>
+                  <a:schemeClr val="tx1"/>
+                </a:solidFill>
+                <a:latin typeface="Times New Roman" panose="02020603050405020304" pitchFamily="18" charset="0"/>
+                <a:cs typeface="Times New Roman" panose="02020603050405020304" pitchFamily="18" charset="0"/>
+              </a:rPr>
+              <a:t>Stutu</a:t>
+            </a:r>
+            <a:r>
+              <a:rPr lang="pt-BR" sz="2000" dirty="0">
+                <a:solidFill>
+                  <a:schemeClr val="tx1"/>
+                </a:solidFill>
+                <a:latin typeface="Times New Roman" panose="02020603050405020304" pitchFamily="18" charset="0"/>
+                <a:cs typeface="Times New Roman" panose="02020603050405020304" pitchFamily="18" charset="0"/>
+              </a:rPr>
+              <a:t> Store, por exemplo: 4GB RAM, </a:t>
+            </a:r>
+            <a:r>
+              <a:rPr lang="pt-BR" sz="2000" b="1" dirty="0">
+                <a:solidFill>
+                  <a:srgbClr val="FF0000"/>
+                </a:solidFill>
+                <a:latin typeface="Times New Roman" panose="02020603050405020304" pitchFamily="18" charset="0"/>
+                <a:cs typeface="Times New Roman" panose="02020603050405020304" pitchFamily="18" charset="0"/>
+              </a:rPr>
+              <a:t>&lt;=&gt; </a:t>
+            </a:r>
+            <a:r>
+              <a:rPr lang="pt-BR" sz="2000" b="1" dirty="0">
+                <a:solidFill>
+                  <a:schemeClr val="tx1"/>
+                </a:solidFill>
+                <a:latin typeface="Times New Roman" panose="02020603050405020304" pitchFamily="18" charset="0"/>
+                <a:cs typeface="Times New Roman" panose="02020603050405020304" pitchFamily="18" charset="0"/>
+              </a:rPr>
+              <a:t>$210</a:t>
+            </a:r>
+          </a:p>
+          <a:p>
+            <a:pPr marL="0" indent="0" algn="just">
+              <a:buNone/>
+            </a:pPr>
+            <a:r>
+              <a:rPr lang="pt-BR" sz="2000" b="1" dirty="0">
+                <a:solidFill>
+                  <a:schemeClr val="tx1"/>
+                </a:solidFill>
+                <a:latin typeface="Times New Roman" panose="02020603050405020304" pitchFamily="18" charset="0"/>
+                <a:cs typeface="Times New Roman" panose="02020603050405020304" pitchFamily="18" charset="0"/>
+              </a:rPr>
+              <a:t>Site: Mercado Livre</a:t>
+            </a:r>
+          </a:p>
+          <a:p>
+            <a:pPr marL="0" indent="0" algn="just">
+              <a:buNone/>
+            </a:pPr>
+            <a:r>
+              <a:rPr lang="pt-BR" sz="2000" b="1" dirty="0">
+                <a:solidFill>
+                  <a:schemeClr val="tx1"/>
+                </a:solidFill>
+                <a:latin typeface="Times New Roman" panose="02020603050405020304" pitchFamily="18" charset="0"/>
+                <a:cs typeface="Times New Roman" panose="02020603050405020304" pitchFamily="18" charset="0"/>
+              </a:rPr>
+              <a:t>		</a:t>
+            </a:r>
+            <a:r>
+              <a:rPr lang="pt-BR" sz="2000" dirty="0">
+                <a:solidFill>
+                  <a:schemeClr val="tx1"/>
+                </a:solidFill>
+                <a:latin typeface="Times New Roman" panose="02020603050405020304" pitchFamily="18" charset="0"/>
+                <a:cs typeface="Times New Roman" panose="02020603050405020304" pitchFamily="18" charset="0"/>
+                <a:hlinkClick r:id="rId4"/>
+              </a:rPr>
+              <a:t>https://www.mercadolivre.com.br/</a:t>
+            </a:r>
+            <a:r>
+              <a:rPr lang="pt-BR" sz="2000" dirty="0">
+                <a:solidFill>
+                  <a:schemeClr val="tx1"/>
+                </a:solidFill>
+                <a:latin typeface="Times New Roman" panose="02020603050405020304" pitchFamily="18" charset="0"/>
+                <a:cs typeface="Times New Roman" panose="02020603050405020304" pitchFamily="18" charset="0"/>
+              </a:rPr>
+              <a:t>   - </a:t>
+            </a:r>
+            <a:r>
+              <a:rPr lang="pt-BR" sz="2000" b="1" dirty="0" err="1">
+                <a:solidFill>
+                  <a:srgbClr val="FF0000"/>
+                </a:solidFill>
+                <a:latin typeface="Times New Roman" panose="02020603050405020304" pitchFamily="18" charset="0"/>
+                <a:cs typeface="Times New Roman" panose="02020603050405020304" pitchFamily="18" charset="0"/>
+              </a:rPr>
+              <a:t>apx</a:t>
+            </a:r>
+            <a:r>
+              <a:rPr lang="pt-BR" sz="2000" b="1" dirty="0">
+                <a:solidFill>
+                  <a:srgbClr val="FF0000"/>
+                </a:solidFill>
+                <a:latin typeface="Times New Roman" panose="02020603050405020304" pitchFamily="18" charset="0"/>
+                <a:cs typeface="Times New Roman" panose="02020603050405020304" pitchFamily="18" charset="0"/>
+              </a:rPr>
+              <a:t> R$550,00 + frete</a:t>
+            </a:r>
+            <a:endParaRPr lang="pt-BR" sz="2000" b="1" dirty="0">
+              <a:solidFill>
+                <a:schemeClr val="tx1"/>
+              </a:solidFill>
+              <a:latin typeface="Times New Roman" panose="02020603050405020304" pitchFamily="18" charset="0"/>
+              <a:cs typeface="Times New Roman" panose="02020603050405020304" pitchFamily="18" charset="0"/>
+            </a:endParaRPr>
+          </a:p>
+          <a:p>
+            <a:pPr marL="0" indent="0" algn="just">
+              <a:buNone/>
+            </a:pPr>
+            <a:r>
+              <a:rPr lang="pt-BR" sz="2000" b="1" dirty="0">
+                <a:solidFill>
+                  <a:schemeClr val="tx1"/>
+                </a:solidFill>
+                <a:latin typeface="Times New Roman" panose="02020603050405020304" pitchFamily="18" charset="0"/>
+                <a:cs typeface="Times New Roman" panose="02020603050405020304" pitchFamily="18" charset="0"/>
+              </a:rPr>
+              <a:t>Site: Ebay (</a:t>
+            </a:r>
+            <a:r>
+              <a:rPr lang="pt-BR" sz="2000" b="1" dirty="0">
+                <a:solidFill>
+                  <a:srgbClr val="FF0000"/>
+                </a:solidFill>
+                <a:latin typeface="Times New Roman" panose="02020603050405020304" pitchFamily="18" charset="0"/>
+                <a:cs typeface="Times New Roman" panose="02020603050405020304" pitchFamily="18" charset="0"/>
+              </a:rPr>
+              <a:t>$209</a:t>
+            </a:r>
+            <a:r>
+              <a:rPr lang="pt-BR" sz="2000" b="1" dirty="0">
+                <a:solidFill>
+                  <a:schemeClr val="tx1"/>
+                </a:solidFill>
+                <a:latin typeface="Times New Roman" panose="02020603050405020304" pitchFamily="18" charset="0"/>
+                <a:cs typeface="Times New Roman" panose="02020603050405020304" pitchFamily="18" charset="0"/>
+              </a:rPr>
+              <a:t>)</a:t>
+            </a:r>
+          </a:p>
+          <a:p>
+            <a:pPr marL="0" indent="0" algn="just">
+              <a:buNone/>
+            </a:pPr>
+            <a:r>
+              <a:rPr lang="pt-BR" sz="2000" dirty="0">
+                <a:solidFill>
+                  <a:schemeClr val="tx1"/>
+                </a:solidFill>
+                <a:latin typeface="Times New Roman" panose="02020603050405020304" pitchFamily="18" charset="0"/>
+                <a:cs typeface="Times New Roman" panose="02020603050405020304" pitchFamily="18" charset="0"/>
+              </a:rPr>
+              <a:t>		 </a:t>
+            </a:r>
+            <a:r>
+              <a:rPr lang="pt-BR" sz="2000" dirty="0">
+                <a:solidFill>
+                  <a:schemeClr val="tx1"/>
+                </a:solidFill>
+                <a:latin typeface="Times New Roman" panose="02020603050405020304" pitchFamily="18" charset="0"/>
+                <a:cs typeface="Times New Roman" panose="02020603050405020304" pitchFamily="18" charset="0"/>
+                <a:hlinkClick r:id="rId5"/>
+              </a:rPr>
+              <a:t>https://www.ebay.com/</a:t>
+            </a:r>
             <a:endParaRPr lang="pt-BR" sz="2000" dirty="0">
               <a:solidFill>
                 <a:schemeClr val="tx1"/>
@@ -11070,47 +13388,7 @@
                 <a:latin typeface="Times New Roman" panose="02020603050405020304" pitchFamily="18" charset="0"/>
                 <a:cs typeface="Times New Roman" panose="02020603050405020304" pitchFamily="18" charset="0"/>
               </a:rPr>
-              <a:t>Site: </a:t>
-            </a:r>
-            <a:r>
-              <a:rPr lang="pt-BR" sz="2000" b="1" dirty="0" err="1">
-                <a:solidFill>
-                  <a:schemeClr val="tx1"/>
-                </a:solidFill>
-                <a:latin typeface="Times New Roman" panose="02020603050405020304" pitchFamily="18" charset="0"/>
-                <a:cs typeface="Times New Roman" panose="02020603050405020304" pitchFamily="18" charset="0"/>
-              </a:rPr>
-              <a:t>Aliexpress</a:t>
-            </a:r>
-            <a:r>
-              <a:rPr lang="pt-BR" sz="2000" b="1" dirty="0">
-                <a:solidFill>
-                  <a:schemeClr val="tx1"/>
-                </a:solidFill>
-                <a:latin typeface="Times New Roman" panose="02020603050405020304" pitchFamily="18" charset="0"/>
-                <a:cs typeface="Times New Roman" panose="02020603050405020304" pitchFamily="18" charset="0"/>
-              </a:rPr>
-              <a:t> </a:t>
-            </a:r>
-            <a:r>
-              <a:rPr lang="pt-BR" sz="2000" b="1" dirty="0" err="1">
-                <a:solidFill>
-                  <a:schemeClr val="tx1"/>
-                </a:solidFill>
-                <a:latin typeface="Times New Roman" panose="02020603050405020304" pitchFamily="18" charset="0"/>
-                <a:cs typeface="Times New Roman" panose="02020603050405020304" pitchFamily="18" charset="0"/>
-              </a:rPr>
-              <a:t>raspberry</a:t>
-            </a:r>
-            <a:r>
-              <a:rPr lang="pt-BR" sz="2000" b="1" dirty="0">
-                <a:solidFill>
-                  <a:schemeClr val="tx1"/>
-                </a:solidFill>
-                <a:latin typeface="Times New Roman" panose="02020603050405020304" pitchFamily="18" charset="0"/>
-                <a:cs typeface="Times New Roman" panose="02020603050405020304" pitchFamily="18" charset="0"/>
-              </a:rPr>
-              <a:t> pi 4</a:t>
+              <a:t>Site: AWS</a:t>
             </a:r>
           </a:p>
           <a:p>
@@ -11125,83 +13403,19 @@
                 <a:latin typeface="Times New Roman" panose="02020603050405020304" pitchFamily="18" charset="0"/>
                 <a:cs typeface="Times New Roman" panose="02020603050405020304" pitchFamily="18" charset="0"/>
               </a:rPr>
-              <a:t>		</a:t>
-            </a:r>
-            <a:r>
-              <a:rPr lang="pt-BR" sz="2000" b="1" dirty="0">
-                <a:solidFill>
-                  <a:schemeClr val="tx1"/>
-                </a:solidFill>
-                <a:latin typeface="Times New Roman" panose="02020603050405020304" pitchFamily="18" charset="0"/>
-                <a:cs typeface="Times New Roman" panose="02020603050405020304" pitchFamily="18" charset="0"/>
-              </a:rPr>
-              <a:t>Loja</a:t>
-            </a:r>
-            <a:r>
-              <a:rPr lang="pt-BR" sz="2000" dirty="0">
-                <a:solidFill>
-                  <a:schemeClr val="tx1"/>
-                </a:solidFill>
-                <a:latin typeface="Times New Roman" panose="02020603050405020304" pitchFamily="18" charset="0"/>
-                <a:cs typeface="Times New Roman" panose="02020603050405020304" pitchFamily="18" charset="0"/>
-              </a:rPr>
-              <a:t>: </a:t>
-            </a:r>
-            <a:r>
-              <a:rPr lang="pt-BR" sz="2000" dirty="0" err="1">
-                <a:solidFill>
-                  <a:schemeClr val="tx1"/>
-                </a:solidFill>
-                <a:latin typeface="Times New Roman" panose="02020603050405020304" pitchFamily="18" charset="0"/>
-                <a:cs typeface="Times New Roman" panose="02020603050405020304" pitchFamily="18" charset="0"/>
-              </a:rPr>
-              <a:t>Stutu</a:t>
-            </a:r>
-            <a:r>
-              <a:rPr lang="pt-BR" sz="2000" dirty="0">
-                <a:solidFill>
-                  <a:schemeClr val="tx1"/>
-                </a:solidFill>
-                <a:latin typeface="Times New Roman" panose="02020603050405020304" pitchFamily="18" charset="0"/>
-                <a:cs typeface="Times New Roman" panose="02020603050405020304" pitchFamily="18" charset="0"/>
-              </a:rPr>
-              <a:t> Store, por exemplo: 4GB RAM, </a:t>
-            </a:r>
-            <a:r>
-              <a:rPr lang="pt-BR" sz="2000" b="1" dirty="0" err="1">
-                <a:solidFill>
-                  <a:srgbClr val="FF0000"/>
-                </a:solidFill>
-                <a:latin typeface="Times New Roman" panose="02020603050405020304" pitchFamily="18" charset="0"/>
-                <a:cs typeface="Times New Roman" panose="02020603050405020304" pitchFamily="18" charset="0"/>
-              </a:rPr>
-              <a:t>apx</a:t>
-            </a:r>
-            <a:r>
-              <a:rPr lang="pt-BR" sz="2000" b="1" dirty="0">
-                <a:solidFill>
-                  <a:srgbClr val="FF0000"/>
-                </a:solidFill>
-                <a:latin typeface="Times New Roman" panose="02020603050405020304" pitchFamily="18" charset="0"/>
-                <a:cs typeface="Times New Roman" panose="02020603050405020304" pitchFamily="18" charset="0"/>
-              </a:rPr>
-              <a:t> R$280,00 &lt;=&gt; </a:t>
-            </a:r>
-            <a:r>
-              <a:rPr lang="pt-BR" sz="2000" b="1" dirty="0">
-                <a:solidFill>
-                  <a:schemeClr val="tx1"/>
-                </a:solidFill>
-                <a:latin typeface="Times New Roman" panose="02020603050405020304" pitchFamily="18" charset="0"/>
-                <a:cs typeface="Times New Roman" panose="02020603050405020304" pitchFamily="18" charset="0"/>
-              </a:rPr>
-              <a:t>$55</a:t>
-            </a:r>
-          </a:p>
-          <a:p>
-            <a:pPr marL="0" indent="0" algn="just">
-              <a:buNone/>
-            </a:pPr>
+              <a:t>		 </a:t>
+            </a:r>
+            <a:r>
+              <a:rPr lang="pt-BR" sz="2000" dirty="0">
+                <a:solidFill>
+                  <a:schemeClr val="tx1"/>
+                </a:solidFill>
+                <a:latin typeface="Times New Roman" panose="02020603050405020304" pitchFamily="18" charset="0"/>
+                <a:cs typeface="Times New Roman" panose="02020603050405020304" pitchFamily="18" charset="0"/>
+                <a:hlinkClick r:id="rId6"/>
+              </a:rPr>
+              <a:t>https://aws.amazon.com/pt/</a:t>
+            </a:r>
             <a:endParaRPr lang="pt-BR" sz="2000" dirty="0">
               <a:solidFill>
                 <a:schemeClr val="tx1"/>
@@ -11214,82 +13428,6 @@
             <a:pPr marL="0" indent="0" algn="just">
               <a:buNone/>
             </a:pPr>
-            <a:r>
-              <a:rPr lang="pt-BR" sz="2000" b="1" dirty="0">
-                <a:solidFill>
-                  <a:schemeClr val="tx1"/>
-                </a:solidFill>
-                <a:latin typeface="Times New Roman" panose="02020603050405020304" pitchFamily="18" charset="0"/>
-                <a:cs typeface="Times New Roman" panose="02020603050405020304" pitchFamily="18" charset="0"/>
-              </a:rPr>
-              <a:t>Site: Mercado Livre</a:t>
-            </a:r>
-          </a:p>
-          <a:p>
-            <a:pPr marL="0" indent="0" algn="just">
-              <a:buNone/>
-            </a:pPr>
-            <a:r>
-              <a:rPr lang="pt-BR" sz="2000" b="1" dirty="0">
-                <a:solidFill>
-                  <a:schemeClr val="tx1"/>
-                </a:solidFill>
-                <a:latin typeface="Times New Roman" panose="02020603050405020304" pitchFamily="18" charset="0"/>
-                <a:cs typeface="Times New Roman" panose="02020603050405020304" pitchFamily="18" charset="0"/>
-              </a:rPr>
-              <a:t>		</a:t>
-            </a:r>
-            <a:r>
-              <a:rPr lang="pt-BR" sz="2000" dirty="0">
-                <a:solidFill>
-                  <a:schemeClr val="tx1"/>
-                </a:solidFill>
-                <a:latin typeface="Times New Roman" panose="02020603050405020304" pitchFamily="18" charset="0"/>
-                <a:cs typeface="Times New Roman" panose="02020603050405020304" pitchFamily="18" charset="0"/>
-                <a:hlinkClick r:id="rId4"/>
-              </a:rPr>
-              <a:t>https://www.mercadolivre.com.br/</a:t>
-            </a:r>
-            <a:r>
-              <a:rPr lang="pt-BR" sz="2000" dirty="0">
-                <a:solidFill>
-                  <a:schemeClr val="tx1"/>
-                </a:solidFill>
-                <a:latin typeface="Times New Roman" panose="02020603050405020304" pitchFamily="18" charset="0"/>
-                <a:cs typeface="Times New Roman" panose="02020603050405020304" pitchFamily="18" charset="0"/>
-              </a:rPr>
-              <a:t>   - </a:t>
-            </a:r>
-            <a:r>
-              <a:rPr lang="pt-BR" sz="2000" b="1" dirty="0" err="1">
-                <a:solidFill>
-                  <a:srgbClr val="FF0000"/>
-                </a:solidFill>
-                <a:latin typeface="Times New Roman" panose="02020603050405020304" pitchFamily="18" charset="0"/>
-                <a:cs typeface="Times New Roman" panose="02020603050405020304" pitchFamily="18" charset="0"/>
-              </a:rPr>
-              <a:t>apx</a:t>
-            </a:r>
-            <a:r>
-              <a:rPr lang="pt-BR" sz="2000" b="1" dirty="0">
-                <a:solidFill>
-                  <a:srgbClr val="FF0000"/>
-                </a:solidFill>
-                <a:latin typeface="Times New Roman" panose="02020603050405020304" pitchFamily="18" charset="0"/>
-                <a:cs typeface="Times New Roman" panose="02020603050405020304" pitchFamily="18" charset="0"/>
-              </a:rPr>
-              <a:t> R$550,00 + frete &lt;=&gt; </a:t>
-            </a:r>
-            <a:r>
-              <a:rPr lang="pt-BR" sz="2000" b="1" dirty="0">
-                <a:solidFill>
-                  <a:schemeClr val="tx1"/>
-                </a:solidFill>
-                <a:latin typeface="Times New Roman" panose="02020603050405020304" pitchFamily="18" charset="0"/>
-                <a:cs typeface="Times New Roman" panose="02020603050405020304" pitchFamily="18" charset="0"/>
-              </a:rPr>
-              <a:t>$55</a:t>
-            </a:r>
             <a:endParaRPr lang="pt-BR" sz="2000" dirty="0">
               <a:solidFill>
                 <a:schemeClr val="tx1"/>
@@ -12705,7 +14843,27 @@
                 <a:latin typeface="Times New Roman" panose="02020603050405020304" pitchFamily="18" charset="0"/>
                 <a:cs typeface="Times New Roman" panose="02020603050405020304" pitchFamily="18" charset="0"/>
               </a:rPr>
-              <a:t>: (</a:t>
+              <a:t>: </a:t>
+            </a:r>
+            <a:r>
+              <a:rPr lang="pt-BR" sz="2000" b="1" dirty="0">
+                <a:solidFill>
+                  <a:srgbClr val="FF0000"/>
+                </a:solidFill>
+                <a:latin typeface="Times New Roman" panose="02020603050405020304" pitchFamily="18" charset="0"/>
+                <a:cs typeface="Times New Roman" panose="02020603050405020304" pitchFamily="18" charset="0"/>
+              </a:rPr>
+              <a:t>modelo antigo</a:t>
+            </a:r>
+            <a:r>
+              <a:rPr lang="pt-BR" sz="2000" dirty="0">
+                <a:solidFill>
+                  <a:schemeClr val="tx1"/>
+                </a:solidFill>
+                <a:latin typeface="Times New Roman" panose="02020603050405020304" pitchFamily="18" charset="0"/>
+                <a:cs typeface="Times New Roman" panose="02020603050405020304" pitchFamily="18" charset="0"/>
+              </a:rPr>
+              <a:t>(</a:t>
             </a:r>
             <a:r>
               <a:rPr lang="pt-BR" sz="2000" b="1" dirty="0">
@@ -12751,7 +14909,7 @@
                 <a:latin typeface="Times New Roman" panose="02020603050405020304" pitchFamily="18" charset="0"/>
                 <a:cs typeface="Times New Roman" panose="02020603050405020304" pitchFamily="18" charset="0"/>
               </a:rPr>
-              <a:t>: (</a:t>
+              <a:t>: </a:t>
             </a:r>
             <a:r>
               <a:rPr lang="pt-BR" sz="2000" b="1" dirty="0">
@@ -12761,6 +14919,26 @@
                 <a:latin typeface="Times New Roman" panose="02020603050405020304" pitchFamily="18" charset="0"/>
                 <a:cs typeface="Times New Roman" panose="02020603050405020304" pitchFamily="18" charset="0"/>
               </a:rPr>
+              <a:t>modelo novo</a:t>
+            </a:r>
+            <a:r>
+              <a:rPr lang="pt-BR" sz="2000" dirty="0">
+                <a:solidFill>
+                  <a:schemeClr val="tx1"/>
+                </a:solidFill>
+                <a:latin typeface="Times New Roman" panose="02020603050405020304" pitchFamily="18" charset="0"/>
+                <a:cs typeface="Times New Roman" panose="02020603050405020304" pitchFamily="18" charset="0"/>
+              </a:rPr>
+              <a:t>(</a:t>
+            </a:r>
+            <a:r>
+              <a:rPr lang="pt-BR" sz="2000" b="1" dirty="0">
+                <a:solidFill>
+                  <a:srgbClr val="FF0000"/>
+                </a:solidFill>
+                <a:latin typeface="Times New Roman" panose="02020603050405020304" pitchFamily="18" charset="0"/>
+                <a:cs typeface="Times New Roman" panose="02020603050405020304" pitchFamily="18" charset="0"/>
+              </a:rPr>
               <a:t>CPU/GPU</a:t>
             </a:r>
             <a:r>
@@ -12771,7 +14949,7 @@
                 <a:latin typeface="Times New Roman" panose="02020603050405020304" pitchFamily="18" charset="0"/>
                 <a:cs typeface="Times New Roman" panose="02020603050405020304" pitchFamily="18" charset="0"/>
               </a:rPr>
-              <a:t>) – 4cores; 64bits; 1.5GHz, ou superior; 1GB DDR4 RAM</a:t>
+              <a:t>) – 4cores; 64bits; 1.5GHz; DDR4 RAM</a:t>
             </a:r>
           </a:p>
           <a:p>
